--- a/Presentation1.pptx
+++ b/Presentation1.pptx
@@ -6,6 +6,9 @@
   </p:sldMasterIdLst>
   <p:sldIdLst>
     <p:sldId id="256" r:id="rId2"/>
+    <p:sldId id="257" r:id="rId3"/>
+    <p:sldId id="258" r:id="rId4"/>
+    <p:sldId id="259" r:id="rId5"/>
   </p:sldIdLst>
   <p:sldSz cx="12192000" cy="6858000"/>
   <p:notesSz cx="6858000" cy="9144000"/>
@@ -6221,6 +6224,501 @@
 </p:sld>
 </file>
 
+<file path=ppt/slides/slide2.xml><?xml version="1.0" encoding="utf-8"?>
+<p:sld xmlns:a="http://schemas.openxmlformats.org/drawingml/2006/main" xmlns:r="http://schemas.openxmlformats.org/officeDocument/2006/relationships" xmlns:p="http://schemas.openxmlformats.org/presentationml/2006/main">
+  <p:cSld>
+    <p:spTree>
+      <p:nvGrpSpPr>
+        <p:cNvPr id="1" name=""/>
+        <p:cNvGrpSpPr/>
+        <p:nvPr/>
+      </p:nvGrpSpPr>
+      <p:grpSpPr>
+        <a:xfrm>
+          <a:off x="0" y="0"/>
+          <a:ext cx="0" cy="0"/>
+          <a:chOff x="0" y="0"/>
+          <a:chExt cx="0" cy="0"/>
+        </a:xfrm>
+      </p:grpSpPr>
+      <p:sp>
+        <p:nvSpPr>
+          <p:cNvPr id="2" name="Title 1"/>
+          <p:cNvSpPr>
+            <a:spLocks noGrp="1"/>
+          </p:cNvSpPr>
+          <p:nvPr>
+            <p:ph type="title"/>
+          </p:nvPr>
+        </p:nvSpPr>
+        <p:spPr/>
+        <p:txBody>
+          <a:bodyPr/>
+          <a:lstStyle/>
+          <a:p>
+            <a:r>
+              <a:rPr lang="en-US" i="1" dirty="0" smtClean="0">
+                <a:latin typeface="Bookman Old Style" charset="0"/>
+                <a:ea typeface="Bookman Old Style" charset="0"/>
+                <a:cs typeface="Bookman Old Style" charset="0"/>
+              </a:rPr>
+              <a:t>Digital Handwriting Recognizer</a:t>
+            </a:r>
+            <a:endParaRPr lang="en-US" i="1" dirty="0">
+              <a:latin typeface="Bookman Old Style" charset="0"/>
+              <a:ea typeface="Bookman Old Style" charset="0"/>
+              <a:cs typeface="Bookman Old Style" charset="0"/>
+            </a:endParaRPr>
+          </a:p>
+        </p:txBody>
+      </p:sp>
+      <p:sp>
+        <p:nvSpPr>
+          <p:cNvPr id="3" name="Content Placeholder 2"/>
+          <p:cNvSpPr>
+            <a:spLocks noGrp="1"/>
+          </p:cNvSpPr>
+          <p:nvPr>
+            <p:ph idx="1"/>
+          </p:nvPr>
+        </p:nvSpPr>
+        <p:spPr/>
+        <p:txBody>
+          <a:bodyPr/>
+          <a:lstStyle/>
+          <a:p>
+            <a:r>
+              <a:rPr lang="en-US" dirty="0" smtClean="0">
+                <a:latin typeface="Bookman Old Style" charset="0"/>
+                <a:ea typeface="Bookman Old Style" charset="0"/>
+                <a:cs typeface="Bookman Old Style" charset="0"/>
+              </a:rPr>
+              <a:t>Read in the training dataset and testing dataset from Kaggle</a:t>
+            </a:r>
+          </a:p>
+          <a:p>
+            <a:r>
+              <a:rPr lang="en-US" dirty="0" smtClean="0">
+                <a:latin typeface="Bookman Old Style" charset="0"/>
+                <a:ea typeface="Bookman Old Style" charset="0"/>
+                <a:cs typeface="Bookman Old Style" charset="0"/>
+              </a:rPr>
+              <a:t>Make the dataset (training dataset) smaller</a:t>
+            </a:r>
+          </a:p>
+          <a:p>
+            <a:pPr lvl="1"/>
+            <a:r>
+              <a:rPr lang="en-US" dirty="0" smtClean="0">
+                <a:latin typeface="Bookman Old Style" charset="0"/>
+                <a:ea typeface="Bookman Old Style" charset="0"/>
+                <a:cs typeface="Bookman Old Style" charset="0"/>
+              </a:rPr>
+              <a:t>Because the dataset has 42,000 Observations (</a:t>
+            </a:r>
+            <a:r>
+              <a:rPr lang="en-US" dirty="0" err="1" smtClean="0">
+                <a:latin typeface="Bookman Old Style" charset="0"/>
+                <a:ea typeface="Bookman Old Style" charset="0"/>
+                <a:cs typeface="Bookman Old Style" charset="0"/>
+              </a:rPr>
+              <a:t>obs</a:t>
+            </a:r>
+            <a:r>
+              <a:rPr lang="en-US" dirty="0" smtClean="0">
+                <a:latin typeface="Bookman Old Style" charset="0"/>
+                <a:ea typeface="Bookman Old Style" charset="0"/>
+                <a:cs typeface="Bookman Old Style" charset="0"/>
+              </a:rPr>
+              <a:t>) and 785 variables</a:t>
+            </a:r>
+          </a:p>
+          <a:p>
+            <a:pPr lvl="1"/>
+            <a:r>
+              <a:rPr lang="en-US" dirty="0" smtClean="0">
+                <a:latin typeface="Bookman Old Style" charset="0"/>
+                <a:ea typeface="Bookman Old Style" charset="0"/>
+                <a:cs typeface="Bookman Old Style" charset="0"/>
+              </a:rPr>
+              <a:t>No way we would be able to run ‘</a:t>
+            </a:r>
+            <a:r>
+              <a:rPr lang="en-US" dirty="0" err="1" smtClean="0">
+                <a:latin typeface="Bookman Old Style" charset="0"/>
+                <a:ea typeface="Bookman Old Style" charset="0"/>
+                <a:cs typeface="Bookman Old Style" charset="0"/>
+              </a:rPr>
+              <a:t>specc</a:t>
+            </a:r>
+            <a:r>
+              <a:rPr lang="en-US" dirty="0" smtClean="0">
+                <a:latin typeface="Bookman Old Style" charset="0"/>
+                <a:ea typeface="Bookman Old Style" charset="0"/>
+                <a:cs typeface="Bookman Old Style" charset="0"/>
+              </a:rPr>
+              <a:t>()’ on 42,000 </a:t>
+            </a:r>
+            <a:r>
+              <a:rPr lang="en-US" dirty="0" err="1" smtClean="0">
+                <a:latin typeface="Bookman Old Style" charset="0"/>
+                <a:ea typeface="Bookman Old Style" charset="0"/>
+                <a:cs typeface="Bookman Old Style" charset="0"/>
+              </a:rPr>
+              <a:t>obs</a:t>
+            </a:r>
+            <a:r>
+              <a:rPr lang="en-US" dirty="0" smtClean="0">
+                <a:latin typeface="Bookman Old Style" charset="0"/>
+                <a:ea typeface="Bookman Old Style" charset="0"/>
+                <a:cs typeface="Bookman Old Style" charset="0"/>
+              </a:rPr>
+              <a:t> on a laptop</a:t>
+            </a:r>
+          </a:p>
+          <a:p>
+            <a:r>
+              <a:rPr lang="en-US" dirty="0" smtClean="0">
+                <a:latin typeface="Bookman Old Style" charset="0"/>
+                <a:ea typeface="Bookman Old Style" charset="0"/>
+                <a:cs typeface="Bookman Old Style" charset="0"/>
+              </a:rPr>
+              <a:t>Next, delete the labels from the </a:t>
+            </a:r>
+            <a:r>
+              <a:rPr lang="en-US" dirty="0" err="1" smtClean="0">
+                <a:latin typeface="Bookman Old Style" charset="0"/>
+                <a:ea typeface="Bookman Old Style" charset="0"/>
+                <a:cs typeface="Bookman Old Style" charset="0"/>
+              </a:rPr>
+              <a:t>obs</a:t>
+            </a:r>
+            <a:r>
+              <a:rPr lang="en-US" dirty="0" smtClean="0">
+                <a:latin typeface="Bookman Old Style" charset="0"/>
+                <a:ea typeface="Bookman Old Style" charset="0"/>
+                <a:cs typeface="Bookman Old Style" charset="0"/>
+              </a:rPr>
+              <a:t> from Column 2 to the end.</a:t>
+            </a:r>
+            <a:endParaRPr lang="en-US" dirty="0">
+              <a:latin typeface="Bookman Old Style" charset="0"/>
+              <a:ea typeface="Bookman Old Style" charset="0"/>
+              <a:cs typeface="Bookman Old Style" charset="0"/>
+            </a:endParaRPr>
+          </a:p>
+        </p:txBody>
+      </p:sp>
+    </p:spTree>
+    <p:extLst>
+      <p:ext uri="{BB962C8B-B14F-4D97-AF65-F5344CB8AC3E}">
+        <p14:creationId xmlns:p14="http://schemas.microsoft.com/office/powerpoint/2010/main" val="422597759"/>
+      </p:ext>
+    </p:extLst>
+  </p:cSld>
+  <p:clrMapOvr>
+    <a:masterClrMapping/>
+  </p:clrMapOvr>
+</p:sld>
+</file>
+
+<file path=ppt/slides/slide3.xml><?xml version="1.0" encoding="utf-8"?>
+<p:sld xmlns:a="http://schemas.openxmlformats.org/drawingml/2006/main" xmlns:r="http://schemas.openxmlformats.org/officeDocument/2006/relationships" xmlns:p="http://schemas.openxmlformats.org/presentationml/2006/main">
+  <p:cSld>
+    <p:spTree>
+      <p:nvGrpSpPr>
+        <p:cNvPr id="1" name=""/>
+        <p:cNvGrpSpPr/>
+        <p:nvPr/>
+      </p:nvGrpSpPr>
+      <p:grpSpPr>
+        <a:xfrm>
+          <a:off x="0" y="0"/>
+          <a:ext cx="0" cy="0"/>
+          <a:chOff x="0" y="0"/>
+          <a:chExt cx="0" cy="0"/>
+        </a:xfrm>
+      </p:grpSpPr>
+      <p:sp>
+        <p:nvSpPr>
+          <p:cNvPr id="2" name="Title 1"/>
+          <p:cNvSpPr>
+            <a:spLocks noGrp="1"/>
+          </p:cNvSpPr>
+          <p:nvPr>
+            <p:ph type="title"/>
+          </p:nvPr>
+        </p:nvSpPr>
+        <p:spPr/>
+        <p:txBody>
+          <a:bodyPr/>
+          <a:lstStyle/>
+          <a:p>
+            <a:r>
+              <a:rPr lang="en-US" i="1" dirty="0" smtClean="0">
+                <a:latin typeface="Bookman Old Style" charset="0"/>
+                <a:ea typeface="Bookman Old Style" charset="0"/>
+                <a:cs typeface="Bookman Old Style" charset="0"/>
+              </a:rPr>
+              <a:t>Digital Handwriting Recognizer</a:t>
+            </a:r>
+            <a:endParaRPr lang="en-US" i="1" dirty="0">
+              <a:latin typeface="Bookman Old Style" charset="0"/>
+              <a:ea typeface="Bookman Old Style" charset="0"/>
+              <a:cs typeface="Bookman Old Style" charset="0"/>
+            </a:endParaRPr>
+          </a:p>
+        </p:txBody>
+      </p:sp>
+      <p:sp>
+        <p:nvSpPr>
+          <p:cNvPr id="3" name="Content Placeholder 2"/>
+          <p:cNvSpPr>
+            <a:spLocks noGrp="1"/>
+          </p:cNvSpPr>
+          <p:nvPr>
+            <p:ph idx="1"/>
+          </p:nvPr>
+        </p:nvSpPr>
+        <p:spPr/>
+        <p:txBody>
+          <a:bodyPr/>
+          <a:lstStyle/>
+          <a:p>
+            <a:r>
+              <a:rPr lang="en-US" dirty="0" smtClean="0">
+                <a:latin typeface="Bookman Old Style" charset="0"/>
+                <a:ea typeface="Bookman Old Style" charset="0"/>
+                <a:cs typeface="Bookman Old Style" charset="0"/>
+              </a:rPr>
+              <a:t>Here, we ran the specc spectral clustering algorithm to observe the results (on the training dataset without labels)</a:t>
+            </a:r>
+          </a:p>
+          <a:p>
+            <a:pPr lvl="1"/>
+            <a:r>
+              <a:rPr lang="en-US" dirty="0" smtClean="0">
+                <a:latin typeface="Bookman Old Style" charset="0"/>
+                <a:ea typeface="Bookman Old Style" charset="0"/>
+                <a:cs typeface="Bookman Old Style" charset="0"/>
+              </a:rPr>
+              <a:t>We chose 10 clusters because it would not be use to use random rows in the eigenvectors.</a:t>
+            </a:r>
+          </a:p>
+          <a:p>
+            <a:pPr lvl="1"/>
+            <a:r>
+              <a:rPr lang="en-US" dirty="0" smtClean="0">
+                <a:latin typeface="Bookman Old Style" charset="0"/>
+                <a:ea typeface="Bookman Old Style" charset="0"/>
+                <a:cs typeface="Bookman Old Style" charset="0"/>
+              </a:rPr>
+              <a:t>Then we view the result of the specc clusters.</a:t>
+            </a:r>
+          </a:p>
+          <a:p>
+            <a:r>
+              <a:rPr lang="en-US" dirty="0" smtClean="0">
+                <a:latin typeface="Bookman Old Style" charset="0"/>
+                <a:ea typeface="Bookman Old Style" charset="0"/>
+                <a:cs typeface="Bookman Old Style" charset="0"/>
+              </a:rPr>
+              <a:t>Now we choose the specc cluster and select the first 100 sets to observe which variables were selected.</a:t>
+            </a:r>
+            <a:endParaRPr lang="en-US" dirty="0">
+              <a:latin typeface="Bookman Old Style" charset="0"/>
+              <a:ea typeface="Bookman Old Style" charset="0"/>
+              <a:cs typeface="Bookman Old Style" charset="0"/>
+            </a:endParaRPr>
+          </a:p>
+        </p:txBody>
+      </p:sp>
+    </p:spTree>
+    <p:extLst>
+      <p:ext uri="{BB962C8B-B14F-4D97-AF65-F5344CB8AC3E}">
+        <p14:creationId xmlns:p14="http://schemas.microsoft.com/office/powerpoint/2010/main" val="1607103707"/>
+      </p:ext>
+    </p:extLst>
+  </p:cSld>
+  <p:clrMapOvr>
+    <a:masterClrMapping/>
+  </p:clrMapOvr>
+</p:sld>
+</file>
+
+<file path=ppt/slides/slide4.xml><?xml version="1.0" encoding="utf-8"?>
+<p:sld xmlns:a="http://schemas.openxmlformats.org/drawingml/2006/main" xmlns:r="http://schemas.openxmlformats.org/officeDocument/2006/relationships" xmlns:p="http://schemas.openxmlformats.org/presentationml/2006/main">
+  <p:cSld>
+    <p:spTree>
+      <p:nvGrpSpPr>
+        <p:cNvPr id="1" name=""/>
+        <p:cNvGrpSpPr/>
+        <p:nvPr/>
+      </p:nvGrpSpPr>
+      <p:grpSpPr>
+        <a:xfrm>
+          <a:off x="0" y="0"/>
+          <a:ext cx="0" cy="0"/>
+          <a:chOff x="0" y="0"/>
+          <a:chExt cx="0" cy="0"/>
+        </a:xfrm>
+      </p:grpSpPr>
+      <p:sp>
+        <p:nvSpPr>
+          <p:cNvPr id="2" name="Title 1"/>
+          <p:cNvSpPr>
+            <a:spLocks noGrp="1"/>
+          </p:cNvSpPr>
+          <p:nvPr>
+            <p:ph type="title"/>
+          </p:nvPr>
+        </p:nvSpPr>
+        <p:spPr/>
+        <p:txBody>
+          <a:bodyPr/>
+          <a:lstStyle/>
+          <a:p>
+            <a:r>
+              <a:rPr lang="en-US" i="1" dirty="0" smtClean="0">
+                <a:latin typeface="Bookman Old Style" charset="0"/>
+                <a:ea typeface="Bookman Old Style" charset="0"/>
+                <a:cs typeface="Bookman Old Style" charset="0"/>
+              </a:rPr>
+              <a:t>Digital Handwriting Recognizer</a:t>
+            </a:r>
+            <a:endParaRPr lang="en-US" i="1" dirty="0">
+              <a:latin typeface="Bookman Old Style" charset="0"/>
+              <a:ea typeface="Bookman Old Style" charset="0"/>
+              <a:cs typeface="Bookman Old Style" charset="0"/>
+            </a:endParaRPr>
+          </a:p>
+        </p:txBody>
+      </p:sp>
+      <p:sp>
+        <p:nvSpPr>
+          <p:cNvPr id="3" name="Content Placeholder 2"/>
+          <p:cNvSpPr>
+            <a:spLocks noGrp="1"/>
+          </p:cNvSpPr>
+          <p:nvPr>
+            <p:ph idx="1"/>
+          </p:nvPr>
+        </p:nvSpPr>
+        <p:spPr/>
+        <p:txBody>
+          <a:bodyPr>
+            <a:normAutofit/>
+          </a:bodyPr>
+          <a:lstStyle/>
+          <a:p>
+            <a:r>
+              <a:rPr lang="en-US" dirty="0" smtClean="0">
+                <a:latin typeface="Bookman Old Style" charset="0"/>
+                <a:ea typeface="Bookman Old Style" charset="0"/>
+                <a:cs typeface="Bookman Old Style" charset="0"/>
+              </a:rPr>
+              <a:t>We view the size of the vector for each point in the cluster</a:t>
+            </a:r>
+          </a:p>
+          <a:p>
+            <a:pPr lvl="1"/>
+            <a:r>
+              <a:rPr lang="en-US" dirty="0">
+                <a:latin typeface="Bookman Old Style" charset="0"/>
+                <a:ea typeface="Bookman Old Style" charset="0"/>
+                <a:cs typeface="Bookman Old Style" charset="0"/>
+              </a:rPr>
+              <a:t>size(</a:t>
+            </a:r>
+            <a:r>
+              <a:rPr lang="en-US" dirty="0" err="1">
+                <a:latin typeface="Bookman Old Style" charset="0"/>
+                <a:ea typeface="Bookman Old Style" charset="0"/>
+                <a:cs typeface="Bookman Old Style" charset="0"/>
+              </a:rPr>
+              <a:t>digits.cluster</a:t>
+            </a:r>
+            <a:r>
+              <a:rPr lang="en-US" dirty="0">
+                <a:latin typeface="Bookman Old Style" charset="0"/>
+                <a:ea typeface="Bookman Old Style" charset="0"/>
+                <a:cs typeface="Bookman Old Style" charset="0"/>
+              </a:rPr>
+              <a:t>)</a:t>
+            </a:r>
+            <a:endParaRPr lang="en-US" dirty="0" smtClean="0">
+              <a:latin typeface="Bookman Old Style" charset="0"/>
+              <a:ea typeface="Bookman Old Style" charset="0"/>
+              <a:cs typeface="Bookman Old Style" charset="0"/>
+            </a:endParaRPr>
+          </a:p>
+          <a:p>
+            <a:r>
+              <a:rPr lang="en-US" dirty="0" smtClean="0">
+                <a:latin typeface="Bookman Old Style" charset="0"/>
+                <a:ea typeface="Bookman Old Style" charset="0"/>
+                <a:cs typeface="Bookman Old Style" charset="0"/>
+              </a:rPr>
+              <a:t>Then we view the sum of squares for each cluster within the cluster</a:t>
+            </a:r>
+          </a:p>
+          <a:p>
+            <a:pPr lvl="1"/>
+            <a:r>
+              <a:rPr lang="en-US" dirty="0" err="1">
+                <a:latin typeface="Bookman Old Style" charset="0"/>
+                <a:ea typeface="Bookman Old Style" charset="0"/>
+                <a:cs typeface="Bookman Old Style" charset="0"/>
+              </a:rPr>
+              <a:t>withinss</a:t>
+            </a:r>
+            <a:r>
+              <a:rPr lang="en-US" dirty="0">
+                <a:latin typeface="Bookman Old Style" charset="0"/>
+                <a:ea typeface="Bookman Old Style" charset="0"/>
+                <a:cs typeface="Bookman Old Style" charset="0"/>
+              </a:rPr>
+              <a:t>(</a:t>
+            </a:r>
+            <a:r>
+              <a:rPr lang="en-US" dirty="0" err="1">
+                <a:latin typeface="Bookman Old Style" charset="0"/>
+                <a:ea typeface="Bookman Old Style" charset="0"/>
+                <a:cs typeface="Bookman Old Style" charset="0"/>
+              </a:rPr>
+              <a:t>digits.cluster</a:t>
+            </a:r>
+            <a:r>
+              <a:rPr lang="en-US" dirty="0">
+                <a:latin typeface="Bookman Old Style" charset="0"/>
+                <a:ea typeface="Bookman Old Style" charset="0"/>
+                <a:cs typeface="Bookman Old Style" charset="0"/>
+              </a:rPr>
+              <a:t>)</a:t>
+            </a:r>
+          </a:p>
+          <a:p>
+            <a:endParaRPr lang="en-US" dirty="0">
+              <a:latin typeface="Bookman Old Style" charset="0"/>
+              <a:ea typeface="Bookman Old Style" charset="0"/>
+              <a:cs typeface="Bookman Old Style" charset="0"/>
+            </a:endParaRPr>
+          </a:p>
+        </p:txBody>
+      </p:sp>
+    </p:spTree>
+    <p:extLst>
+      <p:ext uri="{BB962C8B-B14F-4D97-AF65-F5344CB8AC3E}">
+        <p14:creationId xmlns:p14="http://schemas.microsoft.com/office/powerpoint/2010/main" val="1593786749"/>
+      </p:ext>
+    </p:extLst>
+  </p:cSld>
+  <p:clrMapOvr>
+    <a:masterClrMapping/>
+  </p:clrMapOvr>
+</p:sld>
+</file>
+
 <file path=ppt/theme/theme1.xml><?xml version="1.0" encoding="utf-8"?>
 <a:theme xmlns:a="http://schemas.openxmlformats.org/drawingml/2006/main" name="Parallax">
   <a:themeElements>

--- a/Presentation1.pptx
+++ b/Presentation1.pptx
@@ -9,6 +9,8 @@
     <p:sldId id="257" r:id="rId3"/>
     <p:sldId id="258" r:id="rId4"/>
     <p:sldId id="259" r:id="rId5"/>
+    <p:sldId id="260" r:id="rId6"/>
+    <p:sldId id="261" r:id="rId7"/>
   </p:sldIdLst>
   <p:sldSz cx="12192000" cy="6858000"/>
   <p:notesSz cx="6858000" cy="9144000"/>
@@ -6604,7 +6606,12 @@
             <p:ph idx="1"/>
           </p:nvPr>
         </p:nvSpPr>
-        <p:spPr/>
+        <p:spPr>
+          <a:xfrm>
+            <a:off x="1484310" y="2666999"/>
+            <a:ext cx="10018713" cy="3800708"/>
+          </a:xfrm>
+        </p:spPr>
         <p:txBody>
           <a:bodyPr>
             <a:normAutofit/>
@@ -6623,7 +6630,7 @@
           <a:p>
             <a:pPr lvl="1"/>
             <a:r>
-              <a:rPr lang="en-US" dirty="0">
+              <a:rPr lang="en-US" i="1" dirty="0">
                 <a:latin typeface="Bookman Old Style" charset="0"/>
                 <a:ea typeface="Bookman Old Style" charset="0"/>
                 <a:cs typeface="Bookman Old Style" charset="0"/>
@@ -6631,7 +6638,7 @@
               <a:t>size(</a:t>
             </a:r>
             <a:r>
-              <a:rPr lang="en-US" dirty="0" err="1">
+              <a:rPr lang="en-US" i="1" dirty="0" err="1">
                 <a:latin typeface="Bookman Old Style" charset="0"/>
                 <a:ea typeface="Bookman Old Style" charset="0"/>
                 <a:cs typeface="Bookman Old Style" charset="0"/>
@@ -6639,14 +6646,14 @@
               <a:t>digits.cluster</a:t>
             </a:r>
             <a:r>
-              <a:rPr lang="en-US" dirty="0">
+              <a:rPr lang="en-US" i="1" dirty="0">
                 <a:latin typeface="Bookman Old Style" charset="0"/>
                 <a:ea typeface="Bookman Old Style" charset="0"/>
                 <a:cs typeface="Bookman Old Style" charset="0"/>
               </a:rPr>
               <a:t>)</a:t>
             </a:r>
-            <a:endParaRPr lang="en-US" dirty="0" smtClean="0">
+            <a:endParaRPr lang="en-US" i="1" dirty="0" smtClean="0">
               <a:latin typeface="Bookman Old Style" charset="0"/>
               <a:ea typeface="Bookman Old Style" charset="0"/>
               <a:cs typeface="Bookman Old Style" charset="0"/>
@@ -6665,7 +6672,7 @@
           <a:p>
             <a:pPr lvl="1"/>
             <a:r>
-              <a:rPr lang="en-US" dirty="0" err="1">
+              <a:rPr lang="en-US" i="1" dirty="0" err="1">
                 <a:latin typeface="Bookman Old Style" charset="0"/>
                 <a:ea typeface="Bookman Old Style" charset="0"/>
                 <a:cs typeface="Bookman Old Style" charset="0"/>
@@ -6673,7 +6680,7 @@
               <a:t>withinss</a:t>
             </a:r>
             <a:r>
-              <a:rPr lang="en-US" dirty="0">
+              <a:rPr lang="en-US" i="1" dirty="0">
                 <a:latin typeface="Bookman Old Style" charset="0"/>
                 <a:ea typeface="Bookman Old Style" charset="0"/>
                 <a:cs typeface="Bookman Old Style" charset="0"/>
@@ -6681,7 +6688,7 @@
               <a:t>(</a:t>
             </a:r>
             <a:r>
-              <a:rPr lang="en-US" dirty="0" err="1">
+              <a:rPr lang="en-US" i="1" dirty="0" err="1">
                 <a:latin typeface="Bookman Old Style" charset="0"/>
                 <a:ea typeface="Bookman Old Style" charset="0"/>
                 <a:cs typeface="Bookman Old Style" charset="0"/>
@@ -6689,7 +6696,7 @@
               <a:t>digits.cluster</a:t>
             </a:r>
             <a:r>
-              <a:rPr lang="en-US" dirty="0">
+              <a:rPr lang="en-US" i="1" dirty="0">
                 <a:latin typeface="Bookman Old Style" charset="0"/>
                 <a:ea typeface="Bookman Old Style" charset="0"/>
                 <a:cs typeface="Bookman Old Style" charset="0"/>
@@ -6698,7 +6705,106 @@
             </a:r>
           </a:p>
           <a:p>
-            <a:endParaRPr lang="en-US" dirty="0">
+            <a:r>
+              <a:rPr lang="en-US" dirty="0" smtClean="0">
+                <a:latin typeface="Bookman Old Style" charset="0"/>
+                <a:ea typeface="Bookman Old Style" charset="0"/>
+                <a:cs typeface="Bookman Old Style" charset="0"/>
+              </a:rPr>
+              <a:t>We use the kernel class to obtain the kernel function that we used in the specc function.</a:t>
+            </a:r>
+          </a:p>
+          <a:p>
+            <a:pPr lvl="1"/>
+            <a:r>
+              <a:rPr lang="en-US" i="1" dirty="0" err="1">
+                <a:latin typeface="Bookman Old Style" charset="0"/>
+                <a:ea typeface="Bookman Old Style" charset="0"/>
+                <a:cs typeface="Bookman Old Style" charset="0"/>
+              </a:rPr>
+              <a:t>kernelf</a:t>
+            </a:r>
+            <a:r>
+              <a:rPr lang="en-US" i="1" dirty="0">
+                <a:latin typeface="Bookman Old Style" charset="0"/>
+                <a:ea typeface="Bookman Old Style" charset="0"/>
+                <a:cs typeface="Bookman Old Style" charset="0"/>
+              </a:rPr>
+              <a:t>(</a:t>
+            </a:r>
+            <a:r>
+              <a:rPr lang="en-US" i="1" dirty="0" err="1">
+                <a:latin typeface="Bookman Old Style" charset="0"/>
+                <a:ea typeface="Bookman Old Style" charset="0"/>
+                <a:cs typeface="Bookman Old Style" charset="0"/>
+              </a:rPr>
+              <a:t>digits.cluster</a:t>
+            </a:r>
+            <a:r>
+              <a:rPr lang="en-US" i="1" dirty="0">
+                <a:latin typeface="Bookman Old Style" charset="0"/>
+                <a:ea typeface="Bookman Old Style" charset="0"/>
+                <a:cs typeface="Bookman Old Style" charset="0"/>
+              </a:rPr>
+              <a:t>)</a:t>
+            </a:r>
+          </a:p>
+        </p:txBody>
+      </p:sp>
+    </p:spTree>
+    <p:extLst>
+      <p:ext uri="{BB962C8B-B14F-4D97-AF65-F5344CB8AC3E}">
+        <p14:creationId xmlns:p14="http://schemas.microsoft.com/office/powerpoint/2010/main" val="1593786749"/>
+      </p:ext>
+    </p:extLst>
+  </p:cSld>
+  <p:clrMapOvr>
+    <a:masterClrMapping/>
+  </p:clrMapOvr>
+</p:sld>
+</file>
+
+<file path=ppt/slides/slide5.xml><?xml version="1.0" encoding="utf-8"?>
+<p:sld xmlns:a="http://schemas.openxmlformats.org/drawingml/2006/main" xmlns:r="http://schemas.openxmlformats.org/officeDocument/2006/relationships" xmlns:p="http://schemas.openxmlformats.org/presentationml/2006/main">
+  <p:cSld>
+    <p:spTree>
+      <p:nvGrpSpPr>
+        <p:cNvPr id="1" name=""/>
+        <p:cNvGrpSpPr/>
+        <p:nvPr/>
+      </p:nvGrpSpPr>
+      <p:grpSpPr>
+        <a:xfrm>
+          <a:off x="0" y="0"/>
+          <a:ext cx="0" cy="0"/>
+          <a:chOff x="0" y="0"/>
+          <a:chExt cx="0" cy="0"/>
+        </a:xfrm>
+      </p:grpSpPr>
+      <p:sp>
+        <p:nvSpPr>
+          <p:cNvPr id="2" name="Title 1"/>
+          <p:cNvSpPr>
+            <a:spLocks noGrp="1"/>
+          </p:cNvSpPr>
+          <p:nvPr>
+            <p:ph type="title"/>
+          </p:nvPr>
+        </p:nvSpPr>
+        <p:spPr/>
+        <p:txBody>
+          <a:bodyPr/>
+          <a:lstStyle/>
+          <a:p>
+            <a:r>
+              <a:rPr lang="en-US" i="1" dirty="0" smtClean="0">
+                <a:latin typeface="Bookman Old Style" charset="0"/>
+                <a:ea typeface="Bookman Old Style" charset="0"/>
+                <a:cs typeface="Bookman Old Style" charset="0"/>
+              </a:rPr>
+              <a:t>Digital Handwriting Recognizer</a:t>
+            </a:r>
+            <a:endParaRPr lang="en-US" i="1" dirty="0">
               <a:latin typeface="Bookman Old Style" charset="0"/>
               <a:ea typeface="Bookman Old Style" charset="0"/>
               <a:cs typeface="Bookman Old Style" charset="0"/>
@@ -6706,10 +6812,363 @@
           </a:p>
         </p:txBody>
       </p:sp>
+      <p:sp>
+        <p:nvSpPr>
+          <p:cNvPr id="3" name="Content Placeholder 2"/>
+          <p:cNvSpPr>
+            <a:spLocks noGrp="1"/>
+          </p:cNvSpPr>
+          <p:nvPr>
+            <p:ph idx="1"/>
+          </p:nvPr>
+        </p:nvSpPr>
+        <p:spPr>
+          <a:xfrm>
+            <a:off x="1484310" y="2666999"/>
+            <a:ext cx="10018713" cy="3800708"/>
+          </a:xfrm>
+        </p:spPr>
+        <p:txBody>
+          <a:bodyPr>
+            <a:normAutofit/>
+          </a:bodyPr>
+          <a:lstStyle/>
+          <a:p>
+            <a:r>
+              <a:rPr lang="en-US" dirty="0" smtClean="0">
+                <a:latin typeface="Bookman Old Style" charset="0"/>
+                <a:ea typeface="Bookman Old Style" charset="0"/>
+                <a:cs typeface="Bookman Old Style" charset="0"/>
+              </a:rPr>
+              <a:t>Now, we take the smaller dataset of the training set and put it into a confusion matrix. The columns in this table are the clusters and the rows are the actual handwritten numbers</a:t>
+            </a:r>
+          </a:p>
+          <a:p>
+            <a:pPr lvl="1"/>
+            <a:r>
+              <a:rPr lang="en-US" i="1" dirty="0" err="1">
+                <a:latin typeface="Bookman Old Style" charset="0"/>
+                <a:ea typeface="Bookman Old Style" charset="0"/>
+                <a:cs typeface="Bookman Old Style" charset="0"/>
+              </a:rPr>
+              <a:t>confusionmatrix</a:t>
+            </a:r>
+            <a:r>
+              <a:rPr lang="en-US" i="1" dirty="0">
+                <a:latin typeface="Bookman Old Style" charset="0"/>
+                <a:ea typeface="Bookman Old Style" charset="0"/>
+                <a:cs typeface="Bookman Old Style" charset="0"/>
+              </a:rPr>
+              <a:t> &lt;- table(</a:t>
+            </a:r>
+            <a:r>
+              <a:rPr lang="en-US" i="1" dirty="0" err="1">
+                <a:latin typeface="Bookman Old Style" charset="0"/>
+                <a:ea typeface="Bookman Old Style" charset="0"/>
+                <a:cs typeface="Bookman Old Style" charset="0"/>
+              </a:rPr>
+              <a:t>digits.small$label</a:t>
+            </a:r>
+            <a:r>
+              <a:rPr lang="en-US" i="1" dirty="0">
+                <a:latin typeface="Bookman Old Style" charset="0"/>
+                <a:ea typeface="Bookman Old Style" charset="0"/>
+                <a:cs typeface="Bookman Old Style" charset="0"/>
+              </a:rPr>
+              <a:t>, </a:t>
+            </a:r>
+            <a:r>
+              <a:rPr lang="en-US" i="1" dirty="0" err="1">
+                <a:latin typeface="Bookman Old Style" charset="0"/>
+                <a:ea typeface="Bookman Old Style" charset="0"/>
+                <a:cs typeface="Bookman Old Style" charset="0"/>
+              </a:rPr>
+              <a:t>digits.cluster</a:t>
+            </a:r>
+            <a:r>
+              <a:rPr lang="en-US" i="1" dirty="0">
+                <a:latin typeface="Bookman Old Style" charset="0"/>
+                <a:ea typeface="Bookman Old Style" charset="0"/>
+                <a:cs typeface="Bookman Old Style" charset="0"/>
+              </a:rPr>
+              <a:t>[1:100])</a:t>
+            </a:r>
+            <a:endParaRPr lang="en-US" i="1" dirty="0" smtClean="0">
+              <a:latin typeface="Bookman Old Style" charset="0"/>
+              <a:ea typeface="Bookman Old Style" charset="0"/>
+              <a:cs typeface="Bookman Old Style" charset="0"/>
+            </a:endParaRPr>
+          </a:p>
+          <a:p>
+            <a:r>
+              <a:rPr lang="en-US" dirty="0" smtClean="0">
+                <a:latin typeface="Bookman Old Style" charset="0"/>
+                <a:ea typeface="Bookman Old Style" charset="0"/>
+                <a:cs typeface="Bookman Old Style" charset="0"/>
+              </a:rPr>
+              <a:t>After doing that, we concluded:</a:t>
+            </a:r>
+          </a:p>
+          <a:p>
+            <a:pPr lvl="1"/>
+            <a:r>
+              <a:rPr lang="en-US" i="1" dirty="0" smtClean="0">
+                <a:latin typeface="Bookman Old Style" charset="0"/>
+                <a:ea typeface="Bookman Old Style" charset="0"/>
+                <a:cs typeface="Bookman Old Style" charset="0"/>
+              </a:rPr>
+              <a:t>number </a:t>
+            </a:r>
+            <a:r>
+              <a:rPr lang="en-US" i="1" dirty="0">
+                <a:latin typeface="Bookman Old Style" charset="0"/>
+                <a:ea typeface="Bookman Old Style" charset="0"/>
+                <a:cs typeface="Bookman Old Style" charset="0"/>
+              </a:rPr>
+              <a:t>0 = cluster </a:t>
+            </a:r>
+            <a:r>
+              <a:rPr lang="en-US" i="1" dirty="0" smtClean="0">
+                <a:latin typeface="Bookman Old Style" charset="0"/>
+                <a:ea typeface="Bookman Old Style" charset="0"/>
+                <a:cs typeface="Bookman Old Style" charset="0"/>
+              </a:rPr>
+              <a:t>1, number </a:t>
+            </a:r>
+            <a:r>
+              <a:rPr lang="en-US" i="1" dirty="0">
+                <a:latin typeface="Bookman Old Style" charset="0"/>
+                <a:ea typeface="Bookman Old Style" charset="0"/>
+                <a:cs typeface="Bookman Old Style" charset="0"/>
+              </a:rPr>
+              <a:t>1 = cluster </a:t>
+            </a:r>
+            <a:r>
+              <a:rPr lang="en-US" i="1" dirty="0" smtClean="0">
+                <a:latin typeface="Bookman Old Style" charset="0"/>
+                <a:ea typeface="Bookman Old Style" charset="0"/>
+                <a:cs typeface="Bookman Old Style" charset="0"/>
+              </a:rPr>
+              <a:t>10, number </a:t>
+            </a:r>
+            <a:r>
+              <a:rPr lang="en-US" i="1" dirty="0">
+                <a:latin typeface="Bookman Old Style" charset="0"/>
+                <a:ea typeface="Bookman Old Style" charset="0"/>
+                <a:cs typeface="Bookman Old Style" charset="0"/>
+              </a:rPr>
+              <a:t>2 = cluster </a:t>
+            </a:r>
+            <a:r>
+              <a:rPr lang="en-US" i="1" dirty="0" smtClean="0">
+                <a:latin typeface="Bookman Old Style" charset="0"/>
+                <a:ea typeface="Bookman Old Style" charset="0"/>
+                <a:cs typeface="Bookman Old Style" charset="0"/>
+              </a:rPr>
+              <a:t>8, number </a:t>
+            </a:r>
+            <a:r>
+              <a:rPr lang="en-US" i="1" dirty="0">
+                <a:latin typeface="Bookman Old Style" charset="0"/>
+                <a:ea typeface="Bookman Old Style" charset="0"/>
+                <a:cs typeface="Bookman Old Style" charset="0"/>
+              </a:rPr>
+              <a:t>3 = cluster </a:t>
+            </a:r>
+            <a:r>
+              <a:rPr lang="en-US" i="1" dirty="0" smtClean="0">
+                <a:latin typeface="Bookman Old Style" charset="0"/>
+                <a:ea typeface="Bookman Old Style" charset="0"/>
+                <a:cs typeface="Bookman Old Style" charset="0"/>
+              </a:rPr>
+              <a:t>8, number </a:t>
+            </a:r>
+            <a:r>
+              <a:rPr lang="en-US" i="1" dirty="0">
+                <a:latin typeface="Bookman Old Style" charset="0"/>
+                <a:ea typeface="Bookman Old Style" charset="0"/>
+                <a:cs typeface="Bookman Old Style" charset="0"/>
+              </a:rPr>
+              <a:t>4 = cluster </a:t>
+            </a:r>
+            <a:r>
+              <a:rPr lang="en-US" i="1" dirty="0" smtClean="0">
+                <a:latin typeface="Bookman Old Style" charset="0"/>
+                <a:ea typeface="Bookman Old Style" charset="0"/>
+                <a:cs typeface="Bookman Old Style" charset="0"/>
+              </a:rPr>
+              <a:t>6, number </a:t>
+            </a:r>
+            <a:r>
+              <a:rPr lang="en-US" i="1" dirty="0">
+                <a:latin typeface="Bookman Old Style" charset="0"/>
+                <a:ea typeface="Bookman Old Style" charset="0"/>
+                <a:cs typeface="Bookman Old Style" charset="0"/>
+              </a:rPr>
+              <a:t>5 = cluster </a:t>
+            </a:r>
+            <a:r>
+              <a:rPr lang="en-US" i="1" dirty="0" smtClean="0">
+                <a:latin typeface="Bookman Old Style" charset="0"/>
+                <a:ea typeface="Bookman Old Style" charset="0"/>
+                <a:cs typeface="Bookman Old Style" charset="0"/>
+              </a:rPr>
+              <a:t>8, number </a:t>
+            </a:r>
+            <a:r>
+              <a:rPr lang="en-US" i="1" dirty="0">
+                <a:latin typeface="Bookman Old Style" charset="0"/>
+                <a:ea typeface="Bookman Old Style" charset="0"/>
+                <a:cs typeface="Bookman Old Style" charset="0"/>
+              </a:rPr>
+              <a:t>6 = cluster </a:t>
+            </a:r>
+            <a:r>
+              <a:rPr lang="en-US" i="1" dirty="0" smtClean="0">
+                <a:latin typeface="Bookman Old Style" charset="0"/>
+                <a:ea typeface="Bookman Old Style" charset="0"/>
+                <a:cs typeface="Bookman Old Style" charset="0"/>
+              </a:rPr>
+              <a:t>5, number </a:t>
+            </a:r>
+            <a:r>
+              <a:rPr lang="en-US" i="1" dirty="0">
+                <a:latin typeface="Bookman Old Style" charset="0"/>
+                <a:ea typeface="Bookman Old Style" charset="0"/>
+                <a:cs typeface="Bookman Old Style" charset="0"/>
+              </a:rPr>
+              <a:t>7 = cluster </a:t>
+            </a:r>
+            <a:r>
+              <a:rPr lang="en-US" i="1" dirty="0" smtClean="0">
+                <a:latin typeface="Bookman Old Style" charset="0"/>
+                <a:ea typeface="Bookman Old Style" charset="0"/>
+                <a:cs typeface="Bookman Old Style" charset="0"/>
+              </a:rPr>
+              <a:t>9, number </a:t>
+            </a:r>
+            <a:r>
+              <a:rPr lang="en-US" i="1" dirty="0">
+                <a:latin typeface="Bookman Old Style" charset="0"/>
+                <a:ea typeface="Bookman Old Style" charset="0"/>
+                <a:cs typeface="Bookman Old Style" charset="0"/>
+              </a:rPr>
+              <a:t>8 = cluster </a:t>
+            </a:r>
+            <a:r>
+              <a:rPr lang="en-US" i="1" dirty="0" smtClean="0">
+                <a:latin typeface="Bookman Old Style" charset="0"/>
+                <a:ea typeface="Bookman Old Style" charset="0"/>
+                <a:cs typeface="Bookman Old Style" charset="0"/>
+              </a:rPr>
+              <a:t>3, number </a:t>
+            </a:r>
+            <a:r>
+              <a:rPr lang="en-US" i="1" dirty="0">
+                <a:latin typeface="Bookman Old Style" charset="0"/>
+                <a:ea typeface="Bookman Old Style" charset="0"/>
+                <a:cs typeface="Bookman Old Style" charset="0"/>
+              </a:rPr>
+              <a:t>9 = cluster 7, 9</a:t>
+            </a:r>
+          </a:p>
+        </p:txBody>
+      </p:sp>
     </p:spTree>
     <p:extLst>
       <p:ext uri="{BB962C8B-B14F-4D97-AF65-F5344CB8AC3E}">
-        <p14:creationId xmlns:p14="http://schemas.microsoft.com/office/powerpoint/2010/main" val="1593786749"/>
+        <p14:creationId xmlns:p14="http://schemas.microsoft.com/office/powerpoint/2010/main" val="1623377544"/>
+      </p:ext>
+    </p:extLst>
+  </p:cSld>
+  <p:clrMapOvr>
+    <a:masterClrMapping/>
+  </p:clrMapOvr>
+</p:sld>
+</file>
+
+<file path=ppt/slides/slide6.xml><?xml version="1.0" encoding="utf-8"?>
+<p:sld xmlns:a="http://schemas.openxmlformats.org/drawingml/2006/main" xmlns:r="http://schemas.openxmlformats.org/officeDocument/2006/relationships" xmlns:p="http://schemas.openxmlformats.org/presentationml/2006/main">
+  <p:cSld>
+    <p:spTree>
+      <p:nvGrpSpPr>
+        <p:cNvPr id="1" name=""/>
+        <p:cNvGrpSpPr/>
+        <p:nvPr/>
+      </p:nvGrpSpPr>
+      <p:grpSpPr>
+        <a:xfrm>
+          <a:off x="0" y="0"/>
+          <a:ext cx="0" cy="0"/>
+          <a:chOff x="0" y="0"/>
+          <a:chExt cx="0" cy="0"/>
+        </a:xfrm>
+      </p:grpSpPr>
+      <p:sp>
+        <p:nvSpPr>
+          <p:cNvPr id="2" name="Title 1"/>
+          <p:cNvSpPr>
+            <a:spLocks noGrp="1"/>
+          </p:cNvSpPr>
+          <p:nvPr>
+            <p:ph type="title"/>
+          </p:nvPr>
+        </p:nvSpPr>
+        <p:spPr/>
+        <p:txBody>
+          <a:bodyPr/>
+          <a:lstStyle/>
+          <a:p>
+            <a:r>
+              <a:rPr lang="en-US" i="1" dirty="0" smtClean="0">
+                <a:latin typeface="Bookman Old Style" charset="0"/>
+                <a:ea typeface="Bookman Old Style" charset="0"/>
+                <a:cs typeface="Bookman Old Style" charset="0"/>
+              </a:rPr>
+              <a:t>Digital Handwriting Recognizer</a:t>
+            </a:r>
+            <a:endParaRPr lang="en-US" i="1" dirty="0">
+              <a:latin typeface="Bookman Old Style" charset="0"/>
+              <a:ea typeface="Bookman Old Style" charset="0"/>
+              <a:cs typeface="Bookman Old Style" charset="0"/>
+            </a:endParaRPr>
+          </a:p>
+        </p:txBody>
+      </p:sp>
+      <p:sp>
+        <p:nvSpPr>
+          <p:cNvPr id="3" name="Content Placeholder 2"/>
+          <p:cNvSpPr>
+            <a:spLocks noGrp="1"/>
+          </p:cNvSpPr>
+          <p:nvPr>
+            <p:ph idx="1"/>
+          </p:nvPr>
+        </p:nvSpPr>
+        <p:spPr>
+          <a:xfrm>
+            <a:off x="1484310" y="2666999"/>
+            <a:ext cx="10018713" cy="3800708"/>
+          </a:xfrm>
+        </p:spPr>
+        <p:txBody>
+          <a:bodyPr>
+            <a:normAutofit/>
+          </a:bodyPr>
+          <a:lstStyle/>
+          <a:p>
+            <a:endParaRPr lang="en-US" i="1" dirty="0">
+              <a:latin typeface="Bookman Old Style" charset="0"/>
+              <a:ea typeface="Bookman Old Style" charset="0"/>
+              <a:cs typeface="Bookman Old Style" charset="0"/>
+            </a:endParaRPr>
+          </a:p>
+        </p:txBody>
+      </p:sp>
+    </p:spTree>
+    <p:extLst>
+      <p:ext uri="{BB962C8B-B14F-4D97-AF65-F5344CB8AC3E}">
+        <p14:creationId xmlns:p14="http://schemas.microsoft.com/office/powerpoint/2010/main" val="1895864963"/>
       </p:ext>
     </p:extLst>
   </p:cSld>

--- a/Presentation1.pptx
+++ b/Presentation1.pptx
@@ -1,16 +1,27 @@
 
 <file path=ppt/presentation.xml><?xml version="1.0" encoding="utf-8"?>
-<p:presentation xmlns:a="http://schemas.openxmlformats.org/drawingml/2006/main" xmlns:r="http://schemas.openxmlformats.org/officeDocument/2006/relationships" xmlns:p="http://schemas.openxmlformats.org/presentationml/2006/main" saveSubsetFonts="1" autoCompressPictures="0">
+<p:presentation xmlns:a="http://schemas.openxmlformats.org/drawingml/2006/main" xmlns:r="http://schemas.openxmlformats.org/officeDocument/2006/relationships" xmlns:p="http://schemas.openxmlformats.org/presentationml/2006/main" showSpecialPlsOnTitleSld="0" saveSubsetFonts="1" autoCompressPictures="0">
   <p:sldMasterIdLst>
     <p:sldMasterId id="2147483648" r:id="rId1"/>
   </p:sldMasterIdLst>
+  <p:notesMasterIdLst>
+    <p:notesMasterId r:id="rId16"/>
+  </p:notesMasterIdLst>
   <p:sldIdLst>
     <p:sldId id="256" r:id="rId2"/>
     <p:sldId id="257" r:id="rId3"/>
-    <p:sldId id="258" r:id="rId4"/>
-    <p:sldId id="259" r:id="rId5"/>
-    <p:sldId id="260" r:id="rId6"/>
-    <p:sldId id="261" r:id="rId7"/>
+    <p:sldId id="262" r:id="rId4"/>
+    <p:sldId id="263" r:id="rId5"/>
+    <p:sldId id="264" r:id="rId6"/>
+    <p:sldId id="265" r:id="rId7"/>
+    <p:sldId id="266" r:id="rId8"/>
+    <p:sldId id="267" r:id="rId9"/>
+    <p:sldId id="268" r:id="rId10"/>
+    <p:sldId id="269" r:id="rId11"/>
+    <p:sldId id="258" r:id="rId12"/>
+    <p:sldId id="259" r:id="rId13"/>
+    <p:sldId id="260" r:id="rId14"/>
+    <p:sldId id="261" r:id="rId15"/>
   </p:sldIdLst>
   <p:sldSz cx="12192000" cy="6858000"/>
   <p:notesSz cx="6858000" cy="9144000"/>
@@ -110,6 +121,1028 @@
     </a:lvl9pPr>
   </p:defaultTextStyle>
 </p:presentation>
+</file>
+
+<file path=ppt/notesMasters/notesMaster1.xml><?xml version="1.0" encoding="utf-8"?>
+<p:notesMaster xmlns:a="http://schemas.openxmlformats.org/drawingml/2006/main" xmlns:r="http://schemas.openxmlformats.org/officeDocument/2006/relationships" xmlns:p="http://schemas.openxmlformats.org/presentationml/2006/main">
+  <p:cSld>
+    <p:bg>
+      <p:bgRef idx="1001">
+        <a:schemeClr val="bg1"/>
+      </p:bgRef>
+    </p:bg>
+    <p:spTree>
+      <p:nvGrpSpPr>
+        <p:cNvPr id="1" name=""/>
+        <p:cNvGrpSpPr/>
+        <p:nvPr/>
+      </p:nvGrpSpPr>
+      <p:grpSpPr>
+        <a:xfrm>
+          <a:off x="0" y="0"/>
+          <a:ext cx="0" cy="0"/>
+          <a:chOff x="0" y="0"/>
+          <a:chExt cx="0" cy="0"/>
+        </a:xfrm>
+      </p:grpSpPr>
+      <p:sp>
+        <p:nvSpPr>
+          <p:cNvPr id="2" name="Header Placeholder 1"/>
+          <p:cNvSpPr>
+            <a:spLocks noGrp="1"/>
+          </p:cNvSpPr>
+          <p:nvPr>
+            <p:ph type="hdr" sz="quarter"/>
+          </p:nvPr>
+        </p:nvSpPr>
+        <p:spPr>
+          <a:xfrm>
+            <a:off x="0" y="0"/>
+            <a:ext cx="2971800" cy="458788"/>
+          </a:xfrm>
+          <a:prstGeom prst="rect">
+            <a:avLst/>
+          </a:prstGeom>
+        </p:spPr>
+        <p:txBody>
+          <a:bodyPr vert="horz" lIns="91440" tIns="45720" rIns="91440" bIns="45720" rtlCol="0"/>
+          <a:lstStyle>
+            <a:lvl1pPr algn="l">
+              <a:defRPr sz="1200"/>
+            </a:lvl1pPr>
+          </a:lstStyle>
+          <a:p>
+            <a:endParaRPr lang="en-US"/>
+          </a:p>
+        </p:txBody>
+      </p:sp>
+      <p:sp>
+        <p:nvSpPr>
+          <p:cNvPr id="3" name="Date Placeholder 2"/>
+          <p:cNvSpPr>
+            <a:spLocks noGrp="1"/>
+          </p:cNvSpPr>
+          <p:nvPr>
+            <p:ph type="dt" idx="1"/>
+          </p:nvPr>
+        </p:nvSpPr>
+        <p:spPr>
+          <a:xfrm>
+            <a:off x="3884613" y="0"/>
+            <a:ext cx="2971800" cy="458788"/>
+          </a:xfrm>
+          <a:prstGeom prst="rect">
+            <a:avLst/>
+          </a:prstGeom>
+        </p:spPr>
+        <p:txBody>
+          <a:bodyPr vert="horz" lIns="91440" tIns="45720" rIns="91440" bIns="45720" rtlCol="0"/>
+          <a:lstStyle>
+            <a:lvl1pPr algn="r">
+              <a:defRPr sz="1200"/>
+            </a:lvl1pPr>
+          </a:lstStyle>
+          <a:p>
+            <a:fld id="{488EB10F-3C90-CB40-9F9D-C83C205EDE3E}" type="datetimeFigureOut">
+              <a:rPr lang="en-US" smtClean="0"/>
+              <a:t>10/30/17</a:t>
+            </a:fld>
+            <a:endParaRPr lang="en-US"/>
+          </a:p>
+        </p:txBody>
+      </p:sp>
+      <p:sp>
+        <p:nvSpPr>
+          <p:cNvPr id="4" name="Slide Image Placeholder 3"/>
+          <p:cNvSpPr>
+            <a:spLocks noGrp="1" noRot="1" noChangeAspect="1"/>
+          </p:cNvSpPr>
+          <p:nvPr>
+            <p:ph type="sldImg" idx="2"/>
+          </p:nvPr>
+        </p:nvSpPr>
+        <p:spPr>
+          <a:xfrm>
+            <a:off x="685800" y="1143000"/>
+            <a:ext cx="5486400" cy="3086100"/>
+          </a:xfrm>
+          <a:prstGeom prst="rect">
+            <a:avLst/>
+          </a:prstGeom>
+          <a:noFill/>
+          <a:ln w="12700">
+            <a:solidFill>
+              <a:prstClr val="black"/>
+            </a:solidFill>
+          </a:ln>
+        </p:spPr>
+        <p:txBody>
+          <a:bodyPr vert="horz" lIns="91440" tIns="45720" rIns="91440" bIns="45720" rtlCol="0" anchor="ctr"/>
+          <a:lstStyle/>
+          <a:p>
+            <a:endParaRPr lang="en-US"/>
+          </a:p>
+        </p:txBody>
+      </p:sp>
+      <p:sp>
+        <p:nvSpPr>
+          <p:cNvPr id="5" name="Notes Placeholder 4"/>
+          <p:cNvSpPr>
+            <a:spLocks noGrp="1"/>
+          </p:cNvSpPr>
+          <p:nvPr>
+            <p:ph type="body" sz="quarter" idx="3"/>
+          </p:nvPr>
+        </p:nvSpPr>
+        <p:spPr>
+          <a:xfrm>
+            <a:off x="685800" y="4400550"/>
+            <a:ext cx="5486400" cy="3600450"/>
+          </a:xfrm>
+          <a:prstGeom prst="rect">
+            <a:avLst/>
+          </a:prstGeom>
+        </p:spPr>
+        <p:txBody>
+          <a:bodyPr vert="horz" lIns="91440" tIns="45720" rIns="91440" bIns="45720" rtlCol="0"/>
+          <a:lstStyle/>
+          <a:p>
+            <a:pPr lvl="0"/>
+            <a:r>
+              <a:rPr lang="en-US" smtClean="0"/>
+              <a:t>Click to edit Master text styles</a:t>
+            </a:r>
+          </a:p>
+          <a:p>
+            <a:pPr lvl="1"/>
+            <a:r>
+              <a:rPr lang="en-US" smtClean="0"/>
+              <a:t>Second level</a:t>
+            </a:r>
+          </a:p>
+          <a:p>
+            <a:pPr lvl="2"/>
+            <a:r>
+              <a:rPr lang="en-US" smtClean="0"/>
+              <a:t>Third level</a:t>
+            </a:r>
+          </a:p>
+          <a:p>
+            <a:pPr lvl="3"/>
+            <a:r>
+              <a:rPr lang="en-US" smtClean="0"/>
+              <a:t>Fourth level</a:t>
+            </a:r>
+          </a:p>
+          <a:p>
+            <a:pPr lvl="4"/>
+            <a:r>
+              <a:rPr lang="en-US" smtClean="0"/>
+              <a:t>Fifth level</a:t>
+            </a:r>
+            <a:endParaRPr lang="en-US"/>
+          </a:p>
+        </p:txBody>
+      </p:sp>
+      <p:sp>
+        <p:nvSpPr>
+          <p:cNvPr id="6" name="Footer Placeholder 5"/>
+          <p:cNvSpPr>
+            <a:spLocks noGrp="1"/>
+          </p:cNvSpPr>
+          <p:nvPr>
+            <p:ph type="ftr" sz="quarter" idx="4"/>
+          </p:nvPr>
+        </p:nvSpPr>
+        <p:spPr>
+          <a:xfrm>
+            <a:off x="0" y="8685213"/>
+            <a:ext cx="2971800" cy="458787"/>
+          </a:xfrm>
+          <a:prstGeom prst="rect">
+            <a:avLst/>
+          </a:prstGeom>
+        </p:spPr>
+        <p:txBody>
+          <a:bodyPr vert="horz" lIns="91440" tIns="45720" rIns="91440" bIns="45720" rtlCol="0" anchor="b"/>
+          <a:lstStyle>
+            <a:lvl1pPr algn="l">
+              <a:defRPr sz="1200"/>
+            </a:lvl1pPr>
+          </a:lstStyle>
+          <a:p>
+            <a:endParaRPr lang="en-US"/>
+          </a:p>
+        </p:txBody>
+      </p:sp>
+      <p:sp>
+        <p:nvSpPr>
+          <p:cNvPr id="7" name="Slide Number Placeholder 6"/>
+          <p:cNvSpPr>
+            <a:spLocks noGrp="1"/>
+          </p:cNvSpPr>
+          <p:nvPr>
+            <p:ph type="sldNum" sz="quarter" idx="5"/>
+          </p:nvPr>
+        </p:nvSpPr>
+        <p:spPr>
+          <a:xfrm>
+            <a:off x="3884613" y="8685213"/>
+            <a:ext cx="2971800" cy="458787"/>
+          </a:xfrm>
+          <a:prstGeom prst="rect">
+            <a:avLst/>
+          </a:prstGeom>
+        </p:spPr>
+        <p:txBody>
+          <a:bodyPr vert="horz" lIns="91440" tIns="45720" rIns="91440" bIns="45720" rtlCol="0" anchor="b"/>
+          <a:lstStyle>
+            <a:lvl1pPr algn="r">
+              <a:defRPr sz="1200"/>
+            </a:lvl1pPr>
+          </a:lstStyle>
+          <a:p>
+            <a:fld id="{7A8B98E8-90E1-714F-ADAB-B54AC70D6345}" type="slidenum">
+              <a:rPr lang="en-US" smtClean="0"/>
+              <a:t>‹#›</a:t>
+            </a:fld>
+            <a:endParaRPr lang="en-US"/>
+          </a:p>
+        </p:txBody>
+      </p:sp>
+    </p:spTree>
+    <p:extLst>
+      <p:ext uri="{BB962C8B-B14F-4D97-AF65-F5344CB8AC3E}">
+        <p14:creationId xmlns:p14="http://schemas.microsoft.com/office/powerpoint/2010/main" val="81271577"/>
+      </p:ext>
+    </p:extLst>
+  </p:cSld>
+  <p:clrMap bg1="lt1" tx1="dk1" bg2="lt2" tx2="dk2" accent1="accent1" accent2="accent2" accent3="accent3" accent4="accent4" accent5="accent5" accent6="accent6" hlink="hlink" folHlink="folHlink"/>
+  <p:notesStyle>
+    <a:lvl1pPr marL="0" algn="l" defTabSz="914400" rtl="0" eaLnBrk="1" latinLnBrk="0" hangingPunct="1">
+      <a:defRPr sz="1200" kern="1200">
+        <a:solidFill>
+          <a:schemeClr val="tx1"/>
+        </a:solidFill>
+        <a:latin typeface="+mn-lt"/>
+        <a:ea typeface="+mn-ea"/>
+        <a:cs typeface="+mn-cs"/>
+      </a:defRPr>
+    </a:lvl1pPr>
+    <a:lvl2pPr marL="457200" algn="l" defTabSz="914400" rtl="0" eaLnBrk="1" latinLnBrk="0" hangingPunct="1">
+      <a:defRPr sz="1200" kern="1200">
+        <a:solidFill>
+          <a:schemeClr val="tx1"/>
+        </a:solidFill>
+        <a:latin typeface="+mn-lt"/>
+        <a:ea typeface="+mn-ea"/>
+        <a:cs typeface="+mn-cs"/>
+      </a:defRPr>
+    </a:lvl2pPr>
+    <a:lvl3pPr marL="914400" algn="l" defTabSz="914400" rtl="0" eaLnBrk="1" latinLnBrk="0" hangingPunct="1">
+      <a:defRPr sz="1200" kern="1200">
+        <a:solidFill>
+          <a:schemeClr val="tx1"/>
+        </a:solidFill>
+        <a:latin typeface="+mn-lt"/>
+        <a:ea typeface="+mn-ea"/>
+        <a:cs typeface="+mn-cs"/>
+      </a:defRPr>
+    </a:lvl3pPr>
+    <a:lvl4pPr marL="1371600" algn="l" defTabSz="914400" rtl="0" eaLnBrk="1" latinLnBrk="0" hangingPunct="1">
+      <a:defRPr sz="1200" kern="1200">
+        <a:solidFill>
+          <a:schemeClr val="tx1"/>
+        </a:solidFill>
+        <a:latin typeface="+mn-lt"/>
+        <a:ea typeface="+mn-ea"/>
+        <a:cs typeface="+mn-cs"/>
+      </a:defRPr>
+    </a:lvl4pPr>
+    <a:lvl5pPr marL="1828800" algn="l" defTabSz="914400" rtl="0" eaLnBrk="1" latinLnBrk="0" hangingPunct="1">
+      <a:defRPr sz="1200" kern="1200">
+        <a:solidFill>
+          <a:schemeClr val="tx1"/>
+        </a:solidFill>
+        <a:latin typeface="+mn-lt"/>
+        <a:ea typeface="+mn-ea"/>
+        <a:cs typeface="+mn-cs"/>
+      </a:defRPr>
+    </a:lvl5pPr>
+    <a:lvl6pPr marL="2286000" algn="l" defTabSz="914400" rtl="0" eaLnBrk="1" latinLnBrk="0" hangingPunct="1">
+      <a:defRPr sz="1200" kern="1200">
+        <a:solidFill>
+          <a:schemeClr val="tx1"/>
+        </a:solidFill>
+        <a:latin typeface="+mn-lt"/>
+        <a:ea typeface="+mn-ea"/>
+        <a:cs typeface="+mn-cs"/>
+      </a:defRPr>
+    </a:lvl6pPr>
+    <a:lvl7pPr marL="2743200" algn="l" defTabSz="914400" rtl="0" eaLnBrk="1" latinLnBrk="0" hangingPunct="1">
+      <a:defRPr sz="1200" kern="1200">
+        <a:solidFill>
+          <a:schemeClr val="tx1"/>
+        </a:solidFill>
+        <a:latin typeface="+mn-lt"/>
+        <a:ea typeface="+mn-ea"/>
+        <a:cs typeface="+mn-cs"/>
+      </a:defRPr>
+    </a:lvl7pPr>
+    <a:lvl8pPr marL="3200400" algn="l" defTabSz="914400" rtl="0" eaLnBrk="1" latinLnBrk="0" hangingPunct="1">
+      <a:defRPr sz="1200" kern="1200">
+        <a:solidFill>
+          <a:schemeClr val="tx1"/>
+        </a:solidFill>
+        <a:latin typeface="+mn-lt"/>
+        <a:ea typeface="+mn-ea"/>
+        <a:cs typeface="+mn-cs"/>
+      </a:defRPr>
+    </a:lvl8pPr>
+    <a:lvl9pPr marL="3657600" algn="l" defTabSz="914400" rtl="0" eaLnBrk="1" latinLnBrk="0" hangingPunct="1">
+      <a:defRPr sz="1200" kern="1200">
+        <a:solidFill>
+          <a:schemeClr val="tx1"/>
+        </a:solidFill>
+        <a:latin typeface="+mn-lt"/>
+        <a:ea typeface="+mn-ea"/>
+        <a:cs typeface="+mn-cs"/>
+      </a:defRPr>
+    </a:lvl9pPr>
+  </p:notesStyle>
+</p:notesMaster>
+</file>
+
+<file path=ppt/notesSlides/notesSlide1.xml><?xml version="1.0" encoding="utf-8"?>
+<p:notes xmlns:a="http://schemas.openxmlformats.org/drawingml/2006/main" xmlns:r="http://schemas.openxmlformats.org/officeDocument/2006/relationships" xmlns:p="http://schemas.openxmlformats.org/presentationml/2006/main">
+  <p:cSld>
+    <p:spTree>
+      <p:nvGrpSpPr>
+        <p:cNvPr id="1" name=""/>
+        <p:cNvGrpSpPr/>
+        <p:nvPr/>
+      </p:nvGrpSpPr>
+      <p:grpSpPr>
+        <a:xfrm>
+          <a:off x="0" y="0"/>
+          <a:ext cx="0" cy="0"/>
+          <a:chOff x="0" y="0"/>
+          <a:chExt cx="0" cy="0"/>
+        </a:xfrm>
+      </p:grpSpPr>
+      <p:sp>
+        <p:nvSpPr>
+          <p:cNvPr id="2" name="Slide Image Placeholder 1"/>
+          <p:cNvSpPr>
+            <a:spLocks noGrp="1" noRot="1" noChangeAspect="1"/>
+          </p:cNvSpPr>
+          <p:nvPr>
+            <p:ph type="sldImg"/>
+          </p:nvPr>
+        </p:nvSpPr>
+        <p:spPr/>
+      </p:sp>
+      <p:sp>
+        <p:nvSpPr>
+          <p:cNvPr id="3" name="Notes Placeholder 2"/>
+          <p:cNvSpPr>
+            <a:spLocks noGrp="1"/>
+          </p:cNvSpPr>
+          <p:nvPr>
+            <p:ph type="body" idx="1"/>
+          </p:nvPr>
+        </p:nvSpPr>
+        <p:spPr/>
+        <p:txBody>
+          <a:bodyPr/>
+          <a:lstStyle/>
+          <a:p>
+            <a:endParaRPr lang="en-US"/>
+          </a:p>
+        </p:txBody>
+      </p:sp>
+      <p:sp>
+        <p:nvSpPr>
+          <p:cNvPr id="4" name="Slide Number Placeholder 3"/>
+          <p:cNvSpPr>
+            <a:spLocks noGrp="1"/>
+          </p:cNvSpPr>
+          <p:nvPr>
+            <p:ph type="sldNum" sz="quarter" idx="10"/>
+          </p:nvPr>
+        </p:nvSpPr>
+        <p:spPr/>
+        <p:txBody>
+          <a:bodyPr/>
+          <a:lstStyle/>
+          <a:p>
+            <a:fld id="{7A8B98E8-90E1-714F-ADAB-B54AC70D6345}" type="slidenum">
+              <a:rPr lang="en-US" smtClean="0"/>
+              <a:t>3</a:t>
+            </a:fld>
+            <a:endParaRPr lang="en-US"/>
+          </a:p>
+        </p:txBody>
+      </p:sp>
+    </p:spTree>
+    <p:extLst>
+      <p:ext uri="{BB962C8B-B14F-4D97-AF65-F5344CB8AC3E}">
+        <p14:creationId xmlns:p14="http://schemas.microsoft.com/office/powerpoint/2010/main" val="131795147"/>
+      </p:ext>
+    </p:extLst>
+  </p:cSld>
+  <p:clrMapOvr>
+    <a:masterClrMapping/>
+  </p:clrMapOvr>
+</p:notes>
+</file>
+
+<file path=ppt/notesSlides/notesSlide2.xml><?xml version="1.0" encoding="utf-8"?>
+<p:notes xmlns:a="http://schemas.openxmlformats.org/drawingml/2006/main" xmlns:r="http://schemas.openxmlformats.org/officeDocument/2006/relationships" xmlns:p="http://schemas.openxmlformats.org/presentationml/2006/main">
+  <p:cSld>
+    <p:spTree>
+      <p:nvGrpSpPr>
+        <p:cNvPr id="1" name=""/>
+        <p:cNvGrpSpPr/>
+        <p:nvPr/>
+      </p:nvGrpSpPr>
+      <p:grpSpPr>
+        <a:xfrm>
+          <a:off x="0" y="0"/>
+          <a:ext cx="0" cy="0"/>
+          <a:chOff x="0" y="0"/>
+          <a:chExt cx="0" cy="0"/>
+        </a:xfrm>
+      </p:grpSpPr>
+      <p:sp>
+        <p:nvSpPr>
+          <p:cNvPr id="2" name="Slide Image Placeholder 1"/>
+          <p:cNvSpPr>
+            <a:spLocks noGrp="1" noRot="1" noChangeAspect="1"/>
+          </p:cNvSpPr>
+          <p:nvPr>
+            <p:ph type="sldImg"/>
+          </p:nvPr>
+        </p:nvSpPr>
+        <p:spPr/>
+      </p:sp>
+      <p:sp>
+        <p:nvSpPr>
+          <p:cNvPr id="3" name="Notes Placeholder 2"/>
+          <p:cNvSpPr>
+            <a:spLocks noGrp="1"/>
+          </p:cNvSpPr>
+          <p:nvPr>
+            <p:ph type="body" idx="1"/>
+          </p:nvPr>
+        </p:nvSpPr>
+        <p:spPr/>
+        <p:txBody>
+          <a:bodyPr/>
+          <a:lstStyle/>
+          <a:p>
+            <a:endParaRPr lang="en-US"/>
+          </a:p>
+        </p:txBody>
+      </p:sp>
+      <p:sp>
+        <p:nvSpPr>
+          <p:cNvPr id="4" name="Slide Number Placeholder 3"/>
+          <p:cNvSpPr>
+            <a:spLocks noGrp="1"/>
+          </p:cNvSpPr>
+          <p:nvPr>
+            <p:ph type="sldNum" sz="quarter" idx="10"/>
+          </p:nvPr>
+        </p:nvSpPr>
+        <p:spPr/>
+        <p:txBody>
+          <a:bodyPr/>
+          <a:lstStyle/>
+          <a:p>
+            <a:fld id="{7A8B98E8-90E1-714F-ADAB-B54AC70D6345}" type="slidenum">
+              <a:rPr lang="en-US" smtClean="0"/>
+              <a:t>4</a:t>
+            </a:fld>
+            <a:endParaRPr lang="en-US"/>
+          </a:p>
+        </p:txBody>
+      </p:sp>
+    </p:spTree>
+    <p:extLst>
+      <p:ext uri="{BB962C8B-B14F-4D97-AF65-F5344CB8AC3E}">
+        <p14:creationId xmlns:p14="http://schemas.microsoft.com/office/powerpoint/2010/main" val="557347752"/>
+      </p:ext>
+    </p:extLst>
+  </p:cSld>
+  <p:clrMapOvr>
+    <a:masterClrMapping/>
+  </p:clrMapOvr>
+</p:notes>
+</file>
+
+<file path=ppt/notesSlides/notesSlide3.xml><?xml version="1.0" encoding="utf-8"?>
+<p:notes xmlns:a="http://schemas.openxmlformats.org/drawingml/2006/main" xmlns:r="http://schemas.openxmlformats.org/officeDocument/2006/relationships" xmlns:p="http://schemas.openxmlformats.org/presentationml/2006/main">
+  <p:cSld>
+    <p:spTree>
+      <p:nvGrpSpPr>
+        <p:cNvPr id="1" name=""/>
+        <p:cNvGrpSpPr/>
+        <p:nvPr/>
+      </p:nvGrpSpPr>
+      <p:grpSpPr>
+        <a:xfrm>
+          <a:off x="0" y="0"/>
+          <a:ext cx="0" cy="0"/>
+          <a:chOff x="0" y="0"/>
+          <a:chExt cx="0" cy="0"/>
+        </a:xfrm>
+      </p:grpSpPr>
+      <p:sp>
+        <p:nvSpPr>
+          <p:cNvPr id="2" name="Slide Image Placeholder 1"/>
+          <p:cNvSpPr>
+            <a:spLocks noGrp="1" noRot="1" noChangeAspect="1"/>
+          </p:cNvSpPr>
+          <p:nvPr>
+            <p:ph type="sldImg"/>
+          </p:nvPr>
+        </p:nvSpPr>
+        <p:spPr/>
+      </p:sp>
+      <p:sp>
+        <p:nvSpPr>
+          <p:cNvPr id="3" name="Notes Placeholder 2"/>
+          <p:cNvSpPr>
+            <a:spLocks noGrp="1"/>
+          </p:cNvSpPr>
+          <p:nvPr>
+            <p:ph type="body" idx="1"/>
+          </p:nvPr>
+        </p:nvSpPr>
+        <p:spPr/>
+        <p:txBody>
+          <a:bodyPr/>
+          <a:lstStyle/>
+          <a:p>
+            <a:endParaRPr lang="en-US"/>
+          </a:p>
+        </p:txBody>
+      </p:sp>
+      <p:sp>
+        <p:nvSpPr>
+          <p:cNvPr id="4" name="Slide Number Placeholder 3"/>
+          <p:cNvSpPr>
+            <a:spLocks noGrp="1"/>
+          </p:cNvSpPr>
+          <p:nvPr>
+            <p:ph type="sldNum" sz="quarter" idx="10"/>
+          </p:nvPr>
+        </p:nvSpPr>
+        <p:spPr/>
+        <p:txBody>
+          <a:bodyPr/>
+          <a:lstStyle/>
+          <a:p>
+            <a:fld id="{7A8B98E8-90E1-714F-ADAB-B54AC70D6345}" type="slidenum">
+              <a:rPr lang="en-US" smtClean="0"/>
+              <a:t>5</a:t>
+            </a:fld>
+            <a:endParaRPr lang="en-US"/>
+          </a:p>
+        </p:txBody>
+      </p:sp>
+    </p:spTree>
+    <p:extLst>
+      <p:ext uri="{BB962C8B-B14F-4D97-AF65-F5344CB8AC3E}">
+        <p14:creationId xmlns:p14="http://schemas.microsoft.com/office/powerpoint/2010/main" val="705992248"/>
+      </p:ext>
+    </p:extLst>
+  </p:cSld>
+  <p:clrMapOvr>
+    <a:masterClrMapping/>
+  </p:clrMapOvr>
+</p:notes>
+</file>
+
+<file path=ppt/notesSlides/notesSlide4.xml><?xml version="1.0" encoding="utf-8"?>
+<p:notes xmlns:a="http://schemas.openxmlformats.org/drawingml/2006/main" xmlns:r="http://schemas.openxmlformats.org/officeDocument/2006/relationships" xmlns:p="http://schemas.openxmlformats.org/presentationml/2006/main">
+  <p:cSld>
+    <p:spTree>
+      <p:nvGrpSpPr>
+        <p:cNvPr id="1" name=""/>
+        <p:cNvGrpSpPr/>
+        <p:nvPr/>
+      </p:nvGrpSpPr>
+      <p:grpSpPr>
+        <a:xfrm>
+          <a:off x="0" y="0"/>
+          <a:ext cx="0" cy="0"/>
+          <a:chOff x="0" y="0"/>
+          <a:chExt cx="0" cy="0"/>
+        </a:xfrm>
+      </p:grpSpPr>
+      <p:sp>
+        <p:nvSpPr>
+          <p:cNvPr id="2" name="Slide Image Placeholder 1"/>
+          <p:cNvSpPr>
+            <a:spLocks noGrp="1" noRot="1" noChangeAspect="1"/>
+          </p:cNvSpPr>
+          <p:nvPr>
+            <p:ph type="sldImg"/>
+          </p:nvPr>
+        </p:nvSpPr>
+        <p:spPr/>
+      </p:sp>
+      <p:sp>
+        <p:nvSpPr>
+          <p:cNvPr id="3" name="Notes Placeholder 2"/>
+          <p:cNvSpPr>
+            <a:spLocks noGrp="1"/>
+          </p:cNvSpPr>
+          <p:nvPr>
+            <p:ph type="body" idx="1"/>
+          </p:nvPr>
+        </p:nvSpPr>
+        <p:spPr/>
+        <p:txBody>
+          <a:bodyPr/>
+          <a:lstStyle/>
+          <a:p>
+            <a:endParaRPr lang="en-US"/>
+          </a:p>
+        </p:txBody>
+      </p:sp>
+      <p:sp>
+        <p:nvSpPr>
+          <p:cNvPr id="4" name="Slide Number Placeholder 3"/>
+          <p:cNvSpPr>
+            <a:spLocks noGrp="1"/>
+          </p:cNvSpPr>
+          <p:nvPr>
+            <p:ph type="sldNum" sz="quarter" idx="10"/>
+          </p:nvPr>
+        </p:nvSpPr>
+        <p:spPr/>
+        <p:txBody>
+          <a:bodyPr/>
+          <a:lstStyle/>
+          <a:p>
+            <a:fld id="{7A8B98E8-90E1-714F-ADAB-B54AC70D6345}" type="slidenum">
+              <a:rPr lang="en-US" smtClean="0"/>
+              <a:t>6</a:t>
+            </a:fld>
+            <a:endParaRPr lang="en-US"/>
+          </a:p>
+        </p:txBody>
+      </p:sp>
+    </p:spTree>
+    <p:extLst>
+      <p:ext uri="{BB962C8B-B14F-4D97-AF65-F5344CB8AC3E}">
+        <p14:creationId xmlns:p14="http://schemas.microsoft.com/office/powerpoint/2010/main" val="2123019455"/>
+      </p:ext>
+    </p:extLst>
+  </p:cSld>
+  <p:clrMapOvr>
+    <a:masterClrMapping/>
+  </p:clrMapOvr>
+</p:notes>
+</file>
+
+<file path=ppt/notesSlides/notesSlide5.xml><?xml version="1.0" encoding="utf-8"?>
+<p:notes xmlns:a="http://schemas.openxmlformats.org/drawingml/2006/main" xmlns:r="http://schemas.openxmlformats.org/officeDocument/2006/relationships" xmlns:p="http://schemas.openxmlformats.org/presentationml/2006/main">
+  <p:cSld>
+    <p:spTree>
+      <p:nvGrpSpPr>
+        <p:cNvPr id="1" name=""/>
+        <p:cNvGrpSpPr/>
+        <p:nvPr/>
+      </p:nvGrpSpPr>
+      <p:grpSpPr>
+        <a:xfrm>
+          <a:off x="0" y="0"/>
+          <a:ext cx="0" cy="0"/>
+          <a:chOff x="0" y="0"/>
+          <a:chExt cx="0" cy="0"/>
+        </a:xfrm>
+      </p:grpSpPr>
+      <p:sp>
+        <p:nvSpPr>
+          <p:cNvPr id="2" name="Slide Image Placeholder 1"/>
+          <p:cNvSpPr>
+            <a:spLocks noGrp="1" noRot="1" noChangeAspect="1"/>
+          </p:cNvSpPr>
+          <p:nvPr>
+            <p:ph type="sldImg"/>
+          </p:nvPr>
+        </p:nvSpPr>
+        <p:spPr/>
+      </p:sp>
+      <p:sp>
+        <p:nvSpPr>
+          <p:cNvPr id="3" name="Notes Placeholder 2"/>
+          <p:cNvSpPr>
+            <a:spLocks noGrp="1"/>
+          </p:cNvSpPr>
+          <p:nvPr>
+            <p:ph type="body" idx="1"/>
+          </p:nvPr>
+        </p:nvSpPr>
+        <p:spPr/>
+        <p:txBody>
+          <a:bodyPr/>
+          <a:lstStyle/>
+          <a:p>
+            <a:endParaRPr lang="en-US"/>
+          </a:p>
+        </p:txBody>
+      </p:sp>
+      <p:sp>
+        <p:nvSpPr>
+          <p:cNvPr id="4" name="Slide Number Placeholder 3"/>
+          <p:cNvSpPr>
+            <a:spLocks noGrp="1"/>
+          </p:cNvSpPr>
+          <p:nvPr>
+            <p:ph type="sldNum" sz="quarter" idx="10"/>
+          </p:nvPr>
+        </p:nvSpPr>
+        <p:spPr/>
+        <p:txBody>
+          <a:bodyPr/>
+          <a:lstStyle/>
+          <a:p>
+            <a:fld id="{7A8B98E8-90E1-714F-ADAB-B54AC70D6345}" type="slidenum">
+              <a:rPr lang="en-US" smtClean="0"/>
+              <a:t>7</a:t>
+            </a:fld>
+            <a:endParaRPr lang="en-US"/>
+          </a:p>
+        </p:txBody>
+      </p:sp>
+    </p:spTree>
+    <p:extLst>
+      <p:ext uri="{BB962C8B-B14F-4D97-AF65-F5344CB8AC3E}">
+        <p14:creationId xmlns:p14="http://schemas.microsoft.com/office/powerpoint/2010/main" val="1833681795"/>
+      </p:ext>
+    </p:extLst>
+  </p:cSld>
+  <p:clrMapOvr>
+    <a:masterClrMapping/>
+  </p:clrMapOvr>
+</p:notes>
+</file>
+
+<file path=ppt/notesSlides/notesSlide6.xml><?xml version="1.0" encoding="utf-8"?>
+<p:notes xmlns:a="http://schemas.openxmlformats.org/drawingml/2006/main" xmlns:r="http://schemas.openxmlformats.org/officeDocument/2006/relationships" xmlns:p="http://schemas.openxmlformats.org/presentationml/2006/main">
+  <p:cSld>
+    <p:spTree>
+      <p:nvGrpSpPr>
+        <p:cNvPr id="1" name=""/>
+        <p:cNvGrpSpPr/>
+        <p:nvPr/>
+      </p:nvGrpSpPr>
+      <p:grpSpPr>
+        <a:xfrm>
+          <a:off x="0" y="0"/>
+          <a:ext cx="0" cy="0"/>
+          <a:chOff x="0" y="0"/>
+          <a:chExt cx="0" cy="0"/>
+        </a:xfrm>
+      </p:grpSpPr>
+      <p:sp>
+        <p:nvSpPr>
+          <p:cNvPr id="2" name="Slide Image Placeholder 1"/>
+          <p:cNvSpPr>
+            <a:spLocks noGrp="1" noRot="1" noChangeAspect="1"/>
+          </p:cNvSpPr>
+          <p:nvPr>
+            <p:ph type="sldImg"/>
+          </p:nvPr>
+        </p:nvSpPr>
+        <p:spPr/>
+      </p:sp>
+      <p:sp>
+        <p:nvSpPr>
+          <p:cNvPr id="3" name="Notes Placeholder 2"/>
+          <p:cNvSpPr>
+            <a:spLocks noGrp="1"/>
+          </p:cNvSpPr>
+          <p:nvPr>
+            <p:ph type="body" idx="1"/>
+          </p:nvPr>
+        </p:nvSpPr>
+        <p:spPr/>
+        <p:txBody>
+          <a:bodyPr/>
+          <a:lstStyle/>
+          <a:p>
+            <a:endParaRPr lang="en-US"/>
+          </a:p>
+        </p:txBody>
+      </p:sp>
+      <p:sp>
+        <p:nvSpPr>
+          <p:cNvPr id="4" name="Slide Number Placeholder 3"/>
+          <p:cNvSpPr>
+            <a:spLocks noGrp="1"/>
+          </p:cNvSpPr>
+          <p:nvPr>
+            <p:ph type="sldNum" sz="quarter" idx="10"/>
+          </p:nvPr>
+        </p:nvSpPr>
+        <p:spPr/>
+        <p:txBody>
+          <a:bodyPr/>
+          <a:lstStyle/>
+          <a:p>
+            <a:fld id="{7A8B98E8-90E1-714F-ADAB-B54AC70D6345}" type="slidenum">
+              <a:rPr lang="en-US" smtClean="0"/>
+              <a:t>8</a:t>
+            </a:fld>
+            <a:endParaRPr lang="en-US"/>
+          </a:p>
+        </p:txBody>
+      </p:sp>
+    </p:spTree>
+    <p:extLst>
+      <p:ext uri="{BB962C8B-B14F-4D97-AF65-F5344CB8AC3E}">
+        <p14:creationId xmlns:p14="http://schemas.microsoft.com/office/powerpoint/2010/main" val="1756281209"/>
+      </p:ext>
+    </p:extLst>
+  </p:cSld>
+  <p:clrMapOvr>
+    <a:masterClrMapping/>
+  </p:clrMapOvr>
+</p:notes>
+</file>
+
+<file path=ppt/notesSlides/notesSlide7.xml><?xml version="1.0" encoding="utf-8"?>
+<p:notes xmlns:a="http://schemas.openxmlformats.org/drawingml/2006/main" xmlns:r="http://schemas.openxmlformats.org/officeDocument/2006/relationships" xmlns:p="http://schemas.openxmlformats.org/presentationml/2006/main">
+  <p:cSld>
+    <p:spTree>
+      <p:nvGrpSpPr>
+        <p:cNvPr id="1" name=""/>
+        <p:cNvGrpSpPr/>
+        <p:nvPr/>
+      </p:nvGrpSpPr>
+      <p:grpSpPr>
+        <a:xfrm>
+          <a:off x="0" y="0"/>
+          <a:ext cx="0" cy="0"/>
+          <a:chOff x="0" y="0"/>
+          <a:chExt cx="0" cy="0"/>
+        </a:xfrm>
+      </p:grpSpPr>
+      <p:sp>
+        <p:nvSpPr>
+          <p:cNvPr id="2" name="Slide Image Placeholder 1"/>
+          <p:cNvSpPr>
+            <a:spLocks noGrp="1" noRot="1" noChangeAspect="1"/>
+          </p:cNvSpPr>
+          <p:nvPr>
+            <p:ph type="sldImg"/>
+          </p:nvPr>
+        </p:nvSpPr>
+        <p:spPr/>
+      </p:sp>
+      <p:sp>
+        <p:nvSpPr>
+          <p:cNvPr id="3" name="Notes Placeholder 2"/>
+          <p:cNvSpPr>
+            <a:spLocks noGrp="1"/>
+          </p:cNvSpPr>
+          <p:nvPr>
+            <p:ph type="body" idx="1"/>
+          </p:nvPr>
+        </p:nvSpPr>
+        <p:spPr/>
+        <p:txBody>
+          <a:bodyPr/>
+          <a:lstStyle/>
+          <a:p>
+            <a:endParaRPr lang="en-US"/>
+          </a:p>
+        </p:txBody>
+      </p:sp>
+      <p:sp>
+        <p:nvSpPr>
+          <p:cNvPr id="4" name="Slide Number Placeholder 3"/>
+          <p:cNvSpPr>
+            <a:spLocks noGrp="1"/>
+          </p:cNvSpPr>
+          <p:nvPr>
+            <p:ph type="sldNum" sz="quarter" idx="10"/>
+          </p:nvPr>
+        </p:nvSpPr>
+        <p:spPr/>
+        <p:txBody>
+          <a:bodyPr/>
+          <a:lstStyle/>
+          <a:p>
+            <a:fld id="{7A8B98E8-90E1-714F-ADAB-B54AC70D6345}" type="slidenum">
+              <a:rPr lang="en-US" smtClean="0"/>
+              <a:t>9</a:t>
+            </a:fld>
+            <a:endParaRPr lang="en-US"/>
+          </a:p>
+        </p:txBody>
+      </p:sp>
+    </p:spTree>
+    <p:extLst>
+      <p:ext uri="{BB962C8B-B14F-4D97-AF65-F5344CB8AC3E}">
+        <p14:creationId xmlns:p14="http://schemas.microsoft.com/office/powerpoint/2010/main" val="388991875"/>
+      </p:ext>
+    </p:extLst>
+  </p:cSld>
+  <p:clrMapOvr>
+    <a:masterClrMapping/>
+  </p:clrMapOvr>
+</p:notes>
+</file>
+
+<file path=ppt/notesSlides/notesSlide8.xml><?xml version="1.0" encoding="utf-8"?>
+<p:notes xmlns:a="http://schemas.openxmlformats.org/drawingml/2006/main" xmlns:r="http://schemas.openxmlformats.org/officeDocument/2006/relationships" xmlns:p="http://schemas.openxmlformats.org/presentationml/2006/main">
+  <p:cSld>
+    <p:spTree>
+      <p:nvGrpSpPr>
+        <p:cNvPr id="1" name=""/>
+        <p:cNvGrpSpPr/>
+        <p:nvPr/>
+      </p:nvGrpSpPr>
+      <p:grpSpPr>
+        <a:xfrm>
+          <a:off x="0" y="0"/>
+          <a:ext cx="0" cy="0"/>
+          <a:chOff x="0" y="0"/>
+          <a:chExt cx="0" cy="0"/>
+        </a:xfrm>
+      </p:grpSpPr>
+      <p:sp>
+        <p:nvSpPr>
+          <p:cNvPr id="2" name="Slide Image Placeholder 1"/>
+          <p:cNvSpPr>
+            <a:spLocks noGrp="1" noRot="1" noChangeAspect="1"/>
+          </p:cNvSpPr>
+          <p:nvPr>
+            <p:ph type="sldImg"/>
+          </p:nvPr>
+        </p:nvSpPr>
+        <p:spPr/>
+      </p:sp>
+      <p:sp>
+        <p:nvSpPr>
+          <p:cNvPr id="3" name="Notes Placeholder 2"/>
+          <p:cNvSpPr>
+            <a:spLocks noGrp="1"/>
+          </p:cNvSpPr>
+          <p:nvPr>
+            <p:ph type="body" idx="1"/>
+          </p:nvPr>
+        </p:nvSpPr>
+        <p:spPr/>
+        <p:txBody>
+          <a:bodyPr/>
+          <a:lstStyle/>
+          <a:p>
+            <a:endParaRPr lang="en-US"/>
+          </a:p>
+        </p:txBody>
+      </p:sp>
+      <p:sp>
+        <p:nvSpPr>
+          <p:cNvPr id="4" name="Slide Number Placeholder 3"/>
+          <p:cNvSpPr>
+            <a:spLocks noGrp="1"/>
+          </p:cNvSpPr>
+          <p:nvPr>
+            <p:ph type="sldNum" sz="quarter" idx="10"/>
+          </p:nvPr>
+        </p:nvSpPr>
+        <p:spPr/>
+        <p:txBody>
+          <a:bodyPr/>
+          <a:lstStyle/>
+          <a:p>
+            <a:fld id="{7A8B98E8-90E1-714F-ADAB-B54AC70D6345}" type="slidenum">
+              <a:rPr lang="en-US" smtClean="0"/>
+              <a:t>10</a:t>
+            </a:fld>
+            <a:endParaRPr lang="en-US"/>
+          </a:p>
+        </p:txBody>
+      </p:sp>
+    </p:spTree>
+    <p:extLst>
+      <p:ext uri="{BB962C8B-B14F-4D97-AF65-F5344CB8AC3E}">
+        <p14:creationId xmlns:p14="http://schemas.microsoft.com/office/powerpoint/2010/main" val="647553211"/>
+      </p:ext>
+    </p:extLst>
+  </p:cSld>
+  <p:clrMapOvr>
+    <a:masterClrMapping/>
+  </p:clrMapOvr>
+</p:notes>
 </file>
 
 <file path=ppt/slideLayouts/slideLayout1.xml><?xml version="1.0" encoding="utf-8"?>
@@ -6139,23 +7172,7 @@
                 <a:ea typeface="Bookman Old Style" charset="0"/>
                 <a:cs typeface="Bookman Old Style" charset="0"/>
               </a:rPr>
-              <a:t>Julie Fisher, </a:t>
-            </a:r>
-            <a:r>
-              <a:rPr lang="en-US" sz="3200" i="1" dirty="0" err="1" smtClean="0">
-                <a:latin typeface="Bookman Old Style" charset="0"/>
-                <a:ea typeface="Bookman Old Style" charset="0"/>
-                <a:cs typeface="Bookman Old Style" charset="0"/>
-              </a:rPr>
-              <a:t>Karelys</a:t>
-            </a:r>
-            <a:r>
-              <a:rPr lang="en-US" sz="3200" i="1" dirty="0" smtClean="0">
-                <a:latin typeface="Bookman Old Style" charset="0"/>
-                <a:ea typeface="Bookman Old Style" charset="0"/>
-                <a:cs typeface="Bookman Old Style" charset="0"/>
-              </a:rPr>
-              <a:t> </a:t>
+              <a:t>Julie Fisher, Karelys </a:t>
             </a:r>
             <a:r>
               <a:rPr lang="en-US" sz="3200" i="1" dirty="0" err="1" smtClean="0">
@@ -6217,6 +7234,1289 @@
     <p:extLst>
       <p:ext uri="{BB962C8B-B14F-4D97-AF65-F5344CB8AC3E}">
         <p14:creationId xmlns:p14="http://schemas.microsoft.com/office/powerpoint/2010/main" val="1991423243"/>
+      </p:ext>
+    </p:extLst>
+  </p:cSld>
+  <p:clrMapOvr>
+    <a:masterClrMapping/>
+  </p:clrMapOvr>
+</p:sld>
+</file>
+
+<file path=ppt/slides/slide10.xml><?xml version="1.0" encoding="utf-8"?>
+<p:sld xmlns:a="http://schemas.openxmlformats.org/drawingml/2006/main" xmlns:r="http://schemas.openxmlformats.org/officeDocument/2006/relationships" xmlns:p="http://schemas.openxmlformats.org/presentationml/2006/main">
+  <p:cSld>
+    <p:spTree>
+      <p:nvGrpSpPr>
+        <p:cNvPr id="1" name=""/>
+        <p:cNvGrpSpPr/>
+        <p:nvPr/>
+      </p:nvGrpSpPr>
+      <p:grpSpPr>
+        <a:xfrm>
+          <a:off x="0" y="0"/>
+          <a:ext cx="0" cy="0"/>
+          <a:chOff x="0" y="0"/>
+          <a:chExt cx="0" cy="0"/>
+        </a:xfrm>
+      </p:grpSpPr>
+      <p:sp>
+        <p:nvSpPr>
+          <p:cNvPr id="2" name="Title 1"/>
+          <p:cNvSpPr>
+            <a:spLocks noGrp="1"/>
+          </p:cNvSpPr>
+          <p:nvPr>
+            <p:ph type="title"/>
+          </p:nvPr>
+        </p:nvSpPr>
+        <p:spPr/>
+        <p:txBody>
+          <a:bodyPr/>
+          <a:lstStyle/>
+          <a:p>
+            <a:r>
+              <a:rPr lang="en-US" i="1" dirty="0">
+                <a:latin typeface="Bookman Old Style" charset="0"/>
+                <a:ea typeface="Bookman Old Style" charset="0"/>
+                <a:cs typeface="Bookman Old Style" charset="0"/>
+              </a:rPr>
+              <a:t>Iris Data Set</a:t>
+            </a:r>
+          </a:p>
+        </p:txBody>
+      </p:sp>
+      <p:sp>
+        <p:nvSpPr>
+          <p:cNvPr id="3" name="Content Placeholder 2"/>
+          <p:cNvSpPr>
+            <a:spLocks noGrp="1"/>
+          </p:cNvSpPr>
+          <p:nvPr>
+            <p:ph idx="1"/>
+          </p:nvPr>
+        </p:nvSpPr>
+        <p:spPr>
+          <a:xfrm>
+            <a:off x="1484310" y="2352907"/>
+            <a:ext cx="10018713" cy="3769113"/>
+          </a:xfrm>
+        </p:spPr>
+        <p:txBody>
+          <a:bodyPr>
+            <a:normAutofit/>
+          </a:bodyPr>
+          <a:lstStyle/>
+          <a:p>
+            <a:pPr algn="ctr"/>
+            <a:r>
+              <a:rPr lang="en-US" b="1" i="1" dirty="0" err="1">
+                <a:latin typeface="Bookman Old Style" charset="0"/>
+                <a:ea typeface="Bookman Old Style" charset="0"/>
+                <a:cs typeface="Bookman Old Style" charset="0"/>
+              </a:rPr>
+              <a:t>dbscan</a:t>
+            </a:r>
+            <a:r>
+              <a:rPr lang="en-US" b="1" i="1" dirty="0">
+                <a:latin typeface="Bookman Old Style" charset="0"/>
+                <a:ea typeface="Bookman Old Style" charset="0"/>
+                <a:cs typeface="Bookman Old Style" charset="0"/>
+              </a:rPr>
+              <a:t> </a:t>
+            </a:r>
+            <a:r>
+              <a:rPr lang="en-US" b="1" dirty="0" smtClean="0">
+                <a:latin typeface="Bookman Old Style" charset="0"/>
+                <a:ea typeface="Bookman Old Style" charset="0"/>
+                <a:cs typeface="Bookman Old Style" charset="0"/>
+              </a:rPr>
+              <a:t>Clustering</a:t>
+            </a:r>
+          </a:p>
+          <a:p>
+            <a:r>
+              <a:rPr lang="en-US" i="1" dirty="0" smtClean="0">
+                <a:latin typeface="Bookman Old Style" charset="0"/>
+                <a:ea typeface="Bookman Old Style" charset="0"/>
+                <a:cs typeface="Bookman Old Style" charset="0"/>
+              </a:rPr>
+              <a:t>Then we apply Bayesian probability (again) by sweeping the table</a:t>
+            </a:r>
+          </a:p>
+          <a:p>
+            <a:pPr lvl="1"/>
+            <a:r>
+              <a:rPr lang="en-US" i="1" dirty="0">
+                <a:latin typeface="Bookman Old Style" charset="0"/>
+                <a:ea typeface="Bookman Old Style" charset="0"/>
+                <a:cs typeface="Bookman Old Style" charset="0"/>
+              </a:rPr>
+              <a:t>(</a:t>
+            </a:r>
+            <a:r>
+              <a:rPr lang="en-US" i="1" dirty="0" err="1">
+                <a:latin typeface="Bookman Old Style" charset="0"/>
+                <a:ea typeface="Bookman Old Style" charset="0"/>
+                <a:cs typeface="Bookman Old Style" charset="0"/>
+              </a:rPr>
+              <a:t>iris.Bays.db</a:t>
+            </a:r>
+            <a:r>
+              <a:rPr lang="en-US" i="1" dirty="0">
+                <a:latin typeface="Bookman Old Style" charset="0"/>
+                <a:ea typeface="Bookman Old Style" charset="0"/>
+                <a:cs typeface="Bookman Old Style" charset="0"/>
+              </a:rPr>
+              <a:t> &lt;- </a:t>
+            </a:r>
+            <a:r>
+              <a:rPr lang="en-US" i="1" dirty="0" err="1">
+                <a:latin typeface="Bookman Old Style" charset="0"/>
+                <a:ea typeface="Bookman Old Style" charset="0"/>
+                <a:cs typeface="Bookman Old Style" charset="0"/>
+              </a:rPr>
+              <a:t>prop.table</a:t>
+            </a:r>
+            <a:r>
+              <a:rPr lang="en-US" i="1" dirty="0">
+                <a:latin typeface="Bookman Old Style" charset="0"/>
+                <a:ea typeface="Bookman Old Style" charset="0"/>
+                <a:cs typeface="Bookman Old Style" charset="0"/>
+              </a:rPr>
+              <a:t>(</a:t>
+            </a:r>
+            <a:r>
+              <a:rPr lang="en-US" i="1" dirty="0" err="1">
+                <a:latin typeface="Bookman Old Style" charset="0"/>
+                <a:ea typeface="Bookman Old Style" charset="0"/>
+                <a:cs typeface="Bookman Old Style" charset="0"/>
+              </a:rPr>
+              <a:t>iris.con_mat.db</a:t>
+            </a:r>
+            <a:r>
+              <a:rPr lang="en-US" i="1" dirty="0">
+                <a:latin typeface="Bookman Old Style" charset="0"/>
+                <a:ea typeface="Bookman Old Style" charset="0"/>
+                <a:cs typeface="Bookman Old Style" charset="0"/>
+              </a:rPr>
+              <a:t>, 1))</a:t>
+            </a:r>
+            <a:endParaRPr lang="en-US" i="1" dirty="0" smtClean="0">
+              <a:latin typeface="Bookman Old Style" charset="0"/>
+              <a:ea typeface="Bookman Old Style" charset="0"/>
+              <a:cs typeface="Bookman Old Style" charset="0"/>
+            </a:endParaRPr>
+          </a:p>
+          <a:p>
+            <a:r>
+              <a:rPr lang="en-US" i="1" dirty="0" smtClean="0">
+                <a:latin typeface="Bookman Old Style" charset="0"/>
+                <a:ea typeface="Bookman Old Style" charset="0"/>
+                <a:cs typeface="Bookman Old Style" charset="0"/>
+              </a:rPr>
+              <a:t>To test our result, we used a 2-D plot:</a:t>
+            </a:r>
+          </a:p>
+          <a:p>
+            <a:pPr lvl="1"/>
+            <a:r>
+              <a:rPr lang="en-US" i="1" dirty="0" err="1">
+                <a:latin typeface="Bookman Old Style" charset="0"/>
+                <a:ea typeface="Bookman Old Style" charset="0"/>
+                <a:cs typeface="Bookman Old Style" charset="0"/>
+              </a:rPr>
+              <a:t>clusplot</a:t>
+            </a:r>
+            <a:r>
+              <a:rPr lang="en-US" i="1" dirty="0">
+                <a:latin typeface="Bookman Old Style" charset="0"/>
+                <a:ea typeface="Bookman Old Style" charset="0"/>
+                <a:cs typeface="Bookman Old Style" charset="0"/>
+              </a:rPr>
+              <a:t>(iris, </a:t>
+            </a:r>
+            <a:r>
+              <a:rPr lang="en-US" i="1" dirty="0" err="1">
+                <a:latin typeface="Bookman Old Style" charset="0"/>
+                <a:ea typeface="Bookman Old Style" charset="0"/>
+                <a:cs typeface="Bookman Old Style" charset="0"/>
+              </a:rPr>
+              <a:t>iris.model.db$cluster</a:t>
+            </a:r>
+            <a:r>
+              <a:rPr lang="en-US" i="1" dirty="0">
+                <a:latin typeface="Bookman Old Style" charset="0"/>
+                <a:ea typeface="Bookman Old Style" charset="0"/>
+                <a:cs typeface="Bookman Old Style" charset="0"/>
+              </a:rPr>
+              <a:t>, color=T, shade=T, labels=0, lines=0)</a:t>
+            </a:r>
+          </a:p>
+        </p:txBody>
+      </p:sp>
+      <p:sp>
+        <p:nvSpPr>
+          <p:cNvPr id="4" name="Footer Placeholder 3"/>
+          <p:cNvSpPr>
+            <a:spLocks noGrp="1"/>
+          </p:cNvSpPr>
+          <p:nvPr>
+            <p:ph type="ftr" sz="quarter" idx="11"/>
+          </p:nvPr>
+        </p:nvSpPr>
+        <p:spPr>
+          <a:xfrm>
+            <a:off x="2951577" y="6332034"/>
+            <a:ext cx="7084177" cy="365125"/>
+          </a:xfrm>
+        </p:spPr>
+        <p:txBody>
+          <a:bodyPr/>
+          <a:lstStyle/>
+          <a:p>
+            <a:pPr algn="r"/>
+            <a:r>
+              <a:rPr lang="en-US" sz="1600" b="1" i="1" dirty="0" smtClean="0"/>
+              <a:t>Julie</a:t>
+            </a:r>
+            <a:endParaRPr lang="en-US" sz="1600" b="1" i="1" dirty="0"/>
+          </a:p>
+        </p:txBody>
+      </p:sp>
+    </p:spTree>
+    <p:extLst>
+      <p:ext uri="{BB962C8B-B14F-4D97-AF65-F5344CB8AC3E}">
+        <p14:creationId xmlns:p14="http://schemas.microsoft.com/office/powerpoint/2010/main" val="1914463916"/>
+      </p:ext>
+    </p:extLst>
+  </p:cSld>
+  <p:clrMapOvr>
+    <a:masterClrMapping/>
+  </p:clrMapOvr>
+</p:sld>
+</file>
+
+<file path=ppt/slides/slide11.xml><?xml version="1.0" encoding="utf-8"?>
+<p:sld xmlns:a="http://schemas.openxmlformats.org/drawingml/2006/main" xmlns:r="http://schemas.openxmlformats.org/officeDocument/2006/relationships" xmlns:p="http://schemas.openxmlformats.org/presentationml/2006/main">
+  <p:cSld>
+    <p:spTree>
+      <p:nvGrpSpPr>
+        <p:cNvPr id="1" name=""/>
+        <p:cNvGrpSpPr/>
+        <p:nvPr/>
+      </p:nvGrpSpPr>
+      <p:grpSpPr>
+        <a:xfrm>
+          <a:off x="0" y="0"/>
+          <a:ext cx="0" cy="0"/>
+          <a:chOff x="0" y="0"/>
+          <a:chExt cx="0" cy="0"/>
+        </a:xfrm>
+      </p:grpSpPr>
+      <p:sp>
+        <p:nvSpPr>
+          <p:cNvPr id="2" name="Title 1"/>
+          <p:cNvSpPr>
+            <a:spLocks noGrp="1"/>
+          </p:cNvSpPr>
+          <p:nvPr>
+            <p:ph type="title"/>
+          </p:nvPr>
+        </p:nvSpPr>
+        <p:spPr/>
+        <p:txBody>
+          <a:bodyPr/>
+          <a:lstStyle/>
+          <a:p>
+            <a:r>
+              <a:rPr lang="en-US" i="1" dirty="0" smtClean="0">
+                <a:latin typeface="Bookman Old Style" charset="0"/>
+                <a:ea typeface="Bookman Old Style" charset="0"/>
+                <a:cs typeface="Bookman Old Style" charset="0"/>
+              </a:rPr>
+              <a:t>Digital Handwriting Recognizer</a:t>
+            </a:r>
+            <a:endParaRPr lang="en-US" i="1" dirty="0">
+              <a:latin typeface="Bookman Old Style" charset="0"/>
+              <a:ea typeface="Bookman Old Style" charset="0"/>
+              <a:cs typeface="Bookman Old Style" charset="0"/>
+            </a:endParaRPr>
+          </a:p>
+        </p:txBody>
+      </p:sp>
+      <p:sp>
+        <p:nvSpPr>
+          <p:cNvPr id="3" name="Content Placeholder 2"/>
+          <p:cNvSpPr>
+            <a:spLocks noGrp="1"/>
+          </p:cNvSpPr>
+          <p:nvPr>
+            <p:ph idx="1"/>
+          </p:nvPr>
+        </p:nvSpPr>
+        <p:spPr/>
+        <p:txBody>
+          <a:bodyPr/>
+          <a:lstStyle/>
+          <a:p>
+            <a:r>
+              <a:rPr lang="en-US" dirty="0" smtClean="0">
+                <a:latin typeface="Bookman Old Style" charset="0"/>
+                <a:ea typeface="Bookman Old Style" charset="0"/>
+                <a:cs typeface="Bookman Old Style" charset="0"/>
+              </a:rPr>
+              <a:t>Here, we ran the specc spectral clustering algorithm to observe the results (on the training dataset without labels)</a:t>
+            </a:r>
+          </a:p>
+          <a:p>
+            <a:pPr lvl="1"/>
+            <a:r>
+              <a:rPr lang="en-US" dirty="0" smtClean="0">
+                <a:latin typeface="Bookman Old Style" charset="0"/>
+                <a:ea typeface="Bookman Old Style" charset="0"/>
+                <a:cs typeface="Bookman Old Style" charset="0"/>
+              </a:rPr>
+              <a:t>We chose 10 clusters because it would not be use to use random rows in the eigenvectors.</a:t>
+            </a:r>
+          </a:p>
+          <a:p>
+            <a:pPr lvl="1"/>
+            <a:r>
+              <a:rPr lang="en-US" dirty="0" smtClean="0">
+                <a:latin typeface="Bookman Old Style" charset="0"/>
+                <a:ea typeface="Bookman Old Style" charset="0"/>
+                <a:cs typeface="Bookman Old Style" charset="0"/>
+              </a:rPr>
+              <a:t>Then we view the result of the specc clusters.</a:t>
+            </a:r>
+          </a:p>
+          <a:p>
+            <a:r>
+              <a:rPr lang="en-US" dirty="0" smtClean="0">
+                <a:latin typeface="Bookman Old Style" charset="0"/>
+                <a:ea typeface="Bookman Old Style" charset="0"/>
+                <a:cs typeface="Bookman Old Style" charset="0"/>
+              </a:rPr>
+              <a:t>Now we choose the specc cluster and select the first 100 sets to observe which variables were selected.</a:t>
+            </a:r>
+            <a:endParaRPr lang="en-US" dirty="0">
+              <a:latin typeface="Bookman Old Style" charset="0"/>
+              <a:ea typeface="Bookman Old Style" charset="0"/>
+              <a:cs typeface="Bookman Old Style" charset="0"/>
+            </a:endParaRPr>
+          </a:p>
+        </p:txBody>
+      </p:sp>
+      <p:sp>
+        <p:nvSpPr>
+          <p:cNvPr id="4" name="Footer Placeholder 3"/>
+          <p:cNvSpPr>
+            <a:spLocks noGrp="1"/>
+          </p:cNvSpPr>
+          <p:nvPr>
+            <p:ph type="ftr" sz="quarter" idx="11"/>
+          </p:nvPr>
+        </p:nvSpPr>
+        <p:spPr>
+          <a:xfrm>
+            <a:off x="2951577" y="6332034"/>
+            <a:ext cx="7084177" cy="365125"/>
+          </a:xfrm>
+        </p:spPr>
+        <p:txBody>
+          <a:bodyPr/>
+          <a:lstStyle/>
+          <a:p>
+            <a:pPr algn="r"/>
+            <a:r>
+              <a:rPr lang="en-US" sz="1600" b="1" i="1" dirty="0" smtClean="0"/>
+              <a:t>Karelys</a:t>
+            </a:r>
+            <a:endParaRPr lang="en-US" sz="1600" b="1" i="1" dirty="0"/>
+          </a:p>
+        </p:txBody>
+      </p:sp>
+    </p:spTree>
+    <p:extLst>
+      <p:ext uri="{BB962C8B-B14F-4D97-AF65-F5344CB8AC3E}">
+        <p14:creationId xmlns:p14="http://schemas.microsoft.com/office/powerpoint/2010/main" val="1607103707"/>
+      </p:ext>
+    </p:extLst>
+  </p:cSld>
+  <p:clrMapOvr>
+    <a:masterClrMapping/>
+  </p:clrMapOvr>
+</p:sld>
+</file>
+
+<file path=ppt/slides/slide12.xml><?xml version="1.0" encoding="utf-8"?>
+<p:sld xmlns:a="http://schemas.openxmlformats.org/drawingml/2006/main" xmlns:r="http://schemas.openxmlformats.org/officeDocument/2006/relationships" xmlns:p="http://schemas.openxmlformats.org/presentationml/2006/main">
+  <p:cSld>
+    <p:spTree>
+      <p:nvGrpSpPr>
+        <p:cNvPr id="1" name=""/>
+        <p:cNvGrpSpPr/>
+        <p:nvPr/>
+      </p:nvGrpSpPr>
+      <p:grpSpPr>
+        <a:xfrm>
+          <a:off x="0" y="0"/>
+          <a:ext cx="0" cy="0"/>
+          <a:chOff x="0" y="0"/>
+          <a:chExt cx="0" cy="0"/>
+        </a:xfrm>
+      </p:grpSpPr>
+      <p:sp>
+        <p:nvSpPr>
+          <p:cNvPr id="2" name="Title 1"/>
+          <p:cNvSpPr>
+            <a:spLocks noGrp="1"/>
+          </p:cNvSpPr>
+          <p:nvPr>
+            <p:ph type="title"/>
+          </p:nvPr>
+        </p:nvSpPr>
+        <p:spPr/>
+        <p:txBody>
+          <a:bodyPr/>
+          <a:lstStyle/>
+          <a:p>
+            <a:r>
+              <a:rPr lang="en-US" i="1" dirty="0" smtClean="0">
+                <a:latin typeface="Bookman Old Style" charset="0"/>
+                <a:ea typeface="Bookman Old Style" charset="0"/>
+                <a:cs typeface="Bookman Old Style" charset="0"/>
+              </a:rPr>
+              <a:t>Digital Handwriting Recognizer</a:t>
+            </a:r>
+            <a:endParaRPr lang="en-US" i="1" dirty="0">
+              <a:latin typeface="Bookman Old Style" charset="0"/>
+              <a:ea typeface="Bookman Old Style" charset="0"/>
+              <a:cs typeface="Bookman Old Style" charset="0"/>
+            </a:endParaRPr>
+          </a:p>
+        </p:txBody>
+      </p:sp>
+      <p:sp>
+        <p:nvSpPr>
+          <p:cNvPr id="3" name="Content Placeholder 2"/>
+          <p:cNvSpPr>
+            <a:spLocks noGrp="1"/>
+          </p:cNvSpPr>
+          <p:nvPr>
+            <p:ph idx="1"/>
+          </p:nvPr>
+        </p:nvSpPr>
+        <p:spPr>
+          <a:xfrm>
+            <a:off x="1484310" y="2666999"/>
+            <a:ext cx="10018713" cy="3800708"/>
+          </a:xfrm>
+        </p:spPr>
+        <p:txBody>
+          <a:bodyPr>
+            <a:normAutofit/>
+          </a:bodyPr>
+          <a:lstStyle/>
+          <a:p>
+            <a:r>
+              <a:rPr lang="en-US" dirty="0" smtClean="0">
+                <a:latin typeface="Bookman Old Style" charset="0"/>
+                <a:ea typeface="Bookman Old Style" charset="0"/>
+                <a:cs typeface="Bookman Old Style" charset="0"/>
+              </a:rPr>
+              <a:t>We view the size of the vector for each point in the cluster</a:t>
+            </a:r>
+          </a:p>
+          <a:p>
+            <a:pPr lvl="1"/>
+            <a:r>
+              <a:rPr lang="en-US" i="1" dirty="0">
+                <a:latin typeface="Bookman Old Style" charset="0"/>
+                <a:ea typeface="Bookman Old Style" charset="0"/>
+                <a:cs typeface="Bookman Old Style" charset="0"/>
+              </a:rPr>
+              <a:t>size(</a:t>
+            </a:r>
+            <a:r>
+              <a:rPr lang="en-US" i="1" dirty="0" err="1">
+                <a:latin typeface="Bookman Old Style" charset="0"/>
+                <a:ea typeface="Bookman Old Style" charset="0"/>
+                <a:cs typeface="Bookman Old Style" charset="0"/>
+              </a:rPr>
+              <a:t>digits.cluster</a:t>
+            </a:r>
+            <a:r>
+              <a:rPr lang="en-US" i="1" dirty="0">
+                <a:latin typeface="Bookman Old Style" charset="0"/>
+                <a:ea typeface="Bookman Old Style" charset="0"/>
+                <a:cs typeface="Bookman Old Style" charset="0"/>
+              </a:rPr>
+              <a:t>)</a:t>
+            </a:r>
+            <a:endParaRPr lang="en-US" i="1" dirty="0" smtClean="0">
+              <a:latin typeface="Bookman Old Style" charset="0"/>
+              <a:ea typeface="Bookman Old Style" charset="0"/>
+              <a:cs typeface="Bookman Old Style" charset="0"/>
+            </a:endParaRPr>
+          </a:p>
+          <a:p>
+            <a:r>
+              <a:rPr lang="en-US" dirty="0" smtClean="0">
+                <a:latin typeface="Bookman Old Style" charset="0"/>
+                <a:ea typeface="Bookman Old Style" charset="0"/>
+                <a:cs typeface="Bookman Old Style" charset="0"/>
+              </a:rPr>
+              <a:t>Then we view the sum of squares for each cluster within the cluster</a:t>
+            </a:r>
+          </a:p>
+          <a:p>
+            <a:pPr lvl="1"/>
+            <a:r>
+              <a:rPr lang="en-US" i="1" dirty="0" err="1">
+                <a:latin typeface="Bookman Old Style" charset="0"/>
+                <a:ea typeface="Bookman Old Style" charset="0"/>
+                <a:cs typeface="Bookman Old Style" charset="0"/>
+              </a:rPr>
+              <a:t>withinss</a:t>
+            </a:r>
+            <a:r>
+              <a:rPr lang="en-US" i="1" dirty="0">
+                <a:latin typeface="Bookman Old Style" charset="0"/>
+                <a:ea typeface="Bookman Old Style" charset="0"/>
+                <a:cs typeface="Bookman Old Style" charset="0"/>
+              </a:rPr>
+              <a:t>(</a:t>
+            </a:r>
+            <a:r>
+              <a:rPr lang="en-US" i="1" dirty="0" err="1">
+                <a:latin typeface="Bookman Old Style" charset="0"/>
+                <a:ea typeface="Bookman Old Style" charset="0"/>
+                <a:cs typeface="Bookman Old Style" charset="0"/>
+              </a:rPr>
+              <a:t>digits.cluster</a:t>
+            </a:r>
+            <a:r>
+              <a:rPr lang="en-US" i="1" dirty="0">
+                <a:latin typeface="Bookman Old Style" charset="0"/>
+                <a:ea typeface="Bookman Old Style" charset="0"/>
+                <a:cs typeface="Bookman Old Style" charset="0"/>
+              </a:rPr>
+              <a:t>)</a:t>
+            </a:r>
+          </a:p>
+          <a:p>
+            <a:r>
+              <a:rPr lang="en-US" dirty="0" smtClean="0">
+                <a:latin typeface="Bookman Old Style" charset="0"/>
+                <a:ea typeface="Bookman Old Style" charset="0"/>
+                <a:cs typeface="Bookman Old Style" charset="0"/>
+              </a:rPr>
+              <a:t>We use the kernel class to obtain the kernel function that we used in the specc function.</a:t>
+            </a:r>
+          </a:p>
+          <a:p>
+            <a:pPr lvl="1"/>
+            <a:r>
+              <a:rPr lang="en-US" i="1" dirty="0" err="1">
+                <a:latin typeface="Bookman Old Style" charset="0"/>
+                <a:ea typeface="Bookman Old Style" charset="0"/>
+                <a:cs typeface="Bookman Old Style" charset="0"/>
+              </a:rPr>
+              <a:t>kernelf</a:t>
+            </a:r>
+            <a:r>
+              <a:rPr lang="en-US" i="1" dirty="0">
+                <a:latin typeface="Bookman Old Style" charset="0"/>
+                <a:ea typeface="Bookman Old Style" charset="0"/>
+                <a:cs typeface="Bookman Old Style" charset="0"/>
+              </a:rPr>
+              <a:t>(</a:t>
+            </a:r>
+            <a:r>
+              <a:rPr lang="en-US" i="1" dirty="0" err="1">
+                <a:latin typeface="Bookman Old Style" charset="0"/>
+                <a:ea typeface="Bookman Old Style" charset="0"/>
+                <a:cs typeface="Bookman Old Style" charset="0"/>
+              </a:rPr>
+              <a:t>digits.cluster</a:t>
+            </a:r>
+            <a:r>
+              <a:rPr lang="en-US" i="1" dirty="0">
+                <a:latin typeface="Bookman Old Style" charset="0"/>
+                <a:ea typeface="Bookman Old Style" charset="0"/>
+                <a:cs typeface="Bookman Old Style" charset="0"/>
+              </a:rPr>
+              <a:t>)</a:t>
+            </a:r>
+          </a:p>
+        </p:txBody>
+      </p:sp>
+      <p:sp>
+        <p:nvSpPr>
+          <p:cNvPr id="4" name="Footer Placeholder 3"/>
+          <p:cNvSpPr>
+            <a:spLocks noGrp="1"/>
+          </p:cNvSpPr>
+          <p:nvPr>
+            <p:ph type="ftr" sz="quarter" idx="11"/>
+          </p:nvPr>
+        </p:nvSpPr>
+        <p:spPr>
+          <a:xfrm>
+            <a:off x="2951577" y="6332034"/>
+            <a:ext cx="7084177" cy="365125"/>
+          </a:xfrm>
+        </p:spPr>
+        <p:txBody>
+          <a:bodyPr/>
+          <a:lstStyle/>
+          <a:p>
+            <a:pPr algn="r"/>
+            <a:r>
+              <a:rPr lang="en-US" sz="1600" b="1" i="1" dirty="0" smtClean="0"/>
+              <a:t>Anani</a:t>
+            </a:r>
+            <a:endParaRPr lang="en-US" sz="1600" b="1" i="1" dirty="0"/>
+          </a:p>
+        </p:txBody>
+      </p:sp>
+    </p:spTree>
+    <p:extLst>
+      <p:ext uri="{BB962C8B-B14F-4D97-AF65-F5344CB8AC3E}">
+        <p14:creationId xmlns:p14="http://schemas.microsoft.com/office/powerpoint/2010/main" val="1593786749"/>
+      </p:ext>
+    </p:extLst>
+  </p:cSld>
+  <p:clrMapOvr>
+    <a:masterClrMapping/>
+  </p:clrMapOvr>
+</p:sld>
+</file>
+
+<file path=ppt/slides/slide13.xml><?xml version="1.0" encoding="utf-8"?>
+<p:sld xmlns:a="http://schemas.openxmlformats.org/drawingml/2006/main" xmlns:r="http://schemas.openxmlformats.org/officeDocument/2006/relationships" xmlns:p="http://schemas.openxmlformats.org/presentationml/2006/main">
+  <p:cSld>
+    <p:spTree>
+      <p:nvGrpSpPr>
+        <p:cNvPr id="1" name=""/>
+        <p:cNvGrpSpPr/>
+        <p:nvPr/>
+      </p:nvGrpSpPr>
+      <p:grpSpPr>
+        <a:xfrm>
+          <a:off x="0" y="0"/>
+          <a:ext cx="0" cy="0"/>
+          <a:chOff x="0" y="0"/>
+          <a:chExt cx="0" cy="0"/>
+        </a:xfrm>
+      </p:grpSpPr>
+      <p:sp>
+        <p:nvSpPr>
+          <p:cNvPr id="2" name="Title 1"/>
+          <p:cNvSpPr>
+            <a:spLocks noGrp="1"/>
+          </p:cNvSpPr>
+          <p:nvPr>
+            <p:ph type="title"/>
+          </p:nvPr>
+        </p:nvSpPr>
+        <p:spPr/>
+        <p:txBody>
+          <a:bodyPr/>
+          <a:lstStyle/>
+          <a:p>
+            <a:r>
+              <a:rPr lang="en-US" i="1" dirty="0" smtClean="0">
+                <a:latin typeface="Bookman Old Style" charset="0"/>
+                <a:ea typeface="Bookman Old Style" charset="0"/>
+                <a:cs typeface="Bookman Old Style" charset="0"/>
+              </a:rPr>
+              <a:t>Digital Handwriting Recognizer</a:t>
+            </a:r>
+            <a:endParaRPr lang="en-US" i="1" dirty="0">
+              <a:latin typeface="Bookman Old Style" charset="0"/>
+              <a:ea typeface="Bookman Old Style" charset="0"/>
+              <a:cs typeface="Bookman Old Style" charset="0"/>
+            </a:endParaRPr>
+          </a:p>
+        </p:txBody>
+      </p:sp>
+      <p:sp>
+        <p:nvSpPr>
+          <p:cNvPr id="3" name="Content Placeholder 2"/>
+          <p:cNvSpPr>
+            <a:spLocks noGrp="1"/>
+          </p:cNvSpPr>
+          <p:nvPr>
+            <p:ph idx="1"/>
+          </p:nvPr>
+        </p:nvSpPr>
+        <p:spPr>
+          <a:xfrm>
+            <a:off x="1484310" y="2666999"/>
+            <a:ext cx="10018713" cy="3800708"/>
+          </a:xfrm>
+        </p:spPr>
+        <p:txBody>
+          <a:bodyPr>
+            <a:normAutofit/>
+          </a:bodyPr>
+          <a:lstStyle/>
+          <a:p>
+            <a:r>
+              <a:rPr lang="en-US" dirty="0" smtClean="0">
+                <a:latin typeface="Bookman Old Style" charset="0"/>
+                <a:ea typeface="Bookman Old Style" charset="0"/>
+                <a:cs typeface="Bookman Old Style" charset="0"/>
+              </a:rPr>
+              <a:t>Now, we take the smaller dataset of the training set and put it into a confusion matrix. The columns in this table are the clusters and the rows are the actual handwritten numbers</a:t>
+            </a:r>
+          </a:p>
+          <a:p>
+            <a:pPr lvl="1"/>
+            <a:r>
+              <a:rPr lang="en-US" i="1" dirty="0" err="1">
+                <a:latin typeface="Bookman Old Style" charset="0"/>
+                <a:ea typeface="Bookman Old Style" charset="0"/>
+                <a:cs typeface="Bookman Old Style" charset="0"/>
+              </a:rPr>
+              <a:t>confusionmatrix</a:t>
+            </a:r>
+            <a:r>
+              <a:rPr lang="en-US" i="1" dirty="0">
+                <a:latin typeface="Bookman Old Style" charset="0"/>
+                <a:ea typeface="Bookman Old Style" charset="0"/>
+                <a:cs typeface="Bookman Old Style" charset="0"/>
+              </a:rPr>
+              <a:t> &lt;- table(</a:t>
+            </a:r>
+            <a:r>
+              <a:rPr lang="en-US" i="1" dirty="0" err="1">
+                <a:latin typeface="Bookman Old Style" charset="0"/>
+                <a:ea typeface="Bookman Old Style" charset="0"/>
+                <a:cs typeface="Bookman Old Style" charset="0"/>
+              </a:rPr>
+              <a:t>digits.small$label</a:t>
+            </a:r>
+            <a:r>
+              <a:rPr lang="en-US" i="1" dirty="0">
+                <a:latin typeface="Bookman Old Style" charset="0"/>
+                <a:ea typeface="Bookman Old Style" charset="0"/>
+                <a:cs typeface="Bookman Old Style" charset="0"/>
+              </a:rPr>
+              <a:t>, </a:t>
+            </a:r>
+            <a:r>
+              <a:rPr lang="en-US" i="1" dirty="0" err="1">
+                <a:latin typeface="Bookman Old Style" charset="0"/>
+                <a:ea typeface="Bookman Old Style" charset="0"/>
+                <a:cs typeface="Bookman Old Style" charset="0"/>
+              </a:rPr>
+              <a:t>digits.cluster</a:t>
+            </a:r>
+            <a:r>
+              <a:rPr lang="en-US" i="1" dirty="0">
+                <a:latin typeface="Bookman Old Style" charset="0"/>
+                <a:ea typeface="Bookman Old Style" charset="0"/>
+                <a:cs typeface="Bookman Old Style" charset="0"/>
+              </a:rPr>
+              <a:t>[1:100])</a:t>
+            </a:r>
+            <a:endParaRPr lang="en-US" i="1" dirty="0" smtClean="0">
+              <a:latin typeface="Bookman Old Style" charset="0"/>
+              <a:ea typeface="Bookman Old Style" charset="0"/>
+              <a:cs typeface="Bookman Old Style" charset="0"/>
+            </a:endParaRPr>
+          </a:p>
+          <a:p>
+            <a:r>
+              <a:rPr lang="en-US" dirty="0" smtClean="0">
+                <a:latin typeface="Bookman Old Style" charset="0"/>
+                <a:ea typeface="Bookman Old Style" charset="0"/>
+                <a:cs typeface="Bookman Old Style" charset="0"/>
+              </a:rPr>
+              <a:t>After doing that, we concluded:</a:t>
+            </a:r>
+          </a:p>
+          <a:p>
+            <a:pPr lvl="1"/>
+            <a:r>
+              <a:rPr lang="en-US" i="1" dirty="0" smtClean="0">
+                <a:latin typeface="Bookman Old Style" charset="0"/>
+                <a:ea typeface="Bookman Old Style" charset="0"/>
+                <a:cs typeface="Bookman Old Style" charset="0"/>
+              </a:rPr>
+              <a:t>number </a:t>
+            </a:r>
+            <a:r>
+              <a:rPr lang="en-US" i="1" dirty="0">
+                <a:latin typeface="Bookman Old Style" charset="0"/>
+                <a:ea typeface="Bookman Old Style" charset="0"/>
+                <a:cs typeface="Bookman Old Style" charset="0"/>
+              </a:rPr>
+              <a:t>0 = cluster </a:t>
+            </a:r>
+            <a:r>
+              <a:rPr lang="en-US" i="1" dirty="0" smtClean="0">
+                <a:latin typeface="Bookman Old Style" charset="0"/>
+                <a:ea typeface="Bookman Old Style" charset="0"/>
+                <a:cs typeface="Bookman Old Style" charset="0"/>
+              </a:rPr>
+              <a:t>1, number </a:t>
+            </a:r>
+            <a:r>
+              <a:rPr lang="en-US" i="1" dirty="0">
+                <a:latin typeface="Bookman Old Style" charset="0"/>
+                <a:ea typeface="Bookman Old Style" charset="0"/>
+                <a:cs typeface="Bookman Old Style" charset="0"/>
+              </a:rPr>
+              <a:t>1 = cluster </a:t>
+            </a:r>
+            <a:r>
+              <a:rPr lang="en-US" i="1" dirty="0" smtClean="0">
+                <a:latin typeface="Bookman Old Style" charset="0"/>
+                <a:ea typeface="Bookman Old Style" charset="0"/>
+                <a:cs typeface="Bookman Old Style" charset="0"/>
+              </a:rPr>
+              <a:t>10, number </a:t>
+            </a:r>
+            <a:r>
+              <a:rPr lang="en-US" i="1" dirty="0">
+                <a:latin typeface="Bookman Old Style" charset="0"/>
+                <a:ea typeface="Bookman Old Style" charset="0"/>
+                <a:cs typeface="Bookman Old Style" charset="0"/>
+              </a:rPr>
+              <a:t>2 = cluster </a:t>
+            </a:r>
+            <a:r>
+              <a:rPr lang="en-US" i="1" dirty="0" smtClean="0">
+                <a:latin typeface="Bookman Old Style" charset="0"/>
+                <a:ea typeface="Bookman Old Style" charset="0"/>
+                <a:cs typeface="Bookman Old Style" charset="0"/>
+              </a:rPr>
+              <a:t>8, number </a:t>
+            </a:r>
+            <a:r>
+              <a:rPr lang="en-US" i="1" dirty="0">
+                <a:latin typeface="Bookman Old Style" charset="0"/>
+                <a:ea typeface="Bookman Old Style" charset="0"/>
+                <a:cs typeface="Bookman Old Style" charset="0"/>
+              </a:rPr>
+              <a:t>3 = cluster </a:t>
+            </a:r>
+            <a:r>
+              <a:rPr lang="en-US" i="1" dirty="0" smtClean="0">
+                <a:latin typeface="Bookman Old Style" charset="0"/>
+                <a:ea typeface="Bookman Old Style" charset="0"/>
+                <a:cs typeface="Bookman Old Style" charset="0"/>
+              </a:rPr>
+              <a:t>8, number </a:t>
+            </a:r>
+            <a:r>
+              <a:rPr lang="en-US" i="1" dirty="0">
+                <a:latin typeface="Bookman Old Style" charset="0"/>
+                <a:ea typeface="Bookman Old Style" charset="0"/>
+                <a:cs typeface="Bookman Old Style" charset="0"/>
+              </a:rPr>
+              <a:t>4 = cluster </a:t>
+            </a:r>
+            <a:r>
+              <a:rPr lang="en-US" i="1" dirty="0" smtClean="0">
+                <a:latin typeface="Bookman Old Style" charset="0"/>
+                <a:ea typeface="Bookman Old Style" charset="0"/>
+                <a:cs typeface="Bookman Old Style" charset="0"/>
+              </a:rPr>
+              <a:t>6, number </a:t>
+            </a:r>
+            <a:r>
+              <a:rPr lang="en-US" i="1" dirty="0">
+                <a:latin typeface="Bookman Old Style" charset="0"/>
+                <a:ea typeface="Bookman Old Style" charset="0"/>
+                <a:cs typeface="Bookman Old Style" charset="0"/>
+              </a:rPr>
+              <a:t>5 = cluster </a:t>
+            </a:r>
+            <a:r>
+              <a:rPr lang="en-US" i="1" dirty="0" smtClean="0">
+                <a:latin typeface="Bookman Old Style" charset="0"/>
+                <a:ea typeface="Bookman Old Style" charset="0"/>
+                <a:cs typeface="Bookman Old Style" charset="0"/>
+              </a:rPr>
+              <a:t>8, number </a:t>
+            </a:r>
+            <a:r>
+              <a:rPr lang="en-US" i="1" dirty="0">
+                <a:latin typeface="Bookman Old Style" charset="0"/>
+                <a:ea typeface="Bookman Old Style" charset="0"/>
+                <a:cs typeface="Bookman Old Style" charset="0"/>
+              </a:rPr>
+              <a:t>6 = cluster </a:t>
+            </a:r>
+            <a:r>
+              <a:rPr lang="en-US" i="1" dirty="0" smtClean="0">
+                <a:latin typeface="Bookman Old Style" charset="0"/>
+                <a:ea typeface="Bookman Old Style" charset="0"/>
+                <a:cs typeface="Bookman Old Style" charset="0"/>
+              </a:rPr>
+              <a:t>5, number </a:t>
+            </a:r>
+            <a:r>
+              <a:rPr lang="en-US" i="1" dirty="0">
+                <a:latin typeface="Bookman Old Style" charset="0"/>
+                <a:ea typeface="Bookman Old Style" charset="0"/>
+                <a:cs typeface="Bookman Old Style" charset="0"/>
+              </a:rPr>
+              <a:t>7 = cluster </a:t>
+            </a:r>
+            <a:r>
+              <a:rPr lang="en-US" i="1" dirty="0" smtClean="0">
+                <a:latin typeface="Bookman Old Style" charset="0"/>
+                <a:ea typeface="Bookman Old Style" charset="0"/>
+                <a:cs typeface="Bookman Old Style" charset="0"/>
+              </a:rPr>
+              <a:t>9, number </a:t>
+            </a:r>
+            <a:r>
+              <a:rPr lang="en-US" i="1" dirty="0">
+                <a:latin typeface="Bookman Old Style" charset="0"/>
+                <a:ea typeface="Bookman Old Style" charset="0"/>
+                <a:cs typeface="Bookman Old Style" charset="0"/>
+              </a:rPr>
+              <a:t>8 = cluster </a:t>
+            </a:r>
+            <a:r>
+              <a:rPr lang="en-US" i="1" dirty="0" smtClean="0">
+                <a:latin typeface="Bookman Old Style" charset="0"/>
+                <a:ea typeface="Bookman Old Style" charset="0"/>
+                <a:cs typeface="Bookman Old Style" charset="0"/>
+              </a:rPr>
+              <a:t>3, number </a:t>
+            </a:r>
+            <a:r>
+              <a:rPr lang="en-US" i="1" dirty="0">
+                <a:latin typeface="Bookman Old Style" charset="0"/>
+                <a:ea typeface="Bookman Old Style" charset="0"/>
+                <a:cs typeface="Bookman Old Style" charset="0"/>
+              </a:rPr>
+              <a:t>9 = cluster 7, 9</a:t>
+            </a:r>
+          </a:p>
+        </p:txBody>
+      </p:sp>
+      <p:sp>
+        <p:nvSpPr>
+          <p:cNvPr id="5" name="Footer Placeholder 3"/>
+          <p:cNvSpPr>
+            <a:spLocks noGrp="1"/>
+          </p:cNvSpPr>
+          <p:nvPr>
+            <p:ph type="ftr" sz="quarter" idx="11"/>
+          </p:nvPr>
+        </p:nvSpPr>
+        <p:spPr>
+          <a:xfrm>
+            <a:off x="2951577" y="6332034"/>
+            <a:ext cx="7084177" cy="365125"/>
+          </a:xfrm>
+        </p:spPr>
+        <p:txBody>
+          <a:bodyPr/>
+          <a:lstStyle/>
+          <a:p>
+            <a:pPr algn="r"/>
+            <a:r>
+              <a:rPr lang="en-US" sz="1600" b="1" i="1" dirty="0" smtClean="0"/>
+              <a:t>Anani</a:t>
+            </a:r>
+            <a:endParaRPr lang="en-US" sz="1600" b="1" i="1" dirty="0"/>
+          </a:p>
+        </p:txBody>
+      </p:sp>
+    </p:spTree>
+    <p:extLst>
+      <p:ext uri="{BB962C8B-B14F-4D97-AF65-F5344CB8AC3E}">
+        <p14:creationId xmlns:p14="http://schemas.microsoft.com/office/powerpoint/2010/main" val="1623377544"/>
+      </p:ext>
+    </p:extLst>
+  </p:cSld>
+  <p:clrMapOvr>
+    <a:masterClrMapping/>
+  </p:clrMapOvr>
+</p:sld>
+</file>
+
+<file path=ppt/slides/slide14.xml><?xml version="1.0" encoding="utf-8"?>
+<p:sld xmlns:a="http://schemas.openxmlformats.org/drawingml/2006/main" xmlns:r="http://schemas.openxmlformats.org/officeDocument/2006/relationships" xmlns:p="http://schemas.openxmlformats.org/presentationml/2006/main">
+  <p:cSld>
+    <p:spTree>
+      <p:nvGrpSpPr>
+        <p:cNvPr id="1" name=""/>
+        <p:cNvGrpSpPr/>
+        <p:nvPr/>
+      </p:nvGrpSpPr>
+      <p:grpSpPr>
+        <a:xfrm>
+          <a:off x="0" y="0"/>
+          <a:ext cx="0" cy="0"/>
+          <a:chOff x="0" y="0"/>
+          <a:chExt cx="0" cy="0"/>
+        </a:xfrm>
+      </p:grpSpPr>
+      <p:sp>
+        <p:nvSpPr>
+          <p:cNvPr id="2" name="Title 1"/>
+          <p:cNvSpPr>
+            <a:spLocks noGrp="1"/>
+          </p:cNvSpPr>
+          <p:nvPr>
+            <p:ph type="title"/>
+          </p:nvPr>
+        </p:nvSpPr>
+        <p:spPr/>
+        <p:txBody>
+          <a:bodyPr/>
+          <a:lstStyle/>
+          <a:p>
+            <a:r>
+              <a:rPr lang="en-US" i="1" dirty="0" smtClean="0">
+                <a:latin typeface="Bookman Old Style" charset="0"/>
+                <a:ea typeface="Bookman Old Style" charset="0"/>
+                <a:cs typeface="Bookman Old Style" charset="0"/>
+              </a:rPr>
+              <a:t>Digital Handwriting Recognizer</a:t>
+            </a:r>
+            <a:endParaRPr lang="en-US" i="1" dirty="0">
+              <a:latin typeface="Bookman Old Style" charset="0"/>
+              <a:ea typeface="Bookman Old Style" charset="0"/>
+              <a:cs typeface="Bookman Old Style" charset="0"/>
+            </a:endParaRPr>
+          </a:p>
+        </p:txBody>
+      </p:sp>
+      <p:sp>
+        <p:nvSpPr>
+          <p:cNvPr id="3" name="Content Placeholder 2"/>
+          <p:cNvSpPr>
+            <a:spLocks noGrp="1"/>
+          </p:cNvSpPr>
+          <p:nvPr>
+            <p:ph idx="1"/>
+          </p:nvPr>
+        </p:nvSpPr>
+        <p:spPr>
+          <a:xfrm>
+            <a:off x="1484310" y="2118732"/>
+            <a:ext cx="10018713" cy="4527395"/>
+          </a:xfrm>
+        </p:spPr>
+        <p:txBody>
+          <a:bodyPr>
+            <a:normAutofit/>
+          </a:bodyPr>
+          <a:lstStyle/>
+          <a:p>
+            <a:r>
+              <a:rPr lang="en-US" dirty="0" smtClean="0">
+                <a:latin typeface="Bookman Old Style" charset="0"/>
+                <a:ea typeface="Bookman Old Style" charset="0"/>
+                <a:cs typeface="Bookman Old Style" charset="0"/>
+              </a:rPr>
+              <a:t>Next, we </a:t>
+            </a:r>
+            <a:r>
+              <a:rPr lang="en-US" dirty="0"/>
+              <a:t>Coerce </a:t>
+            </a:r>
+            <a:r>
+              <a:rPr lang="en-US" dirty="0" smtClean="0"/>
+              <a:t>the </a:t>
+            </a:r>
+            <a:r>
+              <a:rPr lang="en-US" i="1" dirty="0" err="1">
+                <a:latin typeface="Bookman Old Style" charset="0"/>
+                <a:ea typeface="Bookman Old Style" charset="0"/>
+                <a:cs typeface="Bookman Old Style" charset="0"/>
+              </a:rPr>
+              <a:t>confusionmatrix</a:t>
+            </a:r>
+            <a:r>
+              <a:rPr lang="en-US" dirty="0" smtClean="0"/>
+              <a:t> to </a:t>
+            </a:r>
+            <a:r>
+              <a:rPr lang="en-US" dirty="0"/>
+              <a:t>a Data </a:t>
+            </a:r>
+            <a:r>
+              <a:rPr lang="en-US" dirty="0" smtClean="0"/>
+              <a:t>Frame Matrix</a:t>
+            </a:r>
+          </a:p>
+          <a:p>
+            <a:pPr lvl="1"/>
+            <a:r>
+              <a:rPr lang="en-US" i="1" dirty="0" err="1"/>
+              <a:t>as.data.frame.matrix</a:t>
+            </a:r>
+            <a:r>
+              <a:rPr lang="en-US" i="1" dirty="0"/>
+              <a:t>(</a:t>
+            </a:r>
+            <a:r>
+              <a:rPr lang="en-US" i="1" dirty="0" err="1"/>
+              <a:t>confusionmatrix</a:t>
+            </a:r>
+            <a:r>
+              <a:rPr lang="en-US" i="1" dirty="0"/>
+              <a:t>)</a:t>
+            </a:r>
+            <a:endParaRPr lang="en-US" i="1" dirty="0" smtClean="0"/>
+          </a:p>
+          <a:p>
+            <a:r>
+              <a:rPr lang="en-US" dirty="0" smtClean="0"/>
+              <a:t>Then we created a conditional probability function to:</a:t>
+            </a:r>
+          </a:p>
+          <a:p>
+            <a:pPr lvl="1"/>
+            <a:r>
+              <a:rPr lang="en-US" dirty="0" smtClean="0"/>
+              <a:t>Determine the probability of an index in the </a:t>
+            </a:r>
+            <a:r>
+              <a:rPr lang="en-US" i="1" dirty="0" err="1" smtClean="0"/>
+              <a:t>confusionmatrix</a:t>
+            </a:r>
+            <a:r>
+              <a:rPr lang="en-US" i="1" dirty="0" smtClean="0"/>
+              <a:t> </a:t>
+            </a:r>
+          </a:p>
+          <a:p>
+            <a:pPr lvl="1"/>
+            <a:r>
+              <a:rPr lang="en-US" dirty="0"/>
+              <a:t>B</a:t>
+            </a:r>
+            <a:r>
+              <a:rPr lang="en-US" dirty="0" smtClean="0"/>
+              <a:t>y taking the </a:t>
+            </a:r>
+            <a:r>
+              <a:rPr lang="en-US" i="1" dirty="0" err="1" smtClean="0"/>
+              <a:t>confusionmatrix</a:t>
+            </a:r>
+            <a:r>
+              <a:rPr lang="en-US" i="1" dirty="0" smtClean="0"/>
+              <a:t> </a:t>
+            </a:r>
+            <a:r>
+              <a:rPr lang="en-US" dirty="0" smtClean="0"/>
+              <a:t>dataset and converting it into a vector as oppose to a data frame matrix.</a:t>
+            </a:r>
+          </a:p>
+          <a:p>
+            <a:r>
+              <a:rPr lang="en-US" dirty="0" smtClean="0"/>
+              <a:t>Once we obtained a successful result with the smaller data set, we applied a medium size dataset.</a:t>
+            </a:r>
+          </a:p>
+          <a:p>
+            <a:pPr lvl="1"/>
+            <a:r>
+              <a:rPr lang="en-US" i="1" dirty="0"/>
+              <a:t>(</a:t>
+            </a:r>
+            <a:r>
+              <a:rPr lang="en-US" i="1" dirty="0" err="1"/>
+              <a:t>digits.cluster.med</a:t>
+            </a:r>
+            <a:r>
+              <a:rPr lang="en-US" i="1" dirty="0"/>
+              <a:t> &lt;- specc(</a:t>
+            </a:r>
+            <a:r>
+              <a:rPr lang="en-US" i="1" dirty="0" err="1"/>
+              <a:t>digits.nolabelmed</a:t>
+            </a:r>
+            <a:r>
+              <a:rPr lang="en-US" i="1" dirty="0"/>
+              <a:t>, centers = 10</a:t>
+            </a:r>
+            <a:r>
+              <a:rPr lang="en-US" i="1" dirty="0" smtClean="0"/>
+              <a:t>))</a:t>
+            </a:r>
+          </a:p>
+          <a:p>
+            <a:pPr lvl="1"/>
+            <a:r>
+              <a:rPr lang="en-US" i="1" dirty="0"/>
+              <a:t>table(</a:t>
+            </a:r>
+            <a:r>
+              <a:rPr lang="en-US" i="1" dirty="0" err="1"/>
+              <a:t>digits.med$label</a:t>
+            </a:r>
+            <a:r>
+              <a:rPr lang="en-US" i="1" dirty="0"/>
+              <a:t>, </a:t>
+            </a:r>
+            <a:r>
+              <a:rPr lang="en-US" i="1" dirty="0" err="1"/>
+              <a:t>digits.cluster.med</a:t>
+            </a:r>
+            <a:r>
+              <a:rPr lang="en-US" i="1" dirty="0"/>
+              <a:t>[1:1000])</a:t>
+            </a:r>
+            <a:endParaRPr lang="en-US" i="1" dirty="0"/>
+          </a:p>
+          <a:p>
+            <a:endParaRPr lang="en-US" dirty="0">
+              <a:latin typeface="Bookman Old Style" charset="0"/>
+              <a:ea typeface="Bookman Old Style" charset="0"/>
+              <a:cs typeface="Bookman Old Style" charset="0"/>
+            </a:endParaRPr>
+          </a:p>
+        </p:txBody>
+      </p:sp>
+      <p:sp>
+        <p:nvSpPr>
+          <p:cNvPr id="4" name="Footer Placeholder 3"/>
+          <p:cNvSpPr>
+            <a:spLocks noGrp="1"/>
+          </p:cNvSpPr>
+          <p:nvPr>
+            <p:ph type="ftr" sz="quarter" idx="11"/>
+          </p:nvPr>
+        </p:nvSpPr>
+        <p:spPr>
+          <a:xfrm>
+            <a:off x="2951577" y="6332034"/>
+            <a:ext cx="7084177" cy="365125"/>
+          </a:xfrm>
+        </p:spPr>
+        <p:txBody>
+          <a:bodyPr/>
+          <a:lstStyle/>
+          <a:p>
+            <a:pPr algn="r"/>
+            <a:r>
+              <a:rPr lang="en-US" sz="1600" b="1" i="1" dirty="0" smtClean="0"/>
+              <a:t>Anani</a:t>
+            </a:r>
+            <a:endParaRPr lang="en-US" sz="1600" b="1" i="1" dirty="0"/>
+          </a:p>
+        </p:txBody>
+      </p:sp>
+    </p:spTree>
+    <p:extLst>
+      <p:ext uri="{BB962C8B-B14F-4D97-AF65-F5344CB8AC3E}">
+        <p14:creationId xmlns:p14="http://schemas.microsoft.com/office/powerpoint/2010/main" val="1895864963"/>
       </p:ext>
     </p:extLst>
   </p:cSld>
@@ -6408,6 +8708,35 @@
               <a:ea typeface="Bookman Old Style" charset="0"/>
               <a:cs typeface="Bookman Old Style" charset="0"/>
             </a:endParaRPr>
+          </a:p>
+        </p:txBody>
+      </p:sp>
+      <p:sp>
+        <p:nvSpPr>
+          <p:cNvPr id="4" name="Footer Placeholder 3"/>
+          <p:cNvSpPr>
+            <a:spLocks noGrp="1"/>
+          </p:cNvSpPr>
+          <p:nvPr>
+            <p:ph type="ftr" sz="quarter" idx="11"/>
+          </p:nvPr>
+        </p:nvSpPr>
+        <p:spPr>
+          <a:xfrm>
+            <a:off x="3040630" y="6019800"/>
+            <a:ext cx="7084177" cy="365125"/>
+          </a:xfrm>
+        </p:spPr>
+        <p:txBody>
+          <a:bodyPr/>
+          <a:lstStyle/>
+          <a:p>
+            <a:pPr algn="r"/>
+            <a:r>
+              <a:rPr lang="en-US" sz="1600" b="1" i="1" dirty="0" smtClean="0"/>
+              <a:t>Karelys</a:t>
+            </a:r>
+            <a:endParaRPr lang="en-US" sz="1600" b="1" i="1" dirty="0"/>
           </a:p>
         </p:txBody>
       </p:sp>
@@ -6462,7 +8791,7 @@
                 <a:ea typeface="Bookman Old Style" charset="0"/>
                 <a:cs typeface="Bookman Old Style" charset="0"/>
               </a:rPr>
-              <a:t>Digital Handwriting Recognizer</a:t>
+              <a:t>Iris Data Set</a:t>
             </a:r>
             <a:endParaRPr lang="en-US" i="1" dirty="0">
               <a:latin typeface="Bookman Old Style" charset="0"/>
@@ -6493,7 +8822,7 @@
                 <a:ea typeface="Bookman Old Style" charset="0"/>
                 <a:cs typeface="Bookman Old Style" charset="0"/>
               </a:rPr>
-              <a:t>Here, we ran the specc spectral clustering algorithm to observe the results (on the training dataset without labels)</a:t>
+              <a:t>Using the Iris Data Set as basis of known outcome:</a:t>
             </a:r>
           </a:p>
           <a:p>
@@ -6504,41 +8833,129 @@
                 <a:ea typeface="Bookman Old Style" charset="0"/>
                 <a:cs typeface="Bookman Old Style" charset="0"/>
               </a:rPr>
-              <a:t>We chose 10 clusters because it would not be use to use random rows in the eigenvectors.</a:t>
-            </a:r>
-          </a:p>
-          <a:p>
-            <a:pPr lvl="1"/>
-            <a:r>
-              <a:rPr lang="en-US" dirty="0" smtClean="0">
-                <a:latin typeface="Bookman Old Style" charset="0"/>
-                <a:ea typeface="Bookman Old Style" charset="0"/>
-                <a:cs typeface="Bookman Old Style" charset="0"/>
-              </a:rPr>
-              <a:t>Then we view the result of the specc clusters.</a:t>
-            </a:r>
-          </a:p>
-          <a:p>
-            <a:r>
-              <a:rPr lang="en-US" dirty="0" smtClean="0">
-                <a:latin typeface="Bookman Old Style" charset="0"/>
-                <a:ea typeface="Bookman Old Style" charset="0"/>
-                <a:cs typeface="Bookman Old Style" charset="0"/>
-              </a:rPr>
-              <a:t>Now we choose the specc cluster and select the first 100 sets to observe which variables were selected.</a:t>
-            </a:r>
-            <a:endParaRPr lang="en-US" dirty="0">
+              <a:t>We import the iris data set and stored the first 4 columns into a variable as the training data set in term of a matrix:</a:t>
+            </a:r>
+          </a:p>
+          <a:p>
+            <a:pPr lvl="2"/>
+            <a:r>
+              <a:rPr lang="en-US" i="1" dirty="0" err="1">
+                <a:latin typeface="Bookman Old Style" charset="0"/>
+                <a:ea typeface="Bookman Old Style" charset="0"/>
+                <a:cs typeface="Bookman Old Style" charset="0"/>
+              </a:rPr>
+              <a:t>iris.train</a:t>
+            </a:r>
+            <a:r>
+              <a:rPr lang="en-US" i="1" dirty="0">
+                <a:latin typeface="Bookman Old Style" charset="0"/>
+                <a:ea typeface="Bookman Old Style" charset="0"/>
+                <a:cs typeface="Bookman Old Style" charset="0"/>
+              </a:rPr>
+              <a:t> &lt;- </a:t>
+            </a:r>
+            <a:r>
+              <a:rPr lang="en-US" i="1" dirty="0" err="1">
+                <a:latin typeface="Bookman Old Style" charset="0"/>
+                <a:ea typeface="Bookman Old Style" charset="0"/>
+                <a:cs typeface="Bookman Old Style" charset="0"/>
+              </a:rPr>
+              <a:t>as.matrix</a:t>
+            </a:r>
+            <a:r>
+              <a:rPr lang="en-US" i="1" dirty="0">
+                <a:latin typeface="Bookman Old Style" charset="0"/>
+                <a:ea typeface="Bookman Old Style" charset="0"/>
+                <a:cs typeface="Bookman Old Style" charset="0"/>
+              </a:rPr>
+              <a:t>(iris[,1:4])</a:t>
+            </a:r>
+            <a:endParaRPr lang="en-US" i="1" dirty="0" smtClean="0">
               <a:latin typeface="Bookman Old Style" charset="0"/>
               <a:ea typeface="Bookman Old Style" charset="0"/>
               <a:cs typeface="Bookman Old Style" charset="0"/>
             </a:endParaRPr>
           </a:p>
+          <a:p>
+            <a:r>
+              <a:rPr lang="en-US" dirty="0" smtClean="0">
+                <a:latin typeface="Bookman Old Style" charset="0"/>
+                <a:ea typeface="Bookman Old Style" charset="0"/>
+                <a:cs typeface="Bookman Old Style" charset="0"/>
+              </a:rPr>
+              <a:t>And we model the training data set with specc function using 3 initial clusters.</a:t>
+            </a:r>
+          </a:p>
+          <a:p>
+            <a:pPr lvl="1"/>
+            <a:r>
+              <a:rPr lang="en-US" i="1" dirty="0" err="1">
+                <a:latin typeface="Bookman Old Style" charset="0"/>
+                <a:ea typeface="Bookman Old Style" charset="0"/>
+                <a:cs typeface="Bookman Old Style" charset="0"/>
+              </a:rPr>
+              <a:t>iris.model.specc</a:t>
+            </a:r>
+            <a:r>
+              <a:rPr lang="en-US" i="1" dirty="0">
+                <a:latin typeface="Bookman Old Style" charset="0"/>
+                <a:ea typeface="Bookman Old Style" charset="0"/>
+                <a:cs typeface="Bookman Old Style" charset="0"/>
+              </a:rPr>
+              <a:t> &lt;- specc(</a:t>
+            </a:r>
+            <a:r>
+              <a:rPr lang="en-US" i="1" dirty="0" err="1">
+                <a:latin typeface="Bookman Old Style" charset="0"/>
+                <a:ea typeface="Bookman Old Style" charset="0"/>
+                <a:cs typeface="Bookman Old Style" charset="0"/>
+              </a:rPr>
+              <a:t>iris.train</a:t>
+            </a:r>
+            <a:r>
+              <a:rPr lang="en-US" i="1" dirty="0">
+                <a:latin typeface="Bookman Old Style" charset="0"/>
+                <a:ea typeface="Bookman Old Style" charset="0"/>
+                <a:cs typeface="Bookman Old Style" charset="0"/>
+              </a:rPr>
+              <a:t>, centers = 3)</a:t>
+            </a:r>
+          </a:p>
+        </p:txBody>
+      </p:sp>
+      <p:sp>
+        <p:nvSpPr>
+          <p:cNvPr id="4" name="Footer Placeholder 3"/>
+          <p:cNvSpPr>
+            <a:spLocks noGrp="1"/>
+          </p:cNvSpPr>
+          <p:nvPr>
+            <p:ph type="ftr" sz="quarter" idx="11"/>
+          </p:nvPr>
+        </p:nvSpPr>
+        <p:spPr>
+          <a:xfrm>
+            <a:off x="3040630" y="6019800"/>
+            <a:ext cx="7084177" cy="365125"/>
+          </a:xfrm>
+        </p:spPr>
+        <p:txBody>
+          <a:bodyPr/>
+          <a:lstStyle/>
+          <a:p>
+            <a:pPr algn="r"/>
+            <a:r>
+              <a:rPr lang="en-US" sz="1600" b="1" i="1" dirty="0" smtClean="0"/>
+              <a:t>Karelys</a:t>
+            </a:r>
+            <a:endParaRPr lang="en-US" sz="1600" b="1" i="1" dirty="0"/>
+          </a:p>
         </p:txBody>
       </p:sp>
     </p:spTree>
     <p:extLst>
       <p:ext uri="{BB962C8B-B14F-4D97-AF65-F5344CB8AC3E}">
-        <p14:creationId xmlns:p14="http://schemas.microsoft.com/office/powerpoint/2010/main" val="1607103707"/>
+        <p14:creationId xmlns:p14="http://schemas.microsoft.com/office/powerpoint/2010/main" val="470579089"/>
       </p:ext>
     </p:extLst>
   </p:cSld>
@@ -6586,7 +9003,7 @@
                 <a:ea typeface="Bookman Old Style" charset="0"/>
                 <a:cs typeface="Bookman Old Style" charset="0"/>
               </a:rPr>
-              <a:t>Digital Handwriting Recognizer</a:t>
+              <a:t>Iris Data Set</a:t>
             </a:r>
             <a:endParaRPr lang="en-US" i="1" dirty="0">
               <a:latin typeface="Bookman Old Style" charset="0"/>
@@ -6608,8 +9025,8 @@
         </p:nvSpPr>
         <p:spPr>
           <a:xfrm>
-            <a:off x="1484310" y="2666999"/>
-            <a:ext cx="10018713" cy="3800708"/>
+            <a:off x="1484310" y="2352907"/>
+            <a:ext cx="10018713" cy="3769113"/>
           </a:xfrm>
         </p:spPr>
         <p:txBody>
@@ -6618,24 +9035,67 @@
           </a:bodyPr>
           <a:lstStyle/>
           <a:p>
-            <a:r>
-              <a:rPr lang="en-US" dirty="0" smtClean="0">
-                <a:latin typeface="Bookman Old Style" charset="0"/>
-                <a:ea typeface="Bookman Old Style" charset="0"/>
-                <a:cs typeface="Bookman Old Style" charset="0"/>
-              </a:rPr>
-              <a:t>We view the size of the vector for each point in the cluster</a:t>
+            <a:pPr algn="ctr"/>
+            <a:r>
+              <a:rPr lang="en-US" b="1" dirty="0" smtClean="0">
+                <a:latin typeface="Bookman Old Style" charset="0"/>
+                <a:ea typeface="Bookman Old Style" charset="0"/>
+                <a:cs typeface="Bookman Old Style" charset="0"/>
+              </a:rPr>
+              <a:t>Spectral Clustering</a:t>
+            </a:r>
+          </a:p>
+          <a:p>
+            <a:r>
+              <a:rPr lang="en-US" i="1" dirty="0" smtClean="0">
+                <a:latin typeface="Bookman Old Style" charset="0"/>
+                <a:ea typeface="Bookman Old Style" charset="0"/>
+                <a:cs typeface="Bookman Old Style" charset="0"/>
+              </a:rPr>
+              <a:t>We then extracted the Species column and pull 150 </a:t>
+            </a:r>
+            <a:r>
+              <a:rPr lang="en-US" i="1" dirty="0" err="1" smtClean="0">
+                <a:latin typeface="Bookman Old Style" charset="0"/>
+                <a:ea typeface="Bookman Old Style" charset="0"/>
+                <a:cs typeface="Bookman Old Style" charset="0"/>
+              </a:rPr>
+              <a:t>obs</a:t>
+            </a:r>
+            <a:r>
+              <a:rPr lang="en-US" i="1" dirty="0" smtClean="0">
+                <a:latin typeface="Bookman Old Style" charset="0"/>
+                <a:ea typeface="Bookman Old Style" charset="0"/>
+                <a:cs typeface="Bookman Old Style" charset="0"/>
+              </a:rPr>
+              <a:t> from that and throw it into the specc function:</a:t>
             </a:r>
           </a:p>
           <a:p>
             <a:pPr lvl="1"/>
             <a:r>
+              <a:rPr lang="en-US" i="1" dirty="0" smtClean="0">
+                <a:latin typeface="Bookman Old Style" charset="0"/>
+                <a:ea typeface="Bookman Old Style" charset="0"/>
+                <a:cs typeface="Bookman Old Style" charset="0"/>
+              </a:rPr>
+              <a:t> (</a:t>
+            </a:r>
+            <a:r>
+              <a:rPr lang="en-US" i="1" dirty="0" err="1">
+                <a:latin typeface="Bookman Old Style" charset="0"/>
+                <a:ea typeface="Bookman Old Style" charset="0"/>
+                <a:cs typeface="Bookman Old Style" charset="0"/>
+              </a:rPr>
+              <a:t>iris.con_mat.specc</a:t>
+            </a:r>
+            <a:r>
               <a:rPr lang="en-US" i="1" dirty="0">
                 <a:latin typeface="Bookman Old Style" charset="0"/>
                 <a:ea typeface="Bookman Old Style" charset="0"/>
                 <a:cs typeface="Bookman Old Style" charset="0"/>
               </a:rPr>
-              <a:t>size(</a:t>
+              <a:t> &lt;- table(</a:t>
             </a:r>
             <a:r>
               <a:rPr lang="en-US" i="1" dirty="0" err="1">
@@ -6643,7 +9103,7 @@
                 <a:ea typeface="Bookman Old Style" charset="0"/>
                 <a:cs typeface="Bookman Old Style" charset="0"/>
               </a:rPr>
-              <a:t>digits.cluster</a:t>
+              <a:t>iris.model.specc</a:t>
             </a:r>
             <a:r>
               <a:rPr lang="en-US" i="1" dirty="0">
@@ -6651,7 +9111,23 @@
                 <a:ea typeface="Bookman Old Style" charset="0"/>
                 <a:cs typeface="Bookman Old Style" charset="0"/>
               </a:rPr>
-              <a:t>)</a:t>
+              <a:t>[1:150], </a:t>
+            </a:r>
+            <a:r>
+              <a:rPr lang="en-US" i="1" dirty="0" err="1">
+                <a:latin typeface="Bookman Old Style" charset="0"/>
+                <a:ea typeface="Bookman Old Style" charset="0"/>
+                <a:cs typeface="Bookman Old Style" charset="0"/>
+              </a:rPr>
+              <a:t>iris$Species</a:t>
+            </a:r>
+            <a:r>
+              <a:rPr lang="en-US" i="1" dirty="0">
+                <a:latin typeface="Bookman Old Style" charset="0"/>
+                <a:ea typeface="Bookman Old Style" charset="0"/>
+                <a:cs typeface="Bookman Old Style" charset="0"/>
+              </a:rPr>
+              <a:t>))</a:t>
             </a:r>
             <a:endParaRPr lang="en-US" i="1" dirty="0" smtClean="0">
               <a:latin typeface="Bookman Old Style" charset="0"/>
@@ -6661,23 +9137,31 @@
           </a:p>
           <a:p>
             <a:r>
-              <a:rPr lang="en-US" dirty="0" smtClean="0">
-                <a:latin typeface="Bookman Old Style" charset="0"/>
-                <a:ea typeface="Bookman Old Style" charset="0"/>
-                <a:cs typeface="Bookman Old Style" charset="0"/>
-              </a:rPr>
-              <a:t>Then we view the sum of squares for each cluster within the cluster</a:t>
+              <a:rPr lang="en-US" i="1" dirty="0" smtClean="0">
+                <a:latin typeface="Bookman Old Style" charset="0"/>
+                <a:ea typeface="Bookman Old Style" charset="0"/>
+                <a:cs typeface="Bookman Old Style" charset="0"/>
+              </a:rPr>
+              <a:t>Then we apply Bayesian probability by sweeping the table</a:t>
             </a:r>
           </a:p>
           <a:p>
             <a:pPr lvl="1"/>
             <a:r>
+              <a:rPr lang="en-US" i="1" dirty="0">
+                <a:latin typeface="Bookman Old Style" charset="0"/>
+                <a:ea typeface="Bookman Old Style" charset="0"/>
+                <a:cs typeface="Bookman Old Style" charset="0"/>
+              </a:rPr>
+              <a:t>(</a:t>
+            </a:r>
+            <a:r>
               <a:rPr lang="en-US" i="1" dirty="0" err="1">
                 <a:latin typeface="Bookman Old Style" charset="0"/>
                 <a:ea typeface="Bookman Old Style" charset="0"/>
                 <a:cs typeface="Bookman Old Style" charset="0"/>
               </a:rPr>
-              <a:t>withinss</a:t>
+              <a:t>iris.Bays.km</a:t>
             </a:r>
             <a:r>
               <a:rPr lang="en-US" i="1" dirty="0">
@@ -6685,6 +9169,22 @@
                 <a:ea typeface="Bookman Old Style" charset="0"/>
                 <a:cs typeface="Bookman Old Style" charset="0"/>
               </a:rPr>
+              <a:t> &lt;- </a:t>
+            </a:r>
+            <a:r>
+              <a:rPr lang="en-US" i="1" dirty="0" err="1">
+                <a:latin typeface="Bookman Old Style" charset="0"/>
+                <a:ea typeface="Bookman Old Style" charset="0"/>
+                <a:cs typeface="Bookman Old Style" charset="0"/>
+              </a:rPr>
+              <a:t>prop.table</a:t>
+            </a:r>
+            <a:r>
+              <a:rPr lang="en-US" i="1" dirty="0">
+                <a:latin typeface="Bookman Old Style" charset="0"/>
+                <a:ea typeface="Bookman Old Style" charset="0"/>
+                <a:cs typeface="Bookman Old Style" charset="0"/>
+              </a:rPr>
               <a:t>(</a:t>
             </a:r>
             <a:r>
@@ -6693,7 +9193,7 @@
                 <a:ea typeface="Bookman Old Style" charset="0"/>
                 <a:cs typeface="Bookman Old Style" charset="0"/>
               </a:rPr>
-              <a:t>digits.cluster</a:t>
+              <a:t>iris.con_mat.km</a:t>
             </a:r>
             <a:r>
               <a:rPr lang="en-US" i="1" dirty="0">
@@ -6701,17 +9201,22 @@
                 <a:ea typeface="Bookman Old Style" charset="0"/>
                 <a:cs typeface="Bookman Old Style" charset="0"/>
               </a:rPr>
-              <a:t>)</a:t>
-            </a:r>
-          </a:p>
-          <a:p>
-            <a:r>
-              <a:rPr lang="en-US" dirty="0" smtClean="0">
-                <a:latin typeface="Bookman Old Style" charset="0"/>
-                <a:ea typeface="Bookman Old Style" charset="0"/>
-                <a:cs typeface="Bookman Old Style" charset="0"/>
-              </a:rPr>
-              <a:t>We use the kernel class to obtain the kernel function that we used in the specc function.</a:t>
+              <a:t>, 1))</a:t>
+            </a:r>
+            <a:endParaRPr lang="en-US" i="1" dirty="0" smtClean="0">
+              <a:latin typeface="Bookman Old Style" charset="0"/>
+              <a:ea typeface="Bookman Old Style" charset="0"/>
+              <a:cs typeface="Bookman Old Style" charset="0"/>
+            </a:endParaRPr>
+          </a:p>
+          <a:p>
+            <a:r>
+              <a:rPr lang="en-US" i="1" dirty="0" smtClean="0">
+                <a:latin typeface="Bookman Old Style" charset="0"/>
+                <a:ea typeface="Bookman Old Style" charset="0"/>
+                <a:cs typeface="Bookman Old Style" charset="0"/>
+              </a:rPr>
+              <a:t>To test our result, we used a 2-D plot:</a:t>
             </a:r>
           </a:p>
           <a:p>
@@ -6722,7 +9227,7 @@
                 <a:ea typeface="Bookman Old Style" charset="0"/>
                 <a:cs typeface="Bookman Old Style" charset="0"/>
               </a:rPr>
-              <a:t>kernelf</a:t>
+              <a:t>clusplot</a:t>
             </a:r>
             <a:r>
               <a:rPr lang="en-US" i="1" dirty="0">
@@ -6730,7 +9235,7 @@
                 <a:ea typeface="Bookman Old Style" charset="0"/>
                 <a:cs typeface="Bookman Old Style" charset="0"/>
               </a:rPr>
-              <a:t>(</a:t>
+              <a:t>(iris, </a:t>
             </a:r>
             <a:r>
               <a:rPr lang="en-US" i="1" dirty="0" err="1">
@@ -6738,7 +9243,7 @@
                 <a:ea typeface="Bookman Old Style" charset="0"/>
                 <a:cs typeface="Bookman Old Style" charset="0"/>
               </a:rPr>
-              <a:t>digits.cluster</a:t>
+              <a:t>iris.model.specc</a:t>
             </a:r>
             <a:r>
               <a:rPr lang="en-US" i="1" dirty="0">
@@ -6746,15 +9251,44 @@
                 <a:ea typeface="Bookman Old Style" charset="0"/>
                 <a:cs typeface="Bookman Old Style" charset="0"/>
               </a:rPr>
-              <a:t>)</a:t>
-            </a:r>
+              <a:t>[1:150], color=T, shade=T, labels=0, lines=0)</a:t>
+            </a:r>
+          </a:p>
+        </p:txBody>
+      </p:sp>
+      <p:sp>
+        <p:nvSpPr>
+          <p:cNvPr id="4" name="Footer Placeholder 3"/>
+          <p:cNvSpPr>
+            <a:spLocks noGrp="1"/>
+          </p:cNvSpPr>
+          <p:nvPr>
+            <p:ph type="ftr" sz="quarter" idx="11"/>
+          </p:nvPr>
+        </p:nvSpPr>
+        <p:spPr>
+          <a:xfrm>
+            <a:off x="2951577" y="6332034"/>
+            <a:ext cx="7084177" cy="365125"/>
+          </a:xfrm>
+        </p:spPr>
+        <p:txBody>
+          <a:bodyPr/>
+          <a:lstStyle/>
+          <a:p>
+            <a:pPr algn="r"/>
+            <a:r>
+              <a:rPr lang="en-US" sz="1600" b="1" i="1" dirty="0" smtClean="0"/>
+              <a:t>Julie</a:t>
+            </a:r>
+            <a:endParaRPr lang="en-US" sz="1600" b="1" i="1" dirty="0"/>
           </a:p>
         </p:txBody>
       </p:sp>
     </p:spTree>
     <p:extLst>
       <p:ext uri="{BB962C8B-B14F-4D97-AF65-F5344CB8AC3E}">
-        <p14:creationId xmlns:p14="http://schemas.microsoft.com/office/powerpoint/2010/main" val="1593786749"/>
+        <p14:creationId xmlns:p14="http://schemas.microsoft.com/office/powerpoint/2010/main" val="1707082696"/>
       </p:ext>
     </p:extLst>
   </p:cSld>
@@ -6797,42 +9331,141 @@
           <a:lstStyle/>
           <a:p>
             <a:r>
+              <a:rPr lang="en-US" i="1" dirty="0">
+                <a:latin typeface="Bookman Old Style" charset="0"/>
+                <a:ea typeface="Bookman Old Style" charset="0"/>
+                <a:cs typeface="Bookman Old Style" charset="0"/>
+              </a:rPr>
+              <a:t>Iris Data Set</a:t>
+            </a:r>
+          </a:p>
+        </p:txBody>
+      </p:sp>
+      <p:sp>
+        <p:nvSpPr>
+          <p:cNvPr id="3" name="Content Placeholder 2"/>
+          <p:cNvSpPr>
+            <a:spLocks noGrp="1"/>
+          </p:cNvSpPr>
+          <p:nvPr>
+            <p:ph idx="1"/>
+          </p:nvPr>
+        </p:nvSpPr>
+        <p:spPr/>
+        <p:txBody>
+          <a:bodyPr>
+            <a:normAutofit fontScale="92500"/>
+          </a:bodyPr>
+          <a:lstStyle/>
+          <a:p>
+            <a:pPr algn="ctr"/>
+            <a:r>
+              <a:rPr lang="en-US" b="1" i="1" dirty="0" err="1" smtClean="0">
+                <a:latin typeface="Bookman Old Style" charset="0"/>
+                <a:ea typeface="Bookman Old Style" charset="0"/>
+                <a:cs typeface="Bookman Old Style" charset="0"/>
+              </a:rPr>
+              <a:t>Kmeans</a:t>
+            </a:r>
+            <a:r>
+              <a:rPr lang="en-US" b="1" i="1" dirty="0" smtClean="0">
+                <a:latin typeface="Bookman Old Style" charset="0"/>
+                <a:ea typeface="Bookman Old Style" charset="0"/>
+                <a:cs typeface="Bookman Old Style" charset="0"/>
+              </a:rPr>
+              <a:t> Clustering</a:t>
+            </a:r>
+            <a:r>
+              <a:rPr lang="en-US" dirty="0" smtClean="0">
+                <a:latin typeface="Bookman Old Style" charset="0"/>
+                <a:ea typeface="Bookman Old Style" charset="0"/>
+                <a:cs typeface="Bookman Old Style" charset="0"/>
+              </a:rPr>
+              <a:t> </a:t>
+            </a:r>
+          </a:p>
+          <a:p>
+            <a:r>
+              <a:rPr lang="en-US" dirty="0" smtClean="0">
+                <a:latin typeface="Bookman Old Style" charset="0"/>
+                <a:ea typeface="Bookman Old Style" charset="0"/>
+                <a:cs typeface="Bookman Old Style" charset="0"/>
+              </a:rPr>
+              <a:t>And we model the training data set again with </a:t>
+            </a:r>
+            <a:r>
+              <a:rPr lang="en-US" dirty="0" err="1" smtClean="0">
+                <a:latin typeface="Bookman Old Style" charset="0"/>
+                <a:ea typeface="Bookman Old Style" charset="0"/>
+                <a:cs typeface="Bookman Old Style" charset="0"/>
+              </a:rPr>
+              <a:t>kmeans</a:t>
+            </a:r>
+            <a:r>
+              <a:rPr lang="en-US" dirty="0" smtClean="0">
+                <a:latin typeface="Bookman Old Style" charset="0"/>
+                <a:ea typeface="Bookman Old Style" charset="0"/>
+                <a:cs typeface="Bookman Old Style" charset="0"/>
+              </a:rPr>
+              <a:t>() function using the first 4 columns, with 3 initial clusters, and 20 random sets</a:t>
+            </a:r>
+          </a:p>
+          <a:p>
+            <a:pPr lvl="1"/>
+            <a:r>
+              <a:rPr lang="en-US" i="1" dirty="0" err="1" smtClean="0">
+                <a:latin typeface="Bookman Old Style" charset="0"/>
+                <a:ea typeface="Bookman Old Style" charset="0"/>
+                <a:cs typeface="Bookman Old Style" charset="0"/>
+              </a:rPr>
+              <a:t>iris.model.km</a:t>
+            </a:r>
+            <a:r>
               <a:rPr lang="en-US" i="1" dirty="0" smtClean="0">
                 <a:latin typeface="Bookman Old Style" charset="0"/>
                 <a:ea typeface="Bookman Old Style" charset="0"/>
                 <a:cs typeface="Bookman Old Style" charset="0"/>
               </a:rPr>
-              <a:t>Digital Handwriting Recognizer</a:t>
-            </a:r>
-            <a:endParaRPr lang="en-US" i="1" dirty="0">
+              <a:t> &lt;- </a:t>
+            </a:r>
+            <a:r>
+              <a:rPr lang="en-US" i="1" dirty="0" err="1" smtClean="0">
+                <a:latin typeface="Bookman Old Style" charset="0"/>
+                <a:ea typeface="Bookman Old Style" charset="0"/>
+                <a:cs typeface="Bookman Old Style" charset="0"/>
+              </a:rPr>
+              <a:t>kmeans</a:t>
+            </a:r>
+            <a:r>
+              <a:rPr lang="en-US" i="1" dirty="0" smtClean="0">
+                <a:latin typeface="Bookman Old Style" charset="0"/>
+                <a:ea typeface="Bookman Old Style" charset="0"/>
+                <a:cs typeface="Bookman Old Style" charset="0"/>
+              </a:rPr>
+              <a:t>(iris[,1:4], 3, </a:t>
+            </a:r>
+            <a:r>
+              <a:rPr lang="en-US" i="1" dirty="0" err="1" smtClean="0">
+                <a:latin typeface="Bookman Old Style" charset="0"/>
+                <a:ea typeface="Bookman Old Style" charset="0"/>
+                <a:cs typeface="Bookman Old Style" charset="0"/>
+              </a:rPr>
+              <a:t>nstart</a:t>
+            </a:r>
+            <a:r>
+              <a:rPr lang="en-US" i="1" dirty="0" smtClean="0">
+                <a:latin typeface="Bookman Old Style" charset="0"/>
+                <a:ea typeface="Bookman Old Style" charset="0"/>
+                <a:cs typeface="Bookman Old Style" charset="0"/>
+              </a:rPr>
+              <a:t>=20)</a:t>
+            </a:r>
+            <a:endParaRPr lang="en-US" dirty="0" smtClean="0">
               <a:latin typeface="Bookman Old Style" charset="0"/>
               <a:ea typeface="Bookman Old Style" charset="0"/>
               <a:cs typeface="Bookman Old Style" charset="0"/>
             </a:endParaRPr>
           </a:p>
-        </p:txBody>
-      </p:sp>
-      <p:sp>
-        <p:nvSpPr>
-          <p:cNvPr id="3" name="Content Placeholder 2"/>
-          <p:cNvSpPr>
-            <a:spLocks noGrp="1"/>
-          </p:cNvSpPr>
-          <p:nvPr>
-            <p:ph idx="1"/>
-          </p:nvPr>
-        </p:nvSpPr>
-        <p:spPr>
-          <a:xfrm>
-            <a:off x="1484310" y="2666999"/>
-            <a:ext cx="10018713" cy="3800708"/>
-          </a:xfrm>
-        </p:spPr>
-        <p:txBody>
-          <a:bodyPr>
-            <a:normAutofit/>
-          </a:bodyPr>
-          <a:lstStyle/>
           <a:p>
             <a:r>
               <a:rPr lang="en-US" dirty="0" smtClean="0">
@@ -6840,18 +9473,26 @@
                 <a:ea typeface="Bookman Old Style" charset="0"/>
                 <a:cs typeface="Bookman Old Style" charset="0"/>
               </a:rPr>
-              <a:t>Now, we take the smaller dataset of the training set and put it into a confusion matrix. The columns in this table are the clusters and the rows are the actual handwritten numbers</a:t>
+              <a:t>We then select the Species column (again) to indicate each point is allocated on cluster.</a:t>
             </a:r>
           </a:p>
           <a:p>
             <a:pPr lvl="1"/>
             <a:r>
+              <a:rPr lang="en-US" i="1" dirty="0" smtClean="0">
+                <a:latin typeface="Bookman Old Style" charset="0"/>
+                <a:ea typeface="Bookman Old Style" charset="0"/>
+                <a:cs typeface="Bookman Old Style" charset="0"/>
+              </a:rPr>
+              <a:t>(</a:t>
+            </a:r>
+            <a:r>
               <a:rPr lang="en-US" i="1" dirty="0" err="1">
                 <a:latin typeface="Bookman Old Style" charset="0"/>
                 <a:ea typeface="Bookman Old Style" charset="0"/>
                 <a:cs typeface="Bookman Old Style" charset="0"/>
               </a:rPr>
-              <a:t>confusionmatrix</a:t>
+              <a:t>iris.con_mat.km</a:t>
             </a:r>
             <a:r>
               <a:rPr lang="en-US" i="1" dirty="0">
@@ -6867,7 +9508,7 @@
                 <a:ea typeface="Bookman Old Style" charset="0"/>
                 <a:cs typeface="Bookman Old Style" charset="0"/>
               </a:rPr>
-              <a:t>digits.small$label</a:t>
+              <a:t>iris.model.km$cluster</a:t>
             </a:r>
             <a:r>
               <a:rPr lang="en-US" i="1" dirty="0">
@@ -6883,7 +9524,7 @@
                 <a:ea typeface="Bookman Old Style" charset="0"/>
                 <a:cs typeface="Bookman Old Style" charset="0"/>
               </a:rPr>
-              <a:t>digits.cluster</a:t>
+              <a:t>iris$Species</a:t>
             </a:r>
             <a:r>
               <a:rPr lang="en-US" i="1" dirty="0">
@@ -6891,7 +9532,7 @@
                 <a:ea typeface="Bookman Old Style" charset="0"/>
                 <a:cs typeface="Bookman Old Style" charset="0"/>
               </a:rPr>
-              <a:t>[1:100])</a:t>
+              <a:t>))</a:t>
             </a:r>
             <a:endParaRPr lang="en-US" i="1" dirty="0" smtClean="0">
               <a:latin typeface="Bookman Old Style" charset="0"/>
@@ -6899,185 +9540,41 @@
               <a:cs typeface="Bookman Old Style" charset="0"/>
             </a:endParaRPr>
           </a:p>
-          <a:p>
-            <a:r>
-              <a:rPr lang="en-US" dirty="0" smtClean="0">
-                <a:latin typeface="Bookman Old Style" charset="0"/>
-                <a:ea typeface="Bookman Old Style" charset="0"/>
-                <a:cs typeface="Bookman Old Style" charset="0"/>
-              </a:rPr>
-              <a:t>After doing that, we concluded:</a:t>
-            </a:r>
-          </a:p>
-          <a:p>
-            <a:pPr lvl="1"/>
-            <a:r>
-              <a:rPr lang="en-US" i="1" dirty="0" smtClean="0">
-                <a:latin typeface="Bookman Old Style" charset="0"/>
-                <a:ea typeface="Bookman Old Style" charset="0"/>
-                <a:cs typeface="Bookman Old Style" charset="0"/>
-              </a:rPr>
-              <a:t>number </a:t>
-            </a:r>
-            <a:r>
-              <a:rPr lang="en-US" i="1" dirty="0">
-                <a:latin typeface="Bookman Old Style" charset="0"/>
-                <a:ea typeface="Bookman Old Style" charset="0"/>
-                <a:cs typeface="Bookman Old Style" charset="0"/>
-              </a:rPr>
-              <a:t>0 = cluster </a:t>
-            </a:r>
-            <a:r>
-              <a:rPr lang="en-US" i="1" dirty="0" smtClean="0">
-                <a:latin typeface="Bookman Old Style" charset="0"/>
-                <a:ea typeface="Bookman Old Style" charset="0"/>
-                <a:cs typeface="Bookman Old Style" charset="0"/>
-              </a:rPr>
-              <a:t>1, number </a:t>
-            </a:r>
-            <a:r>
-              <a:rPr lang="en-US" i="1" dirty="0">
-                <a:latin typeface="Bookman Old Style" charset="0"/>
-                <a:ea typeface="Bookman Old Style" charset="0"/>
-                <a:cs typeface="Bookman Old Style" charset="0"/>
-              </a:rPr>
-              <a:t>1 = cluster </a:t>
-            </a:r>
-            <a:r>
-              <a:rPr lang="en-US" i="1" dirty="0" smtClean="0">
-                <a:latin typeface="Bookman Old Style" charset="0"/>
-                <a:ea typeface="Bookman Old Style" charset="0"/>
-                <a:cs typeface="Bookman Old Style" charset="0"/>
-              </a:rPr>
-              <a:t>10, number </a:t>
-            </a:r>
-            <a:r>
-              <a:rPr lang="en-US" i="1" dirty="0">
-                <a:latin typeface="Bookman Old Style" charset="0"/>
-                <a:ea typeface="Bookman Old Style" charset="0"/>
-                <a:cs typeface="Bookman Old Style" charset="0"/>
-              </a:rPr>
-              <a:t>2 = cluster </a:t>
-            </a:r>
-            <a:r>
-              <a:rPr lang="en-US" i="1" dirty="0" smtClean="0">
-                <a:latin typeface="Bookman Old Style" charset="0"/>
-                <a:ea typeface="Bookman Old Style" charset="0"/>
-                <a:cs typeface="Bookman Old Style" charset="0"/>
-              </a:rPr>
-              <a:t>8, number </a:t>
-            </a:r>
-            <a:r>
-              <a:rPr lang="en-US" i="1" dirty="0">
-                <a:latin typeface="Bookman Old Style" charset="0"/>
-                <a:ea typeface="Bookman Old Style" charset="0"/>
-                <a:cs typeface="Bookman Old Style" charset="0"/>
-              </a:rPr>
-              <a:t>3 = cluster </a:t>
-            </a:r>
-            <a:r>
-              <a:rPr lang="en-US" i="1" dirty="0" smtClean="0">
-                <a:latin typeface="Bookman Old Style" charset="0"/>
-                <a:ea typeface="Bookman Old Style" charset="0"/>
-                <a:cs typeface="Bookman Old Style" charset="0"/>
-              </a:rPr>
-              <a:t>8, number </a:t>
-            </a:r>
-            <a:r>
-              <a:rPr lang="en-US" i="1" dirty="0">
-                <a:latin typeface="Bookman Old Style" charset="0"/>
-                <a:ea typeface="Bookman Old Style" charset="0"/>
-                <a:cs typeface="Bookman Old Style" charset="0"/>
-              </a:rPr>
-              <a:t>4 = cluster </a:t>
-            </a:r>
-            <a:r>
-              <a:rPr lang="en-US" i="1" dirty="0" smtClean="0">
-                <a:latin typeface="Bookman Old Style" charset="0"/>
-                <a:ea typeface="Bookman Old Style" charset="0"/>
-                <a:cs typeface="Bookman Old Style" charset="0"/>
-              </a:rPr>
-              <a:t>6, number </a:t>
-            </a:r>
-            <a:r>
-              <a:rPr lang="en-US" i="1" dirty="0">
-                <a:latin typeface="Bookman Old Style" charset="0"/>
-                <a:ea typeface="Bookman Old Style" charset="0"/>
-                <a:cs typeface="Bookman Old Style" charset="0"/>
-              </a:rPr>
-              <a:t>5 = cluster </a:t>
-            </a:r>
-            <a:r>
-              <a:rPr lang="en-US" i="1" dirty="0" smtClean="0">
-                <a:latin typeface="Bookman Old Style" charset="0"/>
-                <a:ea typeface="Bookman Old Style" charset="0"/>
-                <a:cs typeface="Bookman Old Style" charset="0"/>
-              </a:rPr>
-              <a:t>8, number </a:t>
-            </a:r>
-            <a:r>
-              <a:rPr lang="en-US" i="1" dirty="0">
-                <a:latin typeface="Bookman Old Style" charset="0"/>
-                <a:ea typeface="Bookman Old Style" charset="0"/>
-                <a:cs typeface="Bookman Old Style" charset="0"/>
-              </a:rPr>
-              <a:t>6 = cluster </a:t>
-            </a:r>
-            <a:r>
-              <a:rPr lang="en-US" i="1" dirty="0" smtClean="0">
-                <a:latin typeface="Bookman Old Style" charset="0"/>
-                <a:ea typeface="Bookman Old Style" charset="0"/>
-                <a:cs typeface="Bookman Old Style" charset="0"/>
-              </a:rPr>
-              <a:t>5, number </a:t>
-            </a:r>
-            <a:r>
-              <a:rPr lang="en-US" i="1" dirty="0">
-                <a:latin typeface="Bookman Old Style" charset="0"/>
-                <a:ea typeface="Bookman Old Style" charset="0"/>
-                <a:cs typeface="Bookman Old Style" charset="0"/>
-              </a:rPr>
-              <a:t>7 = cluster </a:t>
-            </a:r>
-            <a:r>
-              <a:rPr lang="en-US" i="1" dirty="0" smtClean="0">
-                <a:latin typeface="Bookman Old Style" charset="0"/>
-                <a:ea typeface="Bookman Old Style" charset="0"/>
-                <a:cs typeface="Bookman Old Style" charset="0"/>
-              </a:rPr>
-              <a:t>9, number </a:t>
-            </a:r>
-            <a:r>
-              <a:rPr lang="en-US" i="1" dirty="0">
-                <a:latin typeface="Bookman Old Style" charset="0"/>
-                <a:ea typeface="Bookman Old Style" charset="0"/>
-                <a:cs typeface="Bookman Old Style" charset="0"/>
-              </a:rPr>
-              <a:t>8 = cluster </a:t>
-            </a:r>
-            <a:r>
-              <a:rPr lang="en-US" i="1" dirty="0" smtClean="0">
-                <a:latin typeface="Bookman Old Style" charset="0"/>
-                <a:ea typeface="Bookman Old Style" charset="0"/>
-                <a:cs typeface="Bookman Old Style" charset="0"/>
-              </a:rPr>
-              <a:t>3, number </a:t>
-            </a:r>
-            <a:r>
-              <a:rPr lang="en-US" i="1" dirty="0">
-                <a:latin typeface="Bookman Old Style" charset="0"/>
-                <a:ea typeface="Bookman Old Style" charset="0"/>
-                <a:cs typeface="Bookman Old Style" charset="0"/>
-              </a:rPr>
-              <a:t>9 = cluster 7, 9</a:t>
-            </a:r>
+        </p:txBody>
+      </p:sp>
+      <p:sp>
+        <p:nvSpPr>
+          <p:cNvPr id="4" name="Footer Placeholder 3"/>
+          <p:cNvSpPr>
+            <a:spLocks noGrp="1"/>
+          </p:cNvSpPr>
+          <p:nvPr>
+            <p:ph type="ftr" sz="quarter" idx="11"/>
+          </p:nvPr>
+        </p:nvSpPr>
+        <p:spPr>
+          <a:xfrm>
+            <a:off x="3040630" y="6019800"/>
+            <a:ext cx="7084177" cy="365125"/>
+          </a:xfrm>
+        </p:spPr>
+        <p:txBody>
+          <a:bodyPr/>
+          <a:lstStyle/>
+          <a:p>
+            <a:pPr algn="r"/>
+            <a:r>
+              <a:rPr lang="en-US" sz="1600" b="1" i="1" dirty="0" smtClean="0"/>
+              <a:t>Julie</a:t>
+            </a:r>
+            <a:endParaRPr lang="en-US" sz="1600" b="1" i="1" dirty="0"/>
           </a:p>
         </p:txBody>
       </p:sp>
     </p:spTree>
     <p:extLst>
       <p:ext uri="{BB962C8B-B14F-4D97-AF65-F5344CB8AC3E}">
-        <p14:creationId xmlns:p14="http://schemas.microsoft.com/office/powerpoint/2010/main" val="1623377544"/>
+        <p14:creationId xmlns:p14="http://schemas.microsoft.com/office/powerpoint/2010/main" val="1355587553"/>
       </p:ext>
     </p:extLst>
   </p:cSld>
@@ -7120,44 +9617,491 @@
           <a:lstStyle/>
           <a:p>
             <a:r>
+              <a:rPr lang="en-US" i="1" dirty="0">
+                <a:latin typeface="Bookman Old Style" charset="0"/>
+                <a:ea typeface="Bookman Old Style" charset="0"/>
+                <a:cs typeface="Bookman Old Style" charset="0"/>
+              </a:rPr>
+              <a:t>Iris Data Set</a:t>
+            </a:r>
+          </a:p>
+        </p:txBody>
+      </p:sp>
+      <p:sp>
+        <p:nvSpPr>
+          <p:cNvPr id="3" name="Content Placeholder 2"/>
+          <p:cNvSpPr>
+            <a:spLocks noGrp="1"/>
+          </p:cNvSpPr>
+          <p:nvPr>
+            <p:ph idx="1"/>
+          </p:nvPr>
+        </p:nvSpPr>
+        <p:spPr>
+          <a:xfrm>
+            <a:off x="1484310" y="2352907"/>
+            <a:ext cx="10018713" cy="3769113"/>
+          </a:xfrm>
+        </p:spPr>
+        <p:txBody>
+          <a:bodyPr>
+            <a:normAutofit/>
+          </a:bodyPr>
+          <a:lstStyle/>
+          <a:p>
+            <a:pPr algn="ctr"/>
+            <a:r>
+              <a:rPr lang="en-US" b="1" dirty="0" err="1" smtClean="0">
+                <a:latin typeface="Bookman Old Style" charset="0"/>
+                <a:ea typeface="Bookman Old Style" charset="0"/>
+                <a:cs typeface="Bookman Old Style" charset="0"/>
+              </a:rPr>
+              <a:t>Kmeans</a:t>
+            </a:r>
+            <a:r>
+              <a:rPr lang="en-US" b="1" dirty="0" smtClean="0">
+                <a:latin typeface="Bookman Old Style" charset="0"/>
+                <a:ea typeface="Bookman Old Style" charset="0"/>
+                <a:cs typeface="Bookman Old Style" charset="0"/>
+              </a:rPr>
+              <a:t> Clustering</a:t>
+            </a:r>
+          </a:p>
+          <a:p>
+            <a:r>
               <a:rPr lang="en-US" i="1" dirty="0" smtClean="0">
                 <a:latin typeface="Bookman Old Style" charset="0"/>
                 <a:ea typeface="Bookman Old Style" charset="0"/>
                 <a:cs typeface="Bookman Old Style" charset="0"/>
               </a:rPr>
-              <a:t>Digital Handwriting Recognizer</a:t>
-            </a:r>
-            <a:endParaRPr lang="en-US" i="1" dirty="0">
+              <a:t>Then we apply Bayesian probability (again) by sweeping the table</a:t>
+            </a:r>
+          </a:p>
+          <a:p>
+            <a:pPr lvl="1"/>
+            <a:r>
+              <a:rPr lang="en-US" i="1" dirty="0">
+                <a:latin typeface="Bookman Old Style" charset="0"/>
+                <a:ea typeface="Bookman Old Style" charset="0"/>
+                <a:cs typeface="Bookman Old Style" charset="0"/>
+              </a:rPr>
+              <a:t>(</a:t>
+            </a:r>
+            <a:r>
+              <a:rPr lang="en-US" i="1" dirty="0" err="1">
+                <a:latin typeface="Bookman Old Style" charset="0"/>
+                <a:ea typeface="Bookman Old Style" charset="0"/>
+                <a:cs typeface="Bookman Old Style" charset="0"/>
+              </a:rPr>
+              <a:t>iris.Bays.km</a:t>
+            </a:r>
+            <a:r>
+              <a:rPr lang="en-US" i="1" dirty="0">
+                <a:latin typeface="Bookman Old Style" charset="0"/>
+                <a:ea typeface="Bookman Old Style" charset="0"/>
+                <a:cs typeface="Bookman Old Style" charset="0"/>
+              </a:rPr>
+              <a:t> &lt;- </a:t>
+            </a:r>
+            <a:r>
+              <a:rPr lang="en-US" i="1" dirty="0" err="1">
+                <a:latin typeface="Bookman Old Style" charset="0"/>
+                <a:ea typeface="Bookman Old Style" charset="0"/>
+                <a:cs typeface="Bookman Old Style" charset="0"/>
+              </a:rPr>
+              <a:t>prop.table</a:t>
+            </a:r>
+            <a:r>
+              <a:rPr lang="en-US" i="1" dirty="0">
+                <a:latin typeface="Bookman Old Style" charset="0"/>
+                <a:ea typeface="Bookman Old Style" charset="0"/>
+                <a:cs typeface="Bookman Old Style" charset="0"/>
+              </a:rPr>
+              <a:t>(</a:t>
+            </a:r>
+            <a:r>
+              <a:rPr lang="en-US" i="1" dirty="0" err="1">
+                <a:latin typeface="Bookman Old Style" charset="0"/>
+                <a:ea typeface="Bookman Old Style" charset="0"/>
+                <a:cs typeface="Bookman Old Style" charset="0"/>
+              </a:rPr>
+              <a:t>iris.con_mat.km</a:t>
+            </a:r>
+            <a:r>
+              <a:rPr lang="en-US" i="1" dirty="0">
+                <a:latin typeface="Bookman Old Style" charset="0"/>
+                <a:ea typeface="Bookman Old Style" charset="0"/>
+                <a:cs typeface="Bookman Old Style" charset="0"/>
+              </a:rPr>
+              <a:t>, 1))</a:t>
+            </a:r>
+            <a:endParaRPr lang="en-US" i="1" dirty="0" smtClean="0">
               <a:latin typeface="Bookman Old Style" charset="0"/>
               <a:ea typeface="Bookman Old Style" charset="0"/>
               <a:cs typeface="Bookman Old Style" charset="0"/>
             </a:endParaRPr>
           </a:p>
-        </p:txBody>
-      </p:sp>
-      <p:sp>
-        <p:nvSpPr>
-          <p:cNvPr id="3" name="Content Placeholder 2"/>
-          <p:cNvSpPr>
-            <a:spLocks noGrp="1"/>
-          </p:cNvSpPr>
-          <p:nvPr>
-            <p:ph idx="1"/>
+          <a:p>
+            <a:r>
+              <a:rPr lang="en-US" i="1" dirty="0" smtClean="0">
+                <a:latin typeface="Bookman Old Style" charset="0"/>
+                <a:ea typeface="Bookman Old Style" charset="0"/>
+                <a:cs typeface="Bookman Old Style" charset="0"/>
+              </a:rPr>
+              <a:t>To test our result, we used a 2-D plot:</a:t>
+            </a:r>
+          </a:p>
+          <a:p>
+            <a:pPr lvl="1"/>
+            <a:r>
+              <a:rPr lang="en-US" i="1" dirty="0" err="1">
+                <a:latin typeface="Bookman Old Style" charset="0"/>
+                <a:ea typeface="Bookman Old Style" charset="0"/>
+                <a:cs typeface="Bookman Old Style" charset="0"/>
+              </a:rPr>
+              <a:t>clusplot</a:t>
+            </a:r>
+            <a:r>
+              <a:rPr lang="en-US" i="1" dirty="0">
+                <a:latin typeface="Bookman Old Style" charset="0"/>
+                <a:ea typeface="Bookman Old Style" charset="0"/>
+                <a:cs typeface="Bookman Old Style" charset="0"/>
+              </a:rPr>
+              <a:t>(iris, </a:t>
+            </a:r>
+            <a:r>
+              <a:rPr lang="en-US" i="1" dirty="0" err="1">
+                <a:latin typeface="Bookman Old Style" charset="0"/>
+                <a:ea typeface="Bookman Old Style" charset="0"/>
+                <a:cs typeface="Bookman Old Style" charset="0"/>
+              </a:rPr>
+              <a:t>iris.model.km$cluster</a:t>
+            </a:r>
+            <a:r>
+              <a:rPr lang="en-US" i="1" dirty="0">
+                <a:latin typeface="Bookman Old Style" charset="0"/>
+                <a:ea typeface="Bookman Old Style" charset="0"/>
+                <a:cs typeface="Bookman Old Style" charset="0"/>
+              </a:rPr>
+              <a:t>, color=T, shade=T, labels=0, lines=0)</a:t>
+            </a:r>
+          </a:p>
+        </p:txBody>
+      </p:sp>
+      <p:sp>
+        <p:nvSpPr>
+          <p:cNvPr id="4" name="Footer Placeholder 3"/>
+          <p:cNvSpPr>
+            <a:spLocks noGrp="1"/>
+          </p:cNvSpPr>
+          <p:nvPr>
+            <p:ph type="ftr" sz="quarter" idx="11"/>
           </p:nvPr>
         </p:nvSpPr>
         <p:spPr>
           <a:xfrm>
-            <a:off x="1484310" y="2666999"/>
-            <a:ext cx="10018713" cy="3800708"/>
+            <a:off x="2951577" y="6332034"/>
+            <a:ext cx="7084177" cy="365125"/>
           </a:xfrm>
         </p:spPr>
         <p:txBody>
+          <a:bodyPr/>
+          <a:lstStyle/>
+          <a:p>
+            <a:pPr algn="r"/>
+            <a:r>
+              <a:rPr lang="en-US" sz="1600" b="1" i="1" dirty="0" smtClean="0"/>
+              <a:t>Julie</a:t>
+            </a:r>
+            <a:endParaRPr lang="en-US" sz="1600" b="1" i="1" dirty="0"/>
+          </a:p>
+        </p:txBody>
+      </p:sp>
+    </p:spTree>
+    <p:extLst>
+      <p:ext uri="{BB962C8B-B14F-4D97-AF65-F5344CB8AC3E}">
+        <p14:creationId xmlns:p14="http://schemas.microsoft.com/office/powerpoint/2010/main" val="868983865"/>
+      </p:ext>
+    </p:extLst>
+  </p:cSld>
+  <p:clrMapOvr>
+    <a:masterClrMapping/>
+  </p:clrMapOvr>
+</p:sld>
+</file>
+
+<file path=ppt/slides/slide7.xml><?xml version="1.0" encoding="utf-8"?>
+<p:sld xmlns:a="http://schemas.openxmlformats.org/drawingml/2006/main" xmlns:r="http://schemas.openxmlformats.org/officeDocument/2006/relationships" xmlns:p="http://schemas.openxmlformats.org/presentationml/2006/main">
+  <p:cSld>
+    <p:spTree>
+      <p:nvGrpSpPr>
+        <p:cNvPr id="1" name=""/>
+        <p:cNvGrpSpPr/>
+        <p:nvPr/>
+      </p:nvGrpSpPr>
+      <p:grpSpPr>
+        <a:xfrm>
+          <a:off x="0" y="0"/>
+          <a:ext cx="0" cy="0"/>
+          <a:chOff x="0" y="0"/>
+          <a:chExt cx="0" cy="0"/>
+        </a:xfrm>
+      </p:grpSpPr>
+      <p:sp>
+        <p:nvSpPr>
+          <p:cNvPr id="2" name="Title 1"/>
+          <p:cNvSpPr>
+            <a:spLocks noGrp="1"/>
+          </p:cNvSpPr>
+          <p:nvPr>
+            <p:ph type="title"/>
+          </p:nvPr>
+        </p:nvSpPr>
+        <p:spPr/>
+        <p:txBody>
+          <a:bodyPr/>
+          <a:lstStyle/>
+          <a:p>
+            <a:r>
+              <a:rPr lang="en-US" i="1" dirty="0">
+                <a:latin typeface="Bookman Old Style" charset="0"/>
+                <a:ea typeface="Bookman Old Style" charset="0"/>
+                <a:cs typeface="Bookman Old Style" charset="0"/>
+              </a:rPr>
+              <a:t>Iris Data Set</a:t>
+            </a:r>
+          </a:p>
+        </p:txBody>
+      </p:sp>
+      <p:sp>
+        <p:nvSpPr>
+          <p:cNvPr id="3" name="Content Placeholder 2"/>
+          <p:cNvSpPr>
+            <a:spLocks noGrp="1"/>
+          </p:cNvSpPr>
+          <p:nvPr>
+            <p:ph idx="1"/>
+          </p:nvPr>
+        </p:nvSpPr>
+        <p:spPr/>
+        <p:txBody>
           <a:bodyPr>
-            <a:normAutofit/>
+            <a:normAutofit fontScale="92500" lnSpcReduction="20000"/>
           </a:bodyPr>
           <a:lstStyle/>
           <a:p>
-            <a:endParaRPr lang="en-US" i="1" dirty="0">
+            <a:pPr algn="ctr"/>
+            <a:r>
+              <a:rPr lang="en-US" b="1" i="1" dirty="0" err="1" smtClean="0">
+                <a:latin typeface="Bookman Old Style" charset="0"/>
+                <a:ea typeface="Bookman Old Style" charset="0"/>
+                <a:cs typeface="Bookman Old Style" charset="0"/>
+              </a:rPr>
+              <a:t>SamSPECTRAL</a:t>
+            </a:r>
+            <a:r>
+              <a:rPr lang="en-US" b="1" i="1" dirty="0" smtClean="0">
+                <a:latin typeface="Bookman Old Style" charset="0"/>
+                <a:ea typeface="Bookman Old Style" charset="0"/>
+                <a:cs typeface="Bookman Old Style" charset="0"/>
+              </a:rPr>
+              <a:t> Clustering</a:t>
+            </a:r>
+            <a:r>
+              <a:rPr lang="en-US" dirty="0" smtClean="0">
+                <a:latin typeface="Bookman Old Style" charset="0"/>
+                <a:ea typeface="Bookman Old Style" charset="0"/>
+                <a:cs typeface="Bookman Old Style" charset="0"/>
+              </a:rPr>
+              <a:t> </a:t>
+            </a:r>
+          </a:p>
+          <a:p>
+            <a:r>
+              <a:rPr lang="en-US" dirty="0" smtClean="0">
+                <a:latin typeface="Bookman Old Style" charset="0"/>
+                <a:ea typeface="Bookman Old Style" charset="0"/>
+                <a:cs typeface="Bookman Old Style" charset="0"/>
+              </a:rPr>
+              <a:t>And we model the training data set again </a:t>
+            </a:r>
+            <a:r>
+              <a:rPr lang="en-US" dirty="0">
+                <a:latin typeface="Bookman Old Style" charset="0"/>
+                <a:ea typeface="Bookman Old Style" charset="0"/>
+                <a:cs typeface="Bookman Old Style" charset="0"/>
+              </a:rPr>
+              <a:t>with </a:t>
+            </a:r>
+            <a:r>
+              <a:rPr lang="en-US" i="1" dirty="0" err="1" smtClean="0">
+                <a:latin typeface="Bookman Old Style" charset="0"/>
+                <a:ea typeface="Bookman Old Style" charset="0"/>
+                <a:cs typeface="Bookman Old Style" charset="0"/>
+              </a:rPr>
+              <a:t>SamSPECTRAL</a:t>
+            </a:r>
+            <a:r>
+              <a:rPr lang="en-US" dirty="0" smtClean="0">
+                <a:latin typeface="Bookman Old Style" charset="0"/>
+                <a:ea typeface="Bookman Old Style" charset="0"/>
+                <a:cs typeface="Bookman Old Style" charset="0"/>
+              </a:rPr>
+              <a:t>() function using the first 4 columns, with scaling parameter of 3, and clusters combine at 1.2</a:t>
+            </a:r>
+          </a:p>
+          <a:p>
+            <a:pPr lvl="1"/>
+            <a:r>
+              <a:rPr lang="en-US" i="1" dirty="0" err="1" smtClean="0">
+                <a:latin typeface="Bookman Old Style" charset="0"/>
+                <a:ea typeface="Bookman Old Style" charset="0"/>
+                <a:cs typeface="Bookman Old Style" charset="0"/>
+              </a:rPr>
+              <a:t>iris.model.sam</a:t>
+            </a:r>
+            <a:r>
+              <a:rPr lang="en-US" i="1" dirty="0" smtClean="0">
+                <a:latin typeface="Bookman Old Style" charset="0"/>
+                <a:ea typeface="Bookman Old Style" charset="0"/>
+                <a:cs typeface="Bookman Old Style" charset="0"/>
+              </a:rPr>
+              <a:t> &lt;- </a:t>
+            </a:r>
+            <a:r>
+              <a:rPr lang="en-US" i="1" dirty="0" err="1" smtClean="0">
+                <a:latin typeface="Bookman Old Style" charset="0"/>
+                <a:ea typeface="Bookman Old Style" charset="0"/>
+                <a:cs typeface="Bookman Old Style" charset="0"/>
+              </a:rPr>
+              <a:t>SamSPECTRAL</a:t>
+            </a:r>
+            <a:r>
+              <a:rPr lang="en-US" i="1" dirty="0" smtClean="0">
+                <a:latin typeface="Bookman Old Style" charset="0"/>
+                <a:ea typeface="Bookman Old Style" charset="0"/>
+                <a:cs typeface="Bookman Old Style" charset="0"/>
+              </a:rPr>
+              <a:t>(</a:t>
+            </a:r>
+            <a:r>
+              <a:rPr lang="en-US" i="1" dirty="0" err="1" smtClean="0">
+                <a:latin typeface="Bookman Old Style" charset="0"/>
+                <a:ea typeface="Bookman Old Style" charset="0"/>
+                <a:cs typeface="Bookman Old Style" charset="0"/>
+              </a:rPr>
+              <a:t>iris.train</a:t>
+            </a:r>
+            <a:r>
+              <a:rPr lang="en-US" i="1" dirty="0" smtClean="0">
+                <a:latin typeface="Bookman Old Style" charset="0"/>
+                <a:ea typeface="Bookman Old Style" charset="0"/>
+                <a:cs typeface="Bookman Old Style" charset="0"/>
+              </a:rPr>
+              <a:t>, dimensions=c(1,2,3), </a:t>
+            </a:r>
+            <a:r>
+              <a:rPr lang="en-US" i="1" dirty="0" err="1" smtClean="0">
+                <a:latin typeface="Bookman Old Style" charset="0"/>
+                <a:ea typeface="Bookman Old Style" charset="0"/>
+                <a:cs typeface="Bookman Old Style" charset="0"/>
+              </a:rPr>
+              <a:t>normal.sigma</a:t>
+            </a:r>
+            <a:r>
+              <a:rPr lang="en-US" i="1" dirty="0" smtClean="0">
+                <a:latin typeface="Bookman Old Style" charset="0"/>
+                <a:ea typeface="Bookman Old Style" charset="0"/>
+                <a:cs typeface="Bookman Old Style" charset="0"/>
+              </a:rPr>
+              <a:t> = 3, </a:t>
+            </a:r>
+            <a:r>
+              <a:rPr lang="en-US" i="1" dirty="0" err="1" smtClean="0">
+                <a:latin typeface="Bookman Old Style" charset="0"/>
+                <a:ea typeface="Bookman Old Style" charset="0"/>
+                <a:cs typeface="Bookman Old Style" charset="0"/>
+              </a:rPr>
+              <a:t>separation.factor</a:t>
+            </a:r>
+            <a:r>
+              <a:rPr lang="en-US" i="1" dirty="0" smtClean="0">
+                <a:latin typeface="Bookman Old Style" charset="0"/>
+                <a:ea typeface="Bookman Old Style" charset="0"/>
+                <a:cs typeface="Bookman Old Style" charset="0"/>
+              </a:rPr>
+              <a:t> = 1.2)</a:t>
+            </a:r>
+          </a:p>
+          <a:p>
+            <a:r>
+              <a:rPr lang="en-US" dirty="0" smtClean="0">
+                <a:latin typeface="Bookman Old Style" charset="0"/>
+                <a:ea typeface="Bookman Old Style" charset="0"/>
+                <a:cs typeface="Bookman Old Style" charset="0"/>
+              </a:rPr>
+              <a:t>We then select the Species column (again) to indicate each point is allocated on cluster.</a:t>
+            </a:r>
+          </a:p>
+          <a:p>
+            <a:pPr lvl="1"/>
+            <a:r>
+              <a:rPr lang="en-US" i="1" dirty="0">
+                <a:latin typeface="Bookman Old Style" charset="0"/>
+                <a:ea typeface="Bookman Old Style" charset="0"/>
+                <a:cs typeface="Bookman Old Style" charset="0"/>
+              </a:rPr>
+              <a:t>(</a:t>
+            </a:r>
+            <a:r>
+              <a:rPr lang="en-US" i="1" dirty="0" err="1">
+                <a:latin typeface="Bookman Old Style" charset="0"/>
+                <a:ea typeface="Bookman Old Style" charset="0"/>
+                <a:cs typeface="Bookman Old Style" charset="0"/>
+              </a:rPr>
+              <a:t>iris.con_mat.sam</a:t>
+            </a:r>
+            <a:r>
+              <a:rPr lang="en-US" i="1" dirty="0">
+                <a:latin typeface="Bookman Old Style" charset="0"/>
+                <a:ea typeface="Bookman Old Style" charset="0"/>
+                <a:cs typeface="Bookman Old Style" charset="0"/>
+              </a:rPr>
+              <a:t> &lt;- table(</a:t>
+            </a:r>
+            <a:r>
+              <a:rPr lang="en-US" i="1" dirty="0" err="1">
+                <a:latin typeface="Bookman Old Style" charset="0"/>
+                <a:ea typeface="Bookman Old Style" charset="0"/>
+                <a:cs typeface="Bookman Old Style" charset="0"/>
+              </a:rPr>
+              <a:t>iris.model.sam</a:t>
+            </a:r>
+            <a:r>
+              <a:rPr lang="en-US" i="1" dirty="0">
+                <a:latin typeface="Bookman Old Style" charset="0"/>
+                <a:ea typeface="Bookman Old Style" charset="0"/>
+                <a:cs typeface="Bookman Old Style" charset="0"/>
+              </a:rPr>
+              <a:t>, </a:t>
+            </a:r>
+            <a:r>
+              <a:rPr lang="en-US" i="1" dirty="0" err="1">
+                <a:latin typeface="Bookman Old Style" charset="0"/>
+                <a:ea typeface="Bookman Old Style" charset="0"/>
+                <a:cs typeface="Bookman Old Style" charset="0"/>
+              </a:rPr>
+              <a:t>iris$Species</a:t>
+            </a:r>
+            <a:r>
+              <a:rPr lang="en-US" i="1" dirty="0">
+                <a:latin typeface="Bookman Old Style" charset="0"/>
+                <a:ea typeface="Bookman Old Style" charset="0"/>
+                <a:cs typeface="Bookman Old Style" charset="0"/>
+              </a:rPr>
+              <a:t>))</a:t>
+            </a:r>
+            <a:endParaRPr lang="en-US" i="1" dirty="0" smtClean="0">
               <a:latin typeface="Bookman Old Style" charset="0"/>
               <a:ea typeface="Bookman Old Style" charset="0"/>
               <a:cs typeface="Bookman Old Style" charset="0"/>
@@ -7165,10 +10109,590 @@
           </a:p>
         </p:txBody>
       </p:sp>
+      <p:sp>
+        <p:nvSpPr>
+          <p:cNvPr id="4" name="Footer Placeholder 3"/>
+          <p:cNvSpPr>
+            <a:spLocks noGrp="1"/>
+          </p:cNvSpPr>
+          <p:nvPr>
+            <p:ph type="ftr" sz="quarter" idx="11"/>
+          </p:nvPr>
+        </p:nvSpPr>
+        <p:spPr>
+          <a:xfrm>
+            <a:off x="3040630" y="6019800"/>
+            <a:ext cx="7084177" cy="365125"/>
+          </a:xfrm>
+        </p:spPr>
+        <p:txBody>
+          <a:bodyPr/>
+          <a:lstStyle/>
+          <a:p>
+            <a:pPr algn="r"/>
+            <a:r>
+              <a:rPr lang="en-US" sz="1600" b="1" i="1" dirty="0" smtClean="0"/>
+              <a:t>Julie</a:t>
+            </a:r>
+            <a:endParaRPr lang="en-US" sz="1600" b="1" i="1" dirty="0"/>
+          </a:p>
+        </p:txBody>
+      </p:sp>
     </p:spTree>
     <p:extLst>
       <p:ext uri="{BB962C8B-B14F-4D97-AF65-F5344CB8AC3E}">
-        <p14:creationId xmlns:p14="http://schemas.microsoft.com/office/powerpoint/2010/main" val="1895864963"/>
+        <p14:creationId xmlns:p14="http://schemas.microsoft.com/office/powerpoint/2010/main" val="641274863"/>
+      </p:ext>
+    </p:extLst>
+  </p:cSld>
+  <p:clrMapOvr>
+    <a:masterClrMapping/>
+  </p:clrMapOvr>
+</p:sld>
+</file>
+
+<file path=ppt/slides/slide8.xml><?xml version="1.0" encoding="utf-8"?>
+<p:sld xmlns:a="http://schemas.openxmlformats.org/drawingml/2006/main" xmlns:r="http://schemas.openxmlformats.org/officeDocument/2006/relationships" xmlns:p="http://schemas.openxmlformats.org/presentationml/2006/main">
+  <p:cSld>
+    <p:spTree>
+      <p:nvGrpSpPr>
+        <p:cNvPr id="1" name=""/>
+        <p:cNvGrpSpPr/>
+        <p:nvPr/>
+      </p:nvGrpSpPr>
+      <p:grpSpPr>
+        <a:xfrm>
+          <a:off x="0" y="0"/>
+          <a:ext cx="0" cy="0"/>
+          <a:chOff x="0" y="0"/>
+          <a:chExt cx="0" cy="0"/>
+        </a:xfrm>
+      </p:grpSpPr>
+      <p:sp>
+        <p:nvSpPr>
+          <p:cNvPr id="2" name="Title 1"/>
+          <p:cNvSpPr>
+            <a:spLocks noGrp="1"/>
+          </p:cNvSpPr>
+          <p:nvPr>
+            <p:ph type="title"/>
+          </p:nvPr>
+        </p:nvSpPr>
+        <p:spPr/>
+        <p:txBody>
+          <a:bodyPr/>
+          <a:lstStyle/>
+          <a:p>
+            <a:r>
+              <a:rPr lang="en-US" i="1" dirty="0">
+                <a:latin typeface="Bookman Old Style" charset="0"/>
+                <a:ea typeface="Bookman Old Style" charset="0"/>
+                <a:cs typeface="Bookman Old Style" charset="0"/>
+              </a:rPr>
+              <a:t>Iris Data Set</a:t>
+            </a:r>
+          </a:p>
+        </p:txBody>
+      </p:sp>
+      <p:sp>
+        <p:nvSpPr>
+          <p:cNvPr id="3" name="Content Placeholder 2"/>
+          <p:cNvSpPr>
+            <a:spLocks noGrp="1"/>
+          </p:cNvSpPr>
+          <p:nvPr>
+            <p:ph idx="1"/>
+          </p:nvPr>
+        </p:nvSpPr>
+        <p:spPr>
+          <a:xfrm>
+            <a:off x="1484310" y="2352907"/>
+            <a:ext cx="10018713" cy="3769113"/>
+          </a:xfrm>
+        </p:spPr>
+        <p:txBody>
+          <a:bodyPr>
+            <a:normAutofit/>
+          </a:bodyPr>
+          <a:lstStyle/>
+          <a:p>
+            <a:pPr algn="ctr"/>
+            <a:r>
+              <a:rPr lang="en-US" b="1" dirty="0" err="1" smtClean="0">
+                <a:latin typeface="Bookman Old Style" charset="0"/>
+                <a:ea typeface="Bookman Old Style" charset="0"/>
+                <a:cs typeface="Bookman Old Style" charset="0"/>
+              </a:rPr>
+              <a:t>SamSPECTRAL</a:t>
+            </a:r>
+            <a:r>
+              <a:rPr lang="en-US" b="1" dirty="0" smtClean="0">
+                <a:latin typeface="Bookman Old Style" charset="0"/>
+                <a:ea typeface="Bookman Old Style" charset="0"/>
+                <a:cs typeface="Bookman Old Style" charset="0"/>
+              </a:rPr>
+              <a:t> Clustering</a:t>
+            </a:r>
+          </a:p>
+          <a:p>
+            <a:r>
+              <a:rPr lang="en-US" i="1" dirty="0" smtClean="0">
+                <a:latin typeface="Bookman Old Style" charset="0"/>
+                <a:ea typeface="Bookman Old Style" charset="0"/>
+                <a:cs typeface="Bookman Old Style" charset="0"/>
+              </a:rPr>
+              <a:t>Then we apply Bayesian probability (again) by sweeping the table</a:t>
+            </a:r>
+          </a:p>
+          <a:p>
+            <a:pPr lvl="1"/>
+            <a:r>
+              <a:rPr lang="en-US" i="1" dirty="0">
+                <a:latin typeface="Bookman Old Style" charset="0"/>
+                <a:ea typeface="Bookman Old Style" charset="0"/>
+                <a:cs typeface="Bookman Old Style" charset="0"/>
+              </a:rPr>
+              <a:t>(</a:t>
+            </a:r>
+            <a:r>
+              <a:rPr lang="en-US" i="1" dirty="0" err="1">
+                <a:latin typeface="Bookman Old Style" charset="0"/>
+                <a:ea typeface="Bookman Old Style" charset="0"/>
+                <a:cs typeface="Bookman Old Style" charset="0"/>
+              </a:rPr>
+              <a:t>iris.Bays.sam</a:t>
+            </a:r>
+            <a:r>
+              <a:rPr lang="en-US" i="1" dirty="0">
+                <a:latin typeface="Bookman Old Style" charset="0"/>
+                <a:ea typeface="Bookman Old Style" charset="0"/>
+                <a:cs typeface="Bookman Old Style" charset="0"/>
+              </a:rPr>
+              <a:t> &lt;- </a:t>
+            </a:r>
+            <a:r>
+              <a:rPr lang="en-US" i="1" dirty="0" err="1">
+                <a:latin typeface="Bookman Old Style" charset="0"/>
+                <a:ea typeface="Bookman Old Style" charset="0"/>
+                <a:cs typeface="Bookman Old Style" charset="0"/>
+              </a:rPr>
+              <a:t>prop.table</a:t>
+            </a:r>
+            <a:r>
+              <a:rPr lang="en-US" i="1" dirty="0">
+                <a:latin typeface="Bookman Old Style" charset="0"/>
+                <a:ea typeface="Bookman Old Style" charset="0"/>
+                <a:cs typeface="Bookman Old Style" charset="0"/>
+              </a:rPr>
+              <a:t>(</a:t>
+            </a:r>
+            <a:r>
+              <a:rPr lang="en-US" i="1" dirty="0" err="1">
+                <a:latin typeface="Bookman Old Style" charset="0"/>
+                <a:ea typeface="Bookman Old Style" charset="0"/>
+                <a:cs typeface="Bookman Old Style" charset="0"/>
+              </a:rPr>
+              <a:t>iris.con_mat.sam</a:t>
+            </a:r>
+            <a:r>
+              <a:rPr lang="en-US" i="1" dirty="0">
+                <a:latin typeface="Bookman Old Style" charset="0"/>
+                <a:ea typeface="Bookman Old Style" charset="0"/>
+                <a:cs typeface="Bookman Old Style" charset="0"/>
+              </a:rPr>
+              <a:t>, 1))</a:t>
+            </a:r>
+            <a:endParaRPr lang="en-US" i="1" dirty="0" smtClean="0">
+              <a:latin typeface="Bookman Old Style" charset="0"/>
+              <a:ea typeface="Bookman Old Style" charset="0"/>
+              <a:cs typeface="Bookman Old Style" charset="0"/>
+            </a:endParaRPr>
+          </a:p>
+          <a:p>
+            <a:r>
+              <a:rPr lang="en-US" i="1" dirty="0" smtClean="0">
+                <a:latin typeface="Bookman Old Style" charset="0"/>
+                <a:ea typeface="Bookman Old Style" charset="0"/>
+                <a:cs typeface="Bookman Old Style" charset="0"/>
+              </a:rPr>
+              <a:t>To test our result, we used a 2-D plot:</a:t>
+            </a:r>
+          </a:p>
+          <a:p>
+            <a:pPr lvl="1"/>
+            <a:r>
+              <a:rPr lang="en-US" i="1" dirty="0" err="1">
+                <a:latin typeface="Bookman Old Style" charset="0"/>
+                <a:ea typeface="Bookman Old Style" charset="0"/>
+                <a:cs typeface="Bookman Old Style" charset="0"/>
+              </a:rPr>
+              <a:t>clusplot</a:t>
+            </a:r>
+            <a:r>
+              <a:rPr lang="en-US" i="1" dirty="0">
+                <a:latin typeface="Bookman Old Style" charset="0"/>
+                <a:ea typeface="Bookman Old Style" charset="0"/>
+                <a:cs typeface="Bookman Old Style" charset="0"/>
+              </a:rPr>
+              <a:t>(iris, </a:t>
+            </a:r>
+            <a:r>
+              <a:rPr lang="en-US" i="1" dirty="0" err="1">
+                <a:latin typeface="Bookman Old Style" charset="0"/>
+                <a:ea typeface="Bookman Old Style" charset="0"/>
+                <a:cs typeface="Bookman Old Style" charset="0"/>
+              </a:rPr>
+              <a:t>iris.model.sam</a:t>
+            </a:r>
+            <a:r>
+              <a:rPr lang="en-US" i="1" dirty="0">
+                <a:latin typeface="Bookman Old Style" charset="0"/>
+                <a:ea typeface="Bookman Old Style" charset="0"/>
+                <a:cs typeface="Bookman Old Style" charset="0"/>
+              </a:rPr>
+              <a:t>, color=T, shade=T, labels=0, lines=0)</a:t>
+            </a:r>
+          </a:p>
+        </p:txBody>
+      </p:sp>
+      <p:sp>
+        <p:nvSpPr>
+          <p:cNvPr id="4" name="Footer Placeholder 3"/>
+          <p:cNvSpPr>
+            <a:spLocks noGrp="1"/>
+          </p:cNvSpPr>
+          <p:nvPr>
+            <p:ph type="ftr" sz="quarter" idx="11"/>
+          </p:nvPr>
+        </p:nvSpPr>
+        <p:spPr>
+          <a:xfrm>
+            <a:off x="2951577" y="6332034"/>
+            <a:ext cx="7084177" cy="365125"/>
+          </a:xfrm>
+        </p:spPr>
+        <p:txBody>
+          <a:bodyPr/>
+          <a:lstStyle/>
+          <a:p>
+            <a:pPr algn="r"/>
+            <a:r>
+              <a:rPr lang="en-US" sz="1600" b="1" i="1" dirty="0" smtClean="0"/>
+              <a:t>Julie</a:t>
+            </a:r>
+            <a:endParaRPr lang="en-US" sz="1600" b="1" i="1" dirty="0"/>
+          </a:p>
+        </p:txBody>
+      </p:sp>
+    </p:spTree>
+    <p:extLst>
+      <p:ext uri="{BB962C8B-B14F-4D97-AF65-F5344CB8AC3E}">
+        <p14:creationId xmlns:p14="http://schemas.microsoft.com/office/powerpoint/2010/main" val="462004502"/>
+      </p:ext>
+    </p:extLst>
+  </p:cSld>
+  <p:clrMapOvr>
+    <a:masterClrMapping/>
+  </p:clrMapOvr>
+</p:sld>
+</file>
+
+<file path=ppt/slides/slide9.xml><?xml version="1.0" encoding="utf-8"?>
+<p:sld xmlns:a="http://schemas.openxmlformats.org/drawingml/2006/main" xmlns:r="http://schemas.openxmlformats.org/officeDocument/2006/relationships" xmlns:p="http://schemas.openxmlformats.org/presentationml/2006/main">
+  <p:cSld>
+    <p:spTree>
+      <p:nvGrpSpPr>
+        <p:cNvPr id="1" name=""/>
+        <p:cNvGrpSpPr/>
+        <p:nvPr/>
+      </p:nvGrpSpPr>
+      <p:grpSpPr>
+        <a:xfrm>
+          <a:off x="0" y="0"/>
+          <a:ext cx="0" cy="0"/>
+          <a:chOff x="0" y="0"/>
+          <a:chExt cx="0" cy="0"/>
+        </a:xfrm>
+      </p:grpSpPr>
+      <p:sp>
+        <p:nvSpPr>
+          <p:cNvPr id="2" name="Title 1"/>
+          <p:cNvSpPr>
+            <a:spLocks noGrp="1"/>
+          </p:cNvSpPr>
+          <p:nvPr>
+            <p:ph type="title"/>
+          </p:nvPr>
+        </p:nvSpPr>
+        <p:spPr/>
+        <p:txBody>
+          <a:bodyPr/>
+          <a:lstStyle/>
+          <a:p>
+            <a:r>
+              <a:rPr lang="en-US" i="1" dirty="0">
+                <a:latin typeface="Bookman Old Style" charset="0"/>
+                <a:ea typeface="Bookman Old Style" charset="0"/>
+                <a:cs typeface="Bookman Old Style" charset="0"/>
+              </a:rPr>
+              <a:t>Iris Data Set</a:t>
+            </a:r>
+          </a:p>
+        </p:txBody>
+      </p:sp>
+      <p:sp>
+        <p:nvSpPr>
+          <p:cNvPr id="3" name="Content Placeholder 2"/>
+          <p:cNvSpPr>
+            <a:spLocks noGrp="1"/>
+          </p:cNvSpPr>
+          <p:nvPr>
+            <p:ph idx="1"/>
+          </p:nvPr>
+        </p:nvSpPr>
+        <p:spPr/>
+        <p:txBody>
+          <a:bodyPr>
+            <a:normAutofit fontScale="92500"/>
+          </a:bodyPr>
+          <a:lstStyle/>
+          <a:p>
+            <a:pPr algn="ctr"/>
+            <a:r>
+              <a:rPr lang="en-US" b="1" i="1" dirty="0" err="1">
+                <a:latin typeface="Bookman Old Style" charset="0"/>
+                <a:ea typeface="Bookman Old Style" charset="0"/>
+                <a:cs typeface="Bookman Old Style" charset="0"/>
+              </a:rPr>
+              <a:t>dbscan</a:t>
+            </a:r>
+            <a:r>
+              <a:rPr lang="en-US" b="1" i="1" dirty="0">
+                <a:latin typeface="Bookman Old Style" charset="0"/>
+                <a:ea typeface="Bookman Old Style" charset="0"/>
+                <a:cs typeface="Bookman Old Style" charset="0"/>
+              </a:rPr>
+              <a:t> Clustering</a:t>
+            </a:r>
+            <a:r>
+              <a:rPr lang="en-US" dirty="0" smtClean="0">
+                <a:latin typeface="Bookman Old Style" charset="0"/>
+                <a:ea typeface="Bookman Old Style" charset="0"/>
+                <a:cs typeface="Bookman Old Style" charset="0"/>
+              </a:rPr>
+              <a:t> </a:t>
+            </a:r>
+          </a:p>
+          <a:p>
+            <a:r>
+              <a:rPr lang="en-US" dirty="0" smtClean="0">
+                <a:latin typeface="Bookman Old Style" charset="0"/>
+                <a:ea typeface="Bookman Old Style" charset="0"/>
+                <a:cs typeface="Bookman Old Style" charset="0"/>
+              </a:rPr>
+              <a:t>And we model the training data set again </a:t>
+            </a:r>
+            <a:r>
+              <a:rPr lang="en-US" dirty="0">
+                <a:latin typeface="Bookman Old Style" charset="0"/>
+                <a:ea typeface="Bookman Old Style" charset="0"/>
+                <a:cs typeface="Bookman Old Style" charset="0"/>
+              </a:rPr>
+              <a:t>with </a:t>
+            </a:r>
+            <a:r>
+              <a:rPr lang="en-US" i="1" dirty="0" err="1">
+                <a:latin typeface="Bookman Old Style" charset="0"/>
+                <a:ea typeface="Bookman Old Style" charset="0"/>
+                <a:cs typeface="Bookman Old Style" charset="0"/>
+              </a:rPr>
+              <a:t>dbscan</a:t>
+            </a:r>
+            <a:r>
+              <a:rPr lang="en-US" dirty="0" smtClean="0">
+                <a:latin typeface="Bookman Old Style" charset="0"/>
+                <a:ea typeface="Bookman Old Style" charset="0"/>
+                <a:cs typeface="Bookman Old Style" charset="0"/>
+              </a:rPr>
+              <a:t>() function using the first 4 columns, with .5 as the size of the epsilon.</a:t>
+            </a:r>
+          </a:p>
+          <a:p>
+            <a:pPr lvl="1"/>
+            <a:r>
+              <a:rPr lang="en-US" i="1" dirty="0" err="1" smtClean="0">
+                <a:latin typeface="Bookman Old Style" charset="0"/>
+                <a:ea typeface="Bookman Old Style" charset="0"/>
+                <a:cs typeface="Bookman Old Style" charset="0"/>
+              </a:rPr>
+              <a:t>iris.model.db</a:t>
+            </a:r>
+            <a:r>
+              <a:rPr lang="en-US" i="1" dirty="0" smtClean="0">
+                <a:latin typeface="Bookman Old Style" charset="0"/>
+                <a:ea typeface="Bookman Old Style" charset="0"/>
+                <a:cs typeface="Bookman Old Style" charset="0"/>
+              </a:rPr>
+              <a:t> &lt;- </a:t>
+            </a:r>
+            <a:r>
+              <a:rPr lang="en-US" i="1" dirty="0" err="1" smtClean="0">
+                <a:latin typeface="Bookman Old Style" charset="0"/>
+                <a:ea typeface="Bookman Old Style" charset="0"/>
+                <a:cs typeface="Bookman Old Style" charset="0"/>
+              </a:rPr>
+              <a:t>dbscan</a:t>
+            </a:r>
+            <a:r>
+              <a:rPr lang="en-US" i="1" dirty="0" smtClean="0">
+                <a:latin typeface="Bookman Old Style" charset="0"/>
+                <a:ea typeface="Bookman Old Style" charset="0"/>
+                <a:cs typeface="Bookman Old Style" charset="0"/>
+              </a:rPr>
+              <a:t>(</a:t>
+            </a:r>
+            <a:r>
+              <a:rPr lang="en-US" i="1" dirty="0" err="1" smtClean="0">
+                <a:latin typeface="Bookman Old Style" charset="0"/>
+                <a:ea typeface="Bookman Old Style" charset="0"/>
+                <a:cs typeface="Bookman Old Style" charset="0"/>
+              </a:rPr>
+              <a:t>iris.train</a:t>
+            </a:r>
+            <a:r>
+              <a:rPr lang="en-US" i="1" dirty="0" smtClean="0">
+                <a:latin typeface="Bookman Old Style" charset="0"/>
+                <a:ea typeface="Bookman Old Style" charset="0"/>
+                <a:cs typeface="Bookman Old Style" charset="0"/>
+              </a:rPr>
+              <a:t>, eps=.5, </a:t>
+            </a:r>
+            <a:r>
+              <a:rPr lang="en-US" i="1" dirty="0" err="1" smtClean="0">
+                <a:latin typeface="Bookman Old Style" charset="0"/>
+                <a:ea typeface="Bookman Old Style" charset="0"/>
+                <a:cs typeface="Bookman Old Style" charset="0"/>
+              </a:rPr>
+              <a:t>minPts</a:t>
+            </a:r>
+            <a:r>
+              <a:rPr lang="en-US" i="1" dirty="0" smtClean="0">
+                <a:latin typeface="Bookman Old Style" charset="0"/>
+                <a:ea typeface="Bookman Old Style" charset="0"/>
+                <a:cs typeface="Bookman Old Style" charset="0"/>
+              </a:rPr>
+              <a:t> = 4)</a:t>
+            </a:r>
+          </a:p>
+          <a:p>
+            <a:r>
+              <a:rPr lang="en-US" dirty="0" smtClean="0">
+                <a:latin typeface="Bookman Old Style" charset="0"/>
+                <a:ea typeface="Bookman Old Style" charset="0"/>
+                <a:cs typeface="Bookman Old Style" charset="0"/>
+              </a:rPr>
+              <a:t>We then select the Species column (again) to indicate each point is allocated on cluster.</a:t>
+            </a:r>
+          </a:p>
+          <a:p>
+            <a:pPr lvl="1"/>
+            <a:r>
+              <a:rPr lang="en-US" i="1" dirty="0">
+                <a:latin typeface="Bookman Old Style" charset="0"/>
+                <a:ea typeface="Bookman Old Style" charset="0"/>
+                <a:cs typeface="Bookman Old Style" charset="0"/>
+              </a:rPr>
+              <a:t>(</a:t>
+            </a:r>
+            <a:r>
+              <a:rPr lang="en-US" i="1" dirty="0" err="1">
+                <a:latin typeface="Bookman Old Style" charset="0"/>
+                <a:ea typeface="Bookman Old Style" charset="0"/>
+                <a:cs typeface="Bookman Old Style" charset="0"/>
+              </a:rPr>
+              <a:t>iris.con_mat.db</a:t>
+            </a:r>
+            <a:r>
+              <a:rPr lang="en-US" i="1" dirty="0">
+                <a:latin typeface="Bookman Old Style" charset="0"/>
+                <a:ea typeface="Bookman Old Style" charset="0"/>
+                <a:cs typeface="Bookman Old Style" charset="0"/>
+              </a:rPr>
+              <a:t> &lt;- table(</a:t>
+            </a:r>
+            <a:r>
+              <a:rPr lang="en-US" i="1" dirty="0" err="1">
+                <a:latin typeface="Bookman Old Style" charset="0"/>
+                <a:ea typeface="Bookman Old Style" charset="0"/>
+                <a:cs typeface="Bookman Old Style" charset="0"/>
+              </a:rPr>
+              <a:t>iris.model.db$cluster</a:t>
+            </a:r>
+            <a:r>
+              <a:rPr lang="en-US" i="1" dirty="0">
+                <a:latin typeface="Bookman Old Style" charset="0"/>
+                <a:ea typeface="Bookman Old Style" charset="0"/>
+                <a:cs typeface="Bookman Old Style" charset="0"/>
+              </a:rPr>
+              <a:t>, </a:t>
+            </a:r>
+            <a:r>
+              <a:rPr lang="en-US" i="1" dirty="0" err="1">
+                <a:latin typeface="Bookman Old Style" charset="0"/>
+                <a:ea typeface="Bookman Old Style" charset="0"/>
+                <a:cs typeface="Bookman Old Style" charset="0"/>
+              </a:rPr>
+              <a:t>iris$Species</a:t>
+            </a:r>
+            <a:r>
+              <a:rPr lang="en-US" i="1" dirty="0">
+                <a:latin typeface="Bookman Old Style" charset="0"/>
+                <a:ea typeface="Bookman Old Style" charset="0"/>
+                <a:cs typeface="Bookman Old Style" charset="0"/>
+              </a:rPr>
+              <a:t>))</a:t>
+            </a:r>
+            <a:endParaRPr lang="en-US" i="1" dirty="0" smtClean="0">
+              <a:latin typeface="Bookman Old Style" charset="0"/>
+              <a:ea typeface="Bookman Old Style" charset="0"/>
+              <a:cs typeface="Bookman Old Style" charset="0"/>
+            </a:endParaRPr>
+          </a:p>
+        </p:txBody>
+      </p:sp>
+      <p:sp>
+        <p:nvSpPr>
+          <p:cNvPr id="4" name="Footer Placeholder 3"/>
+          <p:cNvSpPr>
+            <a:spLocks noGrp="1"/>
+          </p:cNvSpPr>
+          <p:nvPr>
+            <p:ph type="ftr" sz="quarter" idx="11"/>
+          </p:nvPr>
+        </p:nvSpPr>
+        <p:spPr>
+          <a:xfrm>
+            <a:off x="3040630" y="6019800"/>
+            <a:ext cx="7084177" cy="365125"/>
+          </a:xfrm>
+        </p:spPr>
+        <p:txBody>
+          <a:bodyPr/>
+          <a:lstStyle/>
+          <a:p>
+            <a:pPr algn="r"/>
+            <a:r>
+              <a:rPr lang="en-US" sz="1600" b="1" i="1" dirty="0" smtClean="0"/>
+              <a:t>Julie</a:t>
+            </a:r>
+            <a:endParaRPr lang="en-US" sz="1600" b="1" i="1" dirty="0"/>
+          </a:p>
+        </p:txBody>
+      </p:sp>
+    </p:spTree>
+    <p:extLst>
+      <p:ext uri="{BB962C8B-B14F-4D97-AF65-F5344CB8AC3E}">
+        <p14:creationId xmlns:p14="http://schemas.microsoft.com/office/powerpoint/2010/main" val="484922320"/>
       </p:ext>
     </p:extLst>
   </p:cSld>
@@ -7432,4 +10956,265 @@
     </a:ext>
   </a:extLst>
 </a:theme>
+</file>
+
+<file path=ppt/theme/theme2.xml><?xml version="1.0" encoding="utf-8"?>
+<a:theme xmlns:a="http://schemas.openxmlformats.org/drawingml/2006/main" name="Office Theme">
+  <a:themeElements>
+    <a:clrScheme name="Office">
+      <a:dk1>
+        <a:sysClr val="windowText" lastClr="000000"/>
+      </a:dk1>
+      <a:lt1>
+        <a:sysClr val="window" lastClr="FFFFFF"/>
+      </a:lt1>
+      <a:dk2>
+        <a:srgbClr val="44546A"/>
+      </a:dk2>
+      <a:lt2>
+        <a:srgbClr val="E7E6E6"/>
+      </a:lt2>
+      <a:accent1>
+        <a:srgbClr val="5B9BD5"/>
+      </a:accent1>
+      <a:accent2>
+        <a:srgbClr val="ED7D31"/>
+      </a:accent2>
+      <a:accent3>
+        <a:srgbClr val="A5A5A5"/>
+      </a:accent3>
+      <a:accent4>
+        <a:srgbClr val="FFC000"/>
+      </a:accent4>
+      <a:accent5>
+        <a:srgbClr val="4472C4"/>
+      </a:accent5>
+      <a:accent6>
+        <a:srgbClr val="70AD47"/>
+      </a:accent6>
+      <a:hlink>
+        <a:srgbClr val="0563C1"/>
+      </a:hlink>
+      <a:folHlink>
+        <a:srgbClr val="954F72"/>
+      </a:folHlink>
+    </a:clrScheme>
+    <a:fontScheme name="Office">
+      <a:majorFont>
+        <a:latin typeface="Calibri Light" panose="020F0302020204030204"/>
+        <a:ea typeface=""/>
+        <a:cs typeface=""/>
+        <a:font script="Jpan" typeface="ＭＳ Ｐゴシック"/>
+        <a:font script="Hang" typeface="맑은 고딕"/>
+        <a:font script="Hans" typeface="宋体"/>
+        <a:font script="Hant" typeface="新細明體"/>
+        <a:font script="Arab" typeface="Times New Roman"/>
+        <a:font script="Hebr" typeface="Times New Roman"/>
+        <a:font script="Thai" typeface="Angsana New"/>
+        <a:font script="Ethi" typeface="Nyala"/>
+        <a:font script="Beng" typeface="Vrinda"/>
+        <a:font script="Gujr" typeface="Shruti"/>
+        <a:font script="Khmr" typeface="MoolBoran"/>
+        <a:font script="Knda" typeface="Tunga"/>
+        <a:font script="Guru" typeface="Raavi"/>
+        <a:font script="Cans" typeface="Euphemia"/>
+        <a:font script="Cher" typeface="Plantagenet Cherokee"/>
+        <a:font script="Yiii" typeface="Microsoft Yi Baiti"/>
+        <a:font script="Tibt" typeface="Microsoft Himalaya"/>
+        <a:font script="Thaa" typeface="MV Boli"/>
+        <a:font script="Deva" typeface="Mangal"/>
+        <a:font script="Telu" typeface="Gautami"/>
+        <a:font script="Taml" typeface="Latha"/>
+        <a:font script="Syrc" typeface="Estrangelo Edessa"/>
+        <a:font script="Orya" typeface="Kalinga"/>
+        <a:font script="Mlym" typeface="Kartika"/>
+        <a:font script="Laoo" typeface="DokChampa"/>
+        <a:font script="Sinh" typeface="Iskoola Pota"/>
+        <a:font script="Mong" typeface="Mongolian Baiti"/>
+        <a:font script="Viet" typeface="Times New Roman"/>
+        <a:font script="Uigh" typeface="Microsoft Uighur"/>
+        <a:font script="Geor" typeface="Sylfaen"/>
+      </a:majorFont>
+      <a:minorFont>
+        <a:latin typeface="Calibri" panose="020F0502020204030204"/>
+        <a:ea typeface=""/>
+        <a:cs typeface=""/>
+        <a:font script="Jpan" typeface="ＭＳ Ｐゴシック"/>
+        <a:font script="Hang" typeface="맑은 고딕"/>
+        <a:font script="Hans" typeface="宋体"/>
+        <a:font script="Hant" typeface="新細明體"/>
+        <a:font script="Arab" typeface="Arial"/>
+        <a:font script="Hebr" typeface="Arial"/>
+        <a:font script="Thai" typeface="Cordia New"/>
+        <a:font script="Ethi" typeface="Nyala"/>
+        <a:font script="Beng" typeface="Vrinda"/>
+        <a:font script="Gujr" typeface="Shruti"/>
+        <a:font script="Khmr" typeface="DaunPenh"/>
+        <a:font script="Knda" typeface="Tunga"/>
+        <a:font script="Guru" typeface="Raavi"/>
+        <a:font script="Cans" typeface="Euphemia"/>
+        <a:font script="Cher" typeface="Plantagenet Cherokee"/>
+        <a:font script="Yiii" typeface="Microsoft Yi Baiti"/>
+        <a:font script="Tibt" typeface="Microsoft Himalaya"/>
+        <a:font script="Thaa" typeface="MV Boli"/>
+        <a:font script="Deva" typeface="Mangal"/>
+        <a:font script="Telu" typeface="Gautami"/>
+        <a:font script="Taml" typeface="Latha"/>
+        <a:font script="Syrc" typeface="Estrangelo Edessa"/>
+        <a:font script="Orya" typeface="Kalinga"/>
+        <a:font script="Mlym" typeface="Kartika"/>
+        <a:font script="Laoo" typeface="DokChampa"/>
+        <a:font script="Sinh" typeface="Iskoola Pota"/>
+        <a:font script="Mong" typeface="Mongolian Baiti"/>
+        <a:font script="Viet" typeface="Arial"/>
+        <a:font script="Uigh" typeface="Microsoft Uighur"/>
+        <a:font script="Geor" typeface="Sylfaen"/>
+      </a:minorFont>
+    </a:fontScheme>
+    <a:fmtScheme name="Office">
+      <a:fillStyleLst>
+        <a:solidFill>
+          <a:schemeClr val="phClr"/>
+        </a:solidFill>
+        <a:gradFill rotWithShape="1">
+          <a:gsLst>
+            <a:gs pos="0">
+              <a:schemeClr val="phClr">
+                <a:lumMod val="110000"/>
+                <a:satMod val="105000"/>
+                <a:tint val="67000"/>
+              </a:schemeClr>
+            </a:gs>
+            <a:gs pos="50000">
+              <a:schemeClr val="phClr">
+                <a:lumMod val="105000"/>
+                <a:satMod val="103000"/>
+                <a:tint val="73000"/>
+              </a:schemeClr>
+            </a:gs>
+            <a:gs pos="100000">
+              <a:schemeClr val="phClr">
+                <a:lumMod val="105000"/>
+                <a:satMod val="109000"/>
+                <a:tint val="81000"/>
+              </a:schemeClr>
+            </a:gs>
+          </a:gsLst>
+          <a:lin ang="5400000" scaled="0"/>
+        </a:gradFill>
+        <a:gradFill rotWithShape="1">
+          <a:gsLst>
+            <a:gs pos="0">
+              <a:schemeClr val="phClr">
+                <a:satMod val="103000"/>
+                <a:lumMod val="102000"/>
+                <a:tint val="94000"/>
+              </a:schemeClr>
+            </a:gs>
+            <a:gs pos="50000">
+              <a:schemeClr val="phClr">
+                <a:satMod val="110000"/>
+                <a:lumMod val="100000"/>
+                <a:shade val="100000"/>
+              </a:schemeClr>
+            </a:gs>
+            <a:gs pos="100000">
+              <a:schemeClr val="phClr">
+                <a:lumMod val="99000"/>
+                <a:satMod val="120000"/>
+                <a:shade val="78000"/>
+              </a:schemeClr>
+            </a:gs>
+          </a:gsLst>
+          <a:lin ang="5400000" scaled="0"/>
+        </a:gradFill>
+      </a:fillStyleLst>
+      <a:lnStyleLst>
+        <a:ln w="6350" cap="flat" cmpd="sng" algn="ctr">
+          <a:solidFill>
+            <a:schemeClr val="phClr"/>
+          </a:solidFill>
+          <a:prstDash val="solid"/>
+          <a:miter lim="800000"/>
+        </a:ln>
+        <a:ln w="12700" cap="flat" cmpd="sng" algn="ctr">
+          <a:solidFill>
+            <a:schemeClr val="phClr"/>
+          </a:solidFill>
+          <a:prstDash val="solid"/>
+          <a:miter lim="800000"/>
+        </a:ln>
+        <a:ln w="19050" cap="flat" cmpd="sng" algn="ctr">
+          <a:solidFill>
+            <a:schemeClr val="phClr"/>
+          </a:solidFill>
+          <a:prstDash val="solid"/>
+          <a:miter lim="800000"/>
+        </a:ln>
+      </a:lnStyleLst>
+      <a:effectStyleLst>
+        <a:effectStyle>
+          <a:effectLst/>
+        </a:effectStyle>
+        <a:effectStyle>
+          <a:effectLst/>
+        </a:effectStyle>
+        <a:effectStyle>
+          <a:effectLst>
+            <a:outerShdw blurRad="57150" dist="19050" dir="5400000" algn="ctr" rotWithShape="0">
+              <a:srgbClr val="000000">
+                <a:alpha val="63000"/>
+              </a:srgbClr>
+            </a:outerShdw>
+          </a:effectLst>
+        </a:effectStyle>
+      </a:effectStyleLst>
+      <a:bgFillStyleLst>
+        <a:solidFill>
+          <a:schemeClr val="phClr"/>
+        </a:solidFill>
+        <a:solidFill>
+          <a:schemeClr val="phClr">
+            <a:tint val="95000"/>
+            <a:satMod val="170000"/>
+          </a:schemeClr>
+        </a:solidFill>
+        <a:gradFill rotWithShape="1">
+          <a:gsLst>
+            <a:gs pos="0">
+              <a:schemeClr val="phClr">
+                <a:tint val="93000"/>
+                <a:satMod val="150000"/>
+                <a:shade val="98000"/>
+                <a:lumMod val="102000"/>
+              </a:schemeClr>
+            </a:gs>
+            <a:gs pos="50000">
+              <a:schemeClr val="phClr">
+                <a:tint val="98000"/>
+                <a:satMod val="130000"/>
+                <a:shade val="90000"/>
+                <a:lumMod val="103000"/>
+              </a:schemeClr>
+            </a:gs>
+            <a:gs pos="100000">
+              <a:schemeClr val="phClr">
+                <a:shade val="63000"/>
+                <a:satMod val="120000"/>
+              </a:schemeClr>
+            </a:gs>
+          </a:gsLst>
+          <a:lin ang="5400000" scaled="0"/>
+        </a:gradFill>
+      </a:bgFillStyleLst>
+    </a:fmtScheme>
+  </a:themeElements>
+  <a:objectDefaults/>
+  <a:extraClrSchemeLst/>
+  <a:extLst>
+    <a:ext uri="{05A4C25C-085E-4340-85A3-A5531E510DB2}">
+      <thm15:themeFamily xmlns:thm15="http://schemas.microsoft.com/office/thememl/2012/main" name="Office Theme" id="{62F939B6-93AF-4DB8-9C6B-D6C7DFDC589F}" vid="{4A3C46E8-61CC-4603-A589-7422A47A8E4A}"/>
+    </a:ext>
+  </a:extLst>
+</a:theme>
 </file>
--- a/Presentation1.pptx
+++ b/Presentation1.pptx
@@ -1,14 +1,27 @@
 
 <file path=ppt/presentation.xml><?xml version="1.0" encoding="utf-8"?>
-<p:presentation xmlns:a="http://schemas.openxmlformats.org/drawingml/2006/main" xmlns:r="http://schemas.openxmlformats.org/officeDocument/2006/relationships" xmlns:p="http://schemas.openxmlformats.org/presentationml/2006/main" saveSubsetFonts="1" autoCompressPictures="0">
+<p:presentation xmlns:a="http://schemas.openxmlformats.org/drawingml/2006/main" xmlns:r="http://schemas.openxmlformats.org/officeDocument/2006/relationships" xmlns:p="http://schemas.openxmlformats.org/presentationml/2006/main" showSpecialPlsOnTitleSld="0" saveSubsetFonts="1" autoCompressPictures="0">
   <p:sldMasterIdLst>
     <p:sldMasterId id="2147483648" r:id="rId1"/>
   </p:sldMasterIdLst>
+  <p:notesMasterIdLst>
+    <p:notesMasterId r:id="rId16"/>
+  </p:notesMasterIdLst>
   <p:sldIdLst>
     <p:sldId id="256" r:id="rId2"/>
     <p:sldId id="257" r:id="rId3"/>
-    <p:sldId id="258" r:id="rId4"/>
-    <p:sldId id="259" r:id="rId5"/>
+    <p:sldId id="262" r:id="rId4"/>
+    <p:sldId id="263" r:id="rId5"/>
+    <p:sldId id="264" r:id="rId6"/>
+    <p:sldId id="265" r:id="rId7"/>
+    <p:sldId id="266" r:id="rId8"/>
+    <p:sldId id="267" r:id="rId9"/>
+    <p:sldId id="268" r:id="rId10"/>
+    <p:sldId id="269" r:id="rId11"/>
+    <p:sldId id="258" r:id="rId12"/>
+    <p:sldId id="259" r:id="rId13"/>
+    <p:sldId id="260" r:id="rId14"/>
+    <p:sldId id="261" r:id="rId15"/>
   </p:sldIdLst>
   <p:sldSz cx="12192000" cy="6858000"/>
   <p:notesSz cx="6858000" cy="9144000"/>
@@ -108,6 +121,1028 @@
     </a:lvl9pPr>
   </p:defaultTextStyle>
 </p:presentation>
+</file>
+
+<file path=ppt/notesMasters/notesMaster1.xml><?xml version="1.0" encoding="utf-8"?>
+<p:notesMaster xmlns:a="http://schemas.openxmlformats.org/drawingml/2006/main" xmlns:r="http://schemas.openxmlformats.org/officeDocument/2006/relationships" xmlns:p="http://schemas.openxmlformats.org/presentationml/2006/main">
+  <p:cSld>
+    <p:bg>
+      <p:bgRef idx="1001">
+        <a:schemeClr val="bg1"/>
+      </p:bgRef>
+    </p:bg>
+    <p:spTree>
+      <p:nvGrpSpPr>
+        <p:cNvPr id="1" name=""/>
+        <p:cNvGrpSpPr/>
+        <p:nvPr/>
+      </p:nvGrpSpPr>
+      <p:grpSpPr>
+        <a:xfrm>
+          <a:off x="0" y="0"/>
+          <a:ext cx="0" cy="0"/>
+          <a:chOff x="0" y="0"/>
+          <a:chExt cx="0" cy="0"/>
+        </a:xfrm>
+      </p:grpSpPr>
+      <p:sp>
+        <p:nvSpPr>
+          <p:cNvPr id="2" name="Header Placeholder 1"/>
+          <p:cNvSpPr>
+            <a:spLocks noGrp="1"/>
+          </p:cNvSpPr>
+          <p:nvPr>
+            <p:ph type="hdr" sz="quarter"/>
+          </p:nvPr>
+        </p:nvSpPr>
+        <p:spPr>
+          <a:xfrm>
+            <a:off x="0" y="0"/>
+            <a:ext cx="2971800" cy="458788"/>
+          </a:xfrm>
+          <a:prstGeom prst="rect">
+            <a:avLst/>
+          </a:prstGeom>
+        </p:spPr>
+        <p:txBody>
+          <a:bodyPr vert="horz" lIns="91440" tIns="45720" rIns="91440" bIns="45720" rtlCol="0"/>
+          <a:lstStyle>
+            <a:lvl1pPr algn="l">
+              <a:defRPr sz="1200"/>
+            </a:lvl1pPr>
+          </a:lstStyle>
+          <a:p>
+            <a:endParaRPr lang="en-US"/>
+          </a:p>
+        </p:txBody>
+      </p:sp>
+      <p:sp>
+        <p:nvSpPr>
+          <p:cNvPr id="3" name="Date Placeholder 2"/>
+          <p:cNvSpPr>
+            <a:spLocks noGrp="1"/>
+          </p:cNvSpPr>
+          <p:nvPr>
+            <p:ph type="dt" idx="1"/>
+          </p:nvPr>
+        </p:nvSpPr>
+        <p:spPr>
+          <a:xfrm>
+            <a:off x="3884613" y="0"/>
+            <a:ext cx="2971800" cy="458788"/>
+          </a:xfrm>
+          <a:prstGeom prst="rect">
+            <a:avLst/>
+          </a:prstGeom>
+        </p:spPr>
+        <p:txBody>
+          <a:bodyPr vert="horz" lIns="91440" tIns="45720" rIns="91440" bIns="45720" rtlCol="0"/>
+          <a:lstStyle>
+            <a:lvl1pPr algn="r">
+              <a:defRPr sz="1200"/>
+            </a:lvl1pPr>
+          </a:lstStyle>
+          <a:p>
+            <a:fld id="{488EB10F-3C90-CB40-9F9D-C83C205EDE3E}" type="datetimeFigureOut">
+              <a:rPr lang="en-US" smtClean="0"/>
+              <a:t>10/30/17</a:t>
+            </a:fld>
+            <a:endParaRPr lang="en-US"/>
+          </a:p>
+        </p:txBody>
+      </p:sp>
+      <p:sp>
+        <p:nvSpPr>
+          <p:cNvPr id="4" name="Slide Image Placeholder 3"/>
+          <p:cNvSpPr>
+            <a:spLocks noGrp="1" noRot="1" noChangeAspect="1"/>
+          </p:cNvSpPr>
+          <p:nvPr>
+            <p:ph type="sldImg" idx="2"/>
+          </p:nvPr>
+        </p:nvSpPr>
+        <p:spPr>
+          <a:xfrm>
+            <a:off x="685800" y="1143000"/>
+            <a:ext cx="5486400" cy="3086100"/>
+          </a:xfrm>
+          <a:prstGeom prst="rect">
+            <a:avLst/>
+          </a:prstGeom>
+          <a:noFill/>
+          <a:ln w="12700">
+            <a:solidFill>
+              <a:prstClr val="black"/>
+            </a:solidFill>
+          </a:ln>
+        </p:spPr>
+        <p:txBody>
+          <a:bodyPr vert="horz" lIns="91440" tIns="45720" rIns="91440" bIns="45720" rtlCol="0" anchor="ctr"/>
+          <a:lstStyle/>
+          <a:p>
+            <a:endParaRPr lang="en-US"/>
+          </a:p>
+        </p:txBody>
+      </p:sp>
+      <p:sp>
+        <p:nvSpPr>
+          <p:cNvPr id="5" name="Notes Placeholder 4"/>
+          <p:cNvSpPr>
+            <a:spLocks noGrp="1"/>
+          </p:cNvSpPr>
+          <p:nvPr>
+            <p:ph type="body" sz="quarter" idx="3"/>
+          </p:nvPr>
+        </p:nvSpPr>
+        <p:spPr>
+          <a:xfrm>
+            <a:off x="685800" y="4400550"/>
+            <a:ext cx="5486400" cy="3600450"/>
+          </a:xfrm>
+          <a:prstGeom prst="rect">
+            <a:avLst/>
+          </a:prstGeom>
+        </p:spPr>
+        <p:txBody>
+          <a:bodyPr vert="horz" lIns="91440" tIns="45720" rIns="91440" bIns="45720" rtlCol="0"/>
+          <a:lstStyle/>
+          <a:p>
+            <a:pPr lvl="0"/>
+            <a:r>
+              <a:rPr lang="en-US" smtClean="0"/>
+              <a:t>Click to edit Master text styles</a:t>
+            </a:r>
+          </a:p>
+          <a:p>
+            <a:pPr lvl="1"/>
+            <a:r>
+              <a:rPr lang="en-US" smtClean="0"/>
+              <a:t>Second level</a:t>
+            </a:r>
+          </a:p>
+          <a:p>
+            <a:pPr lvl="2"/>
+            <a:r>
+              <a:rPr lang="en-US" smtClean="0"/>
+              <a:t>Third level</a:t>
+            </a:r>
+          </a:p>
+          <a:p>
+            <a:pPr lvl="3"/>
+            <a:r>
+              <a:rPr lang="en-US" smtClean="0"/>
+              <a:t>Fourth level</a:t>
+            </a:r>
+          </a:p>
+          <a:p>
+            <a:pPr lvl="4"/>
+            <a:r>
+              <a:rPr lang="en-US" smtClean="0"/>
+              <a:t>Fifth level</a:t>
+            </a:r>
+            <a:endParaRPr lang="en-US"/>
+          </a:p>
+        </p:txBody>
+      </p:sp>
+      <p:sp>
+        <p:nvSpPr>
+          <p:cNvPr id="6" name="Footer Placeholder 5"/>
+          <p:cNvSpPr>
+            <a:spLocks noGrp="1"/>
+          </p:cNvSpPr>
+          <p:nvPr>
+            <p:ph type="ftr" sz="quarter" idx="4"/>
+          </p:nvPr>
+        </p:nvSpPr>
+        <p:spPr>
+          <a:xfrm>
+            <a:off x="0" y="8685213"/>
+            <a:ext cx="2971800" cy="458787"/>
+          </a:xfrm>
+          <a:prstGeom prst="rect">
+            <a:avLst/>
+          </a:prstGeom>
+        </p:spPr>
+        <p:txBody>
+          <a:bodyPr vert="horz" lIns="91440" tIns="45720" rIns="91440" bIns="45720" rtlCol="0" anchor="b"/>
+          <a:lstStyle>
+            <a:lvl1pPr algn="l">
+              <a:defRPr sz="1200"/>
+            </a:lvl1pPr>
+          </a:lstStyle>
+          <a:p>
+            <a:endParaRPr lang="en-US"/>
+          </a:p>
+        </p:txBody>
+      </p:sp>
+      <p:sp>
+        <p:nvSpPr>
+          <p:cNvPr id="7" name="Slide Number Placeholder 6"/>
+          <p:cNvSpPr>
+            <a:spLocks noGrp="1"/>
+          </p:cNvSpPr>
+          <p:nvPr>
+            <p:ph type="sldNum" sz="quarter" idx="5"/>
+          </p:nvPr>
+        </p:nvSpPr>
+        <p:spPr>
+          <a:xfrm>
+            <a:off x="3884613" y="8685213"/>
+            <a:ext cx="2971800" cy="458787"/>
+          </a:xfrm>
+          <a:prstGeom prst="rect">
+            <a:avLst/>
+          </a:prstGeom>
+        </p:spPr>
+        <p:txBody>
+          <a:bodyPr vert="horz" lIns="91440" tIns="45720" rIns="91440" bIns="45720" rtlCol="0" anchor="b"/>
+          <a:lstStyle>
+            <a:lvl1pPr algn="r">
+              <a:defRPr sz="1200"/>
+            </a:lvl1pPr>
+          </a:lstStyle>
+          <a:p>
+            <a:fld id="{7A8B98E8-90E1-714F-ADAB-B54AC70D6345}" type="slidenum">
+              <a:rPr lang="en-US" smtClean="0"/>
+              <a:t>‹#›</a:t>
+            </a:fld>
+            <a:endParaRPr lang="en-US"/>
+          </a:p>
+        </p:txBody>
+      </p:sp>
+    </p:spTree>
+    <p:extLst>
+      <p:ext uri="{BB962C8B-B14F-4D97-AF65-F5344CB8AC3E}">
+        <p14:creationId xmlns:p14="http://schemas.microsoft.com/office/powerpoint/2010/main" val="81271577"/>
+      </p:ext>
+    </p:extLst>
+  </p:cSld>
+  <p:clrMap bg1="lt1" tx1="dk1" bg2="lt2" tx2="dk2" accent1="accent1" accent2="accent2" accent3="accent3" accent4="accent4" accent5="accent5" accent6="accent6" hlink="hlink" folHlink="folHlink"/>
+  <p:notesStyle>
+    <a:lvl1pPr marL="0" algn="l" defTabSz="914400" rtl="0" eaLnBrk="1" latinLnBrk="0" hangingPunct="1">
+      <a:defRPr sz="1200" kern="1200">
+        <a:solidFill>
+          <a:schemeClr val="tx1"/>
+        </a:solidFill>
+        <a:latin typeface="+mn-lt"/>
+        <a:ea typeface="+mn-ea"/>
+        <a:cs typeface="+mn-cs"/>
+      </a:defRPr>
+    </a:lvl1pPr>
+    <a:lvl2pPr marL="457200" algn="l" defTabSz="914400" rtl="0" eaLnBrk="1" latinLnBrk="0" hangingPunct="1">
+      <a:defRPr sz="1200" kern="1200">
+        <a:solidFill>
+          <a:schemeClr val="tx1"/>
+        </a:solidFill>
+        <a:latin typeface="+mn-lt"/>
+        <a:ea typeface="+mn-ea"/>
+        <a:cs typeface="+mn-cs"/>
+      </a:defRPr>
+    </a:lvl2pPr>
+    <a:lvl3pPr marL="914400" algn="l" defTabSz="914400" rtl="0" eaLnBrk="1" latinLnBrk="0" hangingPunct="1">
+      <a:defRPr sz="1200" kern="1200">
+        <a:solidFill>
+          <a:schemeClr val="tx1"/>
+        </a:solidFill>
+        <a:latin typeface="+mn-lt"/>
+        <a:ea typeface="+mn-ea"/>
+        <a:cs typeface="+mn-cs"/>
+      </a:defRPr>
+    </a:lvl3pPr>
+    <a:lvl4pPr marL="1371600" algn="l" defTabSz="914400" rtl="0" eaLnBrk="1" latinLnBrk="0" hangingPunct="1">
+      <a:defRPr sz="1200" kern="1200">
+        <a:solidFill>
+          <a:schemeClr val="tx1"/>
+        </a:solidFill>
+        <a:latin typeface="+mn-lt"/>
+        <a:ea typeface="+mn-ea"/>
+        <a:cs typeface="+mn-cs"/>
+      </a:defRPr>
+    </a:lvl4pPr>
+    <a:lvl5pPr marL="1828800" algn="l" defTabSz="914400" rtl="0" eaLnBrk="1" latinLnBrk="0" hangingPunct="1">
+      <a:defRPr sz="1200" kern="1200">
+        <a:solidFill>
+          <a:schemeClr val="tx1"/>
+        </a:solidFill>
+        <a:latin typeface="+mn-lt"/>
+        <a:ea typeface="+mn-ea"/>
+        <a:cs typeface="+mn-cs"/>
+      </a:defRPr>
+    </a:lvl5pPr>
+    <a:lvl6pPr marL="2286000" algn="l" defTabSz="914400" rtl="0" eaLnBrk="1" latinLnBrk="0" hangingPunct="1">
+      <a:defRPr sz="1200" kern="1200">
+        <a:solidFill>
+          <a:schemeClr val="tx1"/>
+        </a:solidFill>
+        <a:latin typeface="+mn-lt"/>
+        <a:ea typeface="+mn-ea"/>
+        <a:cs typeface="+mn-cs"/>
+      </a:defRPr>
+    </a:lvl6pPr>
+    <a:lvl7pPr marL="2743200" algn="l" defTabSz="914400" rtl="0" eaLnBrk="1" latinLnBrk="0" hangingPunct="1">
+      <a:defRPr sz="1200" kern="1200">
+        <a:solidFill>
+          <a:schemeClr val="tx1"/>
+        </a:solidFill>
+        <a:latin typeface="+mn-lt"/>
+        <a:ea typeface="+mn-ea"/>
+        <a:cs typeface="+mn-cs"/>
+      </a:defRPr>
+    </a:lvl7pPr>
+    <a:lvl8pPr marL="3200400" algn="l" defTabSz="914400" rtl="0" eaLnBrk="1" latinLnBrk="0" hangingPunct="1">
+      <a:defRPr sz="1200" kern="1200">
+        <a:solidFill>
+          <a:schemeClr val="tx1"/>
+        </a:solidFill>
+        <a:latin typeface="+mn-lt"/>
+        <a:ea typeface="+mn-ea"/>
+        <a:cs typeface="+mn-cs"/>
+      </a:defRPr>
+    </a:lvl8pPr>
+    <a:lvl9pPr marL="3657600" algn="l" defTabSz="914400" rtl="0" eaLnBrk="1" latinLnBrk="0" hangingPunct="1">
+      <a:defRPr sz="1200" kern="1200">
+        <a:solidFill>
+          <a:schemeClr val="tx1"/>
+        </a:solidFill>
+        <a:latin typeface="+mn-lt"/>
+        <a:ea typeface="+mn-ea"/>
+        <a:cs typeface="+mn-cs"/>
+      </a:defRPr>
+    </a:lvl9pPr>
+  </p:notesStyle>
+</p:notesMaster>
+</file>
+
+<file path=ppt/notesSlides/notesSlide1.xml><?xml version="1.0" encoding="utf-8"?>
+<p:notes xmlns:a="http://schemas.openxmlformats.org/drawingml/2006/main" xmlns:r="http://schemas.openxmlformats.org/officeDocument/2006/relationships" xmlns:p="http://schemas.openxmlformats.org/presentationml/2006/main">
+  <p:cSld>
+    <p:spTree>
+      <p:nvGrpSpPr>
+        <p:cNvPr id="1" name=""/>
+        <p:cNvGrpSpPr/>
+        <p:nvPr/>
+      </p:nvGrpSpPr>
+      <p:grpSpPr>
+        <a:xfrm>
+          <a:off x="0" y="0"/>
+          <a:ext cx="0" cy="0"/>
+          <a:chOff x="0" y="0"/>
+          <a:chExt cx="0" cy="0"/>
+        </a:xfrm>
+      </p:grpSpPr>
+      <p:sp>
+        <p:nvSpPr>
+          <p:cNvPr id="2" name="Slide Image Placeholder 1"/>
+          <p:cNvSpPr>
+            <a:spLocks noGrp="1" noRot="1" noChangeAspect="1"/>
+          </p:cNvSpPr>
+          <p:nvPr>
+            <p:ph type="sldImg"/>
+          </p:nvPr>
+        </p:nvSpPr>
+        <p:spPr/>
+      </p:sp>
+      <p:sp>
+        <p:nvSpPr>
+          <p:cNvPr id="3" name="Notes Placeholder 2"/>
+          <p:cNvSpPr>
+            <a:spLocks noGrp="1"/>
+          </p:cNvSpPr>
+          <p:nvPr>
+            <p:ph type="body" idx="1"/>
+          </p:nvPr>
+        </p:nvSpPr>
+        <p:spPr/>
+        <p:txBody>
+          <a:bodyPr/>
+          <a:lstStyle/>
+          <a:p>
+            <a:endParaRPr lang="en-US"/>
+          </a:p>
+        </p:txBody>
+      </p:sp>
+      <p:sp>
+        <p:nvSpPr>
+          <p:cNvPr id="4" name="Slide Number Placeholder 3"/>
+          <p:cNvSpPr>
+            <a:spLocks noGrp="1"/>
+          </p:cNvSpPr>
+          <p:nvPr>
+            <p:ph type="sldNum" sz="quarter" idx="10"/>
+          </p:nvPr>
+        </p:nvSpPr>
+        <p:spPr/>
+        <p:txBody>
+          <a:bodyPr/>
+          <a:lstStyle/>
+          <a:p>
+            <a:fld id="{7A8B98E8-90E1-714F-ADAB-B54AC70D6345}" type="slidenum">
+              <a:rPr lang="en-US" smtClean="0"/>
+              <a:t>3</a:t>
+            </a:fld>
+            <a:endParaRPr lang="en-US"/>
+          </a:p>
+        </p:txBody>
+      </p:sp>
+    </p:spTree>
+    <p:extLst>
+      <p:ext uri="{BB962C8B-B14F-4D97-AF65-F5344CB8AC3E}">
+        <p14:creationId xmlns:p14="http://schemas.microsoft.com/office/powerpoint/2010/main" val="131795147"/>
+      </p:ext>
+    </p:extLst>
+  </p:cSld>
+  <p:clrMapOvr>
+    <a:masterClrMapping/>
+  </p:clrMapOvr>
+</p:notes>
+</file>
+
+<file path=ppt/notesSlides/notesSlide2.xml><?xml version="1.0" encoding="utf-8"?>
+<p:notes xmlns:a="http://schemas.openxmlformats.org/drawingml/2006/main" xmlns:r="http://schemas.openxmlformats.org/officeDocument/2006/relationships" xmlns:p="http://schemas.openxmlformats.org/presentationml/2006/main">
+  <p:cSld>
+    <p:spTree>
+      <p:nvGrpSpPr>
+        <p:cNvPr id="1" name=""/>
+        <p:cNvGrpSpPr/>
+        <p:nvPr/>
+      </p:nvGrpSpPr>
+      <p:grpSpPr>
+        <a:xfrm>
+          <a:off x="0" y="0"/>
+          <a:ext cx="0" cy="0"/>
+          <a:chOff x="0" y="0"/>
+          <a:chExt cx="0" cy="0"/>
+        </a:xfrm>
+      </p:grpSpPr>
+      <p:sp>
+        <p:nvSpPr>
+          <p:cNvPr id="2" name="Slide Image Placeholder 1"/>
+          <p:cNvSpPr>
+            <a:spLocks noGrp="1" noRot="1" noChangeAspect="1"/>
+          </p:cNvSpPr>
+          <p:nvPr>
+            <p:ph type="sldImg"/>
+          </p:nvPr>
+        </p:nvSpPr>
+        <p:spPr/>
+      </p:sp>
+      <p:sp>
+        <p:nvSpPr>
+          <p:cNvPr id="3" name="Notes Placeholder 2"/>
+          <p:cNvSpPr>
+            <a:spLocks noGrp="1"/>
+          </p:cNvSpPr>
+          <p:nvPr>
+            <p:ph type="body" idx="1"/>
+          </p:nvPr>
+        </p:nvSpPr>
+        <p:spPr/>
+        <p:txBody>
+          <a:bodyPr/>
+          <a:lstStyle/>
+          <a:p>
+            <a:endParaRPr lang="en-US"/>
+          </a:p>
+        </p:txBody>
+      </p:sp>
+      <p:sp>
+        <p:nvSpPr>
+          <p:cNvPr id="4" name="Slide Number Placeholder 3"/>
+          <p:cNvSpPr>
+            <a:spLocks noGrp="1"/>
+          </p:cNvSpPr>
+          <p:nvPr>
+            <p:ph type="sldNum" sz="quarter" idx="10"/>
+          </p:nvPr>
+        </p:nvSpPr>
+        <p:spPr/>
+        <p:txBody>
+          <a:bodyPr/>
+          <a:lstStyle/>
+          <a:p>
+            <a:fld id="{7A8B98E8-90E1-714F-ADAB-B54AC70D6345}" type="slidenum">
+              <a:rPr lang="en-US" smtClean="0"/>
+              <a:t>4</a:t>
+            </a:fld>
+            <a:endParaRPr lang="en-US"/>
+          </a:p>
+        </p:txBody>
+      </p:sp>
+    </p:spTree>
+    <p:extLst>
+      <p:ext uri="{BB962C8B-B14F-4D97-AF65-F5344CB8AC3E}">
+        <p14:creationId xmlns:p14="http://schemas.microsoft.com/office/powerpoint/2010/main" val="557347752"/>
+      </p:ext>
+    </p:extLst>
+  </p:cSld>
+  <p:clrMapOvr>
+    <a:masterClrMapping/>
+  </p:clrMapOvr>
+</p:notes>
+</file>
+
+<file path=ppt/notesSlides/notesSlide3.xml><?xml version="1.0" encoding="utf-8"?>
+<p:notes xmlns:a="http://schemas.openxmlformats.org/drawingml/2006/main" xmlns:r="http://schemas.openxmlformats.org/officeDocument/2006/relationships" xmlns:p="http://schemas.openxmlformats.org/presentationml/2006/main">
+  <p:cSld>
+    <p:spTree>
+      <p:nvGrpSpPr>
+        <p:cNvPr id="1" name=""/>
+        <p:cNvGrpSpPr/>
+        <p:nvPr/>
+      </p:nvGrpSpPr>
+      <p:grpSpPr>
+        <a:xfrm>
+          <a:off x="0" y="0"/>
+          <a:ext cx="0" cy="0"/>
+          <a:chOff x="0" y="0"/>
+          <a:chExt cx="0" cy="0"/>
+        </a:xfrm>
+      </p:grpSpPr>
+      <p:sp>
+        <p:nvSpPr>
+          <p:cNvPr id="2" name="Slide Image Placeholder 1"/>
+          <p:cNvSpPr>
+            <a:spLocks noGrp="1" noRot="1" noChangeAspect="1"/>
+          </p:cNvSpPr>
+          <p:nvPr>
+            <p:ph type="sldImg"/>
+          </p:nvPr>
+        </p:nvSpPr>
+        <p:spPr/>
+      </p:sp>
+      <p:sp>
+        <p:nvSpPr>
+          <p:cNvPr id="3" name="Notes Placeholder 2"/>
+          <p:cNvSpPr>
+            <a:spLocks noGrp="1"/>
+          </p:cNvSpPr>
+          <p:nvPr>
+            <p:ph type="body" idx="1"/>
+          </p:nvPr>
+        </p:nvSpPr>
+        <p:spPr/>
+        <p:txBody>
+          <a:bodyPr/>
+          <a:lstStyle/>
+          <a:p>
+            <a:endParaRPr lang="en-US"/>
+          </a:p>
+        </p:txBody>
+      </p:sp>
+      <p:sp>
+        <p:nvSpPr>
+          <p:cNvPr id="4" name="Slide Number Placeholder 3"/>
+          <p:cNvSpPr>
+            <a:spLocks noGrp="1"/>
+          </p:cNvSpPr>
+          <p:nvPr>
+            <p:ph type="sldNum" sz="quarter" idx="10"/>
+          </p:nvPr>
+        </p:nvSpPr>
+        <p:spPr/>
+        <p:txBody>
+          <a:bodyPr/>
+          <a:lstStyle/>
+          <a:p>
+            <a:fld id="{7A8B98E8-90E1-714F-ADAB-B54AC70D6345}" type="slidenum">
+              <a:rPr lang="en-US" smtClean="0"/>
+              <a:t>5</a:t>
+            </a:fld>
+            <a:endParaRPr lang="en-US"/>
+          </a:p>
+        </p:txBody>
+      </p:sp>
+    </p:spTree>
+    <p:extLst>
+      <p:ext uri="{BB962C8B-B14F-4D97-AF65-F5344CB8AC3E}">
+        <p14:creationId xmlns:p14="http://schemas.microsoft.com/office/powerpoint/2010/main" val="705992248"/>
+      </p:ext>
+    </p:extLst>
+  </p:cSld>
+  <p:clrMapOvr>
+    <a:masterClrMapping/>
+  </p:clrMapOvr>
+</p:notes>
+</file>
+
+<file path=ppt/notesSlides/notesSlide4.xml><?xml version="1.0" encoding="utf-8"?>
+<p:notes xmlns:a="http://schemas.openxmlformats.org/drawingml/2006/main" xmlns:r="http://schemas.openxmlformats.org/officeDocument/2006/relationships" xmlns:p="http://schemas.openxmlformats.org/presentationml/2006/main">
+  <p:cSld>
+    <p:spTree>
+      <p:nvGrpSpPr>
+        <p:cNvPr id="1" name=""/>
+        <p:cNvGrpSpPr/>
+        <p:nvPr/>
+      </p:nvGrpSpPr>
+      <p:grpSpPr>
+        <a:xfrm>
+          <a:off x="0" y="0"/>
+          <a:ext cx="0" cy="0"/>
+          <a:chOff x="0" y="0"/>
+          <a:chExt cx="0" cy="0"/>
+        </a:xfrm>
+      </p:grpSpPr>
+      <p:sp>
+        <p:nvSpPr>
+          <p:cNvPr id="2" name="Slide Image Placeholder 1"/>
+          <p:cNvSpPr>
+            <a:spLocks noGrp="1" noRot="1" noChangeAspect="1"/>
+          </p:cNvSpPr>
+          <p:nvPr>
+            <p:ph type="sldImg"/>
+          </p:nvPr>
+        </p:nvSpPr>
+        <p:spPr/>
+      </p:sp>
+      <p:sp>
+        <p:nvSpPr>
+          <p:cNvPr id="3" name="Notes Placeholder 2"/>
+          <p:cNvSpPr>
+            <a:spLocks noGrp="1"/>
+          </p:cNvSpPr>
+          <p:nvPr>
+            <p:ph type="body" idx="1"/>
+          </p:nvPr>
+        </p:nvSpPr>
+        <p:spPr/>
+        <p:txBody>
+          <a:bodyPr/>
+          <a:lstStyle/>
+          <a:p>
+            <a:endParaRPr lang="en-US"/>
+          </a:p>
+        </p:txBody>
+      </p:sp>
+      <p:sp>
+        <p:nvSpPr>
+          <p:cNvPr id="4" name="Slide Number Placeholder 3"/>
+          <p:cNvSpPr>
+            <a:spLocks noGrp="1"/>
+          </p:cNvSpPr>
+          <p:nvPr>
+            <p:ph type="sldNum" sz="quarter" idx="10"/>
+          </p:nvPr>
+        </p:nvSpPr>
+        <p:spPr/>
+        <p:txBody>
+          <a:bodyPr/>
+          <a:lstStyle/>
+          <a:p>
+            <a:fld id="{7A8B98E8-90E1-714F-ADAB-B54AC70D6345}" type="slidenum">
+              <a:rPr lang="en-US" smtClean="0"/>
+              <a:t>6</a:t>
+            </a:fld>
+            <a:endParaRPr lang="en-US"/>
+          </a:p>
+        </p:txBody>
+      </p:sp>
+    </p:spTree>
+    <p:extLst>
+      <p:ext uri="{BB962C8B-B14F-4D97-AF65-F5344CB8AC3E}">
+        <p14:creationId xmlns:p14="http://schemas.microsoft.com/office/powerpoint/2010/main" val="2123019455"/>
+      </p:ext>
+    </p:extLst>
+  </p:cSld>
+  <p:clrMapOvr>
+    <a:masterClrMapping/>
+  </p:clrMapOvr>
+</p:notes>
+</file>
+
+<file path=ppt/notesSlides/notesSlide5.xml><?xml version="1.0" encoding="utf-8"?>
+<p:notes xmlns:a="http://schemas.openxmlformats.org/drawingml/2006/main" xmlns:r="http://schemas.openxmlformats.org/officeDocument/2006/relationships" xmlns:p="http://schemas.openxmlformats.org/presentationml/2006/main">
+  <p:cSld>
+    <p:spTree>
+      <p:nvGrpSpPr>
+        <p:cNvPr id="1" name=""/>
+        <p:cNvGrpSpPr/>
+        <p:nvPr/>
+      </p:nvGrpSpPr>
+      <p:grpSpPr>
+        <a:xfrm>
+          <a:off x="0" y="0"/>
+          <a:ext cx="0" cy="0"/>
+          <a:chOff x="0" y="0"/>
+          <a:chExt cx="0" cy="0"/>
+        </a:xfrm>
+      </p:grpSpPr>
+      <p:sp>
+        <p:nvSpPr>
+          <p:cNvPr id="2" name="Slide Image Placeholder 1"/>
+          <p:cNvSpPr>
+            <a:spLocks noGrp="1" noRot="1" noChangeAspect="1"/>
+          </p:cNvSpPr>
+          <p:nvPr>
+            <p:ph type="sldImg"/>
+          </p:nvPr>
+        </p:nvSpPr>
+        <p:spPr/>
+      </p:sp>
+      <p:sp>
+        <p:nvSpPr>
+          <p:cNvPr id="3" name="Notes Placeholder 2"/>
+          <p:cNvSpPr>
+            <a:spLocks noGrp="1"/>
+          </p:cNvSpPr>
+          <p:nvPr>
+            <p:ph type="body" idx="1"/>
+          </p:nvPr>
+        </p:nvSpPr>
+        <p:spPr/>
+        <p:txBody>
+          <a:bodyPr/>
+          <a:lstStyle/>
+          <a:p>
+            <a:endParaRPr lang="en-US"/>
+          </a:p>
+        </p:txBody>
+      </p:sp>
+      <p:sp>
+        <p:nvSpPr>
+          <p:cNvPr id="4" name="Slide Number Placeholder 3"/>
+          <p:cNvSpPr>
+            <a:spLocks noGrp="1"/>
+          </p:cNvSpPr>
+          <p:nvPr>
+            <p:ph type="sldNum" sz="quarter" idx="10"/>
+          </p:nvPr>
+        </p:nvSpPr>
+        <p:spPr/>
+        <p:txBody>
+          <a:bodyPr/>
+          <a:lstStyle/>
+          <a:p>
+            <a:fld id="{7A8B98E8-90E1-714F-ADAB-B54AC70D6345}" type="slidenum">
+              <a:rPr lang="en-US" smtClean="0"/>
+              <a:t>7</a:t>
+            </a:fld>
+            <a:endParaRPr lang="en-US"/>
+          </a:p>
+        </p:txBody>
+      </p:sp>
+    </p:spTree>
+    <p:extLst>
+      <p:ext uri="{BB962C8B-B14F-4D97-AF65-F5344CB8AC3E}">
+        <p14:creationId xmlns:p14="http://schemas.microsoft.com/office/powerpoint/2010/main" val="1833681795"/>
+      </p:ext>
+    </p:extLst>
+  </p:cSld>
+  <p:clrMapOvr>
+    <a:masterClrMapping/>
+  </p:clrMapOvr>
+</p:notes>
+</file>
+
+<file path=ppt/notesSlides/notesSlide6.xml><?xml version="1.0" encoding="utf-8"?>
+<p:notes xmlns:a="http://schemas.openxmlformats.org/drawingml/2006/main" xmlns:r="http://schemas.openxmlformats.org/officeDocument/2006/relationships" xmlns:p="http://schemas.openxmlformats.org/presentationml/2006/main">
+  <p:cSld>
+    <p:spTree>
+      <p:nvGrpSpPr>
+        <p:cNvPr id="1" name=""/>
+        <p:cNvGrpSpPr/>
+        <p:nvPr/>
+      </p:nvGrpSpPr>
+      <p:grpSpPr>
+        <a:xfrm>
+          <a:off x="0" y="0"/>
+          <a:ext cx="0" cy="0"/>
+          <a:chOff x="0" y="0"/>
+          <a:chExt cx="0" cy="0"/>
+        </a:xfrm>
+      </p:grpSpPr>
+      <p:sp>
+        <p:nvSpPr>
+          <p:cNvPr id="2" name="Slide Image Placeholder 1"/>
+          <p:cNvSpPr>
+            <a:spLocks noGrp="1" noRot="1" noChangeAspect="1"/>
+          </p:cNvSpPr>
+          <p:nvPr>
+            <p:ph type="sldImg"/>
+          </p:nvPr>
+        </p:nvSpPr>
+        <p:spPr/>
+      </p:sp>
+      <p:sp>
+        <p:nvSpPr>
+          <p:cNvPr id="3" name="Notes Placeholder 2"/>
+          <p:cNvSpPr>
+            <a:spLocks noGrp="1"/>
+          </p:cNvSpPr>
+          <p:nvPr>
+            <p:ph type="body" idx="1"/>
+          </p:nvPr>
+        </p:nvSpPr>
+        <p:spPr/>
+        <p:txBody>
+          <a:bodyPr/>
+          <a:lstStyle/>
+          <a:p>
+            <a:endParaRPr lang="en-US"/>
+          </a:p>
+        </p:txBody>
+      </p:sp>
+      <p:sp>
+        <p:nvSpPr>
+          <p:cNvPr id="4" name="Slide Number Placeholder 3"/>
+          <p:cNvSpPr>
+            <a:spLocks noGrp="1"/>
+          </p:cNvSpPr>
+          <p:nvPr>
+            <p:ph type="sldNum" sz="quarter" idx="10"/>
+          </p:nvPr>
+        </p:nvSpPr>
+        <p:spPr/>
+        <p:txBody>
+          <a:bodyPr/>
+          <a:lstStyle/>
+          <a:p>
+            <a:fld id="{7A8B98E8-90E1-714F-ADAB-B54AC70D6345}" type="slidenum">
+              <a:rPr lang="en-US" smtClean="0"/>
+              <a:t>8</a:t>
+            </a:fld>
+            <a:endParaRPr lang="en-US"/>
+          </a:p>
+        </p:txBody>
+      </p:sp>
+    </p:spTree>
+    <p:extLst>
+      <p:ext uri="{BB962C8B-B14F-4D97-AF65-F5344CB8AC3E}">
+        <p14:creationId xmlns:p14="http://schemas.microsoft.com/office/powerpoint/2010/main" val="1756281209"/>
+      </p:ext>
+    </p:extLst>
+  </p:cSld>
+  <p:clrMapOvr>
+    <a:masterClrMapping/>
+  </p:clrMapOvr>
+</p:notes>
+</file>
+
+<file path=ppt/notesSlides/notesSlide7.xml><?xml version="1.0" encoding="utf-8"?>
+<p:notes xmlns:a="http://schemas.openxmlformats.org/drawingml/2006/main" xmlns:r="http://schemas.openxmlformats.org/officeDocument/2006/relationships" xmlns:p="http://schemas.openxmlformats.org/presentationml/2006/main">
+  <p:cSld>
+    <p:spTree>
+      <p:nvGrpSpPr>
+        <p:cNvPr id="1" name=""/>
+        <p:cNvGrpSpPr/>
+        <p:nvPr/>
+      </p:nvGrpSpPr>
+      <p:grpSpPr>
+        <a:xfrm>
+          <a:off x="0" y="0"/>
+          <a:ext cx="0" cy="0"/>
+          <a:chOff x="0" y="0"/>
+          <a:chExt cx="0" cy="0"/>
+        </a:xfrm>
+      </p:grpSpPr>
+      <p:sp>
+        <p:nvSpPr>
+          <p:cNvPr id="2" name="Slide Image Placeholder 1"/>
+          <p:cNvSpPr>
+            <a:spLocks noGrp="1" noRot="1" noChangeAspect="1"/>
+          </p:cNvSpPr>
+          <p:nvPr>
+            <p:ph type="sldImg"/>
+          </p:nvPr>
+        </p:nvSpPr>
+        <p:spPr/>
+      </p:sp>
+      <p:sp>
+        <p:nvSpPr>
+          <p:cNvPr id="3" name="Notes Placeholder 2"/>
+          <p:cNvSpPr>
+            <a:spLocks noGrp="1"/>
+          </p:cNvSpPr>
+          <p:nvPr>
+            <p:ph type="body" idx="1"/>
+          </p:nvPr>
+        </p:nvSpPr>
+        <p:spPr/>
+        <p:txBody>
+          <a:bodyPr/>
+          <a:lstStyle/>
+          <a:p>
+            <a:endParaRPr lang="en-US"/>
+          </a:p>
+        </p:txBody>
+      </p:sp>
+      <p:sp>
+        <p:nvSpPr>
+          <p:cNvPr id="4" name="Slide Number Placeholder 3"/>
+          <p:cNvSpPr>
+            <a:spLocks noGrp="1"/>
+          </p:cNvSpPr>
+          <p:nvPr>
+            <p:ph type="sldNum" sz="quarter" idx="10"/>
+          </p:nvPr>
+        </p:nvSpPr>
+        <p:spPr/>
+        <p:txBody>
+          <a:bodyPr/>
+          <a:lstStyle/>
+          <a:p>
+            <a:fld id="{7A8B98E8-90E1-714F-ADAB-B54AC70D6345}" type="slidenum">
+              <a:rPr lang="en-US" smtClean="0"/>
+              <a:t>9</a:t>
+            </a:fld>
+            <a:endParaRPr lang="en-US"/>
+          </a:p>
+        </p:txBody>
+      </p:sp>
+    </p:spTree>
+    <p:extLst>
+      <p:ext uri="{BB962C8B-B14F-4D97-AF65-F5344CB8AC3E}">
+        <p14:creationId xmlns:p14="http://schemas.microsoft.com/office/powerpoint/2010/main" val="388991875"/>
+      </p:ext>
+    </p:extLst>
+  </p:cSld>
+  <p:clrMapOvr>
+    <a:masterClrMapping/>
+  </p:clrMapOvr>
+</p:notes>
+</file>
+
+<file path=ppt/notesSlides/notesSlide8.xml><?xml version="1.0" encoding="utf-8"?>
+<p:notes xmlns:a="http://schemas.openxmlformats.org/drawingml/2006/main" xmlns:r="http://schemas.openxmlformats.org/officeDocument/2006/relationships" xmlns:p="http://schemas.openxmlformats.org/presentationml/2006/main">
+  <p:cSld>
+    <p:spTree>
+      <p:nvGrpSpPr>
+        <p:cNvPr id="1" name=""/>
+        <p:cNvGrpSpPr/>
+        <p:nvPr/>
+      </p:nvGrpSpPr>
+      <p:grpSpPr>
+        <a:xfrm>
+          <a:off x="0" y="0"/>
+          <a:ext cx="0" cy="0"/>
+          <a:chOff x="0" y="0"/>
+          <a:chExt cx="0" cy="0"/>
+        </a:xfrm>
+      </p:grpSpPr>
+      <p:sp>
+        <p:nvSpPr>
+          <p:cNvPr id="2" name="Slide Image Placeholder 1"/>
+          <p:cNvSpPr>
+            <a:spLocks noGrp="1" noRot="1" noChangeAspect="1"/>
+          </p:cNvSpPr>
+          <p:nvPr>
+            <p:ph type="sldImg"/>
+          </p:nvPr>
+        </p:nvSpPr>
+        <p:spPr/>
+      </p:sp>
+      <p:sp>
+        <p:nvSpPr>
+          <p:cNvPr id="3" name="Notes Placeholder 2"/>
+          <p:cNvSpPr>
+            <a:spLocks noGrp="1"/>
+          </p:cNvSpPr>
+          <p:nvPr>
+            <p:ph type="body" idx="1"/>
+          </p:nvPr>
+        </p:nvSpPr>
+        <p:spPr/>
+        <p:txBody>
+          <a:bodyPr/>
+          <a:lstStyle/>
+          <a:p>
+            <a:endParaRPr lang="en-US"/>
+          </a:p>
+        </p:txBody>
+      </p:sp>
+      <p:sp>
+        <p:nvSpPr>
+          <p:cNvPr id="4" name="Slide Number Placeholder 3"/>
+          <p:cNvSpPr>
+            <a:spLocks noGrp="1"/>
+          </p:cNvSpPr>
+          <p:nvPr>
+            <p:ph type="sldNum" sz="quarter" idx="10"/>
+          </p:nvPr>
+        </p:nvSpPr>
+        <p:spPr/>
+        <p:txBody>
+          <a:bodyPr/>
+          <a:lstStyle/>
+          <a:p>
+            <a:fld id="{7A8B98E8-90E1-714F-ADAB-B54AC70D6345}" type="slidenum">
+              <a:rPr lang="en-US" smtClean="0"/>
+              <a:t>10</a:t>
+            </a:fld>
+            <a:endParaRPr lang="en-US"/>
+          </a:p>
+        </p:txBody>
+      </p:sp>
+    </p:spTree>
+    <p:extLst>
+      <p:ext uri="{BB962C8B-B14F-4D97-AF65-F5344CB8AC3E}">
+        <p14:creationId xmlns:p14="http://schemas.microsoft.com/office/powerpoint/2010/main" val="647553211"/>
+      </p:ext>
+    </p:extLst>
+  </p:cSld>
+  <p:clrMapOvr>
+    <a:masterClrMapping/>
+  </p:clrMapOvr>
+</p:notes>
 </file>
 
 <file path=ppt/slideLayouts/slideLayout1.xml><?xml version="1.0" encoding="utf-8"?>
@@ -6137,23 +7172,7 @@
                 <a:ea typeface="Bookman Old Style" charset="0"/>
                 <a:cs typeface="Bookman Old Style" charset="0"/>
               </a:rPr>
-              <a:t>Julie Fisher, </a:t>
-            </a:r>
-            <a:r>
-              <a:rPr lang="en-US" sz="3200" i="1" dirty="0" err="1" smtClean="0">
-                <a:latin typeface="Bookman Old Style" charset="0"/>
-                <a:ea typeface="Bookman Old Style" charset="0"/>
-                <a:cs typeface="Bookman Old Style" charset="0"/>
-              </a:rPr>
-              <a:t>Karelys</a:t>
-            </a:r>
-            <a:r>
-              <a:rPr lang="en-US" sz="3200" i="1" dirty="0" smtClean="0">
-                <a:latin typeface="Bookman Old Style" charset="0"/>
-                <a:ea typeface="Bookman Old Style" charset="0"/>
-                <a:cs typeface="Bookman Old Style" charset="0"/>
-              </a:rPr>
-              <a:t> </a:t>
+              <a:t>Julie Fisher, Karelys </a:t>
             </a:r>
             <a:r>
               <a:rPr lang="en-US" sz="3200" i="1" dirty="0" err="1" smtClean="0">
@@ -6215,6 +7234,1289 @@
     <p:extLst>
       <p:ext uri="{BB962C8B-B14F-4D97-AF65-F5344CB8AC3E}">
         <p14:creationId xmlns:p14="http://schemas.microsoft.com/office/powerpoint/2010/main" val="1991423243"/>
+      </p:ext>
+    </p:extLst>
+  </p:cSld>
+  <p:clrMapOvr>
+    <a:masterClrMapping/>
+  </p:clrMapOvr>
+</p:sld>
+</file>
+
+<file path=ppt/slides/slide10.xml><?xml version="1.0" encoding="utf-8"?>
+<p:sld xmlns:a="http://schemas.openxmlformats.org/drawingml/2006/main" xmlns:r="http://schemas.openxmlformats.org/officeDocument/2006/relationships" xmlns:p="http://schemas.openxmlformats.org/presentationml/2006/main">
+  <p:cSld>
+    <p:spTree>
+      <p:nvGrpSpPr>
+        <p:cNvPr id="1" name=""/>
+        <p:cNvGrpSpPr/>
+        <p:nvPr/>
+      </p:nvGrpSpPr>
+      <p:grpSpPr>
+        <a:xfrm>
+          <a:off x="0" y="0"/>
+          <a:ext cx="0" cy="0"/>
+          <a:chOff x="0" y="0"/>
+          <a:chExt cx="0" cy="0"/>
+        </a:xfrm>
+      </p:grpSpPr>
+      <p:sp>
+        <p:nvSpPr>
+          <p:cNvPr id="2" name="Title 1"/>
+          <p:cNvSpPr>
+            <a:spLocks noGrp="1"/>
+          </p:cNvSpPr>
+          <p:nvPr>
+            <p:ph type="title"/>
+          </p:nvPr>
+        </p:nvSpPr>
+        <p:spPr/>
+        <p:txBody>
+          <a:bodyPr/>
+          <a:lstStyle/>
+          <a:p>
+            <a:r>
+              <a:rPr lang="en-US" i="1" dirty="0">
+                <a:latin typeface="Bookman Old Style" charset="0"/>
+                <a:ea typeface="Bookman Old Style" charset="0"/>
+                <a:cs typeface="Bookman Old Style" charset="0"/>
+              </a:rPr>
+              <a:t>Iris Data Set</a:t>
+            </a:r>
+          </a:p>
+        </p:txBody>
+      </p:sp>
+      <p:sp>
+        <p:nvSpPr>
+          <p:cNvPr id="3" name="Content Placeholder 2"/>
+          <p:cNvSpPr>
+            <a:spLocks noGrp="1"/>
+          </p:cNvSpPr>
+          <p:nvPr>
+            <p:ph idx="1"/>
+          </p:nvPr>
+        </p:nvSpPr>
+        <p:spPr>
+          <a:xfrm>
+            <a:off x="1484310" y="2352907"/>
+            <a:ext cx="10018713" cy="3769113"/>
+          </a:xfrm>
+        </p:spPr>
+        <p:txBody>
+          <a:bodyPr>
+            <a:normAutofit/>
+          </a:bodyPr>
+          <a:lstStyle/>
+          <a:p>
+            <a:pPr algn="ctr"/>
+            <a:r>
+              <a:rPr lang="en-US" b="1" i="1" dirty="0" err="1">
+                <a:latin typeface="Bookman Old Style" charset="0"/>
+                <a:ea typeface="Bookman Old Style" charset="0"/>
+                <a:cs typeface="Bookman Old Style" charset="0"/>
+              </a:rPr>
+              <a:t>dbscan</a:t>
+            </a:r>
+            <a:r>
+              <a:rPr lang="en-US" b="1" i="1" dirty="0">
+                <a:latin typeface="Bookman Old Style" charset="0"/>
+                <a:ea typeface="Bookman Old Style" charset="0"/>
+                <a:cs typeface="Bookman Old Style" charset="0"/>
+              </a:rPr>
+              <a:t> </a:t>
+            </a:r>
+            <a:r>
+              <a:rPr lang="en-US" b="1" dirty="0" smtClean="0">
+                <a:latin typeface="Bookman Old Style" charset="0"/>
+                <a:ea typeface="Bookman Old Style" charset="0"/>
+                <a:cs typeface="Bookman Old Style" charset="0"/>
+              </a:rPr>
+              <a:t>Clustering</a:t>
+            </a:r>
+          </a:p>
+          <a:p>
+            <a:r>
+              <a:rPr lang="en-US" i="1" dirty="0" smtClean="0">
+                <a:latin typeface="Bookman Old Style" charset="0"/>
+                <a:ea typeface="Bookman Old Style" charset="0"/>
+                <a:cs typeface="Bookman Old Style" charset="0"/>
+              </a:rPr>
+              <a:t>Then we apply Bayesian probability (again) by sweeping the table</a:t>
+            </a:r>
+          </a:p>
+          <a:p>
+            <a:pPr lvl="1"/>
+            <a:r>
+              <a:rPr lang="en-US" i="1" dirty="0">
+                <a:latin typeface="Bookman Old Style" charset="0"/>
+                <a:ea typeface="Bookman Old Style" charset="0"/>
+                <a:cs typeface="Bookman Old Style" charset="0"/>
+              </a:rPr>
+              <a:t>(</a:t>
+            </a:r>
+            <a:r>
+              <a:rPr lang="en-US" i="1" dirty="0" err="1">
+                <a:latin typeface="Bookman Old Style" charset="0"/>
+                <a:ea typeface="Bookman Old Style" charset="0"/>
+                <a:cs typeface="Bookman Old Style" charset="0"/>
+              </a:rPr>
+              <a:t>iris.Bays.db</a:t>
+            </a:r>
+            <a:r>
+              <a:rPr lang="en-US" i="1" dirty="0">
+                <a:latin typeface="Bookman Old Style" charset="0"/>
+                <a:ea typeface="Bookman Old Style" charset="0"/>
+                <a:cs typeface="Bookman Old Style" charset="0"/>
+              </a:rPr>
+              <a:t> &lt;- </a:t>
+            </a:r>
+            <a:r>
+              <a:rPr lang="en-US" i="1" dirty="0" err="1">
+                <a:latin typeface="Bookman Old Style" charset="0"/>
+                <a:ea typeface="Bookman Old Style" charset="0"/>
+                <a:cs typeface="Bookman Old Style" charset="0"/>
+              </a:rPr>
+              <a:t>prop.table</a:t>
+            </a:r>
+            <a:r>
+              <a:rPr lang="en-US" i="1" dirty="0">
+                <a:latin typeface="Bookman Old Style" charset="0"/>
+                <a:ea typeface="Bookman Old Style" charset="0"/>
+                <a:cs typeface="Bookman Old Style" charset="0"/>
+              </a:rPr>
+              <a:t>(</a:t>
+            </a:r>
+            <a:r>
+              <a:rPr lang="en-US" i="1" dirty="0" err="1">
+                <a:latin typeface="Bookman Old Style" charset="0"/>
+                <a:ea typeface="Bookman Old Style" charset="0"/>
+                <a:cs typeface="Bookman Old Style" charset="0"/>
+              </a:rPr>
+              <a:t>iris.con_mat.db</a:t>
+            </a:r>
+            <a:r>
+              <a:rPr lang="en-US" i="1" dirty="0">
+                <a:latin typeface="Bookman Old Style" charset="0"/>
+                <a:ea typeface="Bookman Old Style" charset="0"/>
+                <a:cs typeface="Bookman Old Style" charset="0"/>
+              </a:rPr>
+              <a:t>, 1))</a:t>
+            </a:r>
+            <a:endParaRPr lang="en-US" i="1" dirty="0" smtClean="0">
+              <a:latin typeface="Bookman Old Style" charset="0"/>
+              <a:ea typeface="Bookman Old Style" charset="0"/>
+              <a:cs typeface="Bookman Old Style" charset="0"/>
+            </a:endParaRPr>
+          </a:p>
+          <a:p>
+            <a:r>
+              <a:rPr lang="en-US" i="1" dirty="0" smtClean="0">
+                <a:latin typeface="Bookman Old Style" charset="0"/>
+                <a:ea typeface="Bookman Old Style" charset="0"/>
+                <a:cs typeface="Bookman Old Style" charset="0"/>
+              </a:rPr>
+              <a:t>To test our result, we used a 2-D plot:</a:t>
+            </a:r>
+          </a:p>
+          <a:p>
+            <a:pPr lvl="1"/>
+            <a:r>
+              <a:rPr lang="en-US" i="1" dirty="0" err="1">
+                <a:latin typeface="Bookman Old Style" charset="0"/>
+                <a:ea typeface="Bookman Old Style" charset="0"/>
+                <a:cs typeface="Bookman Old Style" charset="0"/>
+              </a:rPr>
+              <a:t>clusplot</a:t>
+            </a:r>
+            <a:r>
+              <a:rPr lang="en-US" i="1" dirty="0">
+                <a:latin typeface="Bookman Old Style" charset="0"/>
+                <a:ea typeface="Bookman Old Style" charset="0"/>
+                <a:cs typeface="Bookman Old Style" charset="0"/>
+              </a:rPr>
+              <a:t>(iris, </a:t>
+            </a:r>
+            <a:r>
+              <a:rPr lang="en-US" i="1" dirty="0" err="1">
+                <a:latin typeface="Bookman Old Style" charset="0"/>
+                <a:ea typeface="Bookman Old Style" charset="0"/>
+                <a:cs typeface="Bookman Old Style" charset="0"/>
+              </a:rPr>
+              <a:t>iris.model.db$cluster</a:t>
+            </a:r>
+            <a:r>
+              <a:rPr lang="en-US" i="1" dirty="0">
+                <a:latin typeface="Bookman Old Style" charset="0"/>
+                <a:ea typeface="Bookman Old Style" charset="0"/>
+                <a:cs typeface="Bookman Old Style" charset="0"/>
+              </a:rPr>
+              <a:t>, color=T, shade=T, labels=0, lines=0)</a:t>
+            </a:r>
+          </a:p>
+        </p:txBody>
+      </p:sp>
+      <p:sp>
+        <p:nvSpPr>
+          <p:cNvPr id="4" name="Footer Placeholder 3"/>
+          <p:cNvSpPr>
+            <a:spLocks noGrp="1"/>
+          </p:cNvSpPr>
+          <p:nvPr>
+            <p:ph type="ftr" sz="quarter" idx="11"/>
+          </p:nvPr>
+        </p:nvSpPr>
+        <p:spPr>
+          <a:xfrm>
+            <a:off x="2951577" y="6332034"/>
+            <a:ext cx="7084177" cy="365125"/>
+          </a:xfrm>
+        </p:spPr>
+        <p:txBody>
+          <a:bodyPr/>
+          <a:lstStyle/>
+          <a:p>
+            <a:pPr algn="r"/>
+            <a:r>
+              <a:rPr lang="en-US" sz="1600" b="1" i="1" dirty="0" smtClean="0"/>
+              <a:t>Julie</a:t>
+            </a:r>
+            <a:endParaRPr lang="en-US" sz="1600" b="1" i="1" dirty="0"/>
+          </a:p>
+        </p:txBody>
+      </p:sp>
+    </p:spTree>
+    <p:extLst>
+      <p:ext uri="{BB962C8B-B14F-4D97-AF65-F5344CB8AC3E}">
+        <p14:creationId xmlns:p14="http://schemas.microsoft.com/office/powerpoint/2010/main" val="1914463916"/>
+      </p:ext>
+    </p:extLst>
+  </p:cSld>
+  <p:clrMapOvr>
+    <a:masterClrMapping/>
+  </p:clrMapOvr>
+</p:sld>
+</file>
+
+<file path=ppt/slides/slide11.xml><?xml version="1.0" encoding="utf-8"?>
+<p:sld xmlns:a="http://schemas.openxmlformats.org/drawingml/2006/main" xmlns:r="http://schemas.openxmlformats.org/officeDocument/2006/relationships" xmlns:p="http://schemas.openxmlformats.org/presentationml/2006/main">
+  <p:cSld>
+    <p:spTree>
+      <p:nvGrpSpPr>
+        <p:cNvPr id="1" name=""/>
+        <p:cNvGrpSpPr/>
+        <p:nvPr/>
+      </p:nvGrpSpPr>
+      <p:grpSpPr>
+        <a:xfrm>
+          <a:off x="0" y="0"/>
+          <a:ext cx="0" cy="0"/>
+          <a:chOff x="0" y="0"/>
+          <a:chExt cx="0" cy="0"/>
+        </a:xfrm>
+      </p:grpSpPr>
+      <p:sp>
+        <p:nvSpPr>
+          <p:cNvPr id="2" name="Title 1"/>
+          <p:cNvSpPr>
+            <a:spLocks noGrp="1"/>
+          </p:cNvSpPr>
+          <p:nvPr>
+            <p:ph type="title"/>
+          </p:nvPr>
+        </p:nvSpPr>
+        <p:spPr/>
+        <p:txBody>
+          <a:bodyPr/>
+          <a:lstStyle/>
+          <a:p>
+            <a:r>
+              <a:rPr lang="en-US" i="1" dirty="0" smtClean="0">
+                <a:latin typeface="Bookman Old Style" charset="0"/>
+                <a:ea typeface="Bookman Old Style" charset="0"/>
+                <a:cs typeface="Bookman Old Style" charset="0"/>
+              </a:rPr>
+              <a:t>Digital Handwriting Recognizer</a:t>
+            </a:r>
+            <a:endParaRPr lang="en-US" i="1" dirty="0">
+              <a:latin typeface="Bookman Old Style" charset="0"/>
+              <a:ea typeface="Bookman Old Style" charset="0"/>
+              <a:cs typeface="Bookman Old Style" charset="0"/>
+            </a:endParaRPr>
+          </a:p>
+        </p:txBody>
+      </p:sp>
+      <p:sp>
+        <p:nvSpPr>
+          <p:cNvPr id="3" name="Content Placeholder 2"/>
+          <p:cNvSpPr>
+            <a:spLocks noGrp="1"/>
+          </p:cNvSpPr>
+          <p:nvPr>
+            <p:ph idx="1"/>
+          </p:nvPr>
+        </p:nvSpPr>
+        <p:spPr/>
+        <p:txBody>
+          <a:bodyPr/>
+          <a:lstStyle/>
+          <a:p>
+            <a:r>
+              <a:rPr lang="en-US" dirty="0" smtClean="0">
+                <a:latin typeface="Bookman Old Style" charset="0"/>
+                <a:ea typeface="Bookman Old Style" charset="0"/>
+                <a:cs typeface="Bookman Old Style" charset="0"/>
+              </a:rPr>
+              <a:t>Here, we ran the specc spectral clustering algorithm to observe the results (on the training dataset without labels)</a:t>
+            </a:r>
+          </a:p>
+          <a:p>
+            <a:pPr lvl="1"/>
+            <a:r>
+              <a:rPr lang="en-US" dirty="0" smtClean="0">
+                <a:latin typeface="Bookman Old Style" charset="0"/>
+                <a:ea typeface="Bookman Old Style" charset="0"/>
+                <a:cs typeface="Bookman Old Style" charset="0"/>
+              </a:rPr>
+              <a:t>We chose 10 clusters because it would not be use to use random rows in the eigenvectors.</a:t>
+            </a:r>
+          </a:p>
+          <a:p>
+            <a:pPr lvl="1"/>
+            <a:r>
+              <a:rPr lang="en-US" dirty="0" smtClean="0">
+                <a:latin typeface="Bookman Old Style" charset="0"/>
+                <a:ea typeface="Bookman Old Style" charset="0"/>
+                <a:cs typeface="Bookman Old Style" charset="0"/>
+              </a:rPr>
+              <a:t>Then we view the result of the specc clusters.</a:t>
+            </a:r>
+          </a:p>
+          <a:p>
+            <a:r>
+              <a:rPr lang="en-US" dirty="0" smtClean="0">
+                <a:latin typeface="Bookman Old Style" charset="0"/>
+                <a:ea typeface="Bookman Old Style" charset="0"/>
+                <a:cs typeface="Bookman Old Style" charset="0"/>
+              </a:rPr>
+              <a:t>Now we choose the specc cluster and select the first 100 sets to observe which variables were selected.</a:t>
+            </a:r>
+            <a:endParaRPr lang="en-US" dirty="0">
+              <a:latin typeface="Bookman Old Style" charset="0"/>
+              <a:ea typeface="Bookman Old Style" charset="0"/>
+              <a:cs typeface="Bookman Old Style" charset="0"/>
+            </a:endParaRPr>
+          </a:p>
+        </p:txBody>
+      </p:sp>
+      <p:sp>
+        <p:nvSpPr>
+          <p:cNvPr id="4" name="Footer Placeholder 3"/>
+          <p:cNvSpPr>
+            <a:spLocks noGrp="1"/>
+          </p:cNvSpPr>
+          <p:nvPr>
+            <p:ph type="ftr" sz="quarter" idx="11"/>
+          </p:nvPr>
+        </p:nvSpPr>
+        <p:spPr>
+          <a:xfrm>
+            <a:off x="2951577" y="6332034"/>
+            <a:ext cx="7084177" cy="365125"/>
+          </a:xfrm>
+        </p:spPr>
+        <p:txBody>
+          <a:bodyPr/>
+          <a:lstStyle/>
+          <a:p>
+            <a:pPr algn="r"/>
+            <a:r>
+              <a:rPr lang="en-US" sz="1600" b="1" i="1" dirty="0" smtClean="0"/>
+              <a:t>Karelys</a:t>
+            </a:r>
+            <a:endParaRPr lang="en-US" sz="1600" b="1" i="1" dirty="0"/>
+          </a:p>
+        </p:txBody>
+      </p:sp>
+    </p:spTree>
+    <p:extLst>
+      <p:ext uri="{BB962C8B-B14F-4D97-AF65-F5344CB8AC3E}">
+        <p14:creationId xmlns:p14="http://schemas.microsoft.com/office/powerpoint/2010/main" val="1607103707"/>
+      </p:ext>
+    </p:extLst>
+  </p:cSld>
+  <p:clrMapOvr>
+    <a:masterClrMapping/>
+  </p:clrMapOvr>
+</p:sld>
+</file>
+
+<file path=ppt/slides/slide12.xml><?xml version="1.0" encoding="utf-8"?>
+<p:sld xmlns:a="http://schemas.openxmlformats.org/drawingml/2006/main" xmlns:r="http://schemas.openxmlformats.org/officeDocument/2006/relationships" xmlns:p="http://schemas.openxmlformats.org/presentationml/2006/main">
+  <p:cSld>
+    <p:spTree>
+      <p:nvGrpSpPr>
+        <p:cNvPr id="1" name=""/>
+        <p:cNvGrpSpPr/>
+        <p:nvPr/>
+      </p:nvGrpSpPr>
+      <p:grpSpPr>
+        <a:xfrm>
+          <a:off x="0" y="0"/>
+          <a:ext cx="0" cy="0"/>
+          <a:chOff x="0" y="0"/>
+          <a:chExt cx="0" cy="0"/>
+        </a:xfrm>
+      </p:grpSpPr>
+      <p:sp>
+        <p:nvSpPr>
+          <p:cNvPr id="2" name="Title 1"/>
+          <p:cNvSpPr>
+            <a:spLocks noGrp="1"/>
+          </p:cNvSpPr>
+          <p:nvPr>
+            <p:ph type="title"/>
+          </p:nvPr>
+        </p:nvSpPr>
+        <p:spPr/>
+        <p:txBody>
+          <a:bodyPr/>
+          <a:lstStyle/>
+          <a:p>
+            <a:r>
+              <a:rPr lang="en-US" i="1" dirty="0" smtClean="0">
+                <a:latin typeface="Bookman Old Style" charset="0"/>
+                <a:ea typeface="Bookman Old Style" charset="0"/>
+                <a:cs typeface="Bookman Old Style" charset="0"/>
+              </a:rPr>
+              <a:t>Digital Handwriting Recognizer</a:t>
+            </a:r>
+            <a:endParaRPr lang="en-US" i="1" dirty="0">
+              <a:latin typeface="Bookman Old Style" charset="0"/>
+              <a:ea typeface="Bookman Old Style" charset="0"/>
+              <a:cs typeface="Bookman Old Style" charset="0"/>
+            </a:endParaRPr>
+          </a:p>
+        </p:txBody>
+      </p:sp>
+      <p:sp>
+        <p:nvSpPr>
+          <p:cNvPr id="3" name="Content Placeholder 2"/>
+          <p:cNvSpPr>
+            <a:spLocks noGrp="1"/>
+          </p:cNvSpPr>
+          <p:nvPr>
+            <p:ph idx="1"/>
+          </p:nvPr>
+        </p:nvSpPr>
+        <p:spPr>
+          <a:xfrm>
+            <a:off x="1484310" y="2666999"/>
+            <a:ext cx="10018713" cy="3800708"/>
+          </a:xfrm>
+        </p:spPr>
+        <p:txBody>
+          <a:bodyPr>
+            <a:normAutofit/>
+          </a:bodyPr>
+          <a:lstStyle/>
+          <a:p>
+            <a:r>
+              <a:rPr lang="en-US" dirty="0" smtClean="0">
+                <a:latin typeface="Bookman Old Style" charset="0"/>
+                <a:ea typeface="Bookman Old Style" charset="0"/>
+                <a:cs typeface="Bookman Old Style" charset="0"/>
+              </a:rPr>
+              <a:t>We view the size of the vector for each point in the cluster</a:t>
+            </a:r>
+          </a:p>
+          <a:p>
+            <a:pPr lvl="1"/>
+            <a:r>
+              <a:rPr lang="en-US" i="1" dirty="0">
+                <a:latin typeface="Bookman Old Style" charset="0"/>
+                <a:ea typeface="Bookman Old Style" charset="0"/>
+                <a:cs typeface="Bookman Old Style" charset="0"/>
+              </a:rPr>
+              <a:t>size(</a:t>
+            </a:r>
+            <a:r>
+              <a:rPr lang="en-US" i="1" dirty="0" err="1">
+                <a:latin typeface="Bookman Old Style" charset="0"/>
+                <a:ea typeface="Bookman Old Style" charset="0"/>
+                <a:cs typeface="Bookman Old Style" charset="0"/>
+              </a:rPr>
+              <a:t>digits.cluster</a:t>
+            </a:r>
+            <a:r>
+              <a:rPr lang="en-US" i="1" dirty="0">
+                <a:latin typeface="Bookman Old Style" charset="0"/>
+                <a:ea typeface="Bookman Old Style" charset="0"/>
+                <a:cs typeface="Bookman Old Style" charset="0"/>
+              </a:rPr>
+              <a:t>)</a:t>
+            </a:r>
+            <a:endParaRPr lang="en-US" i="1" dirty="0" smtClean="0">
+              <a:latin typeface="Bookman Old Style" charset="0"/>
+              <a:ea typeface="Bookman Old Style" charset="0"/>
+              <a:cs typeface="Bookman Old Style" charset="0"/>
+            </a:endParaRPr>
+          </a:p>
+          <a:p>
+            <a:r>
+              <a:rPr lang="en-US" dirty="0" smtClean="0">
+                <a:latin typeface="Bookman Old Style" charset="0"/>
+                <a:ea typeface="Bookman Old Style" charset="0"/>
+                <a:cs typeface="Bookman Old Style" charset="0"/>
+              </a:rPr>
+              <a:t>Then we view the sum of squares for each cluster within the cluster</a:t>
+            </a:r>
+          </a:p>
+          <a:p>
+            <a:pPr lvl="1"/>
+            <a:r>
+              <a:rPr lang="en-US" i="1" dirty="0" err="1">
+                <a:latin typeface="Bookman Old Style" charset="0"/>
+                <a:ea typeface="Bookman Old Style" charset="0"/>
+                <a:cs typeface="Bookman Old Style" charset="0"/>
+              </a:rPr>
+              <a:t>withinss</a:t>
+            </a:r>
+            <a:r>
+              <a:rPr lang="en-US" i="1" dirty="0">
+                <a:latin typeface="Bookman Old Style" charset="0"/>
+                <a:ea typeface="Bookman Old Style" charset="0"/>
+                <a:cs typeface="Bookman Old Style" charset="0"/>
+              </a:rPr>
+              <a:t>(</a:t>
+            </a:r>
+            <a:r>
+              <a:rPr lang="en-US" i="1" dirty="0" err="1">
+                <a:latin typeface="Bookman Old Style" charset="0"/>
+                <a:ea typeface="Bookman Old Style" charset="0"/>
+                <a:cs typeface="Bookman Old Style" charset="0"/>
+              </a:rPr>
+              <a:t>digits.cluster</a:t>
+            </a:r>
+            <a:r>
+              <a:rPr lang="en-US" i="1" dirty="0">
+                <a:latin typeface="Bookman Old Style" charset="0"/>
+                <a:ea typeface="Bookman Old Style" charset="0"/>
+                <a:cs typeface="Bookman Old Style" charset="0"/>
+              </a:rPr>
+              <a:t>)</a:t>
+            </a:r>
+          </a:p>
+          <a:p>
+            <a:r>
+              <a:rPr lang="en-US" dirty="0" smtClean="0">
+                <a:latin typeface="Bookman Old Style" charset="0"/>
+                <a:ea typeface="Bookman Old Style" charset="0"/>
+                <a:cs typeface="Bookman Old Style" charset="0"/>
+              </a:rPr>
+              <a:t>We use the kernel class to obtain the kernel function that we used in the specc function.</a:t>
+            </a:r>
+          </a:p>
+          <a:p>
+            <a:pPr lvl="1"/>
+            <a:r>
+              <a:rPr lang="en-US" i="1" dirty="0" err="1">
+                <a:latin typeface="Bookman Old Style" charset="0"/>
+                <a:ea typeface="Bookman Old Style" charset="0"/>
+                <a:cs typeface="Bookman Old Style" charset="0"/>
+              </a:rPr>
+              <a:t>kernelf</a:t>
+            </a:r>
+            <a:r>
+              <a:rPr lang="en-US" i="1" dirty="0">
+                <a:latin typeface="Bookman Old Style" charset="0"/>
+                <a:ea typeface="Bookman Old Style" charset="0"/>
+                <a:cs typeface="Bookman Old Style" charset="0"/>
+              </a:rPr>
+              <a:t>(</a:t>
+            </a:r>
+            <a:r>
+              <a:rPr lang="en-US" i="1" dirty="0" err="1">
+                <a:latin typeface="Bookman Old Style" charset="0"/>
+                <a:ea typeface="Bookman Old Style" charset="0"/>
+                <a:cs typeface="Bookman Old Style" charset="0"/>
+              </a:rPr>
+              <a:t>digits.cluster</a:t>
+            </a:r>
+            <a:r>
+              <a:rPr lang="en-US" i="1" dirty="0">
+                <a:latin typeface="Bookman Old Style" charset="0"/>
+                <a:ea typeface="Bookman Old Style" charset="0"/>
+                <a:cs typeface="Bookman Old Style" charset="0"/>
+              </a:rPr>
+              <a:t>)</a:t>
+            </a:r>
+          </a:p>
+        </p:txBody>
+      </p:sp>
+      <p:sp>
+        <p:nvSpPr>
+          <p:cNvPr id="4" name="Footer Placeholder 3"/>
+          <p:cNvSpPr>
+            <a:spLocks noGrp="1"/>
+          </p:cNvSpPr>
+          <p:nvPr>
+            <p:ph type="ftr" sz="quarter" idx="11"/>
+          </p:nvPr>
+        </p:nvSpPr>
+        <p:spPr>
+          <a:xfrm>
+            <a:off x="2951577" y="6332034"/>
+            <a:ext cx="7084177" cy="365125"/>
+          </a:xfrm>
+        </p:spPr>
+        <p:txBody>
+          <a:bodyPr/>
+          <a:lstStyle/>
+          <a:p>
+            <a:pPr algn="r"/>
+            <a:r>
+              <a:rPr lang="en-US" sz="1600" b="1" i="1" dirty="0" smtClean="0"/>
+              <a:t>Anani</a:t>
+            </a:r>
+            <a:endParaRPr lang="en-US" sz="1600" b="1" i="1" dirty="0"/>
+          </a:p>
+        </p:txBody>
+      </p:sp>
+    </p:spTree>
+    <p:extLst>
+      <p:ext uri="{BB962C8B-B14F-4D97-AF65-F5344CB8AC3E}">
+        <p14:creationId xmlns:p14="http://schemas.microsoft.com/office/powerpoint/2010/main" val="1593786749"/>
+      </p:ext>
+    </p:extLst>
+  </p:cSld>
+  <p:clrMapOvr>
+    <a:masterClrMapping/>
+  </p:clrMapOvr>
+</p:sld>
+</file>
+
+<file path=ppt/slides/slide13.xml><?xml version="1.0" encoding="utf-8"?>
+<p:sld xmlns:a="http://schemas.openxmlformats.org/drawingml/2006/main" xmlns:r="http://schemas.openxmlformats.org/officeDocument/2006/relationships" xmlns:p="http://schemas.openxmlformats.org/presentationml/2006/main">
+  <p:cSld>
+    <p:spTree>
+      <p:nvGrpSpPr>
+        <p:cNvPr id="1" name=""/>
+        <p:cNvGrpSpPr/>
+        <p:nvPr/>
+      </p:nvGrpSpPr>
+      <p:grpSpPr>
+        <a:xfrm>
+          <a:off x="0" y="0"/>
+          <a:ext cx="0" cy="0"/>
+          <a:chOff x="0" y="0"/>
+          <a:chExt cx="0" cy="0"/>
+        </a:xfrm>
+      </p:grpSpPr>
+      <p:sp>
+        <p:nvSpPr>
+          <p:cNvPr id="2" name="Title 1"/>
+          <p:cNvSpPr>
+            <a:spLocks noGrp="1"/>
+          </p:cNvSpPr>
+          <p:nvPr>
+            <p:ph type="title"/>
+          </p:nvPr>
+        </p:nvSpPr>
+        <p:spPr/>
+        <p:txBody>
+          <a:bodyPr/>
+          <a:lstStyle/>
+          <a:p>
+            <a:r>
+              <a:rPr lang="en-US" i="1" dirty="0" smtClean="0">
+                <a:latin typeface="Bookman Old Style" charset="0"/>
+                <a:ea typeface="Bookman Old Style" charset="0"/>
+                <a:cs typeface="Bookman Old Style" charset="0"/>
+              </a:rPr>
+              <a:t>Digital Handwriting Recognizer</a:t>
+            </a:r>
+            <a:endParaRPr lang="en-US" i="1" dirty="0">
+              <a:latin typeface="Bookman Old Style" charset="0"/>
+              <a:ea typeface="Bookman Old Style" charset="0"/>
+              <a:cs typeface="Bookman Old Style" charset="0"/>
+            </a:endParaRPr>
+          </a:p>
+        </p:txBody>
+      </p:sp>
+      <p:sp>
+        <p:nvSpPr>
+          <p:cNvPr id="3" name="Content Placeholder 2"/>
+          <p:cNvSpPr>
+            <a:spLocks noGrp="1"/>
+          </p:cNvSpPr>
+          <p:nvPr>
+            <p:ph idx="1"/>
+          </p:nvPr>
+        </p:nvSpPr>
+        <p:spPr>
+          <a:xfrm>
+            <a:off x="1484310" y="2666999"/>
+            <a:ext cx="10018713" cy="3800708"/>
+          </a:xfrm>
+        </p:spPr>
+        <p:txBody>
+          <a:bodyPr>
+            <a:normAutofit/>
+          </a:bodyPr>
+          <a:lstStyle/>
+          <a:p>
+            <a:r>
+              <a:rPr lang="en-US" dirty="0" smtClean="0">
+                <a:latin typeface="Bookman Old Style" charset="0"/>
+                <a:ea typeface="Bookman Old Style" charset="0"/>
+                <a:cs typeface="Bookman Old Style" charset="0"/>
+              </a:rPr>
+              <a:t>Now, we take the smaller dataset of the training set and put it into a confusion matrix. The columns in this table are the clusters and the rows are the actual handwritten numbers</a:t>
+            </a:r>
+          </a:p>
+          <a:p>
+            <a:pPr lvl="1"/>
+            <a:r>
+              <a:rPr lang="en-US" i="1" dirty="0" err="1">
+                <a:latin typeface="Bookman Old Style" charset="0"/>
+                <a:ea typeface="Bookman Old Style" charset="0"/>
+                <a:cs typeface="Bookman Old Style" charset="0"/>
+              </a:rPr>
+              <a:t>confusionmatrix</a:t>
+            </a:r>
+            <a:r>
+              <a:rPr lang="en-US" i="1" dirty="0">
+                <a:latin typeface="Bookman Old Style" charset="0"/>
+                <a:ea typeface="Bookman Old Style" charset="0"/>
+                <a:cs typeface="Bookman Old Style" charset="0"/>
+              </a:rPr>
+              <a:t> &lt;- table(</a:t>
+            </a:r>
+            <a:r>
+              <a:rPr lang="en-US" i="1" dirty="0" err="1">
+                <a:latin typeface="Bookman Old Style" charset="0"/>
+                <a:ea typeface="Bookman Old Style" charset="0"/>
+                <a:cs typeface="Bookman Old Style" charset="0"/>
+              </a:rPr>
+              <a:t>digits.small$label</a:t>
+            </a:r>
+            <a:r>
+              <a:rPr lang="en-US" i="1" dirty="0">
+                <a:latin typeface="Bookman Old Style" charset="0"/>
+                <a:ea typeface="Bookman Old Style" charset="0"/>
+                <a:cs typeface="Bookman Old Style" charset="0"/>
+              </a:rPr>
+              <a:t>, </a:t>
+            </a:r>
+            <a:r>
+              <a:rPr lang="en-US" i="1" dirty="0" err="1">
+                <a:latin typeface="Bookman Old Style" charset="0"/>
+                <a:ea typeface="Bookman Old Style" charset="0"/>
+                <a:cs typeface="Bookman Old Style" charset="0"/>
+              </a:rPr>
+              <a:t>digits.cluster</a:t>
+            </a:r>
+            <a:r>
+              <a:rPr lang="en-US" i="1" dirty="0">
+                <a:latin typeface="Bookman Old Style" charset="0"/>
+                <a:ea typeface="Bookman Old Style" charset="0"/>
+                <a:cs typeface="Bookman Old Style" charset="0"/>
+              </a:rPr>
+              <a:t>[1:100])</a:t>
+            </a:r>
+            <a:endParaRPr lang="en-US" i="1" dirty="0" smtClean="0">
+              <a:latin typeface="Bookman Old Style" charset="0"/>
+              <a:ea typeface="Bookman Old Style" charset="0"/>
+              <a:cs typeface="Bookman Old Style" charset="0"/>
+            </a:endParaRPr>
+          </a:p>
+          <a:p>
+            <a:r>
+              <a:rPr lang="en-US" dirty="0" smtClean="0">
+                <a:latin typeface="Bookman Old Style" charset="0"/>
+                <a:ea typeface="Bookman Old Style" charset="0"/>
+                <a:cs typeface="Bookman Old Style" charset="0"/>
+              </a:rPr>
+              <a:t>After doing that, we concluded:</a:t>
+            </a:r>
+          </a:p>
+          <a:p>
+            <a:pPr lvl="1"/>
+            <a:r>
+              <a:rPr lang="en-US" i="1" dirty="0" smtClean="0">
+                <a:latin typeface="Bookman Old Style" charset="0"/>
+                <a:ea typeface="Bookman Old Style" charset="0"/>
+                <a:cs typeface="Bookman Old Style" charset="0"/>
+              </a:rPr>
+              <a:t>number </a:t>
+            </a:r>
+            <a:r>
+              <a:rPr lang="en-US" i="1" dirty="0">
+                <a:latin typeface="Bookman Old Style" charset="0"/>
+                <a:ea typeface="Bookman Old Style" charset="0"/>
+                <a:cs typeface="Bookman Old Style" charset="0"/>
+              </a:rPr>
+              <a:t>0 = cluster </a:t>
+            </a:r>
+            <a:r>
+              <a:rPr lang="en-US" i="1" dirty="0" smtClean="0">
+                <a:latin typeface="Bookman Old Style" charset="0"/>
+                <a:ea typeface="Bookman Old Style" charset="0"/>
+                <a:cs typeface="Bookman Old Style" charset="0"/>
+              </a:rPr>
+              <a:t>1, number </a:t>
+            </a:r>
+            <a:r>
+              <a:rPr lang="en-US" i="1" dirty="0">
+                <a:latin typeface="Bookman Old Style" charset="0"/>
+                <a:ea typeface="Bookman Old Style" charset="0"/>
+                <a:cs typeface="Bookman Old Style" charset="0"/>
+              </a:rPr>
+              <a:t>1 = cluster </a:t>
+            </a:r>
+            <a:r>
+              <a:rPr lang="en-US" i="1" dirty="0" smtClean="0">
+                <a:latin typeface="Bookman Old Style" charset="0"/>
+                <a:ea typeface="Bookman Old Style" charset="0"/>
+                <a:cs typeface="Bookman Old Style" charset="0"/>
+              </a:rPr>
+              <a:t>10, number </a:t>
+            </a:r>
+            <a:r>
+              <a:rPr lang="en-US" i="1" dirty="0">
+                <a:latin typeface="Bookman Old Style" charset="0"/>
+                <a:ea typeface="Bookman Old Style" charset="0"/>
+                <a:cs typeface="Bookman Old Style" charset="0"/>
+              </a:rPr>
+              <a:t>2 = cluster </a:t>
+            </a:r>
+            <a:r>
+              <a:rPr lang="en-US" i="1" dirty="0" smtClean="0">
+                <a:latin typeface="Bookman Old Style" charset="0"/>
+                <a:ea typeface="Bookman Old Style" charset="0"/>
+                <a:cs typeface="Bookman Old Style" charset="0"/>
+              </a:rPr>
+              <a:t>8, number </a:t>
+            </a:r>
+            <a:r>
+              <a:rPr lang="en-US" i="1" dirty="0">
+                <a:latin typeface="Bookman Old Style" charset="0"/>
+                <a:ea typeface="Bookman Old Style" charset="0"/>
+                <a:cs typeface="Bookman Old Style" charset="0"/>
+              </a:rPr>
+              <a:t>3 = cluster </a:t>
+            </a:r>
+            <a:r>
+              <a:rPr lang="en-US" i="1" dirty="0" smtClean="0">
+                <a:latin typeface="Bookman Old Style" charset="0"/>
+                <a:ea typeface="Bookman Old Style" charset="0"/>
+                <a:cs typeface="Bookman Old Style" charset="0"/>
+              </a:rPr>
+              <a:t>8, number </a:t>
+            </a:r>
+            <a:r>
+              <a:rPr lang="en-US" i="1" dirty="0">
+                <a:latin typeface="Bookman Old Style" charset="0"/>
+                <a:ea typeface="Bookman Old Style" charset="0"/>
+                <a:cs typeface="Bookman Old Style" charset="0"/>
+              </a:rPr>
+              <a:t>4 = cluster </a:t>
+            </a:r>
+            <a:r>
+              <a:rPr lang="en-US" i="1" dirty="0" smtClean="0">
+                <a:latin typeface="Bookman Old Style" charset="0"/>
+                <a:ea typeface="Bookman Old Style" charset="0"/>
+                <a:cs typeface="Bookman Old Style" charset="0"/>
+              </a:rPr>
+              <a:t>6, number </a:t>
+            </a:r>
+            <a:r>
+              <a:rPr lang="en-US" i="1" dirty="0">
+                <a:latin typeface="Bookman Old Style" charset="0"/>
+                <a:ea typeface="Bookman Old Style" charset="0"/>
+                <a:cs typeface="Bookman Old Style" charset="0"/>
+              </a:rPr>
+              <a:t>5 = cluster </a:t>
+            </a:r>
+            <a:r>
+              <a:rPr lang="en-US" i="1" dirty="0" smtClean="0">
+                <a:latin typeface="Bookman Old Style" charset="0"/>
+                <a:ea typeface="Bookman Old Style" charset="0"/>
+                <a:cs typeface="Bookman Old Style" charset="0"/>
+              </a:rPr>
+              <a:t>8, number </a:t>
+            </a:r>
+            <a:r>
+              <a:rPr lang="en-US" i="1" dirty="0">
+                <a:latin typeface="Bookman Old Style" charset="0"/>
+                <a:ea typeface="Bookman Old Style" charset="0"/>
+                <a:cs typeface="Bookman Old Style" charset="0"/>
+              </a:rPr>
+              <a:t>6 = cluster </a:t>
+            </a:r>
+            <a:r>
+              <a:rPr lang="en-US" i="1" dirty="0" smtClean="0">
+                <a:latin typeface="Bookman Old Style" charset="0"/>
+                <a:ea typeface="Bookman Old Style" charset="0"/>
+                <a:cs typeface="Bookman Old Style" charset="0"/>
+              </a:rPr>
+              <a:t>5, number </a:t>
+            </a:r>
+            <a:r>
+              <a:rPr lang="en-US" i="1" dirty="0">
+                <a:latin typeface="Bookman Old Style" charset="0"/>
+                <a:ea typeface="Bookman Old Style" charset="0"/>
+                <a:cs typeface="Bookman Old Style" charset="0"/>
+              </a:rPr>
+              <a:t>7 = cluster </a:t>
+            </a:r>
+            <a:r>
+              <a:rPr lang="en-US" i="1" dirty="0" smtClean="0">
+                <a:latin typeface="Bookman Old Style" charset="0"/>
+                <a:ea typeface="Bookman Old Style" charset="0"/>
+                <a:cs typeface="Bookman Old Style" charset="0"/>
+              </a:rPr>
+              <a:t>9, number </a:t>
+            </a:r>
+            <a:r>
+              <a:rPr lang="en-US" i="1" dirty="0">
+                <a:latin typeface="Bookman Old Style" charset="0"/>
+                <a:ea typeface="Bookman Old Style" charset="0"/>
+                <a:cs typeface="Bookman Old Style" charset="0"/>
+              </a:rPr>
+              <a:t>8 = cluster </a:t>
+            </a:r>
+            <a:r>
+              <a:rPr lang="en-US" i="1" dirty="0" smtClean="0">
+                <a:latin typeface="Bookman Old Style" charset="0"/>
+                <a:ea typeface="Bookman Old Style" charset="0"/>
+                <a:cs typeface="Bookman Old Style" charset="0"/>
+              </a:rPr>
+              <a:t>3, number </a:t>
+            </a:r>
+            <a:r>
+              <a:rPr lang="en-US" i="1" dirty="0">
+                <a:latin typeface="Bookman Old Style" charset="0"/>
+                <a:ea typeface="Bookman Old Style" charset="0"/>
+                <a:cs typeface="Bookman Old Style" charset="0"/>
+              </a:rPr>
+              <a:t>9 = cluster 7, 9</a:t>
+            </a:r>
+          </a:p>
+        </p:txBody>
+      </p:sp>
+      <p:sp>
+        <p:nvSpPr>
+          <p:cNvPr id="5" name="Footer Placeholder 3"/>
+          <p:cNvSpPr>
+            <a:spLocks noGrp="1"/>
+          </p:cNvSpPr>
+          <p:nvPr>
+            <p:ph type="ftr" sz="quarter" idx="11"/>
+          </p:nvPr>
+        </p:nvSpPr>
+        <p:spPr>
+          <a:xfrm>
+            <a:off x="2951577" y="6332034"/>
+            <a:ext cx="7084177" cy="365125"/>
+          </a:xfrm>
+        </p:spPr>
+        <p:txBody>
+          <a:bodyPr/>
+          <a:lstStyle/>
+          <a:p>
+            <a:pPr algn="r"/>
+            <a:r>
+              <a:rPr lang="en-US" sz="1600" b="1" i="1" dirty="0" smtClean="0"/>
+              <a:t>Anani</a:t>
+            </a:r>
+            <a:endParaRPr lang="en-US" sz="1600" b="1" i="1" dirty="0"/>
+          </a:p>
+        </p:txBody>
+      </p:sp>
+    </p:spTree>
+    <p:extLst>
+      <p:ext uri="{BB962C8B-B14F-4D97-AF65-F5344CB8AC3E}">
+        <p14:creationId xmlns:p14="http://schemas.microsoft.com/office/powerpoint/2010/main" val="1623377544"/>
+      </p:ext>
+    </p:extLst>
+  </p:cSld>
+  <p:clrMapOvr>
+    <a:masterClrMapping/>
+  </p:clrMapOvr>
+</p:sld>
+</file>
+
+<file path=ppt/slides/slide14.xml><?xml version="1.0" encoding="utf-8"?>
+<p:sld xmlns:a="http://schemas.openxmlformats.org/drawingml/2006/main" xmlns:r="http://schemas.openxmlformats.org/officeDocument/2006/relationships" xmlns:p="http://schemas.openxmlformats.org/presentationml/2006/main">
+  <p:cSld>
+    <p:spTree>
+      <p:nvGrpSpPr>
+        <p:cNvPr id="1" name=""/>
+        <p:cNvGrpSpPr/>
+        <p:nvPr/>
+      </p:nvGrpSpPr>
+      <p:grpSpPr>
+        <a:xfrm>
+          <a:off x="0" y="0"/>
+          <a:ext cx="0" cy="0"/>
+          <a:chOff x="0" y="0"/>
+          <a:chExt cx="0" cy="0"/>
+        </a:xfrm>
+      </p:grpSpPr>
+      <p:sp>
+        <p:nvSpPr>
+          <p:cNvPr id="2" name="Title 1"/>
+          <p:cNvSpPr>
+            <a:spLocks noGrp="1"/>
+          </p:cNvSpPr>
+          <p:nvPr>
+            <p:ph type="title"/>
+          </p:nvPr>
+        </p:nvSpPr>
+        <p:spPr/>
+        <p:txBody>
+          <a:bodyPr/>
+          <a:lstStyle/>
+          <a:p>
+            <a:r>
+              <a:rPr lang="en-US" i="1" dirty="0" smtClean="0">
+                <a:latin typeface="Bookman Old Style" charset="0"/>
+                <a:ea typeface="Bookman Old Style" charset="0"/>
+                <a:cs typeface="Bookman Old Style" charset="0"/>
+              </a:rPr>
+              <a:t>Digital Handwriting Recognizer</a:t>
+            </a:r>
+            <a:endParaRPr lang="en-US" i="1" dirty="0">
+              <a:latin typeface="Bookman Old Style" charset="0"/>
+              <a:ea typeface="Bookman Old Style" charset="0"/>
+              <a:cs typeface="Bookman Old Style" charset="0"/>
+            </a:endParaRPr>
+          </a:p>
+        </p:txBody>
+      </p:sp>
+      <p:sp>
+        <p:nvSpPr>
+          <p:cNvPr id="3" name="Content Placeholder 2"/>
+          <p:cNvSpPr>
+            <a:spLocks noGrp="1"/>
+          </p:cNvSpPr>
+          <p:nvPr>
+            <p:ph idx="1"/>
+          </p:nvPr>
+        </p:nvSpPr>
+        <p:spPr>
+          <a:xfrm>
+            <a:off x="1484310" y="2118732"/>
+            <a:ext cx="10018713" cy="4527395"/>
+          </a:xfrm>
+        </p:spPr>
+        <p:txBody>
+          <a:bodyPr>
+            <a:normAutofit/>
+          </a:bodyPr>
+          <a:lstStyle/>
+          <a:p>
+            <a:r>
+              <a:rPr lang="en-US" dirty="0" smtClean="0">
+                <a:latin typeface="Bookman Old Style" charset="0"/>
+                <a:ea typeface="Bookman Old Style" charset="0"/>
+                <a:cs typeface="Bookman Old Style" charset="0"/>
+              </a:rPr>
+              <a:t>Next, we </a:t>
+            </a:r>
+            <a:r>
+              <a:rPr lang="en-US" dirty="0"/>
+              <a:t>Coerce </a:t>
+            </a:r>
+            <a:r>
+              <a:rPr lang="en-US" dirty="0" smtClean="0"/>
+              <a:t>the </a:t>
+            </a:r>
+            <a:r>
+              <a:rPr lang="en-US" i="1" dirty="0" err="1">
+                <a:latin typeface="Bookman Old Style" charset="0"/>
+                <a:ea typeface="Bookman Old Style" charset="0"/>
+                <a:cs typeface="Bookman Old Style" charset="0"/>
+              </a:rPr>
+              <a:t>confusionmatrix</a:t>
+            </a:r>
+            <a:r>
+              <a:rPr lang="en-US" dirty="0" smtClean="0"/>
+              <a:t> to </a:t>
+            </a:r>
+            <a:r>
+              <a:rPr lang="en-US" dirty="0"/>
+              <a:t>a Data </a:t>
+            </a:r>
+            <a:r>
+              <a:rPr lang="en-US" dirty="0" smtClean="0"/>
+              <a:t>Frame Matrix</a:t>
+            </a:r>
+          </a:p>
+          <a:p>
+            <a:pPr lvl="1"/>
+            <a:r>
+              <a:rPr lang="en-US" i="1" dirty="0" err="1"/>
+              <a:t>as.data.frame.matrix</a:t>
+            </a:r>
+            <a:r>
+              <a:rPr lang="en-US" i="1" dirty="0"/>
+              <a:t>(</a:t>
+            </a:r>
+            <a:r>
+              <a:rPr lang="en-US" i="1" dirty="0" err="1"/>
+              <a:t>confusionmatrix</a:t>
+            </a:r>
+            <a:r>
+              <a:rPr lang="en-US" i="1" dirty="0"/>
+              <a:t>)</a:t>
+            </a:r>
+            <a:endParaRPr lang="en-US" i="1" dirty="0" smtClean="0"/>
+          </a:p>
+          <a:p>
+            <a:r>
+              <a:rPr lang="en-US" dirty="0" smtClean="0"/>
+              <a:t>Then we created a conditional probability function to:</a:t>
+            </a:r>
+          </a:p>
+          <a:p>
+            <a:pPr lvl="1"/>
+            <a:r>
+              <a:rPr lang="en-US" dirty="0" smtClean="0"/>
+              <a:t>Determine the probability of an index in the </a:t>
+            </a:r>
+            <a:r>
+              <a:rPr lang="en-US" i="1" dirty="0" err="1" smtClean="0"/>
+              <a:t>confusionmatrix</a:t>
+            </a:r>
+            <a:r>
+              <a:rPr lang="en-US" i="1" dirty="0" smtClean="0"/>
+              <a:t> </a:t>
+            </a:r>
+          </a:p>
+          <a:p>
+            <a:pPr lvl="1"/>
+            <a:r>
+              <a:rPr lang="en-US" dirty="0"/>
+              <a:t>B</a:t>
+            </a:r>
+            <a:r>
+              <a:rPr lang="en-US" dirty="0" smtClean="0"/>
+              <a:t>y taking the </a:t>
+            </a:r>
+            <a:r>
+              <a:rPr lang="en-US" i="1" dirty="0" err="1" smtClean="0"/>
+              <a:t>confusionmatrix</a:t>
+            </a:r>
+            <a:r>
+              <a:rPr lang="en-US" i="1" dirty="0" smtClean="0"/>
+              <a:t> </a:t>
+            </a:r>
+            <a:r>
+              <a:rPr lang="en-US" dirty="0" smtClean="0"/>
+              <a:t>dataset and converting it into a vector as oppose to a data frame matrix.</a:t>
+            </a:r>
+          </a:p>
+          <a:p>
+            <a:r>
+              <a:rPr lang="en-US" dirty="0" smtClean="0"/>
+              <a:t>Once we obtained a successful result with the smaller data set, we applied a medium size dataset.</a:t>
+            </a:r>
+          </a:p>
+          <a:p>
+            <a:pPr lvl="1"/>
+            <a:r>
+              <a:rPr lang="en-US" i="1" dirty="0"/>
+              <a:t>(</a:t>
+            </a:r>
+            <a:r>
+              <a:rPr lang="en-US" i="1" dirty="0" err="1"/>
+              <a:t>digits.cluster.med</a:t>
+            </a:r>
+            <a:r>
+              <a:rPr lang="en-US" i="1" dirty="0"/>
+              <a:t> &lt;- specc(</a:t>
+            </a:r>
+            <a:r>
+              <a:rPr lang="en-US" i="1" dirty="0" err="1"/>
+              <a:t>digits.nolabelmed</a:t>
+            </a:r>
+            <a:r>
+              <a:rPr lang="en-US" i="1" dirty="0"/>
+              <a:t>, centers = 10</a:t>
+            </a:r>
+            <a:r>
+              <a:rPr lang="en-US" i="1" dirty="0" smtClean="0"/>
+              <a:t>))</a:t>
+            </a:r>
+          </a:p>
+          <a:p>
+            <a:pPr lvl="1"/>
+            <a:r>
+              <a:rPr lang="en-US" i="1" dirty="0"/>
+              <a:t>table(</a:t>
+            </a:r>
+            <a:r>
+              <a:rPr lang="en-US" i="1" dirty="0" err="1"/>
+              <a:t>digits.med$label</a:t>
+            </a:r>
+            <a:r>
+              <a:rPr lang="en-US" i="1" dirty="0"/>
+              <a:t>, </a:t>
+            </a:r>
+            <a:r>
+              <a:rPr lang="en-US" i="1" dirty="0" err="1"/>
+              <a:t>digits.cluster.med</a:t>
+            </a:r>
+            <a:r>
+              <a:rPr lang="en-US" i="1" dirty="0"/>
+              <a:t>[1:1000])</a:t>
+            </a:r>
+            <a:endParaRPr lang="en-US" i="1" dirty="0"/>
+          </a:p>
+          <a:p>
+            <a:endParaRPr lang="en-US" dirty="0">
+              <a:latin typeface="Bookman Old Style" charset="0"/>
+              <a:ea typeface="Bookman Old Style" charset="0"/>
+              <a:cs typeface="Bookman Old Style" charset="0"/>
+            </a:endParaRPr>
+          </a:p>
+        </p:txBody>
+      </p:sp>
+      <p:sp>
+        <p:nvSpPr>
+          <p:cNvPr id="4" name="Footer Placeholder 3"/>
+          <p:cNvSpPr>
+            <a:spLocks noGrp="1"/>
+          </p:cNvSpPr>
+          <p:nvPr>
+            <p:ph type="ftr" sz="quarter" idx="11"/>
+          </p:nvPr>
+        </p:nvSpPr>
+        <p:spPr>
+          <a:xfrm>
+            <a:off x="2951577" y="6332034"/>
+            <a:ext cx="7084177" cy="365125"/>
+          </a:xfrm>
+        </p:spPr>
+        <p:txBody>
+          <a:bodyPr/>
+          <a:lstStyle/>
+          <a:p>
+            <a:pPr algn="r"/>
+            <a:r>
+              <a:rPr lang="en-US" sz="1600" b="1" i="1" dirty="0" smtClean="0"/>
+              <a:t>Anani</a:t>
+            </a:r>
+            <a:endParaRPr lang="en-US" sz="1600" b="1" i="1" dirty="0"/>
+          </a:p>
+        </p:txBody>
+      </p:sp>
+    </p:spTree>
+    <p:extLst>
+      <p:ext uri="{BB962C8B-B14F-4D97-AF65-F5344CB8AC3E}">
+        <p14:creationId xmlns:p14="http://schemas.microsoft.com/office/powerpoint/2010/main" val="1895864963"/>
       </p:ext>
     </p:extLst>
   </p:cSld>
@@ -6406,6 +8708,35 @@
               <a:ea typeface="Bookman Old Style" charset="0"/>
               <a:cs typeface="Bookman Old Style" charset="0"/>
             </a:endParaRPr>
+          </a:p>
+        </p:txBody>
+      </p:sp>
+      <p:sp>
+        <p:nvSpPr>
+          <p:cNvPr id="4" name="Footer Placeholder 3"/>
+          <p:cNvSpPr>
+            <a:spLocks noGrp="1"/>
+          </p:cNvSpPr>
+          <p:nvPr>
+            <p:ph type="ftr" sz="quarter" idx="11"/>
+          </p:nvPr>
+        </p:nvSpPr>
+        <p:spPr>
+          <a:xfrm>
+            <a:off x="3040630" y="6019800"/>
+            <a:ext cx="7084177" cy="365125"/>
+          </a:xfrm>
+        </p:spPr>
+        <p:txBody>
+          <a:bodyPr/>
+          <a:lstStyle/>
+          <a:p>
+            <a:pPr algn="r"/>
+            <a:r>
+              <a:rPr lang="en-US" sz="1600" b="1" i="1" dirty="0" smtClean="0"/>
+              <a:t>Karelys</a:t>
+            </a:r>
+            <a:endParaRPr lang="en-US" sz="1600" b="1" i="1" dirty="0"/>
           </a:p>
         </p:txBody>
       </p:sp>
@@ -6460,7 +8791,7 @@
                 <a:ea typeface="Bookman Old Style" charset="0"/>
                 <a:cs typeface="Bookman Old Style" charset="0"/>
               </a:rPr>
-              <a:t>Digital Handwriting Recognizer</a:t>
+              <a:t>Iris Data Set</a:t>
             </a:r>
             <a:endParaRPr lang="en-US" i="1" dirty="0">
               <a:latin typeface="Bookman Old Style" charset="0"/>
@@ -6491,7 +8822,7 @@
                 <a:ea typeface="Bookman Old Style" charset="0"/>
                 <a:cs typeface="Bookman Old Style" charset="0"/>
               </a:rPr>
-              <a:t>Here, we ran the specc spectral clustering algorithm to observe the results (on the training dataset without labels)</a:t>
+              <a:t>Using the Iris Data Set as basis of known outcome:</a:t>
             </a:r>
           </a:p>
           <a:p>
@@ -6502,41 +8833,129 @@
                 <a:ea typeface="Bookman Old Style" charset="0"/>
                 <a:cs typeface="Bookman Old Style" charset="0"/>
               </a:rPr>
-              <a:t>We chose 10 clusters because it would not be use to use random rows in the eigenvectors.</a:t>
-            </a:r>
-          </a:p>
-          <a:p>
-            <a:pPr lvl="1"/>
-            <a:r>
-              <a:rPr lang="en-US" dirty="0" smtClean="0">
-                <a:latin typeface="Bookman Old Style" charset="0"/>
-                <a:ea typeface="Bookman Old Style" charset="0"/>
-                <a:cs typeface="Bookman Old Style" charset="0"/>
-              </a:rPr>
-              <a:t>Then we view the result of the specc clusters.</a:t>
-            </a:r>
-          </a:p>
-          <a:p>
-            <a:r>
-              <a:rPr lang="en-US" dirty="0" smtClean="0">
-                <a:latin typeface="Bookman Old Style" charset="0"/>
-                <a:ea typeface="Bookman Old Style" charset="0"/>
-                <a:cs typeface="Bookman Old Style" charset="0"/>
-              </a:rPr>
-              <a:t>Now we choose the specc cluster and select the first 100 sets to observe which variables were selected.</a:t>
-            </a:r>
-            <a:endParaRPr lang="en-US" dirty="0">
+              <a:t>We import the iris data set and stored the first 4 columns into a variable as the training data set in term of a matrix:</a:t>
+            </a:r>
+          </a:p>
+          <a:p>
+            <a:pPr lvl="2"/>
+            <a:r>
+              <a:rPr lang="en-US" i="1" dirty="0" err="1">
+                <a:latin typeface="Bookman Old Style" charset="0"/>
+                <a:ea typeface="Bookman Old Style" charset="0"/>
+                <a:cs typeface="Bookman Old Style" charset="0"/>
+              </a:rPr>
+              <a:t>iris.train</a:t>
+            </a:r>
+            <a:r>
+              <a:rPr lang="en-US" i="1" dirty="0">
+                <a:latin typeface="Bookman Old Style" charset="0"/>
+                <a:ea typeface="Bookman Old Style" charset="0"/>
+                <a:cs typeface="Bookman Old Style" charset="0"/>
+              </a:rPr>
+              <a:t> &lt;- </a:t>
+            </a:r>
+            <a:r>
+              <a:rPr lang="en-US" i="1" dirty="0" err="1">
+                <a:latin typeface="Bookman Old Style" charset="0"/>
+                <a:ea typeface="Bookman Old Style" charset="0"/>
+                <a:cs typeface="Bookman Old Style" charset="0"/>
+              </a:rPr>
+              <a:t>as.matrix</a:t>
+            </a:r>
+            <a:r>
+              <a:rPr lang="en-US" i="1" dirty="0">
+                <a:latin typeface="Bookman Old Style" charset="0"/>
+                <a:ea typeface="Bookman Old Style" charset="0"/>
+                <a:cs typeface="Bookman Old Style" charset="0"/>
+              </a:rPr>
+              <a:t>(iris[,1:4])</a:t>
+            </a:r>
+            <a:endParaRPr lang="en-US" i="1" dirty="0" smtClean="0">
               <a:latin typeface="Bookman Old Style" charset="0"/>
               <a:ea typeface="Bookman Old Style" charset="0"/>
               <a:cs typeface="Bookman Old Style" charset="0"/>
             </a:endParaRPr>
           </a:p>
+          <a:p>
+            <a:r>
+              <a:rPr lang="en-US" dirty="0" smtClean="0">
+                <a:latin typeface="Bookman Old Style" charset="0"/>
+                <a:ea typeface="Bookman Old Style" charset="0"/>
+                <a:cs typeface="Bookman Old Style" charset="0"/>
+              </a:rPr>
+              <a:t>And we model the training data set with specc function using 3 initial clusters.</a:t>
+            </a:r>
+          </a:p>
+          <a:p>
+            <a:pPr lvl="1"/>
+            <a:r>
+              <a:rPr lang="en-US" i="1" dirty="0" err="1">
+                <a:latin typeface="Bookman Old Style" charset="0"/>
+                <a:ea typeface="Bookman Old Style" charset="0"/>
+                <a:cs typeface="Bookman Old Style" charset="0"/>
+              </a:rPr>
+              <a:t>iris.model.specc</a:t>
+            </a:r>
+            <a:r>
+              <a:rPr lang="en-US" i="1" dirty="0">
+                <a:latin typeface="Bookman Old Style" charset="0"/>
+                <a:ea typeface="Bookman Old Style" charset="0"/>
+                <a:cs typeface="Bookman Old Style" charset="0"/>
+              </a:rPr>
+              <a:t> &lt;- specc(</a:t>
+            </a:r>
+            <a:r>
+              <a:rPr lang="en-US" i="1" dirty="0" err="1">
+                <a:latin typeface="Bookman Old Style" charset="0"/>
+                <a:ea typeface="Bookman Old Style" charset="0"/>
+                <a:cs typeface="Bookman Old Style" charset="0"/>
+              </a:rPr>
+              <a:t>iris.train</a:t>
+            </a:r>
+            <a:r>
+              <a:rPr lang="en-US" i="1" dirty="0">
+                <a:latin typeface="Bookman Old Style" charset="0"/>
+                <a:ea typeface="Bookman Old Style" charset="0"/>
+                <a:cs typeface="Bookman Old Style" charset="0"/>
+              </a:rPr>
+              <a:t>, centers = 3)</a:t>
+            </a:r>
+          </a:p>
+        </p:txBody>
+      </p:sp>
+      <p:sp>
+        <p:nvSpPr>
+          <p:cNvPr id="4" name="Footer Placeholder 3"/>
+          <p:cNvSpPr>
+            <a:spLocks noGrp="1"/>
+          </p:cNvSpPr>
+          <p:nvPr>
+            <p:ph type="ftr" sz="quarter" idx="11"/>
+          </p:nvPr>
+        </p:nvSpPr>
+        <p:spPr>
+          <a:xfrm>
+            <a:off x="3040630" y="6019800"/>
+            <a:ext cx="7084177" cy="365125"/>
+          </a:xfrm>
+        </p:spPr>
+        <p:txBody>
+          <a:bodyPr/>
+          <a:lstStyle/>
+          <a:p>
+            <a:pPr algn="r"/>
+            <a:r>
+              <a:rPr lang="en-US" sz="1600" b="1" i="1" dirty="0" smtClean="0"/>
+              <a:t>Karelys</a:t>
+            </a:r>
+            <a:endParaRPr lang="en-US" sz="1600" b="1" i="1" dirty="0"/>
+          </a:p>
         </p:txBody>
       </p:sp>
     </p:spTree>
     <p:extLst>
       <p:ext uri="{BB962C8B-B14F-4D97-AF65-F5344CB8AC3E}">
-        <p14:creationId xmlns:p14="http://schemas.microsoft.com/office/powerpoint/2010/main" val="1607103707"/>
+        <p14:creationId xmlns:p14="http://schemas.microsoft.com/office/powerpoint/2010/main" val="470579089"/>
       </p:ext>
     </p:extLst>
   </p:cSld>
@@ -6584,7 +9003,7 @@
                 <a:ea typeface="Bookman Old Style" charset="0"/>
                 <a:cs typeface="Bookman Old Style" charset="0"/>
               </a:rPr>
-              <a:t>Digital Handwriting Recognizer</a:t>
+              <a:t>Iris Data Set</a:t>
             </a:r>
             <a:endParaRPr lang="en-US" i="1" dirty="0">
               <a:latin typeface="Bookman Old Style" charset="0"/>
@@ -6604,47 +9023,442 @@
             <p:ph idx="1"/>
           </p:nvPr>
         </p:nvSpPr>
-        <p:spPr/>
+        <p:spPr>
+          <a:xfrm>
+            <a:off x="1484310" y="2352907"/>
+            <a:ext cx="10018713" cy="3769113"/>
+          </a:xfrm>
+        </p:spPr>
         <p:txBody>
           <a:bodyPr>
             <a:normAutofit/>
           </a:bodyPr>
           <a:lstStyle/>
           <a:p>
+            <a:pPr algn="ctr"/>
+            <a:r>
+              <a:rPr lang="en-US" b="1" dirty="0" smtClean="0">
+                <a:latin typeface="Bookman Old Style" charset="0"/>
+                <a:ea typeface="Bookman Old Style" charset="0"/>
+                <a:cs typeface="Bookman Old Style" charset="0"/>
+              </a:rPr>
+              <a:t>Spectral Clustering</a:t>
+            </a:r>
+          </a:p>
+          <a:p>
+            <a:r>
+              <a:rPr lang="en-US" i="1" dirty="0" smtClean="0">
+                <a:latin typeface="Bookman Old Style" charset="0"/>
+                <a:ea typeface="Bookman Old Style" charset="0"/>
+                <a:cs typeface="Bookman Old Style" charset="0"/>
+              </a:rPr>
+              <a:t>We then extracted the Species column and pull 150 </a:t>
+            </a:r>
+            <a:r>
+              <a:rPr lang="en-US" i="1" dirty="0" err="1" smtClean="0">
+                <a:latin typeface="Bookman Old Style" charset="0"/>
+                <a:ea typeface="Bookman Old Style" charset="0"/>
+                <a:cs typeface="Bookman Old Style" charset="0"/>
+              </a:rPr>
+              <a:t>obs</a:t>
+            </a:r>
+            <a:r>
+              <a:rPr lang="en-US" i="1" dirty="0" smtClean="0">
+                <a:latin typeface="Bookman Old Style" charset="0"/>
+                <a:ea typeface="Bookman Old Style" charset="0"/>
+                <a:cs typeface="Bookman Old Style" charset="0"/>
+              </a:rPr>
+              <a:t> from that and throw it into the specc function:</a:t>
+            </a:r>
+          </a:p>
+          <a:p>
+            <a:pPr lvl="1"/>
+            <a:r>
+              <a:rPr lang="en-US" i="1" dirty="0" smtClean="0">
+                <a:latin typeface="Bookman Old Style" charset="0"/>
+                <a:ea typeface="Bookman Old Style" charset="0"/>
+                <a:cs typeface="Bookman Old Style" charset="0"/>
+              </a:rPr>
+              <a:t> (</a:t>
+            </a:r>
+            <a:r>
+              <a:rPr lang="en-US" i="1" dirty="0" err="1">
+                <a:latin typeface="Bookman Old Style" charset="0"/>
+                <a:ea typeface="Bookman Old Style" charset="0"/>
+                <a:cs typeface="Bookman Old Style" charset="0"/>
+              </a:rPr>
+              <a:t>iris.con_mat.specc</a:t>
+            </a:r>
+            <a:r>
+              <a:rPr lang="en-US" i="1" dirty="0">
+                <a:latin typeface="Bookman Old Style" charset="0"/>
+                <a:ea typeface="Bookman Old Style" charset="0"/>
+                <a:cs typeface="Bookman Old Style" charset="0"/>
+              </a:rPr>
+              <a:t> &lt;- table(</a:t>
+            </a:r>
+            <a:r>
+              <a:rPr lang="en-US" i="1" dirty="0" err="1">
+                <a:latin typeface="Bookman Old Style" charset="0"/>
+                <a:ea typeface="Bookman Old Style" charset="0"/>
+                <a:cs typeface="Bookman Old Style" charset="0"/>
+              </a:rPr>
+              <a:t>iris.model.specc</a:t>
+            </a:r>
+            <a:r>
+              <a:rPr lang="en-US" i="1" dirty="0">
+                <a:latin typeface="Bookman Old Style" charset="0"/>
+                <a:ea typeface="Bookman Old Style" charset="0"/>
+                <a:cs typeface="Bookman Old Style" charset="0"/>
+              </a:rPr>
+              <a:t>[1:150], </a:t>
+            </a:r>
+            <a:r>
+              <a:rPr lang="en-US" i="1" dirty="0" err="1">
+                <a:latin typeface="Bookman Old Style" charset="0"/>
+                <a:ea typeface="Bookman Old Style" charset="0"/>
+                <a:cs typeface="Bookman Old Style" charset="0"/>
+              </a:rPr>
+              <a:t>iris$Species</a:t>
+            </a:r>
+            <a:r>
+              <a:rPr lang="en-US" i="1" dirty="0">
+                <a:latin typeface="Bookman Old Style" charset="0"/>
+                <a:ea typeface="Bookman Old Style" charset="0"/>
+                <a:cs typeface="Bookman Old Style" charset="0"/>
+              </a:rPr>
+              <a:t>))</a:t>
+            </a:r>
+            <a:endParaRPr lang="en-US" i="1" dirty="0" smtClean="0">
+              <a:latin typeface="Bookman Old Style" charset="0"/>
+              <a:ea typeface="Bookman Old Style" charset="0"/>
+              <a:cs typeface="Bookman Old Style" charset="0"/>
+            </a:endParaRPr>
+          </a:p>
+          <a:p>
+            <a:r>
+              <a:rPr lang="en-US" i="1" dirty="0" smtClean="0">
+                <a:latin typeface="Bookman Old Style" charset="0"/>
+                <a:ea typeface="Bookman Old Style" charset="0"/>
+                <a:cs typeface="Bookman Old Style" charset="0"/>
+              </a:rPr>
+              <a:t>Then we apply Bayesian probability by sweeping the table</a:t>
+            </a:r>
+          </a:p>
+          <a:p>
+            <a:pPr lvl="1"/>
+            <a:r>
+              <a:rPr lang="en-US" i="1" dirty="0">
+                <a:latin typeface="Bookman Old Style" charset="0"/>
+                <a:ea typeface="Bookman Old Style" charset="0"/>
+                <a:cs typeface="Bookman Old Style" charset="0"/>
+              </a:rPr>
+              <a:t>(</a:t>
+            </a:r>
+            <a:r>
+              <a:rPr lang="en-US" i="1" dirty="0" err="1">
+                <a:latin typeface="Bookman Old Style" charset="0"/>
+                <a:ea typeface="Bookman Old Style" charset="0"/>
+                <a:cs typeface="Bookman Old Style" charset="0"/>
+              </a:rPr>
+              <a:t>iris.Bays.km</a:t>
+            </a:r>
+            <a:r>
+              <a:rPr lang="en-US" i="1" dirty="0">
+                <a:latin typeface="Bookman Old Style" charset="0"/>
+                <a:ea typeface="Bookman Old Style" charset="0"/>
+                <a:cs typeface="Bookman Old Style" charset="0"/>
+              </a:rPr>
+              <a:t> &lt;- </a:t>
+            </a:r>
+            <a:r>
+              <a:rPr lang="en-US" i="1" dirty="0" err="1">
+                <a:latin typeface="Bookman Old Style" charset="0"/>
+                <a:ea typeface="Bookman Old Style" charset="0"/>
+                <a:cs typeface="Bookman Old Style" charset="0"/>
+              </a:rPr>
+              <a:t>prop.table</a:t>
+            </a:r>
+            <a:r>
+              <a:rPr lang="en-US" i="1" dirty="0">
+                <a:latin typeface="Bookman Old Style" charset="0"/>
+                <a:ea typeface="Bookman Old Style" charset="0"/>
+                <a:cs typeface="Bookman Old Style" charset="0"/>
+              </a:rPr>
+              <a:t>(</a:t>
+            </a:r>
+            <a:r>
+              <a:rPr lang="en-US" i="1" dirty="0" err="1">
+                <a:latin typeface="Bookman Old Style" charset="0"/>
+                <a:ea typeface="Bookman Old Style" charset="0"/>
+                <a:cs typeface="Bookman Old Style" charset="0"/>
+              </a:rPr>
+              <a:t>iris.con_mat.km</a:t>
+            </a:r>
+            <a:r>
+              <a:rPr lang="en-US" i="1" dirty="0">
+                <a:latin typeface="Bookman Old Style" charset="0"/>
+                <a:ea typeface="Bookman Old Style" charset="0"/>
+                <a:cs typeface="Bookman Old Style" charset="0"/>
+              </a:rPr>
+              <a:t>, 1))</a:t>
+            </a:r>
+            <a:endParaRPr lang="en-US" i="1" dirty="0" smtClean="0">
+              <a:latin typeface="Bookman Old Style" charset="0"/>
+              <a:ea typeface="Bookman Old Style" charset="0"/>
+              <a:cs typeface="Bookman Old Style" charset="0"/>
+            </a:endParaRPr>
+          </a:p>
+          <a:p>
+            <a:r>
+              <a:rPr lang="en-US" i="1" dirty="0" smtClean="0">
+                <a:latin typeface="Bookman Old Style" charset="0"/>
+                <a:ea typeface="Bookman Old Style" charset="0"/>
+                <a:cs typeface="Bookman Old Style" charset="0"/>
+              </a:rPr>
+              <a:t>To test our result, we used a 2-D plot:</a:t>
+            </a:r>
+          </a:p>
+          <a:p>
+            <a:pPr lvl="1"/>
+            <a:r>
+              <a:rPr lang="en-US" i="1" dirty="0" err="1">
+                <a:latin typeface="Bookman Old Style" charset="0"/>
+                <a:ea typeface="Bookman Old Style" charset="0"/>
+                <a:cs typeface="Bookman Old Style" charset="0"/>
+              </a:rPr>
+              <a:t>clusplot</a:t>
+            </a:r>
+            <a:r>
+              <a:rPr lang="en-US" i="1" dirty="0">
+                <a:latin typeface="Bookman Old Style" charset="0"/>
+                <a:ea typeface="Bookman Old Style" charset="0"/>
+                <a:cs typeface="Bookman Old Style" charset="0"/>
+              </a:rPr>
+              <a:t>(iris, </a:t>
+            </a:r>
+            <a:r>
+              <a:rPr lang="en-US" i="1" dirty="0" err="1">
+                <a:latin typeface="Bookman Old Style" charset="0"/>
+                <a:ea typeface="Bookman Old Style" charset="0"/>
+                <a:cs typeface="Bookman Old Style" charset="0"/>
+              </a:rPr>
+              <a:t>iris.model.specc</a:t>
+            </a:r>
+            <a:r>
+              <a:rPr lang="en-US" i="1" dirty="0">
+                <a:latin typeface="Bookman Old Style" charset="0"/>
+                <a:ea typeface="Bookman Old Style" charset="0"/>
+                <a:cs typeface="Bookman Old Style" charset="0"/>
+              </a:rPr>
+              <a:t>[1:150], color=T, shade=T, labels=0, lines=0)</a:t>
+            </a:r>
+          </a:p>
+        </p:txBody>
+      </p:sp>
+      <p:sp>
+        <p:nvSpPr>
+          <p:cNvPr id="4" name="Footer Placeholder 3"/>
+          <p:cNvSpPr>
+            <a:spLocks noGrp="1"/>
+          </p:cNvSpPr>
+          <p:nvPr>
+            <p:ph type="ftr" sz="quarter" idx="11"/>
+          </p:nvPr>
+        </p:nvSpPr>
+        <p:spPr>
+          <a:xfrm>
+            <a:off x="2951577" y="6332034"/>
+            <a:ext cx="7084177" cy="365125"/>
+          </a:xfrm>
+        </p:spPr>
+        <p:txBody>
+          <a:bodyPr/>
+          <a:lstStyle/>
+          <a:p>
+            <a:pPr algn="r"/>
+            <a:r>
+              <a:rPr lang="en-US" sz="1600" b="1" i="1" dirty="0" smtClean="0"/>
+              <a:t>Julie</a:t>
+            </a:r>
+            <a:endParaRPr lang="en-US" sz="1600" b="1" i="1" dirty="0"/>
+          </a:p>
+        </p:txBody>
+      </p:sp>
+    </p:spTree>
+    <p:extLst>
+      <p:ext uri="{BB962C8B-B14F-4D97-AF65-F5344CB8AC3E}">
+        <p14:creationId xmlns:p14="http://schemas.microsoft.com/office/powerpoint/2010/main" val="1707082696"/>
+      </p:ext>
+    </p:extLst>
+  </p:cSld>
+  <p:clrMapOvr>
+    <a:masterClrMapping/>
+  </p:clrMapOvr>
+</p:sld>
+</file>
+
+<file path=ppt/slides/slide5.xml><?xml version="1.0" encoding="utf-8"?>
+<p:sld xmlns:a="http://schemas.openxmlformats.org/drawingml/2006/main" xmlns:r="http://schemas.openxmlformats.org/officeDocument/2006/relationships" xmlns:p="http://schemas.openxmlformats.org/presentationml/2006/main">
+  <p:cSld>
+    <p:spTree>
+      <p:nvGrpSpPr>
+        <p:cNvPr id="1" name=""/>
+        <p:cNvGrpSpPr/>
+        <p:nvPr/>
+      </p:nvGrpSpPr>
+      <p:grpSpPr>
+        <a:xfrm>
+          <a:off x="0" y="0"/>
+          <a:ext cx="0" cy="0"/>
+          <a:chOff x="0" y="0"/>
+          <a:chExt cx="0" cy="0"/>
+        </a:xfrm>
+      </p:grpSpPr>
+      <p:sp>
+        <p:nvSpPr>
+          <p:cNvPr id="2" name="Title 1"/>
+          <p:cNvSpPr>
+            <a:spLocks noGrp="1"/>
+          </p:cNvSpPr>
+          <p:nvPr>
+            <p:ph type="title"/>
+          </p:nvPr>
+        </p:nvSpPr>
+        <p:spPr/>
+        <p:txBody>
+          <a:bodyPr/>
+          <a:lstStyle/>
+          <a:p>
+            <a:r>
+              <a:rPr lang="en-US" i="1" dirty="0">
+                <a:latin typeface="Bookman Old Style" charset="0"/>
+                <a:ea typeface="Bookman Old Style" charset="0"/>
+                <a:cs typeface="Bookman Old Style" charset="0"/>
+              </a:rPr>
+              <a:t>Iris Data Set</a:t>
+            </a:r>
+          </a:p>
+        </p:txBody>
+      </p:sp>
+      <p:sp>
+        <p:nvSpPr>
+          <p:cNvPr id="3" name="Content Placeholder 2"/>
+          <p:cNvSpPr>
+            <a:spLocks noGrp="1"/>
+          </p:cNvSpPr>
+          <p:nvPr>
+            <p:ph idx="1"/>
+          </p:nvPr>
+        </p:nvSpPr>
+        <p:spPr/>
+        <p:txBody>
+          <a:bodyPr>
+            <a:normAutofit fontScale="92500"/>
+          </a:bodyPr>
+          <a:lstStyle/>
+          <a:p>
+            <a:pPr algn="ctr"/>
+            <a:r>
+              <a:rPr lang="en-US" b="1" i="1" dirty="0" err="1" smtClean="0">
+                <a:latin typeface="Bookman Old Style" charset="0"/>
+                <a:ea typeface="Bookman Old Style" charset="0"/>
+                <a:cs typeface="Bookman Old Style" charset="0"/>
+              </a:rPr>
+              <a:t>Kmeans</a:t>
+            </a:r>
+            <a:r>
+              <a:rPr lang="en-US" b="1" i="1" dirty="0" smtClean="0">
+                <a:latin typeface="Bookman Old Style" charset="0"/>
+                <a:ea typeface="Bookman Old Style" charset="0"/>
+                <a:cs typeface="Bookman Old Style" charset="0"/>
+              </a:rPr>
+              <a:t> Clustering</a:t>
+            </a:r>
             <a:r>
               <a:rPr lang="en-US" dirty="0" smtClean="0">
                 <a:latin typeface="Bookman Old Style" charset="0"/>
                 <a:ea typeface="Bookman Old Style" charset="0"/>
                 <a:cs typeface="Bookman Old Style" charset="0"/>
               </a:rPr>
-              <a:t>We view the size of the vector for each point in the cluster</a:t>
+              <a:t> </a:t>
+            </a:r>
+          </a:p>
+          <a:p>
+            <a:r>
+              <a:rPr lang="en-US" dirty="0" smtClean="0">
+                <a:latin typeface="Bookman Old Style" charset="0"/>
+                <a:ea typeface="Bookman Old Style" charset="0"/>
+                <a:cs typeface="Bookman Old Style" charset="0"/>
+              </a:rPr>
+              <a:t>And we model the training data set again with </a:t>
+            </a:r>
+            <a:r>
+              <a:rPr lang="en-US" dirty="0" err="1" smtClean="0">
+                <a:latin typeface="Bookman Old Style" charset="0"/>
+                <a:ea typeface="Bookman Old Style" charset="0"/>
+                <a:cs typeface="Bookman Old Style" charset="0"/>
+              </a:rPr>
+              <a:t>kmeans</a:t>
+            </a:r>
+            <a:r>
+              <a:rPr lang="en-US" dirty="0" smtClean="0">
+                <a:latin typeface="Bookman Old Style" charset="0"/>
+                <a:ea typeface="Bookman Old Style" charset="0"/>
+                <a:cs typeface="Bookman Old Style" charset="0"/>
+              </a:rPr>
+              <a:t>() function using the first 4 columns, with 3 initial clusters, and 20 random sets</a:t>
             </a:r>
           </a:p>
           <a:p>
             <a:pPr lvl="1"/>
             <a:r>
-              <a:rPr lang="en-US" dirty="0">
-                <a:latin typeface="Bookman Old Style" charset="0"/>
-                <a:ea typeface="Bookman Old Style" charset="0"/>
-                <a:cs typeface="Bookman Old Style" charset="0"/>
-              </a:rPr>
-              <a:t>size(</a:t>
-            </a:r>
-            <a:r>
-              <a:rPr lang="en-US" dirty="0" err="1">
-                <a:latin typeface="Bookman Old Style" charset="0"/>
-                <a:ea typeface="Bookman Old Style" charset="0"/>
-                <a:cs typeface="Bookman Old Style" charset="0"/>
-              </a:rPr>
-              <a:t>digits.cluster</a:t>
-            </a:r>
-            <a:r>
-              <a:rPr lang="en-US" dirty="0">
-                <a:latin typeface="Bookman Old Style" charset="0"/>
-                <a:ea typeface="Bookman Old Style" charset="0"/>
-                <a:cs typeface="Bookman Old Style" charset="0"/>
-              </a:rPr>
-              <a:t>)</a:t>
+              <a:rPr lang="en-US" i="1" dirty="0" err="1" smtClean="0">
+                <a:latin typeface="Bookman Old Style" charset="0"/>
+                <a:ea typeface="Bookman Old Style" charset="0"/>
+                <a:cs typeface="Bookman Old Style" charset="0"/>
+              </a:rPr>
+              <a:t>iris.model.km</a:t>
+            </a:r>
+            <a:r>
+              <a:rPr lang="en-US" i="1" dirty="0" smtClean="0">
+                <a:latin typeface="Bookman Old Style" charset="0"/>
+                <a:ea typeface="Bookman Old Style" charset="0"/>
+                <a:cs typeface="Bookman Old Style" charset="0"/>
+              </a:rPr>
+              <a:t> &lt;- </a:t>
+            </a:r>
+            <a:r>
+              <a:rPr lang="en-US" i="1" dirty="0" err="1" smtClean="0">
+                <a:latin typeface="Bookman Old Style" charset="0"/>
+                <a:ea typeface="Bookman Old Style" charset="0"/>
+                <a:cs typeface="Bookman Old Style" charset="0"/>
+              </a:rPr>
+              <a:t>kmeans</a:t>
+            </a:r>
+            <a:r>
+              <a:rPr lang="en-US" i="1" dirty="0" smtClean="0">
+                <a:latin typeface="Bookman Old Style" charset="0"/>
+                <a:ea typeface="Bookman Old Style" charset="0"/>
+                <a:cs typeface="Bookman Old Style" charset="0"/>
+              </a:rPr>
+              <a:t>(iris[,1:4], 3, </a:t>
+            </a:r>
+            <a:r>
+              <a:rPr lang="en-US" i="1" dirty="0" err="1" smtClean="0">
+                <a:latin typeface="Bookman Old Style" charset="0"/>
+                <a:ea typeface="Bookman Old Style" charset="0"/>
+                <a:cs typeface="Bookman Old Style" charset="0"/>
+              </a:rPr>
+              <a:t>nstart</a:t>
+            </a:r>
+            <a:r>
+              <a:rPr lang="en-US" i="1" dirty="0" smtClean="0">
+                <a:latin typeface="Bookman Old Style" charset="0"/>
+                <a:ea typeface="Bookman Old Style" charset="0"/>
+                <a:cs typeface="Bookman Old Style" charset="0"/>
+              </a:rPr>
+              <a:t>=20)</a:t>
             </a:r>
             <a:endParaRPr lang="en-US" dirty="0" smtClean="0">
               <a:latin typeface="Bookman Old Style" charset="0"/>
@@ -6659,21 +9473,13 @@
                 <a:ea typeface="Bookman Old Style" charset="0"/>
                 <a:cs typeface="Bookman Old Style" charset="0"/>
               </a:rPr>
-              <a:t>Then we view the sum of squares for each cluster within the cluster</a:t>
+              <a:t>We then select the Species column (again) to indicate each point is allocated on cluster.</a:t>
             </a:r>
           </a:p>
           <a:p>
             <a:pPr lvl="1"/>
             <a:r>
-              <a:rPr lang="en-US" dirty="0" err="1">
-                <a:latin typeface="Bookman Old Style" charset="0"/>
-                <a:ea typeface="Bookman Old Style" charset="0"/>
-                <a:cs typeface="Bookman Old Style" charset="0"/>
-              </a:rPr>
-              <a:t>withinss</a:t>
-            </a:r>
-            <a:r>
-              <a:rPr lang="en-US" dirty="0">
+              <a:rPr lang="en-US" i="1" dirty="0" smtClean="0">
                 <a:latin typeface="Bookman Old Style" charset="0"/>
                 <a:ea typeface="Bookman Old Style" charset="0"/>
                 <a:cs typeface="Bookman Old Style" charset="0"/>
@@ -6681,24 +9487,54 @@
               <a:t>(</a:t>
             </a:r>
             <a:r>
-              <a:rPr lang="en-US" dirty="0" err="1">
-                <a:latin typeface="Bookman Old Style" charset="0"/>
-                <a:ea typeface="Bookman Old Style" charset="0"/>
-                <a:cs typeface="Bookman Old Style" charset="0"/>
-              </a:rPr>
-              <a:t>digits.cluster</a:t>
-            </a:r>
-            <a:r>
-              <a:rPr lang="en-US" dirty="0">
-                <a:latin typeface="Bookman Old Style" charset="0"/>
-                <a:ea typeface="Bookman Old Style" charset="0"/>
-                <a:cs typeface="Bookman Old Style" charset="0"/>
-              </a:rPr>
-              <a:t>)</a:t>
-            </a:r>
-          </a:p>
-          <a:p>
-            <a:endParaRPr lang="en-US" dirty="0">
+              <a:rPr lang="en-US" i="1" dirty="0" err="1">
+                <a:latin typeface="Bookman Old Style" charset="0"/>
+                <a:ea typeface="Bookman Old Style" charset="0"/>
+                <a:cs typeface="Bookman Old Style" charset="0"/>
+              </a:rPr>
+              <a:t>iris.con_mat.km</a:t>
+            </a:r>
+            <a:r>
+              <a:rPr lang="en-US" i="1" dirty="0">
+                <a:latin typeface="Bookman Old Style" charset="0"/>
+                <a:ea typeface="Bookman Old Style" charset="0"/>
+                <a:cs typeface="Bookman Old Style" charset="0"/>
+              </a:rPr>
+              <a:t> &lt;- table(</a:t>
+            </a:r>
+            <a:r>
+              <a:rPr lang="en-US" i="1" dirty="0" err="1">
+                <a:latin typeface="Bookman Old Style" charset="0"/>
+                <a:ea typeface="Bookman Old Style" charset="0"/>
+                <a:cs typeface="Bookman Old Style" charset="0"/>
+              </a:rPr>
+              <a:t>iris.model.km$cluster</a:t>
+            </a:r>
+            <a:r>
+              <a:rPr lang="en-US" i="1" dirty="0">
+                <a:latin typeface="Bookman Old Style" charset="0"/>
+                <a:ea typeface="Bookman Old Style" charset="0"/>
+                <a:cs typeface="Bookman Old Style" charset="0"/>
+              </a:rPr>
+              <a:t>, </a:t>
+            </a:r>
+            <a:r>
+              <a:rPr lang="en-US" i="1" dirty="0" err="1">
+                <a:latin typeface="Bookman Old Style" charset="0"/>
+                <a:ea typeface="Bookman Old Style" charset="0"/>
+                <a:cs typeface="Bookman Old Style" charset="0"/>
+              </a:rPr>
+              <a:t>iris$Species</a:t>
+            </a:r>
+            <a:r>
+              <a:rPr lang="en-US" i="1" dirty="0">
+                <a:latin typeface="Bookman Old Style" charset="0"/>
+                <a:ea typeface="Bookman Old Style" charset="0"/>
+                <a:cs typeface="Bookman Old Style" charset="0"/>
+              </a:rPr>
+              <a:t>))</a:t>
+            </a:r>
+            <a:endParaRPr lang="en-US" i="1" dirty="0" smtClean="0">
               <a:latin typeface="Bookman Old Style" charset="0"/>
               <a:ea typeface="Bookman Old Style" charset="0"/>
               <a:cs typeface="Bookman Old Style" charset="0"/>
@@ -6706,10 +9542,1157 @@
           </a:p>
         </p:txBody>
       </p:sp>
+      <p:sp>
+        <p:nvSpPr>
+          <p:cNvPr id="4" name="Footer Placeholder 3"/>
+          <p:cNvSpPr>
+            <a:spLocks noGrp="1"/>
+          </p:cNvSpPr>
+          <p:nvPr>
+            <p:ph type="ftr" sz="quarter" idx="11"/>
+          </p:nvPr>
+        </p:nvSpPr>
+        <p:spPr>
+          <a:xfrm>
+            <a:off x="3040630" y="6019800"/>
+            <a:ext cx="7084177" cy="365125"/>
+          </a:xfrm>
+        </p:spPr>
+        <p:txBody>
+          <a:bodyPr/>
+          <a:lstStyle/>
+          <a:p>
+            <a:pPr algn="r"/>
+            <a:r>
+              <a:rPr lang="en-US" sz="1600" b="1" i="1" dirty="0" smtClean="0"/>
+              <a:t>Julie</a:t>
+            </a:r>
+            <a:endParaRPr lang="en-US" sz="1600" b="1" i="1" dirty="0"/>
+          </a:p>
+        </p:txBody>
+      </p:sp>
     </p:spTree>
     <p:extLst>
       <p:ext uri="{BB962C8B-B14F-4D97-AF65-F5344CB8AC3E}">
-        <p14:creationId xmlns:p14="http://schemas.microsoft.com/office/powerpoint/2010/main" val="1593786749"/>
+        <p14:creationId xmlns:p14="http://schemas.microsoft.com/office/powerpoint/2010/main" val="1355587553"/>
+      </p:ext>
+    </p:extLst>
+  </p:cSld>
+  <p:clrMapOvr>
+    <a:masterClrMapping/>
+  </p:clrMapOvr>
+</p:sld>
+</file>
+
+<file path=ppt/slides/slide6.xml><?xml version="1.0" encoding="utf-8"?>
+<p:sld xmlns:a="http://schemas.openxmlformats.org/drawingml/2006/main" xmlns:r="http://schemas.openxmlformats.org/officeDocument/2006/relationships" xmlns:p="http://schemas.openxmlformats.org/presentationml/2006/main">
+  <p:cSld>
+    <p:spTree>
+      <p:nvGrpSpPr>
+        <p:cNvPr id="1" name=""/>
+        <p:cNvGrpSpPr/>
+        <p:nvPr/>
+      </p:nvGrpSpPr>
+      <p:grpSpPr>
+        <a:xfrm>
+          <a:off x="0" y="0"/>
+          <a:ext cx="0" cy="0"/>
+          <a:chOff x="0" y="0"/>
+          <a:chExt cx="0" cy="0"/>
+        </a:xfrm>
+      </p:grpSpPr>
+      <p:sp>
+        <p:nvSpPr>
+          <p:cNvPr id="2" name="Title 1"/>
+          <p:cNvSpPr>
+            <a:spLocks noGrp="1"/>
+          </p:cNvSpPr>
+          <p:nvPr>
+            <p:ph type="title"/>
+          </p:nvPr>
+        </p:nvSpPr>
+        <p:spPr/>
+        <p:txBody>
+          <a:bodyPr/>
+          <a:lstStyle/>
+          <a:p>
+            <a:r>
+              <a:rPr lang="en-US" i="1" dirty="0">
+                <a:latin typeface="Bookman Old Style" charset="0"/>
+                <a:ea typeface="Bookman Old Style" charset="0"/>
+                <a:cs typeface="Bookman Old Style" charset="0"/>
+              </a:rPr>
+              <a:t>Iris Data Set</a:t>
+            </a:r>
+          </a:p>
+        </p:txBody>
+      </p:sp>
+      <p:sp>
+        <p:nvSpPr>
+          <p:cNvPr id="3" name="Content Placeholder 2"/>
+          <p:cNvSpPr>
+            <a:spLocks noGrp="1"/>
+          </p:cNvSpPr>
+          <p:nvPr>
+            <p:ph idx="1"/>
+          </p:nvPr>
+        </p:nvSpPr>
+        <p:spPr>
+          <a:xfrm>
+            <a:off x="1484310" y="2352907"/>
+            <a:ext cx="10018713" cy="3769113"/>
+          </a:xfrm>
+        </p:spPr>
+        <p:txBody>
+          <a:bodyPr>
+            <a:normAutofit/>
+          </a:bodyPr>
+          <a:lstStyle/>
+          <a:p>
+            <a:pPr algn="ctr"/>
+            <a:r>
+              <a:rPr lang="en-US" b="1" dirty="0" err="1" smtClean="0">
+                <a:latin typeface="Bookman Old Style" charset="0"/>
+                <a:ea typeface="Bookman Old Style" charset="0"/>
+                <a:cs typeface="Bookman Old Style" charset="0"/>
+              </a:rPr>
+              <a:t>Kmeans</a:t>
+            </a:r>
+            <a:r>
+              <a:rPr lang="en-US" b="1" dirty="0" smtClean="0">
+                <a:latin typeface="Bookman Old Style" charset="0"/>
+                <a:ea typeface="Bookman Old Style" charset="0"/>
+                <a:cs typeface="Bookman Old Style" charset="0"/>
+              </a:rPr>
+              <a:t> Clustering</a:t>
+            </a:r>
+          </a:p>
+          <a:p>
+            <a:r>
+              <a:rPr lang="en-US" i="1" dirty="0" smtClean="0">
+                <a:latin typeface="Bookman Old Style" charset="0"/>
+                <a:ea typeface="Bookman Old Style" charset="0"/>
+                <a:cs typeface="Bookman Old Style" charset="0"/>
+              </a:rPr>
+              <a:t>Then we apply Bayesian probability (again) by sweeping the table</a:t>
+            </a:r>
+          </a:p>
+          <a:p>
+            <a:pPr lvl="1"/>
+            <a:r>
+              <a:rPr lang="en-US" i="1" dirty="0">
+                <a:latin typeface="Bookman Old Style" charset="0"/>
+                <a:ea typeface="Bookman Old Style" charset="0"/>
+                <a:cs typeface="Bookman Old Style" charset="0"/>
+              </a:rPr>
+              <a:t>(</a:t>
+            </a:r>
+            <a:r>
+              <a:rPr lang="en-US" i="1" dirty="0" err="1">
+                <a:latin typeface="Bookman Old Style" charset="0"/>
+                <a:ea typeface="Bookman Old Style" charset="0"/>
+                <a:cs typeface="Bookman Old Style" charset="0"/>
+              </a:rPr>
+              <a:t>iris.Bays.km</a:t>
+            </a:r>
+            <a:r>
+              <a:rPr lang="en-US" i="1" dirty="0">
+                <a:latin typeface="Bookman Old Style" charset="0"/>
+                <a:ea typeface="Bookman Old Style" charset="0"/>
+                <a:cs typeface="Bookman Old Style" charset="0"/>
+              </a:rPr>
+              <a:t> &lt;- </a:t>
+            </a:r>
+            <a:r>
+              <a:rPr lang="en-US" i="1" dirty="0" err="1">
+                <a:latin typeface="Bookman Old Style" charset="0"/>
+                <a:ea typeface="Bookman Old Style" charset="0"/>
+                <a:cs typeface="Bookman Old Style" charset="0"/>
+              </a:rPr>
+              <a:t>prop.table</a:t>
+            </a:r>
+            <a:r>
+              <a:rPr lang="en-US" i="1" dirty="0">
+                <a:latin typeface="Bookman Old Style" charset="0"/>
+                <a:ea typeface="Bookman Old Style" charset="0"/>
+                <a:cs typeface="Bookman Old Style" charset="0"/>
+              </a:rPr>
+              <a:t>(</a:t>
+            </a:r>
+            <a:r>
+              <a:rPr lang="en-US" i="1" dirty="0" err="1">
+                <a:latin typeface="Bookman Old Style" charset="0"/>
+                <a:ea typeface="Bookman Old Style" charset="0"/>
+                <a:cs typeface="Bookman Old Style" charset="0"/>
+              </a:rPr>
+              <a:t>iris.con_mat.km</a:t>
+            </a:r>
+            <a:r>
+              <a:rPr lang="en-US" i="1" dirty="0">
+                <a:latin typeface="Bookman Old Style" charset="0"/>
+                <a:ea typeface="Bookman Old Style" charset="0"/>
+                <a:cs typeface="Bookman Old Style" charset="0"/>
+              </a:rPr>
+              <a:t>, 1))</a:t>
+            </a:r>
+            <a:endParaRPr lang="en-US" i="1" dirty="0" smtClean="0">
+              <a:latin typeface="Bookman Old Style" charset="0"/>
+              <a:ea typeface="Bookman Old Style" charset="0"/>
+              <a:cs typeface="Bookman Old Style" charset="0"/>
+            </a:endParaRPr>
+          </a:p>
+          <a:p>
+            <a:r>
+              <a:rPr lang="en-US" i="1" dirty="0" smtClean="0">
+                <a:latin typeface="Bookman Old Style" charset="0"/>
+                <a:ea typeface="Bookman Old Style" charset="0"/>
+                <a:cs typeface="Bookman Old Style" charset="0"/>
+              </a:rPr>
+              <a:t>To test our result, we used a 2-D plot:</a:t>
+            </a:r>
+          </a:p>
+          <a:p>
+            <a:pPr lvl="1"/>
+            <a:r>
+              <a:rPr lang="en-US" i="1" dirty="0" err="1">
+                <a:latin typeface="Bookman Old Style" charset="0"/>
+                <a:ea typeface="Bookman Old Style" charset="0"/>
+                <a:cs typeface="Bookman Old Style" charset="0"/>
+              </a:rPr>
+              <a:t>clusplot</a:t>
+            </a:r>
+            <a:r>
+              <a:rPr lang="en-US" i="1" dirty="0">
+                <a:latin typeface="Bookman Old Style" charset="0"/>
+                <a:ea typeface="Bookman Old Style" charset="0"/>
+                <a:cs typeface="Bookman Old Style" charset="0"/>
+              </a:rPr>
+              <a:t>(iris, </a:t>
+            </a:r>
+            <a:r>
+              <a:rPr lang="en-US" i="1" dirty="0" err="1">
+                <a:latin typeface="Bookman Old Style" charset="0"/>
+                <a:ea typeface="Bookman Old Style" charset="0"/>
+                <a:cs typeface="Bookman Old Style" charset="0"/>
+              </a:rPr>
+              <a:t>iris.model.km$cluster</a:t>
+            </a:r>
+            <a:r>
+              <a:rPr lang="en-US" i="1" dirty="0">
+                <a:latin typeface="Bookman Old Style" charset="0"/>
+                <a:ea typeface="Bookman Old Style" charset="0"/>
+                <a:cs typeface="Bookman Old Style" charset="0"/>
+              </a:rPr>
+              <a:t>, color=T, shade=T, labels=0, lines=0)</a:t>
+            </a:r>
+          </a:p>
+        </p:txBody>
+      </p:sp>
+      <p:sp>
+        <p:nvSpPr>
+          <p:cNvPr id="4" name="Footer Placeholder 3"/>
+          <p:cNvSpPr>
+            <a:spLocks noGrp="1"/>
+          </p:cNvSpPr>
+          <p:nvPr>
+            <p:ph type="ftr" sz="quarter" idx="11"/>
+          </p:nvPr>
+        </p:nvSpPr>
+        <p:spPr>
+          <a:xfrm>
+            <a:off x="2951577" y="6332034"/>
+            <a:ext cx="7084177" cy="365125"/>
+          </a:xfrm>
+        </p:spPr>
+        <p:txBody>
+          <a:bodyPr/>
+          <a:lstStyle/>
+          <a:p>
+            <a:pPr algn="r"/>
+            <a:r>
+              <a:rPr lang="en-US" sz="1600" b="1" i="1" dirty="0" smtClean="0"/>
+              <a:t>Julie</a:t>
+            </a:r>
+            <a:endParaRPr lang="en-US" sz="1600" b="1" i="1" dirty="0"/>
+          </a:p>
+        </p:txBody>
+      </p:sp>
+    </p:spTree>
+    <p:extLst>
+      <p:ext uri="{BB962C8B-B14F-4D97-AF65-F5344CB8AC3E}">
+        <p14:creationId xmlns:p14="http://schemas.microsoft.com/office/powerpoint/2010/main" val="868983865"/>
+      </p:ext>
+    </p:extLst>
+  </p:cSld>
+  <p:clrMapOvr>
+    <a:masterClrMapping/>
+  </p:clrMapOvr>
+</p:sld>
+</file>
+
+<file path=ppt/slides/slide7.xml><?xml version="1.0" encoding="utf-8"?>
+<p:sld xmlns:a="http://schemas.openxmlformats.org/drawingml/2006/main" xmlns:r="http://schemas.openxmlformats.org/officeDocument/2006/relationships" xmlns:p="http://schemas.openxmlformats.org/presentationml/2006/main">
+  <p:cSld>
+    <p:spTree>
+      <p:nvGrpSpPr>
+        <p:cNvPr id="1" name=""/>
+        <p:cNvGrpSpPr/>
+        <p:nvPr/>
+      </p:nvGrpSpPr>
+      <p:grpSpPr>
+        <a:xfrm>
+          <a:off x="0" y="0"/>
+          <a:ext cx="0" cy="0"/>
+          <a:chOff x="0" y="0"/>
+          <a:chExt cx="0" cy="0"/>
+        </a:xfrm>
+      </p:grpSpPr>
+      <p:sp>
+        <p:nvSpPr>
+          <p:cNvPr id="2" name="Title 1"/>
+          <p:cNvSpPr>
+            <a:spLocks noGrp="1"/>
+          </p:cNvSpPr>
+          <p:nvPr>
+            <p:ph type="title"/>
+          </p:nvPr>
+        </p:nvSpPr>
+        <p:spPr/>
+        <p:txBody>
+          <a:bodyPr/>
+          <a:lstStyle/>
+          <a:p>
+            <a:r>
+              <a:rPr lang="en-US" i="1" dirty="0">
+                <a:latin typeface="Bookman Old Style" charset="0"/>
+                <a:ea typeface="Bookman Old Style" charset="0"/>
+                <a:cs typeface="Bookman Old Style" charset="0"/>
+              </a:rPr>
+              <a:t>Iris Data Set</a:t>
+            </a:r>
+          </a:p>
+        </p:txBody>
+      </p:sp>
+      <p:sp>
+        <p:nvSpPr>
+          <p:cNvPr id="3" name="Content Placeholder 2"/>
+          <p:cNvSpPr>
+            <a:spLocks noGrp="1"/>
+          </p:cNvSpPr>
+          <p:nvPr>
+            <p:ph idx="1"/>
+          </p:nvPr>
+        </p:nvSpPr>
+        <p:spPr/>
+        <p:txBody>
+          <a:bodyPr>
+            <a:normAutofit fontScale="92500" lnSpcReduction="20000"/>
+          </a:bodyPr>
+          <a:lstStyle/>
+          <a:p>
+            <a:pPr algn="ctr"/>
+            <a:r>
+              <a:rPr lang="en-US" b="1" i="1" dirty="0" err="1" smtClean="0">
+                <a:latin typeface="Bookman Old Style" charset="0"/>
+                <a:ea typeface="Bookman Old Style" charset="0"/>
+                <a:cs typeface="Bookman Old Style" charset="0"/>
+              </a:rPr>
+              <a:t>SamSPECTRAL</a:t>
+            </a:r>
+            <a:r>
+              <a:rPr lang="en-US" b="1" i="1" dirty="0" smtClean="0">
+                <a:latin typeface="Bookman Old Style" charset="0"/>
+                <a:ea typeface="Bookman Old Style" charset="0"/>
+                <a:cs typeface="Bookman Old Style" charset="0"/>
+              </a:rPr>
+              <a:t> Clustering</a:t>
+            </a:r>
+            <a:r>
+              <a:rPr lang="en-US" dirty="0" smtClean="0">
+                <a:latin typeface="Bookman Old Style" charset="0"/>
+                <a:ea typeface="Bookman Old Style" charset="0"/>
+                <a:cs typeface="Bookman Old Style" charset="0"/>
+              </a:rPr>
+              <a:t> </a:t>
+            </a:r>
+          </a:p>
+          <a:p>
+            <a:r>
+              <a:rPr lang="en-US" dirty="0" smtClean="0">
+                <a:latin typeface="Bookman Old Style" charset="0"/>
+                <a:ea typeface="Bookman Old Style" charset="0"/>
+                <a:cs typeface="Bookman Old Style" charset="0"/>
+              </a:rPr>
+              <a:t>And we model the training data set again </a:t>
+            </a:r>
+            <a:r>
+              <a:rPr lang="en-US" dirty="0">
+                <a:latin typeface="Bookman Old Style" charset="0"/>
+                <a:ea typeface="Bookman Old Style" charset="0"/>
+                <a:cs typeface="Bookman Old Style" charset="0"/>
+              </a:rPr>
+              <a:t>with </a:t>
+            </a:r>
+            <a:r>
+              <a:rPr lang="en-US" i="1" dirty="0" err="1" smtClean="0">
+                <a:latin typeface="Bookman Old Style" charset="0"/>
+                <a:ea typeface="Bookman Old Style" charset="0"/>
+                <a:cs typeface="Bookman Old Style" charset="0"/>
+              </a:rPr>
+              <a:t>SamSPECTRAL</a:t>
+            </a:r>
+            <a:r>
+              <a:rPr lang="en-US" dirty="0" smtClean="0">
+                <a:latin typeface="Bookman Old Style" charset="0"/>
+                <a:ea typeface="Bookman Old Style" charset="0"/>
+                <a:cs typeface="Bookman Old Style" charset="0"/>
+              </a:rPr>
+              <a:t>() function using the first 4 columns, with scaling parameter of 3, and clusters combine at 1.2</a:t>
+            </a:r>
+          </a:p>
+          <a:p>
+            <a:pPr lvl="1"/>
+            <a:r>
+              <a:rPr lang="en-US" i="1" dirty="0" err="1" smtClean="0">
+                <a:latin typeface="Bookman Old Style" charset="0"/>
+                <a:ea typeface="Bookman Old Style" charset="0"/>
+                <a:cs typeface="Bookman Old Style" charset="0"/>
+              </a:rPr>
+              <a:t>iris.model.sam</a:t>
+            </a:r>
+            <a:r>
+              <a:rPr lang="en-US" i="1" dirty="0" smtClean="0">
+                <a:latin typeface="Bookman Old Style" charset="0"/>
+                <a:ea typeface="Bookman Old Style" charset="0"/>
+                <a:cs typeface="Bookman Old Style" charset="0"/>
+              </a:rPr>
+              <a:t> &lt;- </a:t>
+            </a:r>
+            <a:r>
+              <a:rPr lang="en-US" i="1" dirty="0" err="1" smtClean="0">
+                <a:latin typeface="Bookman Old Style" charset="0"/>
+                <a:ea typeface="Bookman Old Style" charset="0"/>
+                <a:cs typeface="Bookman Old Style" charset="0"/>
+              </a:rPr>
+              <a:t>SamSPECTRAL</a:t>
+            </a:r>
+            <a:r>
+              <a:rPr lang="en-US" i="1" dirty="0" smtClean="0">
+                <a:latin typeface="Bookman Old Style" charset="0"/>
+                <a:ea typeface="Bookman Old Style" charset="0"/>
+                <a:cs typeface="Bookman Old Style" charset="0"/>
+              </a:rPr>
+              <a:t>(</a:t>
+            </a:r>
+            <a:r>
+              <a:rPr lang="en-US" i="1" dirty="0" err="1" smtClean="0">
+                <a:latin typeface="Bookman Old Style" charset="0"/>
+                <a:ea typeface="Bookman Old Style" charset="0"/>
+                <a:cs typeface="Bookman Old Style" charset="0"/>
+              </a:rPr>
+              <a:t>iris.train</a:t>
+            </a:r>
+            <a:r>
+              <a:rPr lang="en-US" i="1" dirty="0" smtClean="0">
+                <a:latin typeface="Bookman Old Style" charset="0"/>
+                <a:ea typeface="Bookman Old Style" charset="0"/>
+                <a:cs typeface="Bookman Old Style" charset="0"/>
+              </a:rPr>
+              <a:t>, dimensions=c(1,2,3), </a:t>
+            </a:r>
+            <a:r>
+              <a:rPr lang="en-US" i="1" dirty="0" err="1" smtClean="0">
+                <a:latin typeface="Bookman Old Style" charset="0"/>
+                <a:ea typeface="Bookman Old Style" charset="0"/>
+                <a:cs typeface="Bookman Old Style" charset="0"/>
+              </a:rPr>
+              <a:t>normal.sigma</a:t>
+            </a:r>
+            <a:r>
+              <a:rPr lang="en-US" i="1" dirty="0" smtClean="0">
+                <a:latin typeface="Bookman Old Style" charset="0"/>
+                <a:ea typeface="Bookman Old Style" charset="0"/>
+                <a:cs typeface="Bookman Old Style" charset="0"/>
+              </a:rPr>
+              <a:t> = 3, </a:t>
+            </a:r>
+            <a:r>
+              <a:rPr lang="en-US" i="1" dirty="0" err="1" smtClean="0">
+                <a:latin typeface="Bookman Old Style" charset="0"/>
+                <a:ea typeface="Bookman Old Style" charset="0"/>
+                <a:cs typeface="Bookman Old Style" charset="0"/>
+              </a:rPr>
+              <a:t>separation.factor</a:t>
+            </a:r>
+            <a:r>
+              <a:rPr lang="en-US" i="1" dirty="0" smtClean="0">
+                <a:latin typeface="Bookman Old Style" charset="0"/>
+                <a:ea typeface="Bookman Old Style" charset="0"/>
+                <a:cs typeface="Bookman Old Style" charset="0"/>
+              </a:rPr>
+              <a:t> = 1.2)</a:t>
+            </a:r>
+          </a:p>
+          <a:p>
+            <a:r>
+              <a:rPr lang="en-US" dirty="0" smtClean="0">
+                <a:latin typeface="Bookman Old Style" charset="0"/>
+                <a:ea typeface="Bookman Old Style" charset="0"/>
+                <a:cs typeface="Bookman Old Style" charset="0"/>
+              </a:rPr>
+              <a:t>We then select the Species column (again) to indicate each point is allocated on cluster.</a:t>
+            </a:r>
+          </a:p>
+          <a:p>
+            <a:pPr lvl="1"/>
+            <a:r>
+              <a:rPr lang="en-US" i="1" dirty="0">
+                <a:latin typeface="Bookman Old Style" charset="0"/>
+                <a:ea typeface="Bookman Old Style" charset="0"/>
+                <a:cs typeface="Bookman Old Style" charset="0"/>
+              </a:rPr>
+              <a:t>(</a:t>
+            </a:r>
+            <a:r>
+              <a:rPr lang="en-US" i="1" dirty="0" err="1">
+                <a:latin typeface="Bookman Old Style" charset="0"/>
+                <a:ea typeface="Bookman Old Style" charset="0"/>
+                <a:cs typeface="Bookman Old Style" charset="0"/>
+              </a:rPr>
+              <a:t>iris.con_mat.sam</a:t>
+            </a:r>
+            <a:r>
+              <a:rPr lang="en-US" i="1" dirty="0">
+                <a:latin typeface="Bookman Old Style" charset="0"/>
+                <a:ea typeface="Bookman Old Style" charset="0"/>
+                <a:cs typeface="Bookman Old Style" charset="0"/>
+              </a:rPr>
+              <a:t> &lt;- table(</a:t>
+            </a:r>
+            <a:r>
+              <a:rPr lang="en-US" i="1" dirty="0" err="1">
+                <a:latin typeface="Bookman Old Style" charset="0"/>
+                <a:ea typeface="Bookman Old Style" charset="0"/>
+                <a:cs typeface="Bookman Old Style" charset="0"/>
+              </a:rPr>
+              <a:t>iris.model.sam</a:t>
+            </a:r>
+            <a:r>
+              <a:rPr lang="en-US" i="1" dirty="0">
+                <a:latin typeface="Bookman Old Style" charset="0"/>
+                <a:ea typeface="Bookman Old Style" charset="0"/>
+                <a:cs typeface="Bookman Old Style" charset="0"/>
+              </a:rPr>
+              <a:t>, </a:t>
+            </a:r>
+            <a:r>
+              <a:rPr lang="en-US" i="1" dirty="0" err="1">
+                <a:latin typeface="Bookman Old Style" charset="0"/>
+                <a:ea typeface="Bookman Old Style" charset="0"/>
+                <a:cs typeface="Bookman Old Style" charset="0"/>
+              </a:rPr>
+              <a:t>iris$Species</a:t>
+            </a:r>
+            <a:r>
+              <a:rPr lang="en-US" i="1" dirty="0">
+                <a:latin typeface="Bookman Old Style" charset="0"/>
+                <a:ea typeface="Bookman Old Style" charset="0"/>
+                <a:cs typeface="Bookman Old Style" charset="0"/>
+              </a:rPr>
+              <a:t>))</a:t>
+            </a:r>
+            <a:endParaRPr lang="en-US" i="1" dirty="0" smtClean="0">
+              <a:latin typeface="Bookman Old Style" charset="0"/>
+              <a:ea typeface="Bookman Old Style" charset="0"/>
+              <a:cs typeface="Bookman Old Style" charset="0"/>
+            </a:endParaRPr>
+          </a:p>
+        </p:txBody>
+      </p:sp>
+      <p:sp>
+        <p:nvSpPr>
+          <p:cNvPr id="4" name="Footer Placeholder 3"/>
+          <p:cNvSpPr>
+            <a:spLocks noGrp="1"/>
+          </p:cNvSpPr>
+          <p:nvPr>
+            <p:ph type="ftr" sz="quarter" idx="11"/>
+          </p:nvPr>
+        </p:nvSpPr>
+        <p:spPr>
+          <a:xfrm>
+            <a:off x="3040630" y="6019800"/>
+            <a:ext cx="7084177" cy="365125"/>
+          </a:xfrm>
+        </p:spPr>
+        <p:txBody>
+          <a:bodyPr/>
+          <a:lstStyle/>
+          <a:p>
+            <a:pPr algn="r"/>
+            <a:r>
+              <a:rPr lang="en-US" sz="1600" b="1" i="1" dirty="0" smtClean="0"/>
+              <a:t>Julie</a:t>
+            </a:r>
+            <a:endParaRPr lang="en-US" sz="1600" b="1" i="1" dirty="0"/>
+          </a:p>
+        </p:txBody>
+      </p:sp>
+    </p:spTree>
+    <p:extLst>
+      <p:ext uri="{BB962C8B-B14F-4D97-AF65-F5344CB8AC3E}">
+        <p14:creationId xmlns:p14="http://schemas.microsoft.com/office/powerpoint/2010/main" val="641274863"/>
+      </p:ext>
+    </p:extLst>
+  </p:cSld>
+  <p:clrMapOvr>
+    <a:masterClrMapping/>
+  </p:clrMapOvr>
+</p:sld>
+</file>
+
+<file path=ppt/slides/slide8.xml><?xml version="1.0" encoding="utf-8"?>
+<p:sld xmlns:a="http://schemas.openxmlformats.org/drawingml/2006/main" xmlns:r="http://schemas.openxmlformats.org/officeDocument/2006/relationships" xmlns:p="http://schemas.openxmlformats.org/presentationml/2006/main">
+  <p:cSld>
+    <p:spTree>
+      <p:nvGrpSpPr>
+        <p:cNvPr id="1" name=""/>
+        <p:cNvGrpSpPr/>
+        <p:nvPr/>
+      </p:nvGrpSpPr>
+      <p:grpSpPr>
+        <a:xfrm>
+          <a:off x="0" y="0"/>
+          <a:ext cx="0" cy="0"/>
+          <a:chOff x="0" y="0"/>
+          <a:chExt cx="0" cy="0"/>
+        </a:xfrm>
+      </p:grpSpPr>
+      <p:sp>
+        <p:nvSpPr>
+          <p:cNvPr id="2" name="Title 1"/>
+          <p:cNvSpPr>
+            <a:spLocks noGrp="1"/>
+          </p:cNvSpPr>
+          <p:nvPr>
+            <p:ph type="title"/>
+          </p:nvPr>
+        </p:nvSpPr>
+        <p:spPr/>
+        <p:txBody>
+          <a:bodyPr/>
+          <a:lstStyle/>
+          <a:p>
+            <a:r>
+              <a:rPr lang="en-US" i="1" dirty="0">
+                <a:latin typeface="Bookman Old Style" charset="0"/>
+                <a:ea typeface="Bookman Old Style" charset="0"/>
+                <a:cs typeface="Bookman Old Style" charset="0"/>
+              </a:rPr>
+              <a:t>Iris Data Set</a:t>
+            </a:r>
+          </a:p>
+        </p:txBody>
+      </p:sp>
+      <p:sp>
+        <p:nvSpPr>
+          <p:cNvPr id="3" name="Content Placeholder 2"/>
+          <p:cNvSpPr>
+            <a:spLocks noGrp="1"/>
+          </p:cNvSpPr>
+          <p:nvPr>
+            <p:ph idx="1"/>
+          </p:nvPr>
+        </p:nvSpPr>
+        <p:spPr>
+          <a:xfrm>
+            <a:off x="1484310" y="2352907"/>
+            <a:ext cx="10018713" cy="3769113"/>
+          </a:xfrm>
+        </p:spPr>
+        <p:txBody>
+          <a:bodyPr>
+            <a:normAutofit/>
+          </a:bodyPr>
+          <a:lstStyle/>
+          <a:p>
+            <a:pPr algn="ctr"/>
+            <a:r>
+              <a:rPr lang="en-US" b="1" dirty="0" err="1" smtClean="0">
+                <a:latin typeface="Bookman Old Style" charset="0"/>
+                <a:ea typeface="Bookman Old Style" charset="0"/>
+                <a:cs typeface="Bookman Old Style" charset="0"/>
+              </a:rPr>
+              <a:t>SamSPECTRAL</a:t>
+            </a:r>
+            <a:r>
+              <a:rPr lang="en-US" b="1" dirty="0" smtClean="0">
+                <a:latin typeface="Bookman Old Style" charset="0"/>
+                <a:ea typeface="Bookman Old Style" charset="0"/>
+                <a:cs typeface="Bookman Old Style" charset="0"/>
+              </a:rPr>
+              <a:t> Clustering</a:t>
+            </a:r>
+          </a:p>
+          <a:p>
+            <a:r>
+              <a:rPr lang="en-US" i="1" dirty="0" smtClean="0">
+                <a:latin typeface="Bookman Old Style" charset="0"/>
+                <a:ea typeface="Bookman Old Style" charset="0"/>
+                <a:cs typeface="Bookman Old Style" charset="0"/>
+              </a:rPr>
+              <a:t>Then we apply Bayesian probability (again) by sweeping the table</a:t>
+            </a:r>
+          </a:p>
+          <a:p>
+            <a:pPr lvl="1"/>
+            <a:r>
+              <a:rPr lang="en-US" i="1" dirty="0">
+                <a:latin typeface="Bookman Old Style" charset="0"/>
+                <a:ea typeface="Bookman Old Style" charset="0"/>
+                <a:cs typeface="Bookman Old Style" charset="0"/>
+              </a:rPr>
+              <a:t>(</a:t>
+            </a:r>
+            <a:r>
+              <a:rPr lang="en-US" i="1" dirty="0" err="1">
+                <a:latin typeface="Bookman Old Style" charset="0"/>
+                <a:ea typeface="Bookman Old Style" charset="0"/>
+                <a:cs typeface="Bookman Old Style" charset="0"/>
+              </a:rPr>
+              <a:t>iris.Bays.sam</a:t>
+            </a:r>
+            <a:r>
+              <a:rPr lang="en-US" i="1" dirty="0">
+                <a:latin typeface="Bookman Old Style" charset="0"/>
+                <a:ea typeface="Bookman Old Style" charset="0"/>
+                <a:cs typeface="Bookman Old Style" charset="0"/>
+              </a:rPr>
+              <a:t> &lt;- </a:t>
+            </a:r>
+            <a:r>
+              <a:rPr lang="en-US" i="1" dirty="0" err="1">
+                <a:latin typeface="Bookman Old Style" charset="0"/>
+                <a:ea typeface="Bookman Old Style" charset="0"/>
+                <a:cs typeface="Bookman Old Style" charset="0"/>
+              </a:rPr>
+              <a:t>prop.table</a:t>
+            </a:r>
+            <a:r>
+              <a:rPr lang="en-US" i="1" dirty="0">
+                <a:latin typeface="Bookman Old Style" charset="0"/>
+                <a:ea typeface="Bookman Old Style" charset="0"/>
+                <a:cs typeface="Bookman Old Style" charset="0"/>
+              </a:rPr>
+              <a:t>(</a:t>
+            </a:r>
+            <a:r>
+              <a:rPr lang="en-US" i="1" dirty="0" err="1">
+                <a:latin typeface="Bookman Old Style" charset="0"/>
+                <a:ea typeface="Bookman Old Style" charset="0"/>
+                <a:cs typeface="Bookman Old Style" charset="0"/>
+              </a:rPr>
+              <a:t>iris.con_mat.sam</a:t>
+            </a:r>
+            <a:r>
+              <a:rPr lang="en-US" i="1" dirty="0">
+                <a:latin typeface="Bookman Old Style" charset="0"/>
+                <a:ea typeface="Bookman Old Style" charset="0"/>
+                <a:cs typeface="Bookman Old Style" charset="0"/>
+              </a:rPr>
+              <a:t>, 1))</a:t>
+            </a:r>
+            <a:endParaRPr lang="en-US" i="1" dirty="0" smtClean="0">
+              <a:latin typeface="Bookman Old Style" charset="0"/>
+              <a:ea typeface="Bookman Old Style" charset="0"/>
+              <a:cs typeface="Bookman Old Style" charset="0"/>
+            </a:endParaRPr>
+          </a:p>
+          <a:p>
+            <a:r>
+              <a:rPr lang="en-US" i="1" dirty="0" smtClean="0">
+                <a:latin typeface="Bookman Old Style" charset="0"/>
+                <a:ea typeface="Bookman Old Style" charset="0"/>
+                <a:cs typeface="Bookman Old Style" charset="0"/>
+              </a:rPr>
+              <a:t>To test our result, we used a 2-D plot:</a:t>
+            </a:r>
+          </a:p>
+          <a:p>
+            <a:pPr lvl="1"/>
+            <a:r>
+              <a:rPr lang="en-US" i="1" dirty="0" err="1">
+                <a:latin typeface="Bookman Old Style" charset="0"/>
+                <a:ea typeface="Bookman Old Style" charset="0"/>
+                <a:cs typeface="Bookman Old Style" charset="0"/>
+              </a:rPr>
+              <a:t>clusplot</a:t>
+            </a:r>
+            <a:r>
+              <a:rPr lang="en-US" i="1" dirty="0">
+                <a:latin typeface="Bookman Old Style" charset="0"/>
+                <a:ea typeface="Bookman Old Style" charset="0"/>
+                <a:cs typeface="Bookman Old Style" charset="0"/>
+              </a:rPr>
+              <a:t>(iris, </a:t>
+            </a:r>
+            <a:r>
+              <a:rPr lang="en-US" i="1" dirty="0" err="1">
+                <a:latin typeface="Bookman Old Style" charset="0"/>
+                <a:ea typeface="Bookman Old Style" charset="0"/>
+                <a:cs typeface="Bookman Old Style" charset="0"/>
+              </a:rPr>
+              <a:t>iris.model.sam</a:t>
+            </a:r>
+            <a:r>
+              <a:rPr lang="en-US" i="1" dirty="0">
+                <a:latin typeface="Bookman Old Style" charset="0"/>
+                <a:ea typeface="Bookman Old Style" charset="0"/>
+                <a:cs typeface="Bookman Old Style" charset="0"/>
+              </a:rPr>
+              <a:t>, color=T, shade=T, labels=0, lines=0)</a:t>
+            </a:r>
+          </a:p>
+        </p:txBody>
+      </p:sp>
+      <p:sp>
+        <p:nvSpPr>
+          <p:cNvPr id="4" name="Footer Placeholder 3"/>
+          <p:cNvSpPr>
+            <a:spLocks noGrp="1"/>
+          </p:cNvSpPr>
+          <p:nvPr>
+            <p:ph type="ftr" sz="quarter" idx="11"/>
+          </p:nvPr>
+        </p:nvSpPr>
+        <p:spPr>
+          <a:xfrm>
+            <a:off x="2951577" y="6332034"/>
+            <a:ext cx="7084177" cy="365125"/>
+          </a:xfrm>
+        </p:spPr>
+        <p:txBody>
+          <a:bodyPr/>
+          <a:lstStyle/>
+          <a:p>
+            <a:pPr algn="r"/>
+            <a:r>
+              <a:rPr lang="en-US" sz="1600" b="1" i="1" dirty="0" smtClean="0"/>
+              <a:t>Julie</a:t>
+            </a:r>
+            <a:endParaRPr lang="en-US" sz="1600" b="1" i="1" dirty="0"/>
+          </a:p>
+        </p:txBody>
+      </p:sp>
+    </p:spTree>
+    <p:extLst>
+      <p:ext uri="{BB962C8B-B14F-4D97-AF65-F5344CB8AC3E}">
+        <p14:creationId xmlns:p14="http://schemas.microsoft.com/office/powerpoint/2010/main" val="462004502"/>
+      </p:ext>
+    </p:extLst>
+  </p:cSld>
+  <p:clrMapOvr>
+    <a:masterClrMapping/>
+  </p:clrMapOvr>
+</p:sld>
+</file>
+
+<file path=ppt/slides/slide9.xml><?xml version="1.0" encoding="utf-8"?>
+<p:sld xmlns:a="http://schemas.openxmlformats.org/drawingml/2006/main" xmlns:r="http://schemas.openxmlformats.org/officeDocument/2006/relationships" xmlns:p="http://schemas.openxmlformats.org/presentationml/2006/main">
+  <p:cSld>
+    <p:spTree>
+      <p:nvGrpSpPr>
+        <p:cNvPr id="1" name=""/>
+        <p:cNvGrpSpPr/>
+        <p:nvPr/>
+      </p:nvGrpSpPr>
+      <p:grpSpPr>
+        <a:xfrm>
+          <a:off x="0" y="0"/>
+          <a:ext cx="0" cy="0"/>
+          <a:chOff x="0" y="0"/>
+          <a:chExt cx="0" cy="0"/>
+        </a:xfrm>
+      </p:grpSpPr>
+      <p:sp>
+        <p:nvSpPr>
+          <p:cNvPr id="2" name="Title 1"/>
+          <p:cNvSpPr>
+            <a:spLocks noGrp="1"/>
+          </p:cNvSpPr>
+          <p:nvPr>
+            <p:ph type="title"/>
+          </p:nvPr>
+        </p:nvSpPr>
+        <p:spPr/>
+        <p:txBody>
+          <a:bodyPr/>
+          <a:lstStyle/>
+          <a:p>
+            <a:r>
+              <a:rPr lang="en-US" i="1" dirty="0">
+                <a:latin typeface="Bookman Old Style" charset="0"/>
+                <a:ea typeface="Bookman Old Style" charset="0"/>
+                <a:cs typeface="Bookman Old Style" charset="0"/>
+              </a:rPr>
+              <a:t>Iris Data Set</a:t>
+            </a:r>
+          </a:p>
+        </p:txBody>
+      </p:sp>
+      <p:sp>
+        <p:nvSpPr>
+          <p:cNvPr id="3" name="Content Placeholder 2"/>
+          <p:cNvSpPr>
+            <a:spLocks noGrp="1"/>
+          </p:cNvSpPr>
+          <p:nvPr>
+            <p:ph idx="1"/>
+          </p:nvPr>
+        </p:nvSpPr>
+        <p:spPr/>
+        <p:txBody>
+          <a:bodyPr>
+            <a:normAutofit fontScale="92500"/>
+          </a:bodyPr>
+          <a:lstStyle/>
+          <a:p>
+            <a:pPr algn="ctr"/>
+            <a:r>
+              <a:rPr lang="en-US" b="1" i="1" dirty="0" err="1">
+                <a:latin typeface="Bookman Old Style" charset="0"/>
+                <a:ea typeface="Bookman Old Style" charset="0"/>
+                <a:cs typeface="Bookman Old Style" charset="0"/>
+              </a:rPr>
+              <a:t>dbscan</a:t>
+            </a:r>
+            <a:r>
+              <a:rPr lang="en-US" b="1" i="1" dirty="0">
+                <a:latin typeface="Bookman Old Style" charset="0"/>
+                <a:ea typeface="Bookman Old Style" charset="0"/>
+                <a:cs typeface="Bookman Old Style" charset="0"/>
+              </a:rPr>
+              <a:t> Clustering</a:t>
+            </a:r>
+            <a:r>
+              <a:rPr lang="en-US" dirty="0" smtClean="0">
+                <a:latin typeface="Bookman Old Style" charset="0"/>
+                <a:ea typeface="Bookman Old Style" charset="0"/>
+                <a:cs typeface="Bookman Old Style" charset="0"/>
+              </a:rPr>
+              <a:t> </a:t>
+            </a:r>
+          </a:p>
+          <a:p>
+            <a:r>
+              <a:rPr lang="en-US" dirty="0" smtClean="0">
+                <a:latin typeface="Bookman Old Style" charset="0"/>
+                <a:ea typeface="Bookman Old Style" charset="0"/>
+                <a:cs typeface="Bookman Old Style" charset="0"/>
+              </a:rPr>
+              <a:t>And we model the training data set again </a:t>
+            </a:r>
+            <a:r>
+              <a:rPr lang="en-US" dirty="0">
+                <a:latin typeface="Bookman Old Style" charset="0"/>
+                <a:ea typeface="Bookman Old Style" charset="0"/>
+                <a:cs typeface="Bookman Old Style" charset="0"/>
+              </a:rPr>
+              <a:t>with </a:t>
+            </a:r>
+            <a:r>
+              <a:rPr lang="en-US" i="1" dirty="0" err="1">
+                <a:latin typeface="Bookman Old Style" charset="0"/>
+                <a:ea typeface="Bookman Old Style" charset="0"/>
+                <a:cs typeface="Bookman Old Style" charset="0"/>
+              </a:rPr>
+              <a:t>dbscan</a:t>
+            </a:r>
+            <a:r>
+              <a:rPr lang="en-US" dirty="0" smtClean="0">
+                <a:latin typeface="Bookman Old Style" charset="0"/>
+                <a:ea typeface="Bookman Old Style" charset="0"/>
+                <a:cs typeface="Bookman Old Style" charset="0"/>
+              </a:rPr>
+              <a:t>() function using the first 4 columns, with .5 as the size of the epsilon.</a:t>
+            </a:r>
+          </a:p>
+          <a:p>
+            <a:pPr lvl="1"/>
+            <a:r>
+              <a:rPr lang="en-US" i="1" dirty="0" err="1" smtClean="0">
+                <a:latin typeface="Bookman Old Style" charset="0"/>
+                <a:ea typeface="Bookman Old Style" charset="0"/>
+                <a:cs typeface="Bookman Old Style" charset="0"/>
+              </a:rPr>
+              <a:t>iris.model.db</a:t>
+            </a:r>
+            <a:r>
+              <a:rPr lang="en-US" i="1" dirty="0" smtClean="0">
+                <a:latin typeface="Bookman Old Style" charset="0"/>
+                <a:ea typeface="Bookman Old Style" charset="0"/>
+                <a:cs typeface="Bookman Old Style" charset="0"/>
+              </a:rPr>
+              <a:t> &lt;- </a:t>
+            </a:r>
+            <a:r>
+              <a:rPr lang="en-US" i="1" dirty="0" err="1" smtClean="0">
+                <a:latin typeface="Bookman Old Style" charset="0"/>
+                <a:ea typeface="Bookman Old Style" charset="0"/>
+                <a:cs typeface="Bookman Old Style" charset="0"/>
+              </a:rPr>
+              <a:t>dbscan</a:t>
+            </a:r>
+            <a:r>
+              <a:rPr lang="en-US" i="1" dirty="0" smtClean="0">
+                <a:latin typeface="Bookman Old Style" charset="0"/>
+                <a:ea typeface="Bookman Old Style" charset="0"/>
+                <a:cs typeface="Bookman Old Style" charset="0"/>
+              </a:rPr>
+              <a:t>(</a:t>
+            </a:r>
+            <a:r>
+              <a:rPr lang="en-US" i="1" dirty="0" err="1" smtClean="0">
+                <a:latin typeface="Bookman Old Style" charset="0"/>
+                <a:ea typeface="Bookman Old Style" charset="0"/>
+                <a:cs typeface="Bookman Old Style" charset="0"/>
+              </a:rPr>
+              <a:t>iris.train</a:t>
+            </a:r>
+            <a:r>
+              <a:rPr lang="en-US" i="1" dirty="0" smtClean="0">
+                <a:latin typeface="Bookman Old Style" charset="0"/>
+                <a:ea typeface="Bookman Old Style" charset="0"/>
+                <a:cs typeface="Bookman Old Style" charset="0"/>
+              </a:rPr>
+              <a:t>, eps=.5, </a:t>
+            </a:r>
+            <a:r>
+              <a:rPr lang="en-US" i="1" dirty="0" err="1" smtClean="0">
+                <a:latin typeface="Bookman Old Style" charset="0"/>
+                <a:ea typeface="Bookman Old Style" charset="0"/>
+                <a:cs typeface="Bookman Old Style" charset="0"/>
+              </a:rPr>
+              <a:t>minPts</a:t>
+            </a:r>
+            <a:r>
+              <a:rPr lang="en-US" i="1" dirty="0" smtClean="0">
+                <a:latin typeface="Bookman Old Style" charset="0"/>
+                <a:ea typeface="Bookman Old Style" charset="0"/>
+                <a:cs typeface="Bookman Old Style" charset="0"/>
+              </a:rPr>
+              <a:t> = 4)</a:t>
+            </a:r>
+          </a:p>
+          <a:p>
+            <a:r>
+              <a:rPr lang="en-US" dirty="0" smtClean="0">
+                <a:latin typeface="Bookman Old Style" charset="0"/>
+                <a:ea typeface="Bookman Old Style" charset="0"/>
+                <a:cs typeface="Bookman Old Style" charset="0"/>
+              </a:rPr>
+              <a:t>We then select the Species column (again) to indicate each point is allocated on cluster.</a:t>
+            </a:r>
+          </a:p>
+          <a:p>
+            <a:pPr lvl="1"/>
+            <a:r>
+              <a:rPr lang="en-US" i="1" dirty="0">
+                <a:latin typeface="Bookman Old Style" charset="0"/>
+                <a:ea typeface="Bookman Old Style" charset="0"/>
+                <a:cs typeface="Bookman Old Style" charset="0"/>
+              </a:rPr>
+              <a:t>(</a:t>
+            </a:r>
+            <a:r>
+              <a:rPr lang="en-US" i="1" dirty="0" err="1">
+                <a:latin typeface="Bookman Old Style" charset="0"/>
+                <a:ea typeface="Bookman Old Style" charset="0"/>
+                <a:cs typeface="Bookman Old Style" charset="0"/>
+              </a:rPr>
+              <a:t>iris.con_mat.db</a:t>
+            </a:r>
+            <a:r>
+              <a:rPr lang="en-US" i="1" dirty="0">
+                <a:latin typeface="Bookman Old Style" charset="0"/>
+                <a:ea typeface="Bookman Old Style" charset="0"/>
+                <a:cs typeface="Bookman Old Style" charset="0"/>
+              </a:rPr>
+              <a:t> &lt;- table(</a:t>
+            </a:r>
+            <a:r>
+              <a:rPr lang="en-US" i="1" dirty="0" err="1">
+                <a:latin typeface="Bookman Old Style" charset="0"/>
+                <a:ea typeface="Bookman Old Style" charset="0"/>
+                <a:cs typeface="Bookman Old Style" charset="0"/>
+              </a:rPr>
+              <a:t>iris.model.db$cluster</a:t>
+            </a:r>
+            <a:r>
+              <a:rPr lang="en-US" i="1" dirty="0">
+                <a:latin typeface="Bookman Old Style" charset="0"/>
+                <a:ea typeface="Bookman Old Style" charset="0"/>
+                <a:cs typeface="Bookman Old Style" charset="0"/>
+              </a:rPr>
+              <a:t>, </a:t>
+            </a:r>
+            <a:r>
+              <a:rPr lang="en-US" i="1" dirty="0" err="1">
+                <a:latin typeface="Bookman Old Style" charset="0"/>
+                <a:ea typeface="Bookman Old Style" charset="0"/>
+                <a:cs typeface="Bookman Old Style" charset="0"/>
+              </a:rPr>
+              <a:t>iris$Species</a:t>
+            </a:r>
+            <a:r>
+              <a:rPr lang="en-US" i="1" dirty="0">
+                <a:latin typeface="Bookman Old Style" charset="0"/>
+                <a:ea typeface="Bookman Old Style" charset="0"/>
+                <a:cs typeface="Bookman Old Style" charset="0"/>
+              </a:rPr>
+              <a:t>))</a:t>
+            </a:r>
+            <a:endParaRPr lang="en-US" i="1" dirty="0" smtClean="0">
+              <a:latin typeface="Bookman Old Style" charset="0"/>
+              <a:ea typeface="Bookman Old Style" charset="0"/>
+              <a:cs typeface="Bookman Old Style" charset="0"/>
+            </a:endParaRPr>
+          </a:p>
+        </p:txBody>
+      </p:sp>
+      <p:sp>
+        <p:nvSpPr>
+          <p:cNvPr id="4" name="Footer Placeholder 3"/>
+          <p:cNvSpPr>
+            <a:spLocks noGrp="1"/>
+          </p:cNvSpPr>
+          <p:nvPr>
+            <p:ph type="ftr" sz="quarter" idx="11"/>
+          </p:nvPr>
+        </p:nvSpPr>
+        <p:spPr>
+          <a:xfrm>
+            <a:off x="3040630" y="6019800"/>
+            <a:ext cx="7084177" cy="365125"/>
+          </a:xfrm>
+        </p:spPr>
+        <p:txBody>
+          <a:bodyPr/>
+          <a:lstStyle/>
+          <a:p>
+            <a:pPr algn="r"/>
+            <a:r>
+              <a:rPr lang="en-US" sz="1600" b="1" i="1" dirty="0" smtClean="0"/>
+              <a:t>Julie</a:t>
+            </a:r>
+            <a:endParaRPr lang="en-US" sz="1600" b="1" i="1" dirty="0"/>
+          </a:p>
+        </p:txBody>
+      </p:sp>
+    </p:spTree>
+    <p:extLst>
+      <p:ext uri="{BB962C8B-B14F-4D97-AF65-F5344CB8AC3E}">
+        <p14:creationId xmlns:p14="http://schemas.microsoft.com/office/powerpoint/2010/main" val="484922320"/>
       </p:ext>
     </p:extLst>
   </p:cSld>
@@ -6973,4 +10956,265 @@
     </a:ext>
   </a:extLst>
 </a:theme>
+</file>
+
+<file path=ppt/theme/theme2.xml><?xml version="1.0" encoding="utf-8"?>
+<a:theme xmlns:a="http://schemas.openxmlformats.org/drawingml/2006/main" name="Office Theme">
+  <a:themeElements>
+    <a:clrScheme name="Office">
+      <a:dk1>
+        <a:sysClr val="windowText" lastClr="000000"/>
+      </a:dk1>
+      <a:lt1>
+        <a:sysClr val="window" lastClr="FFFFFF"/>
+      </a:lt1>
+      <a:dk2>
+        <a:srgbClr val="44546A"/>
+      </a:dk2>
+      <a:lt2>
+        <a:srgbClr val="E7E6E6"/>
+      </a:lt2>
+      <a:accent1>
+        <a:srgbClr val="5B9BD5"/>
+      </a:accent1>
+      <a:accent2>
+        <a:srgbClr val="ED7D31"/>
+      </a:accent2>
+      <a:accent3>
+        <a:srgbClr val="A5A5A5"/>
+      </a:accent3>
+      <a:accent4>
+        <a:srgbClr val="FFC000"/>
+      </a:accent4>
+      <a:accent5>
+        <a:srgbClr val="4472C4"/>
+      </a:accent5>
+      <a:accent6>
+        <a:srgbClr val="70AD47"/>
+      </a:accent6>
+      <a:hlink>
+        <a:srgbClr val="0563C1"/>
+      </a:hlink>
+      <a:folHlink>
+        <a:srgbClr val="954F72"/>
+      </a:folHlink>
+    </a:clrScheme>
+    <a:fontScheme name="Office">
+      <a:majorFont>
+        <a:latin typeface="Calibri Light" panose="020F0302020204030204"/>
+        <a:ea typeface=""/>
+        <a:cs typeface=""/>
+        <a:font script="Jpan" typeface="ＭＳ Ｐゴシック"/>
+        <a:font script="Hang" typeface="맑은 고딕"/>
+        <a:font script="Hans" typeface="宋体"/>
+        <a:font script="Hant" typeface="新細明體"/>
+        <a:font script="Arab" typeface="Times New Roman"/>
+        <a:font script="Hebr" typeface="Times New Roman"/>
+        <a:font script="Thai" typeface="Angsana New"/>
+        <a:font script="Ethi" typeface="Nyala"/>
+        <a:font script="Beng" typeface="Vrinda"/>
+        <a:font script="Gujr" typeface="Shruti"/>
+        <a:font script="Khmr" typeface="MoolBoran"/>
+        <a:font script="Knda" typeface="Tunga"/>
+        <a:font script="Guru" typeface="Raavi"/>
+        <a:font script="Cans" typeface="Euphemia"/>
+        <a:font script="Cher" typeface="Plantagenet Cherokee"/>
+        <a:font script="Yiii" typeface="Microsoft Yi Baiti"/>
+        <a:font script="Tibt" typeface="Microsoft Himalaya"/>
+        <a:font script="Thaa" typeface="MV Boli"/>
+        <a:font script="Deva" typeface="Mangal"/>
+        <a:font script="Telu" typeface="Gautami"/>
+        <a:font script="Taml" typeface="Latha"/>
+        <a:font script="Syrc" typeface="Estrangelo Edessa"/>
+        <a:font script="Orya" typeface="Kalinga"/>
+        <a:font script="Mlym" typeface="Kartika"/>
+        <a:font script="Laoo" typeface="DokChampa"/>
+        <a:font script="Sinh" typeface="Iskoola Pota"/>
+        <a:font script="Mong" typeface="Mongolian Baiti"/>
+        <a:font script="Viet" typeface="Times New Roman"/>
+        <a:font script="Uigh" typeface="Microsoft Uighur"/>
+        <a:font script="Geor" typeface="Sylfaen"/>
+      </a:majorFont>
+      <a:minorFont>
+        <a:latin typeface="Calibri" panose="020F0502020204030204"/>
+        <a:ea typeface=""/>
+        <a:cs typeface=""/>
+        <a:font script="Jpan" typeface="ＭＳ Ｐゴシック"/>
+        <a:font script="Hang" typeface="맑은 고딕"/>
+        <a:font script="Hans" typeface="宋体"/>
+        <a:font script="Hant" typeface="新細明體"/>
+        <a:font script="Arab" typeface="Arial"/>
+        <a:font script="Hebr" typeface="Arial"/>
+        <a:font script="Thai" typeface="Cordia New"/>
+        <a:font script="Ethi" typeface="Nyala"/>
+        <a:font script="Beng" typeface="Vrinda"/>
+        <a:font script="Gujr" typeface="Shruti"/>
+        <a:font script="Khmr" typeface="DaunPenh"/>
+        <a:font script="Knda" typeface="Tunga"/>
+        <a:font script="Guru" typeface="Raavi"/>
+        <a:font script="Cans" typeface="Euphemia"/>
+        <a:font script="Cher" typeface="Plantagenet Cherokee"/>
+        <a:font script="Yiii" typeface="Microsoft Yi Baiti"/>
+        <a:font script="Tibt" typeface="Microsoft Himalaya"/>
+        <a:font script="Thaa" typeface="MV Boli"/>
+        <a:font script="Deva" typeface="Mangal"/>
+        <a:font script="Telu" typeface="Gautami"/>
+        <a:font script="Taml" typeface="Latha"/>
+        <a:font script="Syrc" typeface="Estrangelo Edessa"/>
+        <a:font script="Orya" typeface="Kalinga"/>
+        <a:font script="Mlym" typeface="Kartika"/>
+        <a:font script="Laoo" typeface="DokChampa"/>
+        <a:font script="Sinh" typeface="Iskoola Pota"/>
+        <a:font script="Mong" typeface="Mongolian Baiti"/>
+        <a:font script="Viet" typeface="Arial"/>
+        <a:font script="Uigh" typeface="Microsoft Uighur"/>
+        <a:font script="Geor" typeface="Sylfaen"/>
+      </a:minorFont>
+    </a:fontScheme>
+    <a:fmtScheme name="Office">
+      <a:fillStyleLst>
+        <a:solidFill>
+          <a:schemeClr val="phClr"/>
+        </a:solidFill>
+        <a:gradFill rotWithShape="1">
+          <a:gsLst>
+            <a:gs pos="0">
+              <a:schemeClr val="phClr">
+                <a:lumMod val="110000"/>
+                <a:satMod val="105000"/>
+                <a:tint val="67000"/>
+              </a:schemeClr>
+            </a:gs>
+            <a:gs pos="50000">
+              <a:schemeClr val="phClr">
+                <a:lumMod val="105000"/>
+                <a:satMod val="103000"/>
+                <a:tint val="73000"/>
+              </a:schemeClr>
+            </a:gs>
+            <a:gs pos="100000">
+              <a:schemeClr val="phClr">
+                <a:lumMod val="105000"/>
+                <a:satMod val="109000"/>
+                <a:tint val="81000"/>
+              </a:schemeClr>
+            </a:gs>
+          </a:gsLst>
+          <a:lin ang="5400000" scaled="0"/>
+        </a:gradFill>
+        <a:gradFill rotWithShape="1">
+          <a:gsLst>
+            <a:gs pos="0">
+              <a:schemeClr val="phClr">
+                <a:satMod val="103000"/>
+                <a:lumMod val="102000"/>
+                <a:tint val="94000"/>
+              </a:schemeClr>
+            </a:gs>
+            <a:gs pos="50000">
+              <a:schemeClr val="phClr">
+                <a:satMod val="110000"/>
+                <a:lumMod val="100000"/>
+                <a:shade val="100000"/>
+              </a:schemeClr>
+            </a:gs>
+            <a:gs pos="100000">
+              <a:schemeClr val="phClr">
+                <a:lumMod val="99000"/>
+                <a:satMod val="120000"/>
+                <a:shade val="78000"/>
+              </a:schemeClr>
+            </a:gs>
+          </a:gsLst>
+          <a:lin ang="5400000" scaled="0"/>
+        </a:gradFill>
+      </a:fillStyleLst>
+      <a:lnStyleLst>
+        <a:ln w="6350" cap="flat" cmpd="sng" algn="ctr">
+          <a:solidFill>
+            <a:schemeClr val="phClr"/>
+          </a:solidFill>
+          <a:prstDash val="solid"/>
+          <a:miter lim="800000"/>
+        </a:ln>
+        <a:ln w="12700" cap="flat" cmpd="sng" algn="ctr">
+          <a:solidFill>
+            <a:schemeClr val="phClr"/>
+          </a:solidFill>
+          <a:prstDash val="solid"/>
+          <a:miter lim="800000"/>
+        </a:ln>
+        <a:ln w="19050" cap="flat" cmpd="sng" algn="ctr">
+          <a:solidFill>
+            <a:schemeClr val="phClr"/>
+          </a:solidFill>
+          <a:prstDash val="solid"/>
+          <a:miter lim="800000"/>
+        </a:ln>
+      </a:lnStyleLst>
+      <a:effectStyleLst>
+        <a:effectStyle>
+          <a:effectLst/>
+        </a:effectStyle>
+        <a:effectStyle>
+          <a:effectLst/>
+        </a:effectStyle>
+        <a:effectStyle>
+          <a:effectLst>
+            <a:outerShdw blurRad="57150" dist="19050" dir="5400000" algn="ctr" rotWithShape="0">
+              <a:srgbClr val="000000">
+                <a:alpha val="63000"/>
+              </a:srgbClr>
+            </a:outerShdw>
+          </a:effectLst>
+        </a:effectStyle>
+      </a:effectStyleLst>
+      <a:bgFillStyleLst>
+        <a:solidFill>
+          <a:schemeClr val="phClr"/>
+        </a:solidFill>
+        <a:solidFill>
+          <a:schemeClr val="phClr">
+            <a:tint val="95000"/>
+            <a:satMod val="170000"/>
+          </a:schemeClr>
+        </a:solidFill>
+        <a:gradFill rotWithShape="1">
+          <a:gsLst>
+            <a:gs pos="0">
+              <a:schemeClr val="phClr">
+                <a:tint val="93000"/>
+                <a:satMod val="150000"/>
+                <a:shade val="98000"/>
+                <a:lumMod val="102000"/>
+              </a:schemeClr>
+            </a:gs>
+            <a:gs pos="50000">
+              <a:schemeClr val="phClr">
+                <a:tint val="98000"/>
+                <a:satMod val="130000"/>
+                <a:shade val="90000"/>
+                <a:lumMod val="103000"/>
+              </a:schemeClr>
+            </a:gs>
+            <a:gs pos="100000">
+              <a:schemeClr val="phClr">
+                <a:shade val="63000"/>
+                <a:satMod val="120000"/>
+              </a:schemeClr>
+            </a:gs>
+          </a:gsLst>
+          <a:lin ang="5400000" scaled="0"/>
+        </a:gradFill>
+      </a:bgFillStyleLst>
+    </a:fmtScheme>
+  </a:themeElements>
+  <a:objectDefaults/>
+  <a:extraClrSchemeLst/>
+  <a:extLst>
+    <a:ext uri="{05A4C25C-085E-4340-85A3-A5531E510DB2}">
+      <thm15:themeFamily xmlns:thm15="http://schemas.microsoft.com/office/thememl/2012/main" name="Office Theme" id="{62F939B6-93AF-4DB8-9C6B-D6C7DFDC589F}" vid="{4A3C46E8-61CC-4603-A589-7422A47A8E4A}"/>
+    </a:ext>
+  </a:extLst>
+</a:theme>
 </file>